--- a/hecBidding/20210903_ClusterPlacing Algorithm.pptx
+++ b/hecBidding/20210903_ClusterPlacing Algorithm.pptx
@@ -107,6 +107,11 @@
       </a:defRPr>
     </a:lvl9pPr>
   </p:defaultTextStyle>
+  <p:extLst>
+    <p:ext uri="{EFAFB233-063F-42B5-8137-9DF3F51BA10A}">
+      <p15:sldGuideLst xmlns:p15="http://schemas.microsoft.com/office/powerpoint/2012/main"/>
+    </p:ext>
+  </p:extLst>
 </p:presentation>
 </file>
 
@@ -152,10 +157,9 @@
           </a:lstStyle>
           <a:p>
             <a:r>
-              <a:rPr lang="ko-KR" altLang="en-US" smtClean="0"/>
+              <a:rPr lang="ko-KR" altLang="en-US"/>
               <a:t>마스터 제목 스타일 편집</a:t>
             </a:r>
-            <a:endParaRPr lang="ko-KR" altLang="en-US"/>
           </a:p>
         </p:txBody>
       </p:sp>
@@ -217,10 +221,9 @@
           </a:lstStyle>
           <a:p>
             <a:r>
-              <a:rPr lang="ko-KR" altLang="en-US" smtClean="0"/>
+              <a:rPr lang="ko-KR" altLang="en-US"/>
               <a:t>클릭하여 마스터 부제목 스타일 편집</a:t>
             </a:r>
-            <a:endParaRPr lang="ko-KR" altLang="en-US"/>
           </a:p>
         </p:txBody>
       </p:sp>
@@ -335,10 +338,9 @@
           <a:lstStyle/>
           <a:p>
             <a:r>
-              <a:rPr lang="ko-KR" altLang="en-US" smtClean="0"/>
+              <a:rPr lang="ko-KR" altLang="en-US"/>
               <a:t>마스터 제목 스타일 편집</a:t>
             </a:r>
-            <a:endParaRPr lang="ko-KR" altLang="en-US"/>
           </a:p>
         </p:txBody>
       </p:sp>
@@ -359,38 +361,37 @@
           <a:p>
             <a:pPr lvl="0"/>
             <a:r>
-              <a:rPr lang="ko-KR" altLang="en-US" smtClean="0"/>
+              <a:rPr lang="ko-KR" altLang="en-US"/>
               <a:t>마스터 텍스트 스타일 편집</a:t>
             </a:r>
           </a:p>
           <a:p>
             <a:pPr lvl="1"/>
             <a:r>
-              <a:rPr lang="ko-KR" altLang="en-US" smtClean="0"/>
+              <a:rPr lang="ko-KR" altLang="en-US"/>
               <a:t>둘째 수준</a:t>
             </a:r>
           </a:p>
           <a:p>
             <a:pPr lvl="2"/>
             <a:r>
-              <a:rPr lang="ko-KR" altLang="en-US" smtClean="0"/>
+              <a:rPr lang="ko-KR" altLang="en-US"/>
               <a:t>셋째 수준</a:t>
             </a:r>
           </a:p>
           <a:p>
             <a:pPr lvl="3"/>
             <a:r>
-              <a:rPr lang="ko-KR" altLang="en-US" smtClean="0"/>
+              <a:rPr lang="ko-KR" altLang="en-US"/>
               <a:t>넷째 수준</a:t>
             </a:r>
           </a:p>
           <a:p>
             <a:pPr lvl="4"/>
             <a:r>
-              <a:rPr lang="ko-KR" altLang="en-US" smtClean="0"/>
+              <a:rPr lang="ko-KR" altLang="en-US"/>
               <a:t>다섯째 수준</a:t>
             </a:r>
-            <a:endParaRPr lang="ko-KR" altLang="en-US"/>
           </a:p>
         </p:txBody>
       </p:sp>
@@ -510,10 +511,9 @@
           <a:lstStyle/>
           <a:p>
             <a:r>
-              <a:rPr lang="ko-KR" altLang="en-US" smtClean="0"/>
+              <a:rPr lang="ko-KR" altLang="en-US"/>
               <a:t>마스터 제목 스타일 편집</a:t>
             </a:r>
-            <a:endParaRPr lang="ko-KR" altLang="en-US"/>
           </a:p>
         </p:txBody>
       </p:sp>
@@ -539,38 +539,37 @@
           <a:p>
             <a:pPr lvl="0"/>
             <a:r>
-              <a:rPr lang="ko-KR" altLang="en-US" smtClean="0"/>
+              <a:rPr lang="ko-KR" altLang="en-US"/>
               <a:t>마스터 텍스트 스타일 편집</a:t>
             </a:r>
           </a:p>
           <a:p>
             <a:pPr lvl="1"/>
             <a:r>
-              <a:rPr lang="ko-KR" altLang="en-US" smtClean="0"/>
+              <a:rPr lang="ko-KR" altLang="en-US"/>
               <a:t>둘째 수준</a:t>
             </a:r>
           </a:p>
           <a:p>
             <a:pPr lvl="2"/>
             <a:r>
-              <a:rPr lang="ko-KR" altLang="en-US" smtClean="0"/>
+              <a:rPr lang="ko-KR" altLang="en-US"/>
               <a:t>셋째 수준</a:t>
             </a:r>
           </a:p>
           <a:p>
             <a:pPr lvl="3"/>
             <a:r>
-              <a:rPr lang="ko-KR" altLang="en-US" smtClean="0"/>
+              <a:rPr lang="ko-KR" altLang="en-US"/>
               <a:t>넷째 수준</a:t>
             </a:r>
           </a:p>
           <a:p>
             <a:pPr lvl="4"/>
             <a:r>
-              <a:rPr lang="ko-KR" altLang="en-US" smtClean="0"/>
+              <a:rPr lang="ko-KR" altLang="en-US"/>
               <a:t>다섯째 수준</a:t>
             </a:r>
-            <a:endParaRPr lang="ko-KR" altLang="en-US"/>
           </a:p>
         </p:txBody>
       </p:sp>
@@ -685,10 +684,9 @@
           <a:lstStyle/>
           <a:p>
             <a:r>
-              <a:rPr lang="ko-KR" altLang="en-US" smtClean="0"/>
+              <a:rPr lang="ko-KR" altLang="en-US"/>
               <a:t>마스터 제목 스타일 편집</a:t>
             </a:r>
-            <a:endParaRPr lang="ko-KR" altLang="en-US"/>
           </a:p>
         </p:txBody>
       </p:sp>
@@ -709,38 +707,37 @@
           <a:p>
             <a:pPr lvl="0"/>
             <a:r>
-              <a:rPr lang="ko-KR" altLang="en-US" smtClean="0"/>
+              <a:rPr lang="ko-KR" altLang="en-US"/>
               <a:t>마스터 텍스트 스타일 편집</a:t>
             </a:r>
           </a:p>
           <a:p>
             <a:pPr lvl="1"/>
             <a:r>
-              <a:rPr lang="ko-KR" altLang="en-US" smtClean="0"/>
+              <a:rPr lang="ko-KR" altLang="en-US"/>
               <a:t>둘째 수준</a:t>
             </a:r>
           </a:p>
           <a:p>
             <a:pPr lvl="2"/>
             <a:r>
-              <a:rPr lang="ko-KR" altLang="en-US" smtClean="0"/>
+              <a:rPr lang="ko-KR" altLang="en-US"/>
               <a:t>셋째 수준</a:t>
             </a:r>
           </a:p>
           <a:p>
             <a:pPr lvl="3"/>
             <a:r>
-              <a:rPr lang="ko-KR" altLang="en-US" smtClean="0"/>
+              <a:rPr lang="ko-KR" altLang="en-US"/>
               <a:t>넷째 수준</a:t>
             </a:r>
           </a:p>
           <a:p>
             <a:pPr lvl="4"/>
             <a:r>
-              <a:rPr lang="ko-KR" altLang="en-US" smtClean="0"/>
+              <a:rPr lang="ko-KR" altLang="en-US"/>
               <a:t>다섯째 수준</a:t>
             </a:r>
-            <a:endParaRPr lang="ko-KR" altLang="en-US"/>
           </a:p>
         </p:txBody>
       </p:sp>
@@ -864,10 +861,9 @@
           </a:lstStyle>
           <a:p>
             <a:r>
-              <a:rPr lang="ko-KR" altLang="en-US" smtClean="0"/>
+              <a:rPr lang="ko-KR" altLang="en-US"/>
               <a:t>마스터 제목 스타일 편집</a:t>
             </a:r>
-            <a:endParaRPr lang="ko-KR" altLang="en-US"/>
           </a:p>
         </p:txBody>
       </p:sp>
@@ -984,7 +980,7 @@
           <a:p>
             <a:pPr lvl="0"/>
             <a:r>
-              <a:rPr lang="ko-KR" altLang="en-US" smtClean="0"/>
+              <a:rPr lang="ko-KR" altLang="en-US"/>
               <a:t>마스터 텍스트 스타일 편집</a:t>
             </a:r>
           </a:p>
@@ -1101,10 +1097,9 @@
           <a:lstStyle/>
           <a:p>
             <a:r>
-              <a:rPr lang="ko-KR" altLang="en-US" smtClean="0"/>
+              <a:rPr lang="ko-KR" altLang="en-US"/>
               <a:t>마스터 제목 스타일 편집</a:t>
             </a:r>
-            <a:endParaRPr lang="ko-KR" altLang="en-US"/>
           </a:p>
         </p:txBody>
       </p:sp>
@@ -1130,38 +1125,37 @@
           <a:p>
             <a:pPr lvl="0"/>
             <a:r>
-              <a:rPr lang="ko-KR" altLang="en-US" smtClean="0"/>
+              <a:rPr lang="ko-KR" altLang="en-US"/>
               <a:t>마스터 텍스트 스타일 편집</a:t>
             </a:r>
           </a:p>
           <a:p>
             <a:pPr lvl="1"/>
             <a:r>
-              <a:rPr lang="ko-KR" altLang="en-US" smtClean="0"/>
+              <a:rPr lang="ko-KR" altLang="en-US"/>
               <a:t>둘째 수준</a:t>
             </a:r>
           </a:p>
           <a:p>
             <a:pPr lvl="2"/>
             <a:r>
-              <a:rPr lang="ko-KR" altLang="en-US" smtClean="0"/>
+              <a:rPr lang="ko-KR" altLang="en-US"/>
               <a:t>셋째 수준</a:t>
             </a:r>
           </a:p>
           <a:p>
             <a:pPr lvl="3"/>
             <a:r>
-              <a:rPr lang="ko-KR" altLang="en-US" smtClean="0"/>
+              <a:rPr lang="ko-KR" altLang="en-US"/>
               <a:t>넷째 수준</a:t>
             </a:r>
           </a:p>
           <a:p>
             <a:pPr lvl="4"/>
             <a:r>
-              <a:rPr lang="ko-KR" altLang="en-US" smtClean="0"/>
+              <a:rPr lang="ko-KR" altLang="en-US"/>
               <a:t>다섯째 수준</a:t>
             </a:r>
-            <a:endParaRPr lang="ko-KR" altLang="en-US"/>
           </a:p>
         </p:txBody>
       </p:sp>
@@ -1187,38 +1181,37 @@
           <a:p>
             <a:pPr lvl="0"/>
             <a:r>
-              <a:rPr lang="ko-KR" altLang="en-US" smtClean="0"/>
+              <a:rPr lang="ko-KR" altLang="en-US"/>
               <a:t>마스터 텍스트 스타일 편집</a:t>
             </a:r>
           </a:p>
           <a:p>
             <a:pPr lvl="1"/>
             <a:r>
-              <a:rPr lang="ko-KR" altLang="en-US" smtClean="0"/>
+              <a:rPr lang="ko-KR" altLang="en-US"/>
               <a:t>둘째 수준</a:t>
             </a:r>
           </a:p>
           <a:p>
             <a:pPr lvl="2"/>
             <a:r>
-              <a:rPr lang="ko-KR" altLang="en-US" smtClean="0"/>
+              <a:rPr lang="ko-KR" altLang="en-US"/>
               <a:t>셋째 수준</a:t>
             </a:r>
           </a:p>
           <a:p>
             <a:pPr lvl="3"/>
             <a:r>
-              <a:rPr lang="ko-KR" altLang="en-US" smtClean="0"/>
+              <a:rPr lang="ko-KR" altLang="en-US"/>
               <a:t>넷째 수준</a:t>
             </a:r>
           </a:p>
           <a:p>
             <a:pPr lvl="4"/>
             <a:r>
-              <a:rPr lang="ko-KR" altLang="en-US" smtClean="0"/>
+              <a:rPr lang="ko-KR" altLang="en-US"/>
               <a:t>다섯째 수준</a:t>
             </a:r>
-            <a:endParaRPr lang="ko-KR" altLang="en-US"/>
           </a:p>
         </p:txBody>
       </p:sp>
@@ -1338,10 +1331,9 @@
           <a:lstStyle/>
           <a:p>
             <a:r>
-              <a:rPr lang="ko-KR" altLang="en-US" smtClean="0"/>
+              <a:rPr lang="ko-KR" altLang="en-US"/>
               <a:t>마스터 제목 스타일 편집</a:t>
             </a:r>
-            <a:endParaRPr lang="ko-KR" altLang="en-US"/>
           </a:p>
         </p:txBody>
       </p:sp>
@@ -1404,7 +1396,7 @@
           <a:p>
             <a:pPr lvl="0"/>
             <a:r>
-              <a:rPr lang="ko-KR" altLang="en-US" smtClean="0"/>
+              <a:rPr lang="ko-KR" altLang="en-US"/>
               <a:t>마스터 텍스트 스타일 편집</a:t>
             </a:r>
           </a:p>
@@ -1432,38 +1424,37 @@
           <a:p>
             <a:pPr lvl="0"/>
             <a:r>
-              <a:rPr lang="ko-KR" altLang="en-US" smtClean="0"/>
+              <a:rPr lang="ko-KR" altLang="en-US"/>
               <a:t>마스터 텍스트 스타일 편집</a:t>
             </a:r>
           </a:p>
           <a:p>
             <a:pPr lvl="1"/>
             <a:r>
-              <a:rPr lang="ko-KR" altLang="en-US" smtClean="0"/>
+              <a:rPr lang="ko-KR" altLang="en-US"/>
               <a:t>둘째 수준</a:t>
             </a:r>
           </a:p>
           <a:p>
             <a:pPr lvl="2"/>
             <a:r>
-              <a:rPr lang="ko-KR" altLang="en-US" smtClean="0"/>
+              <a:rPr lang="ko-KR" altLang="en-US"/>
               <a:t>셋째 수준</a:t>
             </a:r>
           </a:p>
           <a:p>
             <a:pPr lvl="3"/>
             <a:r>
-              <a:rPr lang="ko-KR" altLang="en-US" smtClean="0"/>
+              <a:rPr lang="ko-KR" altLang="en-US"/>
               <a:t>넷째 수준</a:t>
             </a:r>
           </a:p>
           <a:p>
             <a:pPr lvl="4"/>
             <a:r>
-              <a:rPr lang="ko-KR" altLang="en-US" smtClean="0"/>
+              <a:rPr lang="ko-KR" altLang="en-US"/>
               <a:t>다섯째 수준</a:t>
             </a:r>
-            <a:endParaRPr lang="ko-KR" altLang="en-US"/>
           </a:p>
         </p:txBody>
       </p:sp>
@@ -1526,7 +1517,7 @@
           <a:p>
             <a:pPr lvl="0"/>
             <a:r>
-              <a:rPr lang="ko-KR" altLang="en-US" smtClean="0"/>
+              <a:rPr lang="ko-KR" altLang="en-US"/>
               <a:t>마스터 텍스트 스타일 편집</a:t>
             </a:r>
           </a:p>
@@ -1554,38 +1545,37 @@
           <a:p>
             <a:pPr lvl="0"/>
             <a:r>
-              <a:rPr lang="ko-KR" altLang="en-US" smtClean="0"/>
+              <a:rPr lang="ko-KR" altLang="en-US"/>
               <a:t>마스터 텍스트 스타일 편집</a:t>
             </a:r>
           </a:p>
           <a:p>
             <a:pPr lvl="1"/>
             <a:r>
-              <a:rPr lang="ko-KR" altLang="en-US" smtClean="0"/>
+              <a:rPr lang="ko-KR" altLang="en-US"/>
               <a:t>둘째 수준</a:t>
             </a:r>
           </a:p>
           <a:p>
             <a:pPr lvl="2"/>
             <a:r>
-              <a:rPr lang="ko-KR" altLang="en-US" smtClean="0"/>
+              <a:rPr lang="ko-KR" altLang="en-US"/>
               <a:t>셋째 수준</a:t>
             </a:r>
           </a:p>
           <a:p>
             <a:pPr lvl="3"/>
             <a:r>
-              <a:rPr lang="ko-KR" altLang="en-US" smtClean="0"/>
+              <a:rPr lang="ko-KR" altLang="en-US"/>
               <a:t>넷째 수준</a:t>
             </a:r>
           </a:p>
           <a:p>
             <a:pPr lvl="4"/>
             <a:r>
-              <a:rPr lang="ko-KR" altLang="en-US" smtClean="0"/>
+              <a:rPr lang="ko-KR" altLang="en-US"/>
               <a:t>다섯째 수준</a:t>
             </a:r>
-            <a:endParaRPr lang="ko-KR" altLang="en-US"/>
           </a:p>
         </p:txBody>
       </p:sp>
@@ -1700,10 +1690,9 @@
           <a:lstStyle/>
           <a:p>
             <a:r>
-              <a:rPr lang="ko-KR" altLang="en-US" smtClean="0"/>
+              <a:rPr lang="ko-KR" altLang="en-US"/>
               <a:t>마스터 제목 스타일 편집</a:t>
             </a:r>
-            <a:endParaRPr lang="ko-KR" altLang="en-US"/>
           </a:p>
         </p:txBody>
       </p:sp>
@@ -1922,10 +1911,9 @@
           </a:lstStyle>
           <a:p>
             <a:r>
-              <a:rPr lang="ko-KR" altLang="en-US" smtClean="0"/>
+              <a:rPr lang="ko-KR" altLang="en-US"/>
               <a:t>마스터 제목 스타일 편집</a:t>
             </a:r>
-            <a:endParaRPr lang="ko-KR" altLang="en-US"/>
           </a:p>
         </p:txBody>
       </p:sp>
@@ -1979,38 +1967,37 @@
           <a:p>
             <a:pPr lvl="0"/>
             <a:r>
-              <a:rPr lang="ko-KR" altLang="en-US" smtClean="0"/>
+              <a:rPr lang="ko-KR" altLang="en-US"/>
               <a:t>마스터 텍스트 스타일 편집</a:t>
             </a:r>
           </a:p>
           <a:p>
             <a:pPr lvl="1"/>
             <a:r>
-              <a:rPr lang="ko-KR" altLang="en-US" smtClean="0"/>
+              <a:rPr lang="ko-KR" altLang="en-US"/>
               <a:t>둘째 수준</a:t>
             </a:r>
           </a:p>
           <a:p>
             <a:pPr lvl="2"/>
             <a:r>
-              <a:rPr lang="ko-KR" altLang="en-US" smtClean="0"/>
+              <a:rPr lang="ko-KR" altLang="en-US"/>
               <a:t>셋째 수준</a:t>
             </a:r>
           </a:p>
           <a:p>
             <a:pPr lvl="3"/>
             <a:r>
-              <a:rPr lang="ko-KR" altLang="en-US" smtClean="0"/>
+              <a:rPr lang="ko-KR" altLang="en-US"/>
               <a:t>넷째 수준</a:t>
             </a:r>
           </a:p>
           <a:p>
             <a:pPr lvl="4"/>
             <a:r>
-              <a:rPr lang="ko-KR" altLang="en-US" smtClean="0"/>
+              <a:rPr lang="ko-KR" altLang="en-US"/>
               <a:t>다섯째 수준</a:t>
             </a:r>
-            <a:endParaRPr lang="ko-KR" altLang="en-US"/>
           </a:p>
         </p:txBody>
       </p:sp>
@@ -2073,7 +2060,7 @@
           <a:p>
             <a:pPr lvl="0"/>
             <a:r>
-              <a:rPr lang="ko-KR" altLang="en-US" smtClean="0"/>
+              <a:rPr lang="ko-KR" altLang="en-US"/>
               <a:t>마스터 텍스트 스타일 편집</a:t>
             </a:r>
           </a:p>
@@ -2199,10 +2186,9 @@
           </a:lstStyle>
           <a:p>
             <a:r>
-              <a:rPr lang="ko-KR" altLang="en-US" smtClean="0"/>
+              <a:rPr lang="ko-KR" altLang="en-US"/>
               <a:t>마스터 제목 스타일 편집</a:t>
             </a:r>
-            <a:endParaRPr lang="ko-KR" altLang="en-US"/>
           </a:p>
         </p:txBody>
       </p:sp>
@@ -2326,7 +2312,7 @@
           <a:p>
             <a:pPr lvl="0"/>
             <a:r>
-              <a:rPr lang="ko-KR" altLang="en-US" smtClean="0"/>
+              <a:rPr lang="ko-KR" altLang="en-US"/>
               <a:t>마스터 텍스트 스타일 편집</a:t>
             </a:r>
           </a:p>
@@ -2458,10 +2444,9 @@
           <a:lstStyle/>
           <a:p>
             <a:r>
-              <a:rPr lang="ko-KR" altLang="en-US" smtClean="0"/>
+              <a:rPr lang="ko-KR" altLang="en-US"/>
               <a:t>마스터 제목 스타일 편집</a:t>
             </a:r>
-            <a:endParaRPr lang="ko-KR" altLang="en-US"/>
           </a:p>
         </p:txBody>
       </p:sp>
@@ -2492,38 +2477,37 @@
           <a:p>
             <a:pPr lvl="0"/>
             <a:r>
-              <a:rPr lang="ko-KR" altLang="en-US" smtClean="0"/>
+              <a:rPr lang="ko-KR" altLang="en-US"/>
               <a:t>마스터 텍스트 스타일 편집</a:t>
             </a:r>
           </a:p>
           <a:p>
             <a:pPr lvl="1"/>
             <a:r>
-              <a:rPr lang="ko-KR" altLang="en-US" smtClean="0"/>
+              <a:rPr lang="ko-KR" altLang="en-US"/>
               <a:t>둘째 수준</a:t>
             </a:r>
           </a:p>
           <a:p>
             <a:pPr lvl="2"/>
             <a:r>
-              <a:rPr lang="ko-KR" altLang="en-US" smtClean="0"/>
+              <a:rPr lang="ko-KR" altLang="en-US"/>
               <a:t>셋째 수준</a:t>
             </a:r>
           </a:p>
           <a:p>
             <a:pPr lvl="3"/>
             <a:r>
-              <a:rPr lang="ko-KR" altLang="en-US" smtClean="0"/>
+              <a:rPr lang="ko-KR" altLang="en-US"/>
               <a:t>넷째 수준</a:t>
             </a:r>
           </a:p>
           <a:p>
             <a:pPr lvl="4"/>
             <a:r>
-              <a:rPr lang="ko-KR" altLang="en-US" smtClean="0"/>
+              <a:rPr lang="ko-KR" altLang="en-US"/>
               <a:t>다섯째 수준</a:t>
             </a:r>
-            <a:endParaRPr lang="ko-KR" altLang="en-US"/>
           </a:p>
         </p:txBody>
       </p:sp>
@@ -2990,18 +2974,11 @@
           <a:lstStyle/>
           <a:p>
             <a:r>
-              <a:rPr lang="en-US" altLang="ko-KR" sz="2400" dirty="0" smtClean="0">
-                <a:latin typeface="Artifakt Element" panose="020B0503050000020004" pitchFamily="34" charset="0"/>
-                <a:ea typeface="Artifakt Element" panose="020B0503050000020004" pitchFamily="34" charset="0"/>
-              </a:rPr>
-              <a:t>Cluster</a:t>
-            </a:r>
-            <a:r>
-              <a:rPr lang="en-US" altLang="ko-KR" sz="2400" dirty="0" smtClean="0">
-                <a:latin typeface="Artifakt Element" panose="020B0503050000020004" pitchFamily="34" charset="0"/>
-                <a:ea typeface="Artifakt Element" panose="020B0503050000020004" pitchFamily="34" charset="0"/>
-              </a:rPr>
-              <a:t> Placing Algorithm Concept</a:t>
+              <a:rPr lang="en-US" altLang="ko-KR" sz="2400" dirty="0">
+                <a:latin typeface="Artifakt Element" panose="020B0503050000020004" pitchFamily="34" charset="0"/>
+                <a:ea typeface="Artifakt Element" panose="020B0503050000020004" pitchFamily="34" charset="0"/>
+              </a:rPr>
+              <a:t>Cluster Placing Algorithm Concept</a:t>
             </a:r>
             <a:endParaRPr lang="ko-KR" altLang="en-US" sz="2400" dirty="0">
               <a:latin typeface="Artifakt Element" panose="020B0503050000020004" pitchFamily="34" charset="0"/>
@@ -3019,13 +2996,6 @@
   <p:clrMapOvr>
     <a:masterClrMapping/>
   </p:clrMapOvr>
-  <p:timing>
-    <p:tnLst>
-      <p:par>
-        <p:cTn id="1" dur="indefinite" restart="never" nodeType="tmRoot"/>
-      </p:par>
-    </p:tnLst>
-  </p:timing>
 </p:sld>
 </file>
 
@@ -3069,40 +3039,40 @@
           <a:lstStyle/>
           <a:p>
             <a:r>
-              <a:rPr lang="en-US" altLang="ko-KR" dirty="0" smtClean="0">
+              <a:rPr lang="en-US" altLang="ko-KR" dirty="0">
                 <a:latin typeface="Artifakt Element" panose="020B0503050000020004" pitchFamily="34" charset="0"/>
                 <a:ea typeface="Artifakt Element" panose="020B0503050000020004" pitchFamily="34" charset="0"/>
               </a:rPr>
               <a:t>Post </a:t>
             </a:r>
             <a:r>
-              <a:rPr lang="en-US" altLang="ko-KR" dirty="0" smtClean="0">
+              <a:rPr lang="en-US" altLang="ko-KR" dirty="0">
                 <a:latin typeface="Artifakt Element" panose="020B0503050000020004" pitchFamily="34" charset="0"/>
               </a:rPr>
               <a:t>Placing</a:t>
             </a:r>
-            <a:endParaRPr lang="en-US" altLang="ko-KR" dirty="0" smtClean="0">
+            <a:endParaRPr lang="en-US" altLang="ko-KR" dirty="0">
               <a:latin typeface="Artifakt Element" panose="020B0503050000020004" pitchFamily="34" charset="0"/>
               <a:ea typeface="Artifakt Element" panose="020B0503050000020004" pitchFamily="34" charset="0"/>
             </a:endParaRPr>
           </a:p>
           <a:p>
             <a:r>
-              <a:rPr lang="en-US" altLang="ko-KR" dirty="0" smtClean="0">
+              <a:rPr lang="en-US" altLang="ko-KR" dirty="0">
                 <a:latin typeface="Artifakt Element" panose="020B0503050000020004" pitchFamily="34" charset="0"/>
                 <a:ea typeface="Artifakt Element" panose="020B0503050000020004" pitchFamily="34" charset="0"/>
               </a:rPr>
               <a:t>(</a:t>
             </a:r>
             <a:r>
-              <a:rPr lang="ko-KR" altLang="en-US" dirty="0" smtClean="0">
+              <a:rPr lang="ko-KR" altLang="en-US" dirty="0">
                 <a:latin typeface="Artifakt Element" panose="020B0503050000020004" pitchFamily="34" charset="0"/>
                 <a:ea typeface="Artifakt Element" panose="020B0503050000020004" pitchFamily="34" charset="0"/>
               </a:rPr>
               <a:t>배치 후</a:t>
             </a:r>
             <a:r>
-              <a:rPr lang="en-US" altLang="ko-KR" dirty="0" smtClean="0">
+              <a:rPr lang="en-US" altLang="ko-KR" dirty="0">
                 <a:latin typeface="Artifakt Element" panose="020B0503050000020004" pitchFamily="34" charset="0"/>
                 <a:ea typeface="Artifakt Element" panose="020B0503050000020004" pitchFamily="34" charset="0"/>
               </a:rPr>
@@ -3137,33 +3107,33 @@
           <a:lstStyle/>
           <a:p>
             <a:r>
-              <a:rPr lang="en-US" altLang="ko-KR" dirty="0" smtClean="0">
+              <a:rPr lang="en-US" altLang="ko-KR" dirty="0">
                 <a:latin typeface="Artifakt Element" panose="020B0503050000020004" pitchFamily="34" charset="0"/>
                 <a:ea typeface="Artifakt Element" panose="020B0503050000020004" pitchFamily="34" charset="0"/>
               </a:rPr>
               <a:t>Pre </a:t>
             </a:r>
             <a:r>
-              <a:rPr lang="en-US" altLang="ko-KR" dirty="0" smtClean="0">
+              <a:rPr lang="en-US" altLang="ko-KR" dirty="0">
                 <a:latin typeface="Artifakt Element" panose="020B0503050000020004" pitchFamily="34" charset="0"/>
               </a:rPr>
               <a:t>Placing</a:t>
             </a:r>
-            <a:endParaRPr lang="en-US" altLang="ko-KR" dirty="0" smtClean="0">
+            <a:endParaRPr lang="en-US" altLang="ko-KR" dirty="0">
               <a:latin typeface="Artifakt Element" panose="020B0503050000020004" pitchFamily="34" charset="0"/>
               <a:ea typeface="Artifakt Element" panose="020B0503050000020004" pitchFamily="34" charset="0"/>
             </a:endParaRPr>
           </a:p>
           <a:p>
             <a:r>
-              <a:rPr lang="en-US" altLang="ko-KR" dirty="0" smtClean="0">
+              <a:rPr lang="en-US" altLang="ko-KR" dirty="0">
                 <a:latin typeface="Artifakt Element" panose="020B0503050000020004" pitchFamily="34" charset="0"/>
                 <a:ea typeface="Artifakt Element" panose="020B0503050000020004" pitchFamily="34" charset="0"/>
               </a:rPr>
               <a:t>(</a:t>
             </a:r>
             <a:r>
-              <a:rPr lang="ko-KR" altLang="en-US" dirty="0" smtClean="0">
+              <a:rPr lang="ko-KR" altLang="en-US" dirty="0">
                 <a:latin typeface="Artifakt Element" panose="020B0503050000020004" pitchFamily="34" charset="0"/>
                 <a:ea typeface="Artifakt Element" panose="020B0503050000020004" pitchFamily="34" charset="0"/>
               </a:rPr>
@@ -3246,7 +3216,7 @@
           <a:lstStyle/>
           <a:p>
             <a:r>
-              <a:rPr lang="en-US" altLang="ko-KR" dirty="0" smtClean="0">
+              <a:rPr lang="en-US" altLang="ko-KR" dirty="0">
                 <a:latin typeface="Artifakt Element" panose="020B0503050000020004" pitchFamily="34" charset="0"/>
                 <a:ea typeface="Artifakt Element" panose="020B0503050000020004" pitchFamily="34" charset="0"/>
               </a:rPr>
@@ -3281,18 +3251,11 @@
           <a:lstStyle/>
           <a:p>
             <a:r>
-              <a:rPr lang="en-US" altLang="ko-KR" dirty="0" smtClean="0">
-                <a:latin typeface="Artifakt Element" panose="020B0503050000020004" pitchFamily="34" charset="0"/>
-                <a:ea typeface="Artifakt Element" panose="020B0503050000020004" pitchFamily="34" charset="0"/>
-              </a:rPr>
-              <a:t>Cluster</a:t>
-            </a:r>
-            <a:r>
-              <a:rPr lang="en-US" altLang="ko-KR" dirty="0" smtClean="0">
-                <a:latin typeface="Artifakt Element" panose="020B0503050000020004" pitchFamily="34" charset="0"/>
-                <a:ea typeface="Artifakt Element" panose="020B0503050000020004" pitchFamily="34" charset="0"/>
-              </a:rPr>
-              <a:t> List</a:t>
+              <a:rPr lang="en-US" altLang="ko-KR" dirty="0">
+                <a:latin typeface="Artifakt Element" panose="020B0503050000020004" pitchFamily="34" charset="0"/>
+                <a:ea typeface="Artifakt Element" panose="020B0503050000020004" pitchFamily="34" charset="0"/>
+              </a:rPr>
+              <a:t>Cluster List</a:t>
             </a:r>
             <a:endParaRPr lang="ko-KR" altLang="en-US" dirty="0">
               <a:latin typeface="Artifakt Element" panose="020B0503050000020004" pitchFamily="34" charset="0"/>
@@ -3323,143 +3286,136 @@
           <a:lstStyle/>
           <a:p>
             <a:r>
-              <a:rPr lang="en-US" altLang="ko-KR" dirty="0" smtClean="0">
-                <a:latin typeface="Artifakt Element" panose="020B0503050000020004" pitchFamily="34" charset="0"/>
-                <a:ea typeface="Artifakt Element" panose="020B0503050000020004" pitchFamily="34" charset="0"/>
-              </a:rPr>
-              <a:t>Cluster</a:t>
-            </a:r>
-            <a:r>
-              <a:rPr lang="en-US" altLang="ko-KR" dirty="0" smtClean="0">
-                <a:latin typeface="Artifakt Element" panose="020B0503050000020004" pitchFamily="34" charset="0"/>
-                <a:ea typeface="Artifakt Element" panose="020B0503050000020004" pitchFamily="34" charset="0"/>
-              </a:rPr>
-              <a:t> 1</a:t>
-            </a:r>
-          </a:p>
-          <a:p>
-            <a:r>
-              <a:rPr lang="en-US" altLang="ko-KR" dirty="0" smtClean="0">
+              <a:rPr lang="en-US" altLang="ko-KR" dirty="0">
+                <a:latin typeface="Artifakt Element" panose="020B0503050000020004" pitchFamily="34" charset="0"/>
+                <a:ea typeface="Artifakt Element" panose="020B0503050000020004" pitchFamily="34" charset="0"/>
+              </a:rPr>
+              <a:t>Cluster 1</a:t>
+            </a:r>
+          </a:p>
+          <a:p>
+            <a:r>
+              <a:rPr lang="en-US" altLang="ko-KR" dirty="0">
                 <a:latin typeface="Artifakt Element" panose="020B0503050000020004" pitchFamily="34" charset="0"/>
                 <a:ea typeface="Artifakt Element" panose="020B0503050000020004" pitchFamily="34" charset="0"/>
               </a:rPr>
               <a:t>Cluster 2</a:t>
             </a:r>
-            <a:endParaRPr lang="ko-KR" altLang="en-US" dirty="0" smtClean="0">
+            <a:endParaRPr lang="ko-KR" altLang="en-US" dirty="0">
               <a:latin typeface="Artifakt Element" panose="020B0503050000020004" pitchFamily="34" charset="0"/>
             </a:endParaRPr>
           </a:p>
           <a:p>
             <a:r>
-              <a:rPr lang="en-US" altLang="ko-KR" dirty="0" smtClean="0">
+              <a:rPr lang="en-US" altLang="ko-KR" dirty="0">
                 <a:latin typeface="Artifakt Element" panose="020B0503050000020004" pitchFamily="34" charset="0"/>
                 <a:ea typeface="Artifakt Element" panose="020B0503050000020004" pitchFamily="34" charset="0"/>
               </a:rPr>
               <a:t>Cluster 3</a:t>
             </a:r>
-            <a:endParaRPr lang="ko-KR" altLang="en-US" dirty="0" smtClean="0">
+            <a:endParaRPr lang="ko-KR" altLang="en-US" dirty="0">
               <a:latin typeface="Artifakt Element" panose="020B0503050000020004" pitchFamily="34" charset="0"/>
             </a:endParaRPr>
           </a:p>
           <a:p>
             <a:r>
-              <a:rPr lang="en-US" altLang="ko-KR" dirty="0" smtClean="0">
+              <a:rPr lang="en-US" altLang="ko-KR" dirty="0">
                 <a:latin typeface="Artifakt Element" panose="020B0503050000020004" pitchFamily="34" charset="0"/>
                 <a:ea typeface="Artifakt Element" panose="020B0503050000020004" pitchFamily="34" charset="0"/>
               </a:rPr>
               <a:t>Cluster 5</a:t>
             </a:r>
-            <a:endParaRPr lang="ko-KR" altLang="en-US" dirty="0" smtClean="0">
+            <a:endParaRPr lang="ko-KR" altLang="en-US" dirty="0">
               <a:latin typeface="Artifakt Element" panose="020B0503050000020004" pitchFamily="34" charset="0"/>
             </a:endParaRPr>
           </a:p>
           <a:p>
             <a:r>
-              <a:rPr lang="en-US" altLang="ko-KR" dirty="0" smtClean="0">
+              <a:rPr lang="en-US" altLang="ko-KR" dirty="0">
                 <a:latin typeface="Artifakt Element" panose="020B0503050000020004" pitchFamily="34" charset="0"/>
                 <a:ea typeface="Artifakt Element" panose="020B0503050000020004" pitchFamily="34" charset="0"/>
               </a:rPr>
               <a:t>Cluster 4</a:t>
             </a:r>
-            <a:endParaRPr lang="ko-KR" altLang="en-US" dirty="0" smtClean="0">
+            <a:endParaRPr lang="ko-KR" altLang="en-US" dirty="0">
               <a:latin typeface="Artifakt Element" panose="020B0503050000020004" pitchFamily="34" charset="0"/>
             </a:endParaRPr>
           </a:p>
           <a:p>
             <a:r>
-              <a:rPr lang="en-US" altLang="ko-KR" dirty="0" smtClean="0">
+              <a:rPr lang="en-US" altLang="ko-KR" dirty="0">
                 <a:latin typeface="Artifakt Element" panose="020B0503050000020004" pitchFamily="34" charset="0"/>
                 <a:ea typeface="Artifakt Element" panose="020B0503050000020004" pitchFamily="34" charset="0"/>
               </a:rPr>
               <a:t>Cluster 6</a:t>
             </a:r>
-            <a:endParaRPr lang="ko-KR" altLang="en-US" dirty="0" smtClean="0">
+            <a:endParaRPr lang="ko-KR" altLang="en-US" dirty="0">
               <a:latin typeface="Artifakt Element" panose="020B0503050000020004" pitchFamily="34" charset="0"/>
             </a:endParaRPr>
           </a:p>
           <a:p>
             <a:r>
-              <a:rPr lang="en-US" altLang="ko-KR" dirty="0" smtClean="0">
+              <a:rPr lang="en-US" altLang="ko-KR" dirty="0">
                 <a:latin typeface="Artifakt Element" panose="020B0503050000020004" pitchFamily="34" charset="0"/>
                 <a:ea typeface="Artifakt Element" panose="020B0503050000020004" pitchFamily="34" charset="0"/>
               </a:rPr>
               <a:t>Cluster 7</a:t>
             </a:r>
-            <a:endParaRPr lang="ko-KR" altLang="en-US" dirty="0" smtClean="0">
+            <a:endParaRPr lang="ko-KR" altLang="en-US" dirty="0">
               <a:latin typeface="Artifakt Element" panose="020B0503050000020004" pitchFamily="34" charset="0"/>
             </a:endParaRPr>
           </a:p>
           <a:p>
             <a:r>
-              <a:rPr lang="en-US" altLang="ko-KR" dirty="0" smtClean="0">
+              <a:rPr lang="en-US" altLang="ko-KR" dirty="0">
                 <a:latin typeface="Artifakt Element" panose="020B0503050000020004" pitchFamily="34" charset="0"/>
                 <a:ea typeface="Artifakt Element" panose="020B0503050000020004" pitchFamily="34" charset="0"/>
               </a:rPr>
               <a:t>Cluster 8</a:t>
             </a:r>
-            <a:endParaRPr lang="ko-KR" altLang="en-US" dirty="0" smtClean="0">
+            <a:endParaRPr lang="ko-KR" altLang="en-US" dirty="0">
               <a:latin typeface="Artifakt Element" panose="020B0503050000020004" pitchFamily="34" charset="0"/>
             </a:endParaRPr>
           </a:p>
           <a:p>
             <a:r>
-              <a:rPr lang="en-US" altLang="ko-KR" dirty="0" smtClean="0">
+              <a:rPr lang="en-US" altLang="ko-KR" dirty="0">
                 <a:latin typeface="Artifakt Element" panose="020B0503050000020004" pitchFamily="34" charset="0"/>
                 <a:ea typeface="Artifakt Element" panose="020B0503050000020004" pitchFamily="34" charset="0"/>
               </a:rPr>
               <a:t>Cluster 9</a:t>
             </a:r>
-            <a:endParaRPr lang="ko-KR" altLang="en-US" dirty="0" smtClean="0">
+            <a:endParaRPr lang="ko-KR" altLang="en-US" dirty="0">
               <a:latin typeface="Artifakt Element" panose="020B0503050000020004" pitchFamily="34" charset="0"/>
             </a:endParaRPr>
           </a:p>
           <a:p>
             <a:r>
-              <a:rPr lang="en-US" altLang="ko-KR" dirty="0" smtClean="0">
+              <a:rPr lang="en-US" altLang="ko-KR" dirty="0">
                 <a:latin typeface="Artifakt Element" panose="020B0503050000020004" pitchFamily="34" charset="0"/>
                 <a:ea typeface="Artifakt Element" panose="020B0503050000020004" pitchFamily="34" charset="0"/>
               </a:rPr>
               <a:t>Cluster 10</a:t>
             </a:r>
-            <a:endParaRPr lang="ko-KR" altLang="en-US" dirty="0" smtClean="0">
+            <a:endParaRPr lang="ko-KR" altLang="en-US" dirty="0">
               <a:latin typeface="Artifakt Element" panose="020B0503050000020004" pitchFamily="34" charset="0"/>
             </a:endParaRPr>
           </a:p>
           <a:p>
             <a:r>
-              <a:rPr lang="en-US" altLang="ko-KR" dirty="0" smtClean="0">
+              <a:rPr lang="en-US" altLang="ko-KR" dirty="0">
                 <a:latin typeface="Artifakt Element" panose="020B0503050000020004" pitchFamily="34" charset="0"/>
                 <a:ea typeface="Artifakt Element" panose="020B0503050000020004" pitchFamily="34" charset="0"/>
               </a:rPr>
               <a:t>Cluster 11</a:t>
             </a:r>
-            <a:endParaRPr lang="ko-KR" altLang="en-US" dirty="0" smtClean="0">
+            <a:endParaRPr lang="ko-KR" altLang="en-US" dirty="0">
               <a:latin typeface="Artifakt Element" panose="020B0503050000020004" pitchFamily="34" charset="0"/>
             </a:endParaRPr>
           </a:p>
           <a:p>
             <a:r>
-              <a:rPr lang="en-US" altLang="ko-KR" dirty="0" smtClean="0">
+              <a:rPr lang="en-US" altLang="ko-KR" dirty="0">
                 <a:latin typeface="Artifakt Element" panose="020B0503050000020004" pitchFamily="34" charset="0"/>
               </a:rPr>
               <a:t>…</a:t>
@@ -3619,7 +3575,7 @@
           <a:lstStyle/>
           <a:p>
             <a:r>
-              <a:rPr lang="en-US" altLang="ko-KR" sz="1050" dirty="0" smtClean="0">
+              <a:rPr lang="en-US" altLang="ko-KR" sz="1050" dirty="0">
                 <a:latin typeface="Artifakt Element" panose="020B0503050000020004" pitchFamily="34" charset="0"/>
                 <a:ea typeface="Artifakt Element" panose="020B0503050000020004" pitchFamily="34" charset="0"/>
               </a:rPr>
@@ -3878,7 +3834,7 @@
           <a:lstStyle/>
           <a:p>
             <a:r>
-              <a:rPr lang="en-US" altLang="ko-KR" sz="1050" dirty="0" err="1" smtClean="0">
+              <a:rPr lang="en-US" altLang="ko-KR" sz="1050" dirty="0" err="1">
                 <a:solidFill>
                   <a:srgbClr val="FF0000"/>
                 </a:solidFill>
@@ -3887,7 +3843,7 @@
               <a:t>Convex’s</a:t>
             </a:r>
             <a:r>
-              <a:rPr lang="en-US" altLang="ko-KR" sz="1050" dirty="0" smtClean="0">
+              <a:rPr lang="en-US" altLang="ko-KR" sz="1050" dirty="0">
                 <a:solidFill>
                   <a:srgbClr val="FF0000"/>
                 </a:solidFill>
@@ -3898,7 +3854,7 @@
           </a:p>
           <a:p>
             <a:r>
-              <a:rPr lang="en-US" altLang="ko-KR" sz="1050" dirty="0" smtClean="0">
+              <a:rPr lang="en-US" altLang="ko-KR" sz="1050" dirty="0">
                 <a:solidFill>
                   <a:srgbClr val="FF0000"/>
                 </a:solidFill>
@@ -3907,7 +3863,7 @@
               <a:t>(</a:t>
             </a:r>
             <a:r>
-              <a:rPr lang="ko-KR" altLang="en-US" sz="1050" dirty="0" err="1" smtClean="0">
+              <a:rPr lang="ko-KR" altLang="en-US" sz="1050" dirty="0" err="1">
                 <a:solidFill>
                   <a:srgbClr val="FF0000"/>
                 </a:solidFill>
@@ -3916,7 +3872,7 @@
               <a:t>볼록껍질</a:t>
             </a:r>
             <a:r>
-              <a:rPr lang="ko-KR" altLang="en-US" sz="1050" dirty="0" smtClean="0">
+              <a:rPr lang="ko-KR" altLang="en-US" sz="1050" dirty="0">
                 <a:solidFill>
                   <a:srgbClr val="FF0000"/>
                 </a:solidFill>
@@ -3925,7 +3881,7 @@
               <a:t> 찾기 알고리즘</a:t>
             </a:r>
             <a:r>
-              <a:rPr lang="en-US" altLang="ko-KR" sz="1050" dirty="0" smtClean="0">
+              <a:rPr lang="en-US" altLang="ko-KR" sz="1050" dirty="0">
                 <a:solidFill>
                   <a:srgbClr val="FF0000"/>
                 </a:solidFill>
@@ -3966,7 +3922,7 @@
           <a:p>
             <a:pPr algn="ctr"/>
             <a:r>
-              <a:rPr lang="en-US" altLang="ko-KR" sz="800" dirty="0" smtClean="0">
+              <a:rPr lang="en-US" altLang="ko-KR" sz="800" dirty="0">
                 <a:solidFill>
                   <a:srgbClr val="00B0F0"/>
                 </a:solidFill>
@@ -3979,7 +3935,7 @@
           <a:p>
             <a:pPr algn="ctr"/>
             <a:r>
-              <a:rPr lang="en-US" altLang="ko-KR" sz="800" dirty="0" smtClean="0">
+              <a:rPr lang="en-US" altLang="ko-KR" sz="800" dirty="0">
                 <a:solidFill>
                   <a:srgbClr val="00B0F0"/>
                 </a:solidFill>
@@ -3988,13 +3944,6 @@
               </a:rPr>
               <a:t>(=I.P)</a:t>
             </a:r>
-            <a:endParaRPr lang="en-US" altLang="ko-KR" sz="800" dirty="0" smtClean="0">
-              <a:solidFill>
-                <a:srgbClr val="00B0F0"/>
-              </a:solidFill>
-              <a:latin typeface="Artifakt Element" panose="020B0503050000020004" pitchFamily="34" charset="0"/>
-              <a:ea typeface="Artifakt Element" panose="020B0503050000020004" pitchFamily="34" charset="0"/>
-            </a:endParaRPr>
           </a:p>
         </p:txBody>
       </p:sp>
@@ -4022,7 +3971,7 @@
           <a:p>
             <a:pPr algn="ctr"/>
             <a:r>
-              <a:rPr lang="en-US" altLang="ko-KR" sz="600" dirty="0" smtClean="0">
+              <a:rPr lang="en-US" altLang="ko-KR" sz="600" dirty="0">
                 <a:solidFill>
                   <a:srgbClr val="00B0F0"/>
                 </a:solidFill>
@@ -4196,7 +4145,7 @@
           <a:p>
             <a:pPr algn="ctr"/>
             <a:r>
-              <a:rPr lang="en-US" altLang="ko-KR" sz="600" dirty="0" smtClean="0">
+              <a:rPr lang="en-US" altLang="ko-KR" sz="600" dirty="0">
                 <a:solidFill>
                   <a:srgbClr val="00B0F0"/>
                 </a:solidFill>
@@ -4232,7 +4181,7 @@
           <a:p>
             <a:pPr algn="ctr"/>
             <a:r>
-              <a:rPr lang="en-US" altLang="ko-KR" sz="900" dirty="0" smtClean="0">
+              <a:rPr lang="en-US" altLang="ko-KR" sz="900" dirty="0">
                 <a:solidFill>
                   <a:srgbClr val="00B050"/>
                 </a:solidFill>
@@ -4245,7 +4194,7 @@
           <a:p>
             <a:pPr algn="ctr"/>
             <a:r>
-              <a:rPr lang="en-US" altLang="ko-KR" sz="900" dirty="0" smtClean="0">
+              <a:rPr lang="en-US" altLang="ko-KR" sz="900" dirty="0">
                 <a:solidFill>
                   <a:srgbClr val="00B050"/>
                 </a:solidFill>
@@ -4254,13 +4203,6 @@
               </a:rPr>
               <a:t>(=N.I.P)</a:t>
             </a:r>
-            <a:endParaRPr lang="en-US" altLang="ko-KR" sz="900" dirty="0" smtClean="0">
-              <a:solidFill>
-                <a:srgbClr val="00B050"/>
-              </a:solidFill>
-              <a:latin typeface="Artifakt Element" panose="020B0503050000020004" pitchFamily="34" charset="0"/>
-              <a:ea typeface="Artifakt Element" panose="020B0503050000020004" pitchFamily="34" charset="0"/>
-            </a:endParaRPr>
           </a:p>
         </p:txBody>
       </p:sp>
@@ -4338,77 +4280,84 @@
               <a:buAutoNum type="romanUcPeriod"/>
             </a:pPr>
             <a:r>
-              <a:rPr lang="en-US" altLang="ko-KR" sz="1600" dirty="0" smtClean="0">
+              <a:rPr lang="ko-KR" altLang="en-US" sz="1600" dirty="0">
+                <a:latin typeface="Artifakt Element" panose="020B0503050000020004" pitchFamily="34" charset="0"/>
+                <a:ea typeface="Artifakt Element" panose="020B0503050000020004" pitchFamily="34" charset="0"/>
+              </a:rPr>
+              <a:t>이동 기준점으로 </a:t>
+            </a:r>
+            <a:r>
+              <a:rPr lang="en-US" altLang="ko-KR" sz="1600" dirty="0">
                 <a:latin typeface="Artifakt Element" panose="020B0503050000020004" pitchFamily="34" charset="0"/>
                 <a:ea typeface="Artifakt Element" panose="020B0503050000020004" pitchFamily="34" charset="0"/>
               </a:rPr>
               <a:t>Cluster </a:t>
             </a:r>
             <a:r>
-              <a:rPr lang="ko-KR" altLang="en-US" sz="1600" dirty="0" smtClean="0">
+              <a:rPr lang="ko-KR" altLang="en-US" sz="1600" dirty="0">
                 <a:latin typeface="Artifakt Element" panose="020B0503050000020004" pitchFamily="34" charset="0"/>
                 <a:ea typeface="Artifakt Element" panose="020B0503050000020004" pitchFamily="34" charset="0"/>
               </a:rPr>
               <a:t>의 </a:t>
             </a:r>
             <a:r>
-              <a:rPr lang="en-US" altLang="ko-KR" sz="1600" dirty="0" smtClean="0">
+              <a:rPr lang="en-US" altLang="ko-KR" sz="1600" dirty="0">
                 <a:latin typeface="Artifakt Element" panose="020B0503050000020004" pitchFamily="34" charset="0"/>
                 <a:ea typeface="Artifakt Element" panose="020B0503050000020004" pitchFamily="34" charset="0"/>
               </a:rPr>
               <a:t>I.P &amp; N.I.P</a:t>
             </a:r>
             <a:r>
-              <a:rPr lang="ko-KR" altLang="en-US" sz="1600" dirty="0" smtClean="0">
+              <a:rPr lang="ko-KR" altLang="en-US" sz="1600" dirty="0">
                 <a:latin typeface="Artifakt Element" panose="020B0503050000020004" pitchFamily="34" charset="0"/>
                 <a:ea typeface="Artifakt Element" panose="020B0503050000020004" pitchFamily="34" charset="0"/>
               </a:rPr>
               <a:t>를 찾는다</a:t>
             </a:r>
             <a:r>
-              <a:rPr lang="en-US" altLang="ko-KR" sz="1600" dirty="0" smtClean="0">
+              <a:rPr lang="en-US" altLang="ko-KR" sz="1600" dirty="0">
                 <a:latin typeface="Artifakt Element" panose="020B0503050000020004" pitchFamily="34" charset="0"/>
                 <a:ea typeface="Artifakt Element" panose="020B0503050000020004" pitchFamily="34" charset="0"/>
               </a:rPr>
               <a:t>(</a:t>
             </a:r>
             <a:r>
-              <a:rPr lang="ko-KR" altLang="en-US" sz="1600" dirty="0" smtClean="0">
+              <a:rPr lang="ko-KR" altLang="en-US" sz="1600" dirty="0">
                 <a:latin typeface="Artifakt Element" panose="020B0503050000020004" pitchFamily="34" charset="0"/>
                 <a:ea typeface="Artifakt Element" panose="020B0503050000020004" pitchFamily="34" charset="0"/>
               </a:rPr>
               <a:t>없다면 </a:t>
             </a:r>
             <a:r>
-              <a:rPr lang="ko-KR" altLang="en-US" sz="1600" dirty="0" err="1" smtClean="0">
+              <a:rPr lang="ko-KR" altLang="en-US" sz="1600" dirty="0" err="1">
                 <a:latin typeface="Artifakt Element" panose="020B0503050000020004" pitchFamily="34" charset="0"/>
                 <a:ea typeface="Artifakt Element" panose="020B0503050000020004" pitchFamily="34" charset="0"/>
               </a:rPr>
               <a:t>좌상단</a:t>
             </a:r>
             <a:r>
-              <a:rPr lang="ko-KR" altLang="en-US" sz="1600" dirty="0" smtClean="0">
+              <a:rPr lang="ko-KR" altLang="en-US" sz="1600" dirty="0">
                 <a:latin typeface="Artifakt Element" panose="020B0503050000020004" pitchFamily="34" charset="0"/>
                 <a:ea typeface="Artifakt Element" panose="020B0503050000020004" pitchFamily="34" charset="0"/>
               </a:rPr>
               <a:t> </a:t>
             </a:r>
             <a:r>
-              <a:rPr lang="en-US" altLang="ko-KR" sz="1600" dirty="0" smtClean="0">
+              <a:rPr lang="en-US" altLang="ko-KR" sz="1600" dirty="0">
                 <a:latin typeface="Artifakt Element" panose="020B0503050000020004" pitchFamily="34" charset="0"/>
                 <a:ea typeface="Artifakt Element" panose="020B0503050000020004" pitchFamily="34" charset="0"/>
               </a:rPr>
               <a:t>Point</a:t>
             </a:r>
             <a:r>
-              <a:rPr lang="ko-KR" altLang="en-US" sz="1600" dirty="0" smtClean="0">
+              <a:rPr lang="ko-KR" altLang="en-US" sz="1600" dirty="0">
                 <a:latin typeface="Artifakt Element" panose="020B0503050000020004" pitchFamily="34" charset="0"/>
                 <a:ea typeface="Artifakt Element" panose="020B0503050000020004" pitchFamily="34" charset="0"/>
               </a:rPr>
               <a:t>를 위치 이동 기준점으로 설정</a:t>
             </a:r>
             <a:r>
-              <a:rPr lang="en-US" altLang="ko-KR" sz="1600" dirty="0" smtClean="0">
+              <a:rPr lang="en-US" altLang="ko-KR" sz="1600" dirty="0">
                 <a:latin typeface="Artifakt Element" panose="020B0503050000020004" pitchFamily="34" charset="0"/>
                 <a:ea typeface="Artifakt Element" panose="020B0503050000020004" pitchFamily="34" charset="0"/>
               </a:rPr>
@@ -4421,20 +4370,20 @@
               <a:buAutoNum type="romanUcPeriod"/>
             </a:pPr>
             <a:r>
-              <a:rPr lang="en-US" altLang="ko-KR" sz="1600" dirty="0" smtClean="0">
+              <a:rPr lang="en-US" altLang="ko-KR" sz="1600" dirty="0">
                 <a:latin typeface="Artifakt Element" panose="020B0503050000020004" pitchFamily="34" charset="0"/>
                 <a:ea typeface="Artifakt Element" panose="020B0503050000020004" pitchFamily="34" charset="0"/>
               </a:rPr>
               <a:t>Post Rectangle </a:t>
             </a:r>
             <a:r>
-              <a:rPr lang="ko-KR" altLang="en-US" sz="1600" dirty="0" smtClean="0">
+              <a:rPr lang="ko-KR" altLang="en-US" sz="1600" dirty="0">
                 <a:latin typeface="Artifakt Element" panose="020B0503050000020004" pitchFamily="34" charset="0"/>
                 <a:ea typeface="Artifakt Element" panose="020B0503050000020004" pitchFamily="34" charset="0"/>
               </a:rPr>
               <a:t>리스트에 원소가 있는지 확인</a:t>
             </a:r>
-            <a:endParaRPr lang="en-US" altLang="ko-KR" sz="1600" dirty="0" smtClean="0">
+            <a:endParaRPr lang="en-US" altLang="ko-KR" sz="1600" dirty="0">
               <a:latin typeface="Artifakt Element" panose="020B0503050000020004" pitchFamily="34" charset="0"/>
               <a:ea typeface="Artifakt Element" panose="020B0503050000020004" pitchFamily="34" charset="0"/>
             </a:endParaRPr>
@@ -4445,61 +4394,61 @@
               <a:buAutoNum type="romanUcPeriod"/>
             </a:pPr>
             <a:r>
-              <a:rPr lang="ko-KR" altLang="en-US" sz="1600" dirty="0" smtClean="0">
+              <a:rPr lang="ko-KR" altLang="en-US" sz="1600" dirty="0">
                 <a:latin typeface="Artifakt Element" panose="020B0503050000020004" pitchFamily="34" charset="0"/>
               </a:rPr>
               <a:t>원소가 없다면 해당 </a:t>
             </a:r>
             <a:r>
-              <a:rPr lang="en-US" altLang="ko-KR" sz="1600" dirty="0" smtClean="0">
+              <a:rPr lang="en-US" altLang="ko-KR" sz="1600" dirty="0">
                 <a:latin typeface="Artifakt Element" panose="020B0503050000020004" pitchFamily="34" charset="0"/>
               </a:rPr>
               <a:t>Cluster</a:t>
             </a:r>
             <a:r>
-              <a:rPr lang="ko-KR" altLang="en-US" sz="1600" dirty="0" smtClean="0">
+              <a:rPr lang="ko-KR" altLang="en-US" sz="1600" dirty="0">
                 <a:latin typeface="Artifakt Element" panose="020B0503050000020004" pitchFamily="34" charset="0"/>
               </a:rPr>
               <a:t>의 </a:t>
             </a:r>
             <a:r>
-              <a:rPr lang="ko-KR" altLang="en-US" sz="1600" dirty="0" err="1" smtClean="0">
+              <a:rPr lang="ko-KR" altLang="en-US" sz="1600" dirty="0" err="1">
                 <a:latin typeface="Artifakt Element" panose="020B0503050000020004" pitchFamily="34" charset="0"/>
               </a:rPr>
               <a:t>좌상단</a:t>
             </a:r>
             <a:r>
-              <a:rPr lang="ko-KR" altLang="en-US" sz="1600" dirty="0" smtClean="0">
+              <a:rPr lang="ko-KR" altLang="en-US" sz="1600" dirty="0">
                 <a:latin typeface="Artifakt Element" panose="020B0503050000020004" pitchFamily="34" charset="0"/>
               </a:rPr>
               <a:t> 점을 찾고</a:t>
             </a:r>
             <a:r>
-              <a:rPr lang="en-US" altLang="ko-KR" sz="1600" dirty="0" smtClean="0">
+              <a:rPr lang="en-US" altLang="ko-KR" sz="1600" dirty="0">
                 <a:latin typeface="Artifakt Element" panose="020B0503050000020004" pitchFamily="34" charset="0"/>
               </a:rPr>
               <a:t>, </a:t>
             </a:r>
             <a:r>
-              <a:rPr lang="ko-KR" altLang="en-US" sz="1600" dirty="0" smtClean="0">
+              <a:rPr lang="ko-KR" altLang="en-US" sz="1600" dirty="0">
                 <a:latin typeface="Artifakt Element" panose="020B0503050000020004" pitchFamily="34" charset="0"/>
               </a:rPr>
               <a:t>이를 기준으로 </a:t>
             </a:r>
             <a:r>
-              <a:rPr lang="en-US" altLang="ko-KR" sz="1600" dirty="0" smtClean="0">
+              <a:rPr lang="en-US" altLang="ko-KR" sz="1600" dirty="0">
                 <a:latin typeface="Artifakt Element" panose="020B0503050000020004" pitchFamily="34" charset="0"/>
               </a:rPr>
               <a:t>Origin Point</a:t>
             </a:r>
             <a:r>
-              <a:rPr lang="ko-KR" altLang="en-US" sz="1600" dirty="0" smtClean="0">
+              <a:rPr lang="ko-KR" altLang="en-US" sz="1600" dirty="0">
                 <a:latin typeface="Artifakt Element" panose="020B0503050000020004" pitchFamily="34" charset="0"/>
               </a:rPr>
               <a:t>에 배치한다</a:t>
             </a:r>
             <a:r>
-              <a:rPr lang="en-US" altLang="ko-KR" sz="1600" dirty="0" smtClean="0">
+              <a:rPr lang="en-US" altLang="ko-KR" sz="1600" dirty="0">
                 <a:latin typeface="Artifakt Element" panose="020B0503050000020004" pitchFamily="34" charset="0"/>
               </a:rPr>
               <a:t>.</a:t>
@@ -4511,37 +4460,37 @@
               <a:buAutoNum type="romanUcPeriod"/>
             </a:pPr>
             <a:r>
-              <a:rPr lang="ko-KR" altLang="en-US" sz="1600" dirty="0" smtClean="0">
+              <a:rPr lang="ko-KR" altLang="en-US" sz="1600" dirty="0">
                 <a:latin typeface="Artifakt Element" panose="020B0503050000020004" pitchFamily="34" charset="0"/>
               </a:rPr>
               <a:t>해당 </a:t>
             </a:r>
             <a:r>
-              <a:rPr lang="en-US" altLang="ko-KR" sz="1600" dirty="0" smtClean="0">
+              <a:rPr lang="en-US" altLang="ko-KR" sz="1600" dirty="0">
                 <a:latin typeface="Artifakt Element" panose="020B0503050000020004" pitchFamily="34" charset="0"/>
               </a:rPr>
               <a:t>Cluster</a:t>
             </a:r>
             <a:r>
-              <a:rPr lang="ko-KR" altLang="en-US" sz="1600" dirty="0" smtClean="0">
+              <a:rPr lang="ko-KR" altLang="en-US" sz="1600" dirty="0">
                 <a:latin typeface="Artifakt Element" panose="020B0503050000020004" pitchFamily="34" charset="0"/>
               </a:rPr>
               <a:t>를 </a:t>
             </a:r>
             <a:r>
-              <a:rPr lang="en-US" altLang="ko-KR" sz="1600" dirty="0" smtClean="0">
+              <a:rPr lang="en-US" altLang="ko-KR" sz="1600" dirty="0">
                 <a:latin typeface="Artifakt Element" panose="020B0503050000020004" pitchFamily="34" charset="0"/>
               </a:rPr>
               <a:t>Post Cluster </a:t>
             </a:r>
             <a:r>
-              <a:rPr lang="ko-KR" altLang="en-US" sz="1600" dirty="0" smtClean="0">
+              <a:rPr lang="ko-KR" altLang="en-US" sz="1600" dirty="0">
                 <a:latin typeface="Artifakt Element" panose="020B0503050000020004" pitchFamily="34" charset="0"/>
               </a:rPr>
               <a:t>리스트에 </a:t>
             </a:r>
             <a:r>
-              <a:rPr lang="en-US" altLang="ko-KR" sz="1600" dirty="0" smtClean="0">
+              <a:rPr lang="en-US" altLang="ko-KR" sz="1600" dirty="0">
                 <a:latin typeface="Artifakt Element" panose="020B0503050000020004" pitchFamily="34" charset="0"/>
               </a:rPr>
               <a:t>append</a:t>
@@ -4702,7 +4651,7 @@
           <a:p>
             <a:pPr algn="ctr"/>
             <a:r>
-              <a:rPr lang="en-US" altLang="ko-KR" sz="800" dirty="0" smtClean="0">
+              <a:rPr lang="en-US" altLang="ko-KR" sz="800" dirty="0">
                 <a:solidFill>
                   <a:srgbClr val="00B0F0"/>
                 </a:solidFill>
@@ -4715,7 +4664,7 @@
           <a:p>
             <a:pPr algn="ctr"/>
             <a:r>
-              <a:rPr lang="en-US" altLang="ko-KR" sz="800" dirty="0" smtClean="0">
+              <a:rPr lang="en-US" altLang="ko-KR" sz="800" dirty="0">
                 <a:solidFill>
                   <a:srgbClr val="00B0F0"/>
                 </a:solidFill>
@@ -4724,13 +4673,6 @@
               </a:rPr>
               <a:t>(=I.P)</a:t>
             </a:r>
-            <a:endParaRPr lang="en-US" altLang="ko-KR" sz="800" dirty="0" smtClean="0">
-              <a:solidFill>
-                <a:srgbClr val="00B0F0"/>
-              </a:solidFill>
-              <a:latin typeface="Artifakt Element" panose="020B0503050000020004" pitchFamily="34" charset="0"/>
-              <a:ea typeface="Artifakt Element" panose="020B0503050000020004" pitchFamily="34" charset="0"/>
-            </a:endParaRPr>
           </a:p>
         </p:txBody>
       </p:sp>
@@ -4758,7 +4700,7 @@
           <a:p>
             <a:pPr algn="ctr"/>
             <a:r>
-              <a:rPr lang="en-US" altLang="ko-KR" sz="600" dirty="0" smtClean="0">
+              <a:rPr lang="en-US" altLang="ko-KR" sz="600" dirty="0">
                 <a:solidFill>
                   <a:srgbClr val="00B0F0"/>
                 </a:solidFill>
@@ -4932,7 +4874,7 @@
           <a:p>
             <a:pPr algn="ctr"/>
             <a:r>
-              <a:rPr lang="en-US" altLang="ko-KR" sz="600" dirty="0" smtClean="0">
+              <a:rPr lang="en-US" altLang="ko-KR" sz="600" dirty="0">
                 <a:solidFill>
                   <a:srgbClr val="00B0F0"/>
                 </a:solidFill>
@@ -5131,7 +5073,7 @@
           <a:p>
             <a:pPr algn="ctr"/>
             <a:r>
-              <a:rPr lang="en-US" altLang="ko-KR" sz="600" dirty="0" smtClean="0">
+              <a:rPr lang="en-US" altLang="ko-KR" sz="600" dirty="0">
                 <a:solidFill>
                   <a:srgbClr val="00B0F0"/>
                 </a:solidFill>
@@ -5305,7 +5247,7 @@
           <a:p>
             <a:pPr algn="ctr"/>
             <a:r>
-              <a:rPr lang="en-US" altLang="ko-KR" sz="600" dirty="0" smtClean="0">
+              <a:rPr lang="en-US" altLang="ko-KR" sz="600" dirty="0">
                 <a:solidFill>
                   <a:srgbClr val="00B0F0"/>
                 </a:solidFill>
@@ -5419,13 +5361,6 @@
   <p:clrMapOvr>
     <a:masterClrMapping/>
   </p:clrMapOvr>
-  <p:timing>
-    <p:tnLst>
-      <p:par>
-        <p:cTn id="1" dur="indefinite" restart="never" nodeType="tmRoot"/>
-      </p:par>
-    </p:tnLst>
-  </p:timing>
 </p:sld>
 </file>
 
@@ -5733,14 +5668,14 @@
           <a:lstStyle/>
           <a:p>
             <a:r>
-              <a:rPr lang="en-US" altLang="ko-KR" dirty="0" smtClean="0">
+              <a:rPr lang="en-US" altLang="ko-KR" dirty="0">
                 <a:latin typeface="Artifakt Element" panose="020B0503050000020004" pitchFamily="34" charset="0"/>
                 <a:ea typeface="Artifakt Element" panose="020B0503050000020004" pitchFamily="34" charset="0"/>
               </a:rPr>
               <a:t>Post </a:t>
             </a:r>
             <a:r>
-              <a:rPr lang="en-US" altLang="ko-KR" dirty="0" smtClean="0">
+              <a:rPr lang="en-US" altLang="ko-KR" dirty="0">
                 <a:latin typeface="Artifakt Element" panose="020B0503050000020004" pitchFamily="34" charset="0"/>
               </a:rPr>
               <a:t>Placing</a:t>
@@ -5748,21 +5683,21 @@
           </a:p>
           <a:p>
             <a:r>
-              <a:rPr lang="en-US" altLang="ko-KR" dirty="0" smtClean="0">
+              <a:rPr lang="en-US" altLang="ko-KR" dirty="0">
                 <a:latin typeface="Artifakt Element" panose="020B0503050000020004" pitchFamily="34" charset="0"/>
                 <a:ea typeface="Artifakt Element" panose="020B0503050000020004" pitchFamily="34" charset="0"/>
               </a:rPr>
               <a:t>(</a:t>
             </a:r>
             <a:r>
-              <a:rPr lang="ko-KR" altLang="en-US" dirty="0" smtClean="0">
+              <a:rPr lang="ko-KR" altLang="en-US" dirty="0">
                 <a:latin typeface="Artifakt Element" panose="020B0503050000020004" pitchFamily="34" charset="0"/>
                 <a:ea typeface="Artifakt Element" panose="020B0503050000020004" pitchFamily="34" charset="0"/>
               </a:rPr>
               <a:t>배치 후</a:t>
             </a:r>
             <a:r>
-              <a:rPr lang="en-US" altLang="ko-KR" dirty="0" smtClean="0">
+              <a:rPr lang="en-US" altLang="ko-KR" dirty="0">
                 <a:latin typeface="Artifakt Element" panose="020B0503050000020004" pitchFamily="34" charset="0"/>
                 <a:ea typeface="Artifakt Element" panose="020B0503050000020004" pitchFamily="34" charset="0"/>
               </a:rPr>
@@ -5797,14 +5732,14 @@
           <a:lstStyle/>
           <a:p>
             <a:r>
-              <a:rPr lang="en-US" altLang="ko-KR" dirty="0" smtClean="0">
+              <a:rPr lang="en-US" altLang="ko-KR" dirty="0">
                 <a:latin typeface="Artifakt Element" panose="020B0503050000020004" pitchFamily="34" charset="0"/>
                 <a:ea typeface="Artifakt Element" panose="020B0503050000020004" pitchFamily="34" charset="0"/>
               </a:rPr>
               <a:t>Pre </a:t>
             </a:r>
             <a:r>
-              <a:rPr lang="en-US" altLang="ko-KR" dirty="0" smtClean="0">
+              <a:rPr lang="en-US" altLang="ko-KR" dirty="0">
                 <a:latin typeface="Artifakt Element" panose="020B0503050000020004" pitchFamily="34" charset="0"/>
               </a:rPr>
               <a:t>Placing</a:t>
@@ -5812,14 +5747,14 @@
           </a:p>
           <a:p>
             <a:r>
-              <a:rPr lang="en-US" altLang="ko-KR" dirty="0" smtClean="0">
+              <a:rPr lang="en-US" altLang="ko-KR" dirty="0">
                 <a:latin typeface="Artifakt Element" panose="020B0503050000020004" pitchFamily="34" charset="0"/>
                 <a:ea typeface="Artifakt Element" panose="020B0503050000020004" pitchFamily="34" charset="0"/>
               </a:rPr>
               <a:t>(</a:t>
             </a:r>
             <a:r>
-              <a:rPr lang="ko-KR" altLang="en-US" dirty="0" smtClean="0">
+              <a:rPr lang="ko-KR" altLang="en-US" dirty="0">
                 <a:latin typeface="Artifakt Element" panose="020B0503050000020004" pitchFamily="34" charset="0"/>
                 <a:ea typeface="Artifakt Element" panose="020B0503050000020004" pitchFamily="34" charset="0"/>
               </a:rPr>
@@ -5902,7 +5837,7 @@
           <a:lstStyle/>
           <a:p>
             <a:r>
-              <a:rPr lang="en-US" altLang="ko-KR" dirty="0" smtClean="0">
+              <a:rPr lang="en-US" altLang="ko-KR" dirty="0">
                 <a:latin typeface="Artifakt Element" panose="020B0503050000020004" pitchFamily="34" charset="0"/>
                 <a:ea typeface="Artifakt Element" panose="020B0503050000020004" pitchFamily="34" charset="0"/>
               </a:rPr>
@@ -5937,18 +5872,11 @@
           <a:lstStyle/>
           <a:p>
             <a:r>
-              <a:rPr lang="en-US" altLang="ko-KR" dirty="0" smtClean="0">
-                <a:latin typeface="Artifakt Element" panose="020B0503050000020004" pitchFamily="34" charset="0"/>
-                <a:ea typeface="Artifakt Element" panose="020B0503050000020004" pitchFamily="34" charset="0"/>
-              </a:rPr>
-              <a:t>Cluster</a:t>
-            </a:r>
-            <a:r>
-              <a:rPr lang="en-US" altLang="ko-KR" dirty="0" smtClean="0">
-                <a:latin typeface="Artifakt Element" panose="020B0503050000020004" pitchFamily="34" charset="0"/>
-                <a:ea typeface="Artifakt Element" panose="020B0503050000020004" pitchFamily="34" charset="0"/>
-              </a:rPr>
-              <a:t> List</a:t>
+              <a:rPr lang="en-US" altLang="ko-KR" dirty="0">
+                <a:latin typeface="Artifakt Element" panose="020B0503050000020004" pitchFamily="34" charset="0"/>
+                <a:ea typeface="Artifakt Element" panose="020B0503050000020004" pitchFamily="34" charset="0"/>
+              </a:rPr>
+              <a:t>Cluster List</a:t>
             </a:r>
             <a:endParaRPr lang="ko-KR" altLang="en-US" dirty="0">
               <a:latin typeface="Artifakt Element" panose="020B0503050000020004" pitchFamily="34" charset="0"/>
@@ -5979,143 +5907,136 @@
           <a:lstStyle/>
           <a:p>
             <a:r>
-              <a:rPr lang="en-US" altLang="ko-KR" dirty="0" smtClean="0">
-                <a:latin typeface="Artifakt Element" panose="020B0503050000020004" pitchFamily="34" charset="0"/>
-                <a:ea typeface="Artifakt Element" panose="020B0503050000020004" pitchFamily="34" charset="0"/>
-              </a:rPr>
-              <a:t>Cluster</a:t>
-            </a:r>
-            <a:r>
-              <a:rPr lang="en-US" altLang="ko-KR" dirty="0" smtClean="0">
-                <a:latin typeface="Artifakt Element" panose="020B0503050000020004" pitchFamily="34" charset="0"/>
-                <a:ea typeface="Artifakt Element" panose="020B0503050000020004" pitchFamily="34" charset="0"/>
-              </a:rPr>
-              <a:t> 1</a:t>
-            </a:r>
-          </a:p>
-          <a:p>
-            <a:r>
-              <a:rPr lang="en-US" altLang="ko-KR" dirty="0" smtClean="0">
+              <a:rPr lang="en-US" altLang="ko-KR" dirty="0">
+                <a:latin typeface="Artifakt Element" panose="020B0503050000020004" pitchFamily="34" charset="0"/>
+                <a:ea typeface="Artifakt Element" panose="020B0503050000020004" pitchFamily="34" charset="0"/>
+              </a:rPr>
+              <a:t>Cluster 1</a:t>
+            </a:r>
+          </a:p>
+          <a:p>
+            <a:r>
+              <a:rPr lang="en-US" altLang="ko-KR" dirty="0">
                 <a:latin typeface="Artifakt Element" panose="020B0503050000020004" pitchFamily="34" charset="0"/>
                 <a:ea typeface="Artifakt Element" panose="020B0503050000020004" pitchFamily="34" charset="0"/>
               </a:rPr>
               <a:t>Cluster 2</a:t>
             </a:r>
-            <a:endParaRPr lang="ko-KR" altLang="en-US" dirty="0" smtClean="0">
+            <a:endParaRPr lang="ko-KR" altLang="en-US" dirty="0">
               <a:latin typeface="Artifakt Element" panose="020B0503050000020004" pitchFamily="34" charset="0"/>
             </a:endParaRPr>
           </a:p>
           <a:p>
             <a:r>
-              <a:rPr lang="en-US" altLang="ko-KR" dirty="0" smtClean="0">
+              <a:rPr lang="en-US" altLang="ko-KR" dirty="0">
                 <a:latin typeface="Artifakt Element" panose="020B0503050000020004" pitchFamily="34" charset="0"/>
                 <a:ea typeface="Artifakt Element" panose="020B0503050000020004" pitchFamily="34" charset="0"/>
               </a:rPr>
               <a:t>Cluster 3</a:t>
             </a:r>
-            <a:endParaRPr lang="ko-KR" altLang="en-US" dirty="0" smtClean="0">
+            <a:endParaRPr lang="ko-KR" altLang="en-US" dirty="0">
               <a:latin typeface="Artifakt Element" panose="020B0503050000020004" pitchFamily="34" charset="0"/>
             </a:endParaRPr>
           </a:p>
           <a:p>
             <a:r>
-              <a:rPr lang="en-US" altLang="ko-KR" dirty="0" smtClean="0">
+              <a:rPr lang="en-US" altLang="ko-KR" dirty="0">
                 <a:latin typeface="Artifakt Element" panose="020B0503050000020004" pitchFamily="34" charset="0"/>
                 <a:ea typeface="Artifakt Element" panose="020B0503050000020004" pitchFamily="34" charset="0"/>
               </a:rPr>
               <a:t>Cluster 5</a:t>
             </a:r>
-            <a:endParaRPr lang="ko-KR" altLang="en-US" dirty="0" smtClean="0">
+            <a:endParaRPr lang="ko-KR" altLang="en-US" dirty="0">
               <a:latin typeface="Artifakt Element" panose="020B0503050000020004" pitchFamily="34" charset="0"/>
             </a:endParaRPr>
           </a:p>
           <a:p>
             <a:r>
-              <a:rPr lang="en-US" altLang="ko-KR" dirty="0" smtClean="0">
+              <a:rPr lang="en-US" altLang="ko-KR" dirty="0">
                 <a:latin typeface="Artifakt Element" panose="020B0503050000020004" pitchFamily="34" charset="0"/>
                 <a:ea typeface="Artifakt Element" panose="020B0503050000020004" pitchFamily="34" charset="0"/>
               </a:rPr>
               <a:t>Cluster 4</a:t>
             </a:r>
-            <a:endParaRPr lang="ko-KR" altLang="en-US" dirty="0" smtClean="0">
+            <a:endParaRPr lang="ko-KR" altLang="en-US" dirty="0">
               <a:latin typeface="Artifakt Element" panose="020B0503050000020004" pitchFamily="34" charset="0"/>
             </a:endParaRPr>
           </a:p>
           <a:p>
             <a:r>
-              <a:rPr lang="en-US" altLang="ko-KR" dirty="0" smtClean="0">
+              <a:rPr lang="en-US" altLang="ko-KR" dirty="0">
                 <a:latin typeface="Artifakt Element" panose="020B0503050000020004" pitchFamily="34" charset="0"/>
                 <a:ea typeface="Artifakt Element" panose="020B0503050000020004" pitchFamily="34" charset="0"/>
               </a:rPr>
               <a:t>Cluster 6</a:t>
             </a:r>
-            <a:endParaRPr lang="ko-KR" altLang="en-US" dirty="0" smtClean="0">
+            <a:endParaRPr lang="ko-KR" altLang="en-US" dirty="0">
               <a:latin typeface="Artifakt Element" panose="020B0503050000020004" pitchFamily="34" charset="0"/>
             </a:endParaRPr>
           </a:p>
           <a:p>
             <a:r>
-              <a:rPr lang="en-US" altLang="ko-KR" dirty="0" smtClean="0">
+              <a:rPr lang="en-US" altLang="ko-KR" dirty="0">
                 <a:latin typeface="Artifakt Element" panose="020B0503050000020004" pitchFamily="34" charset="0"/>
                 <a:ea typeface="Artifakt Element" panose="020B0503050000020004" pitchFamily="34" charset="0"/>
               </a:rPr>
               <a:t>Cluster 7</a:t>
             </a:r>
-            <a:endParaRPr lang="ko-KR" altLang="en-US" dirty="0" smtClean="0">
+            <a:endParaRPr lang="ko-KR" altLang="en-US" dirty="0">
               <a:latin typeface="Artifakt Element" panose="020B0503050000020004" pitchFamily="34" charset="0"/>
             </a:endParaRPr>
           </a:p>
           <a:p>
             <a:r>
-              <a:rPr lang="en-US" altLang="ko-KR" dirty="0" smtClean="0">
+              <a:rPr lang="en-US" altLang="ko-KR" dirty="0">
                 <a:latin typeface="Artifakt Element" panose="020B0503050000020004" pitchFamily="34" charset="0"/>
                 <a:ea typeface="Artifakt Element" panose="020B0503050000020004" pitchFamily="34" charset="0"/>
               </a:rPr>
               <a:t>Cluster 8</a:t>
             </a:r>
-            <a:endParaRPr lang="ko-KR" altLang="en-US" dirty="0" smtClean="0">
+            <a:endParaRPr lang="ko-KR" altLang="en-US" dirty="0">
               <a:latin typeface="Artifakt Element" panose="020B0503050000020004" pitchFamily="34" charset="0"/>
             </a:endParaRPr>
           </a:p>
           <a:p>
             <a:r>
-              <a:rPr lang="en-US" altLang="ko-KR" dirty="0" smtClean="0">
+              <a:rPr lang="en-US" altLang="ko-KR" dirty="0">
                 <a:latin typeface="Artifakt Element" panose="020B0503050000020004" pitchFamily="34" charset="0"/>
                 <a:ea typeface="Artifakt Element" panose="020B0503050000020004" pitchFamily="34" charset="0"/>
               </a:rPr>
               <a:t>Cluster 9</a:t>
             </a:r>
-            <a:endParaRPr lang="ko-KR" altLang="en-US" dirty="0" smtClean="0">
+            <a:endParaRPr lang="ko-KR" altLang="en-US" dirty="0">
               <a:latin typeface="Artifakt Element" panose="020B0503050000020004" pitchFamily="34" charset="0"/>
             </a:endParaRPr>
           </a:p>
           <a:p>
             <a:r>
-              <a:rPr lang="en-US" altLang="ko-KR" dirty="0" smtClean="0">
+              <a:rPr lang="en-US" altLang="ko-KR" dirty="0">
                 <a:latin typeface="Artifakt Element" panose="020B0503050000020004" pitchFamily="34" charset="0"/>
                 <a:ea typeface="Artifakt Element" panose="020B0503050000020004" pitchFamily="34" charset="0"/>
               </a:rPr>
               <a:t>Cluster 10</a:t>
             </a:r>
-            <a:endParaRPr lang="ko-KR" altLang="en-US" dirty="0" smtClean="0">
+            <a:endParaRPr lang="ko-KR" altLang="en-US" dirty="0">
               <a:latin typeface="Artifakt Element" panose="020B0503050000020004" pitchFamily="34" charset="0"/>
             </a:endParaRPr>
           </a:p>
           <a:p>
             <a:r>
-              <a:rPr lang="en-US" altLang="ko-KR" dirty="0" smtClean="0">
+              <a:rPr lang="en-US" altLang="ko-KR" dirty="0">
                 <a:latin typeface="Artifakt Element" panose="020B0503050000020004" pitchFamily="34" charset="0"/>
                 <a:ea typeface="Artifakt Element" panose="020B0503050000020004" pitchFamily="34" charset="0"/>
               </a:rPr>
               <a:t>Cluster 11</a:t>
             </a:r>
-            <a:endParaRPr lang="ko-KR" altLang="en-US" dirty="0" smtClean="0">
+            <a:endParaRPr lang="ko-KR" altLang="en-US" dirty="0">
               <a:latin typeface="Artifakt Element" panose="020B0503050000020004" pitchFamily="34" charset="0"/>
             </a:endParaRPr>
           </a:p>
           <a:p>
             <a:r>
-              <a:rPr lang="en-US" altLang="ko-KR" dirty="0" smtClean="0">
+              <a:rPr lang="en-US" altLang="ko-KR" dirty="0">
                 <a:latin typeface="Artifakt Element" panose="020B0503050000020004" pitchFamily="34" charset="0"/>
               </a:rPr>
               <a:t>…</a:t>
@@ -6146,7 +6067,7 @@
           <a:lstStyle/>
           <a:p>
             <a:r>
-              <a:rPr lang="en-US" altLang="ko-KR" sz="1050" dirty="0" smtClean="0">
+              <a:rPr lang="en-US" altLang="ko-KR" sz="1050" dirty="0">
                 <a:latin typeface="Artifakt Element" panose="020B0503050000020004" pitchFamily="34" charset="0"/>
                 <a:ea typeface="Artifakt Element" panose="020B0503050000020004" pitchFamily="34" charset="0"/>
               </a:rPr>
@@ -6263,7 +6184,7 @@
           <a:p>
             <a:pPr algn="ctr"/>
             <a:r>
-              <a:rPr lang="en-US" altLang="ko-KR" sz="900" dirty="0" smtClean="0">
+              <a:rPr lang="en-US" altLang="ko-KR" sz="900" dirty="0">
                 <a:solidFill>
                   <a:srgbClr val="00B050"/>
                 </a:solidFill>
@@ -6349,18 +6270,18 @@
               <a:buAutoNum type="romanUcPeriod"/>
             </a:pPr>
             <a:r>
-              <a:rPr lang="en-US" altLang="ko-KR" sz="1600" dirty="0" smtClean="0">
+              <a:rPr lang="en-US" altLang="ko-KR" sz="1600" dirty="0">
                 <a:latin typeface="Artifakt Element" panose="020B0503050000020004" pitchFamily="34" charset="0"/>
               </a:rPr>
               <a:t>Cluster </a:t>
             </a:r>
             <a:r>
-              <a:rPr lang="ko-KR" altLang="en-US" sz="1600" dirty="0" smtClean="0">
+              <a:rPr lang="ko-KR" altLang="en-US" sz="1600" dirty="0">
                 <a:latin typeface="Artifakt Element" panose="020B0503050000020004" pitchFamily="34" charset="0"/>
               </a:rPr>
               <a:t>리스트에서 다음 원소를 꺼낸다</a:t>
             </a:r>
-            <a:endParaRPr lang="en-US" altLang="ko-KR" sz="1600" dirty="0" smtClean="0">
+            <a:endParaRPr lang="en-US" altLang="ko-KR" sz="1600" dirty="0">
               <a:latin typeface="Artifakt Element" panose="020B0503050000020004" pitchFamily="34" charset="0"/>
             </a:endParaRPr>
           </a:p>
@@ -6370,34 +6291,34 @@
               <a:buAutoNum type="romanUcPeriod"/>
             </a:pPr>
             <a:r>
-              <a:rPr lang="en-US" altLang="ko-KR" sz="1600" dirty="0" smtClean="0">
+              <a:rPr lang="en-US" altLang="ko-KR" sz="1600" dirty="0">
                 <a:latin typeface="Artifakt Element" panose="020B0503050000020004" pitchFamily="34" charset="0"/>
                 <a:ea typeface="Artifakt Element" panose="020B0503050000020004" pitchFamily="34" charset="0"/>
               </a:rPr>
               <a:t>Post </a:t>
             </a:r>
             <a:r>
-              <a:rPr lang="en-US" altLang="ko-KR" sz="1600" dirty="0" smtClean="0">
+              <a:rPr lang="en-US" altLang="ko-KR" sz="1600" dirty="0">
                 <a:latin typeface="Artifakt Element" panose="020B0503050000020004" pitchFamily="34" charset="0"/>
               </a:rPr>
               <a:t>Placing</a:t>
             </a:r>
             <a:r>
-              <a:rPr lang="en-US" altLang="ko-KR" sz="1600" dirty="0" smtClean="0">
+              <a:rPr lang="en-US" altLang="ko-KR" sz="1600" dirty="0">
                 <a:latin typeface="Artifakt Element" panose="020B0503050000020004" pitchFamily="34" charset="0"/>
                 <a:ea typeface="Artifakt Element" panose="020B0503050000020004" pitchFamily="34" charset="0"/>
               </a:rPr>
               <a:t> </a:t>
             </a:r>
             <a:r>
-              <a:rPr lang="ko-KR" altLang="en-US" sz="1600" dirty="0" smtClean="0">
+              <a:rPr lang="ko-KR" altLang="en-US" sz="1600" dirty="0">
                 <a:latin typeface="Artifakt Element" panose="020B0503050000020004" pitchFamily="34" charset="0"/>
                 <a:ea typeface="Artifakt Element" panose="020B0503050000020004" pitchFamily="34" charset="0"/>
               </a:rPr>
               <a:t>리스트에 원소가 있는지 확인</a:t>
             </a:r>
             <a:r>
-              <a:rPr lang="en-US" altLang="ko-KR" sz="1600" dirty="0" smtClean="0">
+              <a:rPr lang="en-US" altLang="ko-KR" sz="1600" dirty="0">
                 <a:latin typeface="Artifakt Element" panose="020B0503050000020004" pitchFamily="34" charset="0"/>
                 <a:ea typeface="Artifakt Element" panose="020B0503050000020004" pitchFamily="34" charset="0"/>
               </a:rPr>
@@ -6410,7 +6331,7 @@
               <a:buAutoNum type="romanUcPeriod"/>
             </a:pPr>
             <a:r>
-              <a:rPr lang="ko-KR" altLang="en-US" sz="1600" dirty="0" smtClean="0">
+              <a:rPr lang="ko-KR" altLang="en-US" sz="1600" dirty="0">
                 <a:latin typeface="Artifakt Element" panose="020B0503050000020004" pitchFamily="34" charset="0"/>
                 <a:ea typeface="Artifakt Element" panose="020B0503050000020004" pitchFamily="34" charset="0"/>
               </a:rPr>
@@ -6421,44 +6342,37 @@
                 <a:latin typeface="Artifakt Element" panose="020B0503050000020004" pitchFamily="34" charset="0"/>
                 <a:ea typeface="Artifakt Element" panose="020B0503050000020004" pitchFamily="34" charset="0"/>
               </a:rPr>
-              <a:t> </a:t>
-            </a:r>
-            <a:r>
-              <a:rPr lang="en-US" altLang="ko-KR" sz="1600" dirty="0" smtClean="0">
-                <a:latin typeface="Artifakt Element" panose="020B0503050000020004" pitchFamily="34" charset="0"/>
-                <a:ea typeface="Artifakt Element" panose="020B0503050000020004" pitchFamily="34" charset="0"/>
-              </a:rPr>
-              <a:t>Post Placing </a:t>
-            </a:r>
-            <a:r>
-              <a:rPr lang="ko-KR" altLang="en-US" sz="1600" dirty="0" smtClean="0">
+              <a:t> Post Placing </a:t>
+            </a:r>
+            <a:r>
+              <a:rPr lang="ko-KR" altLang="en-US" sz="1600" dirty="0">
                 <a:latin typeface="Artifakt Element" panose="020B0503050000020004" pitchFamily="34" charset="0"/>
                 <a:ea typeface="Artifakt Element" panose="020B0503050000020004" pitchFamily="34" charset="0"/>
               </a:rPr>
               <a:t>원소들의 </a:t>
             </a:r>
             <a:r>
-              <a:rPr lang="en-US" altLang="ko-KR" sz="1600" dirty="0" smtClean="0">
+              <a:rPr lang="en-US" altLang="ko-KR" sz="1600" dirty="0">
                 <a:latin typeface="Artifakt Element" panose="020B0503050000020004" pitchFamily="34" charset="0"/>
                 <a:ea typeface="Artifakt Element" panose="020B0503050000020004" pitchFamily="34" charset="0"/>
               </a:rPr>
               <a:t>I.P </a:t>
             </a:r>
             <a:r>
-              <a:rPr lang="ko-KR" altLang="en-US" sz="1600" dirty="0" smtClean="0">
+              <a:rPr lang="ko-KR" altLang="en-US" sz="1600" dirty="0">
                 <a:latin typeface="Artifakt Element" panose="020B0503050000020004" pitchFamily="34" charset="0"/>
                 <a:ea typeface="Artifakt Element" panose="020B0503050000020004" pitchFamily="34" charset="0"/>
               </a:rPr>
               <a:t>좌표들을 </a:t>
             </a:r>
             <a:r>
-              <a:rPr lang="ko-KR" altLang="en-US" sz="1600" dirty="0" err="1" smtClean="0">
+              <a:rPr lang="ko-KR" altLang="en-US" sz="1600" dirty="0" err="1">
                 <a:latin typeface="Artifakt Element" panose="020B0503050000020004" pitchFamily="34" charset="0"/>
                 <a:ea typeface="Artifakt Element" panose="020B0503050000020004" pitchFamily="34" charset="0"/>
               </a:rPr>
               <a:t>리스트업</a:t>
             </a:r>
-            <a:endParaRPr lang="en-US" altLang="ko-KR" sz="1600" dirty="0" smtClean="0">
+            <a:endParaRPr lang="en-US" altLang="ko-KR" sz="1600" dirty="0">
               <a:latin typeface="Artifakt Element" panose="020B0503050000020004" pitchFamily="34" charset="0"/>
               <a:ea typeface="Artifakt Element" panose="020B0503050000020004" pitchFamily="34" charset="0"/>
             </a:endParaRPr>
@@ -6469,21 +6383,21 @@
               <a:buAutoNum type="romanUcPeriod"/>
             </a:pPr>
             <a:r>
-              <a:rPr lang="en-US" altLang="ko-KR" sz="1600" dirty="0" smtClean="0">
+              <a:rPr lang="en-US" altLang="ko-KR" sz="1600" dirty="0">
                 <a:latin typeface="Artifakt Element" panose="020B0503050000020004" pitchFamily="34" charset="0"/>
                 <a:ea typeface="Artifakt Element" panose="020B0503050000020004" pitchFamily="34" charset="0"/>
               </a:rPr>
               <a:t>Pre Placing </a:t>
             </a:r>
             <a:r>
-              <a:rPr lang="ko-KR" altLang="en-US" sz="1600" dirty="0" smtClean="0">
+              <a:rPr lang="ko-KR" altLang="en-US" sz="1600" dirty="0">
                 <a:latin typeface="Artifakt Element" panose="020B0503050000020004" pitchFamily="34" charset="0"/>
                 <a:ea typeface="Artifakt Element" panose="020B0503050000020004" pitchFamily="34" charset="0"/>
               </a:rPr>
               <a:t>원소의 </a:t>
             </a:r>
             <a:r>
-              <a:rPr lang="en-US" altLang="ko-KR" sz="1600" dirty="0" smtClean="0">
+              <a:rPr lang="en-US" altLang="ko-KR" sz="1600" dirty="0">
                 <a:solidFill>
                   <a:srgbClr val="00B050"/>
                 </a:solidFill>
@@ -6493,28 +6407,28 @@
               <a:t>N.I.P</a:t>
             </a:r>
             <a:r>
-              <a:rPr lang="ko-KR" altLang="en-US" sz="1600" dirty="0" smtClean="0">
+              <a:rPr lang="ko-KR" altLang="en-US" sz="1600" dirty="0">
                 <a:latin typeface="Artifakt Element" panose="020B0503050000020004" pitchFamily="34" charset="0"/>
                 <a:ea typeface="Artifakt Element" panose="020B0503050000020004" pitchFamily="34" charset="0"/>
               </a:rPr>
               <a:t>를 </a:t>
             </a:r>
             <a:r>
-              <a:rPr lang="en-US" altLang="ko-KR" sz="1600" dirty="0" smtClean="0">
+              <a:rPr lang="en-US" altLang="ko-KR" sz="1600" dirty="0">
                 <a:latin typeface="Artifakt Element" panose="020B0503050000020004" pitchFamily="34" charset="0"/>
                 <a:ea typeface="Artifakt Element" panose="020B0503050000020004" pitchFamily="34" charset="0"/>
               </a:rPr>
               <a:t>Post Placing </a:t>
             </a:r>
             <a:r>
-              <a:rPr lang="ko-KR" altLang="en-US" sz="1600" dirty="0" smtClean="0">
+              <a:rPr lang="ko-KR" altLang="en-US" sz="1600" dirty="0">
                 <a:latin typeface="Artifakt Element" panose="020B0503050000020004" pitchFamily="34" charset="0"/>
                 <a:ea typeface="Artifakt Element" panose="020B0503050000020004" pitchFamily="34" charset="0"/>
               </a:rPr>
               <a:t>원소들의 </a:t>
             </a:r>
             <a:r>
-              <a:rPr lang="en-US" altLang="ko-KR" sz="1600" dirty="0" smtClean="0">
+              <a:rPr lang="en-US" altLang="ko-KR" sz="1600" dirty="0">
                 <a:solidFill>
                   <a:srgbClr val="00B0F0"/>
                 </a:solidFill>
@@ -6524,112 +6438,105 @@
               <a:t>I.P</a:t>
             </a:r>
             <a:r>
-              <a:rPr lang="ko-KR" altLang="en-US" sz="1600" dirty="0" smtClean="0">
+              <a:rPr lang="ko-KR" altLang="en-US" sz="1600" dirty="0">
                 <a:latin typeface="Artifakt Element" panose="020B0503050000020004" pitchFamily="34" charset="0"/>
                 <a:ea typeface="Artifakt Element" panose="020B0503050000020004" pitchFamily="34" charset="0"/>
               </a:rPr>
               <a:t>에 일치하게 배치한다 그리고 기본적으로 </a:t>
             </a:r>
             <a:r>
-              <a:rPr lang="en-US" altLang="ko-KR" sz="1600" b="1" dirty="0" smtClean="0">
+              <a:rPr lang="en-US" altLang="ko-KR" sz="1600" b="1" dirty="0">
                 <a:latin typeface="Artifakt Element" panose="020B0503050000020004" pitchFamily="34" charset="0"/>
                 <a:ea typeface="Artifakt Element" panose="020B0503050000020004" pitchFamily="34" charset="0"/>
               </a:rPr>
               <a:t>Post Placing </a:t>
             </a:r>
             <a:r>
-              <a:rPr lang="ko-KR" altLang="en-US" sz="1600" b="1" dirty="0" smtClean="0">
+              <a:rPr lang="ko-KR" altLang="en-US" sz="1600" b="1" dirty="0">
                 <a:latin typeface="Artifakt Element" panose="020B0503050000020004" pitchFamily="34" charset="0"/>
                 <a:ea typeface="Artifakt Element" panose="020B0503050000020004" pitchFamily="34" charset="0"/>
               </a:rPr>
               <a:t>원소의 </a:t>
             </a:r>
             <a:r>
-              <a:rPr lang="ko-KR" altLang="en-US" sz="1600" b="1" dirty="0" err="1" smtClean="0">
+              <a:rPr lang="ko-KR" altLang="en-US" sz="1600" b="1" dirty="0" err="1">
                 <a:latin typeface="Artifakt Element" panose="020B0503050000020004" pitchFamily="34" charset="0"/>
                 <a:ea typeface="Artifakt Element" panose="020B0503050000020004" pitchFamily="34" charset="0"/>
               </a:rPr>
               <a:t>바운딩박스</a:t>
             </a:r>
             <a:r>
-              <a:rPr lang="ko-KR" altLang="en-US" sz="1600" b="1" dirty="0" smtClean="0">
+              <a:rPr lang="ko-KR" altLang="en-US" sz="1600" b="1" dirty="0">
                 <a:latin typeface="Artifakt Element" panose="020B0503050000020004" pitchFamily="34" charset="0"/>
                 <a:ea typeface="Artifakt Element" panose="020B0503050000020004" pitchFamily="34" charset="0"/>
               </a:rPr>
               <a:t> </a:t>
             </a:r>
             <a:r>
-              <a:rPr lang="ko-KR" altLang="en-US" sz="1600" b="1" dirty="0" err="1" smtClean="0">
+              <a:rPr lang="ko-KR" altLang="en-US" sz="1600" b="1" dirty="0" err="1">
                 <a:latin typeface="Artifakt Element" panose="020B0503050000020004" pitchFamily="34" charset="0"/>
                 <a:ea typeface="Artifakt Element" panose="020B0503050000020004" pitchFamily="34" charset="0"/>
               </a:rPr>
               <a:t>좌하단</a:t>
             </a:r>
             <a:r>
-              <a:rPr lang="ko-KR" altLang="en-US" sz="1600" b="1" dirty="0" smtClean="0">
+              <a:rPr lang="ko-KR" altLang="en-US" sz="1600" b="1" dirty="0">
                 <a:latin typeface="Artifakt Element" panose="020B0503050000020004" pitchFamily="34" charset="0"/>
                 <a:ea typeface="Artifakt Element" panose="020B0503050000020004" pitchFamily="34" charset="0"/>
               </a:rPr>
               <a:t> </a:t>
             </a:r>
             <a:r>
-              <a:rPr lang="ko-KR" altLang="en-US" sz="1600" b="1" dirty="0" err="1" smtClean="0">
+              <a:rPr lang="ko-KR" altLang="en-US" sz="1600" b="1" dirty="0" err="1">
                 <a:latin typeface="Artifakt Element" panose="020B0503050000020004" pitchFamily="34" charset="0"/>
                 <a:ea typeface="Artifakt Element" panose="020B0503050000020004" pitchFamily="34" charset="0"/>
               </a:rPr>
               <a:t>우상단</a:t>
             </a:r>
             <a:r>
-              <a:rPr lang="ko-KR" altLang="en-US" sz="1600" dirty="0" err="1" smtClean="0">
+              <a:rPr lang="ko-KR" altLang="en-US" sz="1600" dirty="0" err="1">
                 <a:latin typeface="Artifakt Element" panose="020B0503050000020004" pitchFamily="34" charset="0"/>
                 <a:ea typeface="Artifakt Element" panose="020B0503050000020004" pitchFamily="34" charset="0"/>
               </a:rPr>
               <a:t>에도</a:t>
             </a:r>
             <a:r>
-              <a:rPr lang="ko-KR" altLang="en-US" sz="1600" dirty="0" smtClean="0">
-                <a:latin typeface="Artifakt Element" panose="020B0503050000020004" pitchFamily="34" charset="0"/>
-                <a:ea typeface="Artifakt Element" panose="020B0503050000020004" pitchFamily="34" charset="0"/>
-              </a:rPr>
-              <a:t> 배치한</a:t>
-            </a:r>
-            <a:r>
-              <a:rPr lang="ko-KR" altLang="en-US" sz="1600" dirty="0" smtClean="0">
-                <a:latin typeface="Artifakt Element" panose="020B0503050000020004" pitchFamily="34" charset="0"/>
-                <a:ea typeface="Artifakt Element" panose="020B0503050000020004" pitchFamily="34" charset="0"/>
-              </a:rPr>
-              <a:t>다</a:t>
-            </a:r>
-            <a:r>
-              <a:rPr lang="en-US" altLang="ko-KR" sz="1600" dirty="0" smtClean="0">
+              <a:rPr lang="ko-KR" altLang="en-US" sz="1600" dirty="0">
+                <a:latin typeface="Artifakt Element" panose="020B0503050000020004" pitchFamily="34" charset="0"/>
+                <a:ea typeface="Artifakt Element" panose="020B0503050000020004" pitchFamily="34" charset="0"/>
+              </a:rPr>
+              <a:t> 배치한다</a:t>
+            </a:r>
+            <a:r>
+              <a:rPr lang="en-US" altLang="ko-KR" sz="1600" dirty="0">
                 <a:latin typeface="Artifakt Element" panose="020B0503050000020004" pitchFamily="34" charset="0"/>
                 <a:ea typeface="Artifakt Element" panose="020B0503050000020004" pitchFamily="34" charset="0"/>
               </a:rPr>
               <a:t>(</a:t>
             </a:r>
             <a:r>
-              <a:rPr lang="ko-KR" altLang="en-US" sz="1600" dirty="0" smtClean="0">
+              <a:rPr lang="ko-KR" altLang="en-US" sz="1600" dirty="0">
                 <a:latin typeface="Artifakt Element" panose="020B0503050000020004" pitchFamily="34" charset="0"/>
                 <a:ea typeface="Artifakt Element" panose="020B0503050000020004" pitchFamily="34" charset="0"/>
               </a:rPr>
               <a:t>배치할 때 </a:t>
             </a:r>
             <a:r>
-              <a:rPr lang="en-US" altLang="ko-KR" sz="1600" dirty="0" smtClean="0">
+              <a:rPr lang="en-US" altLang="ko-KR" sz="1600" dirty="0">
                 <a:latin typeface="Artifakt Element" panose="020B0503050000020004" pitchFamily="34" charset="0"/>
                 <a:ea typeface="Artifakt Element" panose="020B0503050000020004" pitchFamily="34" charset="0"/>
               </a:rPr>
               <a:t>0,90,180,270 </a:t>
             </a:r>
             <a:r>
-              <a:rPr lang="ko-KR" altLang="en-US" sz="1600" dirty="0" smtClean="0">
+              <a:rPr lang="ko-KR" altLang="en-US" sz="1600" dirty="0">
                 <a:latin typeface="Artifakt Element" panose="020B0503050000020004" pitchFamily="34" charset="0"/>
                 <a:ea typeface="Artifakt Element" panose="020B0503050000020004" pitchFamily="34" charset="0"/>
               </a:rPr>
               <a:t>회전 고려</a:t>
             </a:r>
             <a:r>
-              <a:rPr lang="en-US" altLang="ko-KR" sz="1600" dirty="0" smtClean="0">
+              <a:rPr lang="en-US" altLang="ko-KR" sz="1600" dirty="0">
                 <a:latin typeface="Artifakt Element" panose="020B0503050000020004" pitchFamily="34" charset="0"/>
                 <a:ea typeface="Artifakt Element" panose="020B0503050000020004" pitchFamily="34" charset="0"/>
               </a:rPr>
@@ -6642,48 +6549,48 @@
               <a:buAutoNum type="romanUcPeriod"/>
             </a:pPr>
             <a:r>
-              <a:rPr lang="en-US" altLang="ko-KR" sz="1600" dirty="0" smtClean="0">
+              <a:rPr lang="en-US" altLang="ko-KR" sz="1600" dirty="0">
                 <a:latin typeface="Artifakt Element" panose="020B0503050000020004" pitchFamily="34" charset="0"/>
                 <a:ea typeface="Artifakt Element" panose="020B0503050000020004" pitchFamily="34" charset="0"/>
               </a:rPr>
               <a:t>Placing Boundary, Post Placing </a:t>
             </a:r>
             <a:r>
-              <a:rPr lang="ko-KR" altLang="en-US" sz="1600" dirty="0" smtClean="0">
+              <a:rPr lang="ko-KR" altLang="en-US" sz="1600" dirty="0">
                 <a:latin typeface="Artifakt Element" panose="020B0503050000020004" pitchFamily="34" charset="0"/>
                 <a:ea typeface="Artifakt Element" panose="020B0503050000020004" pitchFamily="34" charset="0"/>
               </a:rPr>
               <a:t>원소들의 </a:t>
             </a:r>
             <a:r>
-              <a:rPr lang="ko-KR" altLang="en-US" sz="1600" dirty="0" err="1" smtClean="0">
+              <a:rPr lang="ko-KR" altLang="en-US" sz="1600" dirty="0" err="1">
                 <a:latin typeface="Artifakt Element" panose="020B0503050000020004" pitchFamily="34" charset="0"/>
                 <a:ea typeface="Artifakt Element" panose="020B0503050000020004" pitchFamily="34" charset="0"/>
               </a:rPr>
               <a:t>서피스와</a:t>
             </a:r>
             <a:r>
-              <a:rPr lang="ko-KR" altLang="en-US" sz="1600" dirty="0" smtClean="0">
+              <a:rPr lang="ko-KR" altLang="en-US" sz="1600" dirty="0">
                 <a:latin typeface="Artifakt Element" panose="020B0503050000020004" pitchFamily="34" charset="0"/>
                 <a:ea typeface="Artifakt Element" panose="020B0503050000020004" pitchFamily="34" charset="0"/>
               </a:rPr>
               <a:t> 간섭 체크를 해서 간섭이 없는 경우만 </a:t>
             </a:r>
             <a:r>
-              <a:rPr lang="ko-KR" altLang="en-US" sz="1600" dirty="0" err="1" smtClean="0">
+              <a:rPr lang="ko-KR" altLang="en-US" sz="1600" dirty="0" err="1">
                 <a:latin typeface="Artifakt Element" panose="020B0503050000020004" pitchFamily="34" charset="0"/>
                 <a:ea typeface="Artifakt Element" panose="020B0503050000020004" pitchFamily="34" charset="0"/>
               </a:rPr>
               <a:t>리스트업</a:t>
             </a:r>
             <a:r>
-              <a:rPr lang="ko-KR" altLang="en-US" sz="1600" dirty="0" smtClean="0">
+              <a:rPr lang="ko-KR" altLang="en-US" sz="1600" dirty="0">
                 <a:latin typeface="Artifakt Element" panose="020B0503050000020004" pitchFamily="34" charset="0"/>
                 <a:ea typeface="Artifakt Element" panose="020B0503050000020004" pitchFamily="34" charset="0"/>
               </a:rPr>
               <a:t> 한다</a:t>
             </a:r>
-            <a:endParaRPr lang="en-US" altLang="ko-KR" sz="1600" dirty="0" smtClean="0">
+            <a:endParaRPr lang="en-US" altLang="ko-KR" sz="1600" dirty="0">
               <a:latin typeface="Artifakt Element" panose="020B0503050000020004" pitchFamily="34" charset="0"/>
               <a:ea typeface="Artifakt Element" panose="020B0503050000020004" pitchFamily="34" charset="0"/>
             </a:endParaRPr>
@@ -6694,54 +6601,54 @@
               <a:buAutoNum type="romanUcPeriod"/>
             </a:pPr>
             <a:r>
-              <a:rPr lang="ko-KR" altLang="en-US" sz="1600" dirty="0" err="1" smtClean="0">
+              <a:rPr lang="ko-KR" altLang="en-US" sz="1600" dirty="0" err="1">
                 <a:latin typeface="Artifakt Element" panose="020B0503050000020004" pitchFamily="34" charset="0"/>
               </a:rPr>
               <a:t>리스트업</a:t>
             </a:r>
             <a:r>
-              <a:rPr lang="ko-KR" altLang="en-US" sz="1600" dirty="0" smtClean="0">
+              <a:rPr lang="ko-KR" altLang="en-US" sz="1600" dirty="0">
                 <a:latin typeface="Artifakt Element" panose="020B0503050000020004" pitchFamily="34" charset="0"/>
               </a:rPr>
               <a:t> 결과 중</a:t>
             </a:r>
             <a:r>
-              <a:rPr lang="en-US" altLang="ko-KR" sz="1600" dirty="0" smtClean="0">
+              <a:rPr lang="en-US" altLang="ko-KR" sz="1600" dirty="0">
                 <a:latin typeface="Artifakt Element" panose="020B0503050000020004" pitchFamily="34" charset="0"/>
               </a:rPr>
               <a:t>, 2</a:t>
             </a:r>
             <a:r>
-              <a:rPr lang="ko-KR" altLang="en-US" sz="1600" dirty="0" smtClean="0">
+              <a:rPr lang="ko-KR" altLang="en-US" sz="1600" dirty="0">
                 <a:latin typeface="Artifakt Element" panose="020B0503050000020004" pitchFamily="34" charset="0"/>
               </a:rPr>
               <a:t>개 클러스터의 </a:t>
             </a:r>
             <a:r>
-              <a:rPr lang="ko-KR" altLang="en-US" sz="1600" dirty="0" err="1" smtClean="0">
+              <a:rPr lang="ko-KR" altLang="en-US" sz="1600" dirty="0" err="1">
                 <a:latin typeface="Artifakt Element" panose="020B0503050000020004" pitchFamily="34" charset="0"/>
               </a:rPr>
               <a:t>볼록껍질</a:t>
             </a:r>
             <a:r>
-              <a:rPr lang="ko-KR" altLang="en-US" sz="1600" dirty="0" smtClean="0">
+              <a:rPr lang="ko-KR" altLang="en-US" sz="1600" dirty="0">
                 <a:latin typeface="Artifakt Element" panose="020B0503050000020004" pitchFamily="34" charset="0"/>
               </a:rPr>
               <a:t> 면적이 가장 작은 결과를 </a:t>
             </a:r>
             <a:r>
-              <a:rPr lang="en-US" altLang="ko-KR" sz="1600" dirty="0" smtClean="0">
+              <a:rPr lang="en-US" altLang="ko-KR" sz="1600" dirty="0">
                 <a:latin typeface="Artifakt Element" panose="020B0503050000020004" pitchFamily="34" charset="0"/>
               </a:rPr>
               <a:t>Post Placing </a:t>
             </a:r>
             <a:r>
-              <a:rPr lang="ko-KR" altLang="en-US" sz="1600" dirty="0" smtClean="0">
+              <a:rPr lang="ko-KR" altLang="en-US" sz="1600" dirty="0">
                 <a:latin typeface="Artifakt Element" panose="020B0503050000020004" pitchFamily="34" charset="0"/>
               </a:rPr>
               <a:t>리스트에 반영한다</a:t>
             </a:r>
-            <a:endParaRPr lang="en-US" altLang="ko-KR" sz="1600" dirty="0" smtClean="0">
+            <a:endParaRPr lang="en-US" altLang="ko-KR" sz="1600" dirty="0">
               <a:latin typeface="Artifakt Element" panose="020B0503050000020004" pitchFamily="34" charset="0"/>
             </a:endParaRPr>
           </a:p>
@@ -7037,7 +6944,7 @@
           <a:p>
             <a:pPr algn="ctr"/>
             <a:r>
-              <a:rPr lang="en-US" altLang="ko-KR" sz="800" dirty="0" smtClean="0">
+              <a:rPr lang="en-US" altLang="ko-KR" sz="800" dirty="0">
                 <a:solidFill>
                   <a:srgbClr val="00B0F0"/>
                 </a:solidFill>
@@ -7046,13 +6953,6 @@
               </a:rPr>
               <a:t>I.P</a:t>
             </a:r>
-            <a:endParaRPr lang="en-US" altLang="ko-KR" sz="800" dirty="0" smtClean="0">
-              <a:solidFill>
-                <a:srgbClr val="00B0F0"/>
-              </a:solidFill>
-              <a:latin typeface="Artifakt Element" panose="020B0503050000020004" pitchFamily="34" charset="0"/>
-              <a:ea typeface="Artifakt Element" panose="020B0503050000020004" pitchFamily="34" charset="0"/>
-            </a:endParaRPr>
           </a:p>
         </p:txBody>
       </p:sp>
@@ -7080,7 +6980,7 @@
           <a:p>
             <a:pPr algn="ctr"/>
             <a:r>
-              <a:rPr lang="en-US" altLang="ko-KR" sz="600" dirty="0" smtClean="0">
+              <a:rPr lang="en-US" altLang="ko-KR" sz="600" dirty="0">
                 <a:solidFill>
                   <a:srgbClr val="00B0F0"/>
                 </a:solidFill>
@@ -7337,7 +7237,7 @@
           <a:p>
             <a:pPr algn="ctr"/>
             <a:r>
-              <a:rPr lang="en-US" altLang="ko-KR" sz="600" dirty="0" smtClean="0">
+              <a:rPr lang="en-US" altLang="ko-KR" sz="600" dirty="0">
                 <a:solidFill>
                   <a:srgbClr val="00B0F0"/>
                 </a:solidFill>
@@ -7511,7 +7411,7 @@
           <a:p>
             <a:pPr algn="ctr"/>
             <a:r>
-              <a:rPr lang="en-US" altLang="ko-KR" sz="600" dirty="0" smtClean="0">
+              <a:rPr lang="en-US" altLang="ko-KR" sz="600" dirty="0">
                 <a:solidFill>
                   <a:srgbClr val="00B0F0"/>
                 </a:solidFill>
@@ -7547,7 +7447,7 @@
           <a:p>
             <a:pPr algn="ctr"/>
             <a:r>
-              <a:rPr lang="en-US" altLang="ko-KR" sz="900" dirty="0" smtClean="0">
+              <a:rPr lang="en-US" altLang="ko-KR" sz="900" dirty="0">
                 <a:solidFill>
                   <a:srgbClr val="00B050"/>
                 </a:solidFill>
@@ -7557,7 +7457,7 @@
               <a:t>N.I.P </a:t>
             </a:r>
             <a:r>
-              <a:rPr lang="ko-KR" altLang="en-US" sz="900" dirty="0" smtClean="0">
+              <a:rPr lang="ko-KR" altLang="en-US" sz="900" dirty="0">
                 <a:solidFill>
                   <a:srgbClr val="00B050"/>
                 </a:solidFill>
@@ -7567,7 +7467,7 @@
               <a:t>를 </a:t>
             </a:r>
             <a:r>
-              <a:rPr lang="en-US" altLang="ko-KR" sz="900" dirty="0" smtClean="0">
+              <a:rPr lang="en-US" altLang="ko-KR" sz="900" dirty="0">
                 <a:solidFill>
                   <a:srgbClr val="00B050"/>
                 </a:solidFill>
@@ -7577,7 +7477,7 @@
               <a:t>I.P</a:t>
             </a:r>
             <a:r>
-              <a:rPr lang="ko-KR" altLang="en-US" sz="900" dirty="0" smtClean="0">
+              <a:rPr lang="ko-KR" altLang="en-US" sz="900" dirty="0">
                 <a:solidFill>
                   <a:srgbClr val="00B050"/>
                 </a:solidFill>
@@ -7586,7 +7486,7 @@
               </a:rPr>
               <a:t>에 끼운다</a:t>
             </a:r>
-            <a:endParaRPr lang="en-US" altLang="ko-KR" sz="900" dirty="0" smtClean="0">
+            <a:endParaRPr lang="en-US" altLang="ko-KR" sz="900" dirty="0">
               <a:solidFill>
                 <a:srgbClr val="00B050"/>
               </a:solidFill>
@@ -7749,7 +7649,7 @@
           <a:p>
             <a:pPr algn="ctr"/>
             <a:r>
-              <a:rPr lang="en-US" altLang="ko-KR" sz="600" dirty="0" smtClean="0">
+              <a:rPr lang="en-US" altLang="ko-KR" sz="600" dirty="0">
                 <a:solidFill>
                   <a:srgbClr val="00B0F0"/>
                 </a:solidFill>
@@ -7923,7 +7823,7 @@
           <a:p>
             <a:pPr algn="ctr"/>
             <a:r>
-              <a:rPr lang="en-US" altLang="ko-KR" sz="600" dirty="0" smtClean="0">
+              <a:rPr lang="en-US" altLang="ko-KR" sz="600" dirty="0">
                 <a:solidFill>
                   <a:srgbClr val="00B0F0"/>
                 </a:solidFill>
@@ -8223,7 +8123,7 @@
           <a:p>
             <a:pPr algn="ctr"/>
             <a:r>
-              <a:rPr lang="en-US" altLang="ko-KR" sz="900" dirty="0" smtClean="0">
+              <a:rPr lang="en-US" altLang="ko-KR" sz="900" dirty="0">
                 <a:latin typeface="Artifakt Element" panose="020B0503050000020004" pitchFamily="34" charset="0"/>
                 <a:ea typeface="Artifakt Element" panose="020B0503050000020004" pitchFamily="34" charset="0"/>
               </a:rPr>
@@ -8500,7 +8400,7 @@
           <a:p>
             <a:pPr algn="ctr"/>
             <a:r>
-              <a:rPr lang="en-US" altLang="ko-KR" sz="900" dirty="0" smtClean="0">
+              <a:rPr lang="en-US" altLang="ko-KR" sz="900" dirty="0">
                 <a:latin typeface="Artifakt Element" panose="020B0503050000020004" pitchFamily="34" charset="0"/>
                 <a:ea typeface="Artifakt Element" panose="020B0503050000020004" pitchFamily="34" charset="0"/>
               </a:rPr>
@@ -8519,13 +8419,6 @@
   <p:clrMapOvr>
     <a:masterClrMapping/>
   </p:clrMapOvr>
-  <p:timing>
-    <p:tnLst>
-      <p:par>
-        <p:cTn id="1" dur="indefinite" restart="never" nodeType="tmRoot"/>
-      </p:par>
-    </p:tnLst>
-  </p:timing>
 </p:sld>
 </file>
 
@@ -8726,14 +8619,14 @@
           <a:lstStyle/>
           <a:p>
             <a:r>
-              <a:rPr lang="en-US" altLang="ko-KR" dirty="0" smtClean="0">
+              <a:rPr lang="en-US" altLang="ko-KR" dirty="0">
                 <a:latin typeface="Artifakt Element" panose="020B0503050000020004" pitchFamily="34" charset="0"/>
                 <a:ea typeface="Artifakt Element" panose="020B0503050000020004" pitchFamily="34" charset="0"/>
               </a:rPr>
               <a:t>Post </a:t>
             </a:r>
             <a:r>
-              <a:rPr lang="en-US" altLang="ko-KR" dirty="0" smtClean="0">
+              <a:rPr lang="en-US" altLang="ko-KR" dirty="0">
                 <a:latin typeface="Artifakt Element" panose="020B0503050000020004" pitchFamily="34" charset="0"/>
               </a:rPr>
               <a:t>Placing</a:t>
@@ -8741,21 +8634,21 @@
           </a:p>
           <a:p>
             <a:r>
-              <a:rPr lang="en-US" altLang="ko-KR" dirty="0" smtClean="0">
+              <a:rPr lang="en-US" altLang="ko-KR" dirty="0">
                 <a:latin typeface="Artifakt Element" panose="020B0503050000020004" pitchFamily="34" charset="0"/>
                 <a:ea typeface="Artifakt Element" panose="020B0503050000020004" pitchFamily="34" charset="0"/>
               </a:rPr>
               <a:t>(</a:t>
             </a:r>
             <a:r>
-              <a:rPr lang="ko-KR" altLang="en-US" dirty="0" smtClean="0">
+              <a:rPr lang="ko-KR" altLang="en-US" dirty="0">
                 <a:latin typeface="Artifakt Element" panose="020B0503050000020004" pitchFamily="34" charset="0"/>
                 <a:ea typeface="Artifakt Element" panose="020B0503050000020004" pitchFamily="34" charset="0"/>
               </a:rPr>
               <a:t>배치 후</a:t>
             </a:r>
             <a:r>
-              <a:rPr lang="en-US" altLang="ko-KR" dirty="0" smtClean="0">
+              <a:rPr lang="en-US" altLang="ko-KR" dirty="0">
                 <a:latin typeface="Artifakt Element" panose="020B0503050000020004" pitchFamily="34" charset="0"/>
                 <a:ea typeface="Artifakt Element" panose="020B0503050000020004" pitchFamily="34" charset="0"/>
               </a:rPr>
@@ -8790,14 +8683,14 @@
           <a:lstStyle/>
           <a:p>
             <a:r>
-              <a:rPr lang="en-US" altLang="ko-KR" dirty="0" smtClean="0">
+              <a:rPr lang="en-US" altLang="ko-KR" dirty="0">
                 <a:latin typeface="Artifakt Element" panose="020B0503050000020004" pitchFamily="34" charset="0"/>
                 <a:ea typeface="Artifakt Element" panose="020B0503050000020004" pitchFamily="34" charset="0"/>
               </a:rPr>
               <a:t>Pre </a:t>
             </a:r>
             <a:r>
-              <a:rPr lang="en-US" altLang="ko-KR" dirty="0" smtClean="0">
+              <a:rPr lang="en-US" altLang="ko-KR" dirty="0">
                 <a:latin typeface="Artifakt Element" panose="020B0503050000020004" pitchFamily="34" charset="0"/>
               </a:rPr>
               <a:t>Placing</a:t>
@@ -8805,14 +8698,14 @@
           </a:p>
           <a:p>
             <a:r>
-              <a:rPr lang="en-US" altLang="ko-KR" dirty="0" smtClean="0">
+              <a:rPr lang="en-US" altLang="ko-KR" dirty="0">
                 <a:latin typeface="Artifakt Element" panose="020B0503050000020004" pitchFamily="34" charset="0"/>
                 <a:ea typeface="Artifakt Element" panose="020B0503050000020004" pitchFamily="34" charset="0"/>
               </a:rPr>
               <a:t>(</a:t>
             </a:r>
             <a:r>
-              <a:rPr lang="ko-KR" altLang="en-US" dirty="0" smtClean="0">
+              <a:rPr lang="ko-KR" altLang="en-US" dirty="0">
                 <a:latin typeface="Artifakt Element" panose="020B0503050000020004" pitchFamily="34" charset="0"/>
                 <a:ea typeface="Artifakt Element" panose="020B0503050000020004" pitchFamily="34" charset="0"/>
               </a:rPr>
@@ -8895,7 +8788,7 @@
           <a:lstStyle/>
           <a:p>
             <a:r>
-              <a:rPr lang="en-US" altLang="ko-KR" dirty="0" smtClean="0">
+              <a:rPr lang="en-US" altLang="ko-KR" dirty="0">
                 <a:latin typeface="Artifakt Element" panose="020B0503050000020004" pitchFamily="34" charset="0"/>
                 <a:ea typeface="Artifakt Element" panose="020B0503050000020004" pitchFamily="34" charset="0"/>
               </a:rPr>
@@ -8930,18 +8823,11 @@
           <a:lstStyle/>
           <a:p>
             <a:r>
-              <a:rPr lang="en-US" altLang="ko-KR" dirty="0" smtClean="0">
-                <a:latin typeface="Artifakt Element" panose="020B0503050000020004" pitchFamily="34" charset="0"/>
-                <a:ea typeface="Artifakt Element" panose="020B0503050000020004" pitchFamily="34" charset="0"/>
-              </a:rPr>
-              <a:t>Cluster</a:t>
-            </a:r>
-            <a:r>
-              <a:rPr lang="en-US" altLang="ko-KR" dirty="0" smtClean="0">
-                <a:latin typeface="Artifakt Element" panose="020B0503050000020004" pitchFamily="34" charset="0"/>
-                <a:ea typeface="Artifakt Element" panose="020B0503050000020004" pitchFamily="34" charset="0"/>
-              </a:rPr>
-              <a:t> List</a:t>
+              <a:rPr lang="en-US" altLang="ko-KR" dirty="0">
+                <a:latin typeface="Artifakt Element" panose="020B0503050000020004" pitchFamily="34" charset="0"/>
+                <a:ea typeface="Artifakt Element" panose="020B0503050000020004" pitchFamily="34" charset="0"/>
+              </a:rPr>
+              <a:t>Cluster List</a:t>
             </a:r>
             <a:endParaRPr lang="ko-KR" altLang="en-US" dirty="0">
               <a:latin typeface="Artifakt Element" panose="020B0503050000020004" pitchFamily="34" charset="0"/>
@@ -8972,143 +8858,136 @@
           <a:lstStyle/>
           <a:p>
             <a:r>
-              <a:rPr lang="en-US" altLang="ko-KR" dirty="0" smtClean="0">
-                <a:latin typeface="Artifakt Element" panose="020B0503050000020004" pitchFamily="34" charset="0"/>
-                <a:ea typeface="Artifakt Element" panose="020B0503050000020004" pitchFamily="34" charset="0"/>
-              </a:rPr>
-              <a:t>Cluster</a:t>
-            </a:r>
-            <a:r>
-              <a:rPr lang="en-US" altLang="ko-KR" dirty="0" smtClean="0">
-                <a:latin typeface="Artifakt Element" panose="020B0503050000020004" pitchFamily="34" charset="0"/>
-                <a:ea typeface="Artifakt Element" panose="020B0503050000020004" pitchFamily="34" charset="0"/>
-              </a:rPr>
-              <a:t> 1</a:t>
-            </a:r>
-          </a:p>
-          <a:p>
-            <a:r>
-              <a:rPr lang="en-US" altLang="ko-KR" dirty="0" smtClean="0">
+              <a:rPr lang="en-US" altLang="ko-KR" dirty="0">
+                <a:latin typeface="Artifakt Element" panose="020B0503050000020004" pitchFamily="34" charset="0"/>
+                <a:ea typeface="Artifakt Element" panose="020B0503050000020004" pitchFamily="34" charset="0"/>
+              </a:rPr>
+              <a:t>Cluster 1</a:t>
+            </a:r>
+          </a:p>
+          <a:p>
+            <a:r>
+              <a:rPr lang="en-US" altLang="ko-KR" dirty="0">
                 <a:latin typeface="Artifakt Element" panose="020B0503050000020004" pitchFamily="34" charset="0"/>
                 <a:ea typeface="Artifakt Element" panose="020B0503050000020004" pitchFamily="34" charset="0"/>
               </a:rPr>
               <a:t>Cluster 2</a:t>
             </a:r>
-            <a:endParaRPr lang="ko-KR" altLang="en-US" dirty="0" smtClean="0">
+            <a:endParaRPr lang="ko-KR" altLang="en-US" dirty="0">
               <a:latin typeface="Artifakt Element" panose="020B0503050000020004" pitchFamily="34" charset="0"/>
             </a:endParaRPr>
           </a:p>
           <a:p>
             <a:r>
-              <a:rPr lang="en-US" altLang="ko-KR" dirty="0" smtClean="0">
+              <a:rPr lang="en-US" altLang="ko-KR" dirty="0">
                 <a:latin typeface="Artifakt Element" panose="020B0503050000020004" pitchFamily="34" charset="0"/>
                 <a:ea typeface="Artifakt Element" panose="020B0503050000020004" pitchFamily="34" charset="0"/>
               </a:rPr>
               <a:t>Cluster 3</a:t>
             </a:r>
-            <a:endParaRPr lang="ko-KR" altLang="en-US" dirty="0" smtClean="0">
+            <a:endParaRPr lang="ko-KR" altLang="en-US" dirty="0">
               <a:latin typeface="Artifakt Element" panose="020B0503050000020004" pitchFamily="34" charset="0"/>
             </a:endParaRPr>
           </a:p>
           <a:p>
             <a:r>
-              <a:rPr lang="en-US" altLang="ko-KR" dirty="0" smtClean="0">
+              <a:rPr lang="en-US" altLang="ko-KR" dirty="0">
                 <a:latin typeface="Artifakt Element" panose="020B0503050000020004" pitchFamily="34" charset="0"/>
                 <a:ea typeface="Artifakt Element" panose="020B0503050000020004" pitchFamily="34" charset="0"/>
               </a:rPr>
               <a:t>Cluster 5</a:t>
             </a:r>
-            <a:endParaRPr lang="ko-KR" altLang="en-US" dirty="0" smtClean="0">
+            <a:endParaRPr lang="ko-KR" altLang="en-US" dirty="0">
               <a:latin typeface="Artifakt Element" panose="020B0503050000020004" pitchFamily="34" charset="0"/>
             </a:endParaRPr>
           </a:p>
           <a:p>
             <a:r>
-              <a:rPr lang="en-US" altLang="ko-KR" dirty="0" smtClean="0">
+              <a:rPr lang="en-US" altLang="ko-KR" dirty="0">
                 <a:latin typeface="Artifakt Element" panose="020B0503050000020004" pitchFamily="34" charset="0"/>
                 <a:ea typeface="Artifakt Element" panose="020B0503050000020004" pitchFamily="34" charset="0"/>
               </a:rPr>
               <a:t>Cluster 4</a:t>
             </a:r>
-            <a:endParaRPr lang="ko-KR" altLang="en-US" dirty="0" smtClean="0">
+            <a:endParaRPr lang="ko-KR" altLang="en-US" dirty="0">
               <a:latin typeface="Artifakt Element" panose="020B0503050000020004" pitchFamily="34" charset="0"/>
             </a:endParaRPr>
           </a:p>
           <a:p>
             <a:r>
-              <a:rPr lang="en-US" altLang="ko-KR" dirty="0" smtClean="0">
+              <a:rPr lang="en-US" altLang="ko-KR" dirty="0">
                 <a:latin typeface="Artifakt Element" panose="020B0503050000020004" pitchFamily="34" charset="0"/>
                 <a:ea typeface="Artifakt Element" panose="020B0503050000020004" pitchFamily="34" charset="0"/>
               </a:rPr>
               <a:t>Cluster 6</a:t>
             </a:r>
-            <a:endParaRPr lang="ko-KR" altLang="en-US" dirty="0" smtClean="0">
+            <a:endParaRPr lang="ko-KR" altLang="en-US" dirty="0">
               <a:latin typeface="Artifakt Element" panose="020B0503050000020004" pitchFamily="34" charset="0"/>
             </a:endParaRPr>
           </a:p>
           <a:p>
             <a:r>
-              <a:rPr lang="en-US" altLang="ko-KR" dirty="0" smtClean="0">
+              <a:rPr lang="en-US" altLang="ko-KR" dirty="0">
                 <a:latin typeface="Artifakt Element" panose="020B0503050000020004" pitchFamily="34" charset="0"/>
                 <a:ea typeface="Artifakt Element" panose="020B0503050000020004" pitchFamily="34" charset="0"/>
               </a:rPr>
               <a:t>Cluster 7</a:t>
             </a:r>
-            <a:endParaRPr lang="ko-KR" altLang="en-US" dirty="0" smtClean="0">
+            <a:endParaRPr lang="ko-KR" altLang="en-US" dirty="0">
               <a:latin typeface="Artifakt Element" panose="020B0503050000020004" pitchFamily="34" charset="0"/>
             </a:endParaRPr>
           </a:p>
           <a:p>
             <a:r>
-              <a:rPr lang="en-US" altLang="ko-KR" dirty="0" smtClean="0">
+              <a:rPr lang="en-US" altLang="ko-KR" dirty="0">
                 <a:latin typeface="Artifakt Element" panose="020B0503050000020004" pitchFamily="34" charset="0"/>
                 <a:ea typeface="Artifakt Element" panose="020B0503050000020004" pitchFamily="34" charset="0"/>
               </a:rPr>
               <a:t>Cluster 8</a:t>
             </a:r>
-            <a:endParaRPr lang="ko-KR" altLang="en-US" dirty="0" smtClean="0">
+            <a:endParaRPr lang="ko-KR" altLang="en-US" dirty="0">
               <a:latin typeface="Artifakt Element" panose="020B0503050000020004" pitchFamily="34" charset="0"/>
             </a:endParaRPr>
           </a:p>
           <a:p>
             <a:r>
-              <a:rPr lang="en-US" altLang="ko-KR" dirty="0" smtClean="0">
+              <a:rPr lang="en-US" altLang="ko-KR" dirty="0">
                 <a:latin typeface="Artifakt Element" panose="020B0503050000020004" pitchFamily="34" charset="0"/>
                 <a:ea typeface="Artifakt Element" panose="020B0503050000020004" pitchFamily="34" charset="0"/>
               </a:rPr>
               <a:t>Cluster 9</a:t>
             </a:r>
-            <a:endParaRPr lang="ko-KR" altLang="en-US" dirty="0" smtClean="0">
+            <a:endParaRPr lang="ko-KR" altLang="en-US" dirty="0">
               <a:latin typeface="Artifakt Element" panose="020B0503050000020004" pitchFamily="34" charset="0"/>
             </a:endParaRPr>
           </a:p>
           <a:p>
             <a:r>
-              <a:rPr lang="en-US" altLang="ko-KR" dirty="0" smtClean="0">
+              <a:rPr lang="en-US" altLang="ko-KR" dirty="0">
                 <a:latin typeface="Artifakt Element" panose="020B0503050000020004" pitchFamily="34" charset="0"/>
                 <a:ea typeface="Artifakt Element" panose="020B0503050000020004" pitchFamily="34" charset="0"/>
               </a:rPr>
               <a:t>Cluster 10</a:t>
             </a:r>
-            <a:endParaRPr lang="ko-KR" altLang="en-US" dirty="0" smtClean="0">
+            <a:endParaRPr lang="ko-KR" altLang="en-US" dirty="0">
               <a:latin typeface="Artifakt Element" panose="020B0503050000020004" pitchFamily="34" charset="0"/>
             </a:endParaRPr>
           </a:p>
           <a:p>
             <a:r>
-              <a:rPr lang="en-US" altLang="ko-KR" dirty="0" smtClean="0">
+              <a:rPr lang="en-US" altLang="ko-KR" dirty="0">
                 <a:latin typeface="Artifakt Element" panose="020B0503050000020004" pitchFamily="34" charset="0"/>
                 <a:ea typeface="Artifakt Element" panose="020B0503050000020004" pitchFamily="34" charset="0"/>
               </a:rPr>
               <a:t>Cluster 11</a:t>
             </a:r>
-            <a:endParaRPr lang="ko-KR" altLang="en-US" dirty="0" smtClean="0">
+            <a:endParaRPr lang="ko-KR" altLang="en-US" dirty="0">
               <a:latin typeface="Artifakt Element" panose="020B0503050000020004" pitchFamily="34" charset="0"/>
             </a:endParaRPr>
           </a:p>
           <a:p>
             <a:r>
-              <a:rPr lang="en-US" altLang="ko-KR" dirty="0" smtClean="0">
+              <a:rPr lang="en-US" altLang="ko-KR" dirty="0">
                 <a:latin typeface="Artifakt Element" panose="020B0503050000020004" pitchFamily="34" charset="0"/>
               </a:rPr>
               <a:t>…</a:t>
@@ -9139,7 +9018,7 @@
           <a:lstStyle/>
           <a:p>
             <a:r>
-              <a:rPr lang="en-US" altLang="ko-KR" sz="1050" dirty="0" smtClean="0">
+              <a:rPr lang="en-US" altLang="ko-KR" sz="1050" dirty="0">
                 <a:latin typeface="Artifakt Element" panose="020B0503050000020004" pitchFamily="34" charset="0"/>
                 <a:ea typeface="Artifakt Element" panose="020B0503050000020004" pitchFamily="34" charset="0"/>
               </a:rPr>
@@ -9303,7 +9182,7 @@
           <a:p>
             <a:pPr algn="ctr"/>
             <a:r>
-              <a:rPr lang="en-US" altLang="ko-KR" sz="600" dirty="0" smtClean="0">
+              <a:rPr lang="en-US" altLang="ko-KR" sz="600" dirty="0">
                 <a:solidFill>
                   <a:srgbClr val="00B0F0"/>
                 </a:solidFill>
@@ -9514,7 +9393,7 @@
           <a:p>
             <a:pPr algn="ctr"/>
             <a:r>
-              <a:rPr lang="en-US" altLang="ko-KR" sz="600" dirty="0" smtClean="0">
+              <a:rPr lang="en-US" altLang="ko-KR" sz="600" dirty="0">
                 <a:solidFill>
                   <a:srgbClr val="00B0F0"/>
                 </a:solidFill>
@@ -9688,7 +9567,7 @@
           <a:p>
             <a:pPr algn="ctr"/>
             <a:r>
-              <a:rPr lang="en-US" altLang="ko-KR" sz="600" dirty="0" smtClean="0">
+              <a:rPr lang="en-US" altLang="ko-KR" sz="600" dirty="0">
                 <a:solidFill>
                   <a:srgbClr val="00B0F0"/>
                 </a:solidFill>
@@ -9853,7 +9732,7 @@
           <a:p>
             <a:pPr algn="ctr"/>
             <a:r>
-              <a:rPr lang="en-US" altLang="ko-KR" sz="600" dirty="0" smtClean="0">
+              <a:rPr lang="en-US" altLang="ko-KR" sz="600" dirty="0">
                 <a:solidFill>
                   <a:srgbClr val="00B0F0"/>
                 </a:solidFill>
@@ -10027,7 +9906,7 @@
           <a:p>
             <a:pPr algn="ctr"/>
             <a:r>
-              <a:rPr lang="en-US" altLang="ko-KR" sz="600" dirty="0" smtClean="0">
+              <a:rPr lang="en-US" altLang="ko-KR" sz="600" dirty="0">
                 <a:solidFill>
                   <a:srgbClr val="00B0F0"/>
                 </a:solidFill>
@@ -10327,7 +10206,7 @@
           <a:p>
             <a:pPr algn="ctr"/>
             <a:r>
-              <a:rPr lang="en-US" altLang="ko-KR" sz="900" dirty="0" smtClean="0">
+              <a:rPr lang="en-US" altLang="ko-KR" sz="900" dirty="0">
                 <a:latin typeface="Artifakt Element" panose="020B0503050000020004" pitchFamily="34" charset="0"/>
                 <a:ea typeface="Artifakt Element" panose="020B0503050000020004" pitchFamily="34" charset="0"/>
               </a:rPr>
@@ -10670,7 +10549,7 @@
           <a:p>
             <a:pPr algn="ctr"/>
             <a:r>
-              <a:rPr lang="en-US" altLang="ko-KR" sz="900" dirty="0" smtClean="0">
+              <a:rPr lang="en-US" altLang="ko-KR" sz="900" dirty="0">
                 <a:latin typeface="Artifakt Element" panose="020B0503050000020004" pitchFamily="34" charset="0"/>
                 <a:ea typeface="Artifakt Element" panose="020B0503050000020004" pitchFamily="34" charset="0"/>
               </a:rPr>
@@ -10863,18 +10742,18 @@
               <a:buAutoNum type="romanUcPeriod"/>
             </a:pPr>
             <a:r>
-              <a:rPr lang="en-US" altLang="ko-KR" sz="1600" dirty="0" smtClean="0">
+              <a:rPr lang="en-US" altLang="ko-KR" sz="1600" dirty="0">
                 <a:latin typeface="Artifakt Element" panose="020B0503050000020004" pitchFamily="34" charset="0"/>
               </a:rPr>
               <a:t>Cluster </a:t>
             </a:r>
             <a:r>
-              <a:rPr lang="ko-KR" altLang="en-US" sz="1600" dirty="0" smtClean="0">
+              <a:rPr lang="ko-KR" altLang="en-US" sz="1600" dirty="0">
                 <a:latin typeface="Artifakt Element" panose="020B0503050000020004" pitchFamily="34" charset="0"/>
               </a:rPr>
               <a:t>리스트에서 다음 원소를 꺼낸다</a:t>
             </a:r>
-            <a:endParaRPr lang="en-US" altLang="ko-KR" sz="1600" dirty="0" smtClean="0">
+            <a:endParaRPr lang="en-US" altLang="ko-KR" sz="1600" dirty="0">
               <a:latin typeface="Artifakt Element" panose="020B0503050000020004" pitchFamily="34" charset="0"/>
             </a:endParaRPr>
           </a:p>
@@ -10884,34 +10763,34 @@
               <a:buAutoNum type="romanUcPeriod"/>
             </a:pPr>
             <a:r>
-              <a:rPr lang="en-US" altLang="ko-KR" sz="1600" dirty="0" smtClean="0">
+              <a:rPr lang="en-US" altLang="ko-KR" sz="1600" dirty="0">
                 <a:latin typeface="Artifakt Element" panose="020B0503050000020004" pitchFamily="34" charset="0"/>
                 <a:ea typeface="Artifakt Element" panose="020B0503050000020004" pitchFamily="34" charset="0"/>
               </a:rPr>
               <a:t>Post </a:t>
             </a:r>
             <a:r>
-              <a:rPr lang="en-US" altLang="ko-KR" sz="1600" dirty="0" smtClean="0">
+              <a:rPr lang="en-US" altLang="ko-KR" sz="1600" dirty="0">
                 <a:latin typeface="Artifakt Element" panose="020B0503050000020004" pitchFamily="34" charset="0"/>
               </a:rPr>
               <a:t>Placing</a:t>
             </a:r>
             <a:r>
-              <a:rPr lang="en-US" altLang="ko-KR" sz="1600" dirty="0" smtClean="0">
+              <a:rPr lang="en-US" altLang="ko-KR" sz="1600" dirty="0">
                 <a:latin typeface="Artifakt Element" panose="020B0503050000020004" pitchFamily="34" charset="0"/>
                 <a:ea typeface="Artifakt Element" panose="020B0503050000020004" pitchFamily="34" charset="0"/>
               </a:rPr>
               <a:t> </a:t>
             </a:r>
             <a:r>
-              <a:rPr lang="ko-KR" altLang="en-US" sz="1600" dirty="0" smtClean="0">
+              <a:rPr lang="ko-KR" altLang="en-US" sz="1600" dirty="0">
                 <a:latin typeface="Artifakt Element" panose="020B0503050000020004" pitchFamily="34" charset="0"/>
                 <a:ea typeface="Artifakt Element" panose="020B0503050000020004" pitchFamily="34" charset="0"/>
               </a:rPr>
               <a:t>리스트에 원소가 있는지 확인</a:t>
             </a:r>
             <a:r>
-              <a:rPr lang="en-US" altLang="ko-KR" sz="1600" dirty="0" smtClean="0">
+              <a:rPr lang="en-US" altLang="ko-KR" sz="1600" dirty="0">
                 <a:latin typeface="Artifakt Element" panose="020B0503050000020004" pitchFamily="34" charset="0"/>
                 <a:ea typeface="Artifakt Element" panose="020B0503050000020004" pitchFamily="34" charset="0"/>
               </a:rPr>
@@ -10924,7 +10803,7 @@
               <a:buAutoNum type="romanUcPeriod"/>
             </a:pPr>
             <a:r>
-              <a:rPr lang="ko-KR" altLang="en-US" sz="1600" dirty="0" smtClean="0">
+              <a:rPr lang="ko-KR" altLang="en-US" sz="1600" dirty="0">
                 <a:latin typeface="Artifakt Element" panose="020B0503050000020004" pitchFamily="34" charset="0"/>
                 <a:ea typeface="Artifakt Element" panose="020B0503050000020004" pitchFamily="34" charset="0"/>
               </a:rPr>
@@ -10935,44 +10814,37 @@
                 <a:latin typeface="Artifakt Element" panose="020B0503050000020004" pitchFamily="34" charset="0"/>
                 <a:ea typeface="Artifakt Element" panose="020B0503050000020004" pitchFamily="34" charset="0"/>
               </a:rPr>
-              <a:t> </a:t>
-            </a:r>
-            <a:r>
-              <a:rPr lang="en-US" altLang="ko-KR" sz="1600" dirty="0" smtClean="0">
-                <a:latin typeface="Artifakt Element" panose="020B0503050000020004" pitchFamily="34" charset="0"/>
-                <a:ea typeface="Artifakt Element" panose="020B0503050000020004" pitchFamily="34" charset="0"/>
-              </a:rPr>
-              <a:t>Post Placing </a:t>
-            </a:r>
-            <a:r>
-              <a:rPr lang="ko-KR" altLang="en-US" sz="1600" dirty="0" smtClean="0">
+              <a:t> Post Placing </a:t>
+            </a:r>
+            <a:r>
+              <a:rPr lang="ko-KR" altLang="en-US" sz="1600" dirty="0">
                 <a:latin typeface="Artifakt Element" panose="020B0503050000020004" pitchFamily="34" charset="0"/>
                 <a:ea typeface="Artifakt Element" panose="020B0503050000020004" pitchFamily="34" charset="0"/>
               </a:rPr>
               <a:t>원소들의 </a:t>
             </a:r>
             <a:r>
-              <a:rPr lang="en-US" altLang="ko-KR" sz="1600" dirty="0" smtClean="0">
+              <a:rPr lang="en-US" altLang="ko-KR" sz="1600" dirty="0">
                 <a:latin typeface="Artifakt Element" panose="020B0503050000020004" pitchFamily="34" charset="0"/>
                 <a:ea typeface="Artifakt Element" panose="020B0503050000020004" pitchFamily="34" charset="0"/>
               </a:rPr>
               <a:t>I.P </a:t>
             </a:r>
             <a:r>
-              <a:rPr lang="ko-KR" altLang="en-US" sz="1600" dirty="0" smtClean="0">
+              <a:rPr lang="ko-KR" altLang="en-US" sz="1600" dirty="0">
                 <a:latin typeface="Artifakt Element" panose="020B0503050000020004" pitchFamily="34" charset="0"/>
                 <a:ea typeface="Artifakt Element" panose="020B0503050000020004" pitchFamily="34" charset="0"/>
               </a:rPr>
               <a:t>좌표들을 </a:t>
             </a:r>
             <a:r>
-              <a:rPr lang="ko-KR" altLang="en-US" sz="1600" dirty="0" err="1" smtClean="0">
+              <a:rPr lang="ko-KR" altLang="en-US" sz="1600" dirty="0" err="1">
                 <a:latin typeface="Artifakt Element" panose="020B0503050000020004" pitchFamily="34" charset="0"/>
                 <a:ea typeface="Artifakt Element" panose="020B0503050000020004" pitchFamily="34" charset="0"/>
               </a:rPr>
               <a:t>리스트업</a:t>
             </a:r>
-            <a:endParaRPr lang="en-US" altLang="ko-KR" sz="1600" dirty="0" smtClean="0">
+            <a:endParaRPr lang="en-US" altLang="ko-KR" sz="1600" dirty="0">
               <a:latin typeface="Artifakt Element" panose="020B0503050000020004" pitchFamily="34" charset="0"/>
               <a:ea typeface="Artifakt Element" panose="020B0503050000020004" pitchFamily="34" charset="0"/>
             </a:endParaRPr>
@@ -10983,21 +10855,21 @@
               <a:buAutoNum type="romanUcPeriod"/>
             </a:pPr>
             <a:r>
-              <a:rPr lang="en-US" altLang="ko-KR" sz="1600" dirty="0" smtClean="0">
+              <a:rPr lang="en-US" altLang="ko-KR" sz="1600" dirty="0">
                 <a:latin typeface="Artifakt Element" panose="020B0503050000020004" pitchFamily="34" charset="0"/>
                 <a:ea typeface="Artifakt Element" panose="020B0503050000020004" pitchFamily="34" charset="0"/>
               </a:rPr>
               <a:t>Pre Placing </a:t>
             </a:r>
             <a:r>
-              <a:rPr lang="ko-KR" altLang="en-US" sz="1600" dirty="0" smtClean="0">
+              <a:rPr lang="ko-KR" altLang="en-US" sz="1600" dirty="0">
                 <a:latin typeface="Artifakt Element" panose="020B0503050000020004" pitchFamily="34" charset="0"/>
                 <a:ea typeface="Artifakt Element" panose="020B0503050000020004" pitchFamily="34" charset="0"/>
               </a:rPr>
               <a:t>원소의 </a:t>
             </a:r>
             <a:r>
-              <a:rPr lang="en-US" altLang="ko-KR" sz="1600" dirty="0" smtClean="0">
+              <a:rPr lang="en-US" altLang="ko-KR" sz="1600" dirty="0">
                 <a:solidFill>
                   <a:srgbClr val="00B050"/>
                 </a:solidFill>
@@ -11007,28 +10879,28 @@
               <a:t>N.I.P</a:t>
             </a:r>
             <a:r>
-              <a:rPr lang="ko-KR" altLang="en-US" sz="1600" dirty="0" smtClean="0">
+              <a:rPr lang="ko-KR" altLang="en-US" sz="1600" dirty="0">
                 <a:latin typeface="Artifakt Element" panose="020B0503050000020004" pitchFamily="34" charset="0"/>
                 <a:ea typeface="Artifakt Element" panose="020B0503050000020004" pitchFamily="34" charset="0"/>
               </a:rPr>
               <a:t>를 </a:t>
             </a:r>
             <a:r>
-              <a:rPr lang="en-US" altLang="ko-KR" sz="1600" dirty="0" smtClean="0">
+              <a:rPr lang="en-US" altLang="ko-KR" sz="1600" dirty="0">
                 <a:latin typeface="Artifakt Element" panose="020B0503050000020004" pitchFamily="34" charset="0"/>
                 <a:ea typeface="Artifakt Element" panose="020B0503050000020004" pitchFamily="34" charset="0"/>
               </a:rPr>
               <a:t>Post Placing </a:t>
             </a:r>
             <a:r>
-              <a:rPr lang="ko-KR" altLang="en-US" sz="1600" dirty="0" smtClean="0">
+              <a:rPr lang="ko-KR" altLang="en-US" sz="1600" dirty="0">
                 <a:latin typeface="Artifakt Element" panose="020B0503050000020004" pitchFamily="34" charset="0"/>
                 <a:ea typeface="Artifakt Element" panose="020B0503050000020004" pitchFamily="34" charset="0"/>
               </a:rPr>
               <a:t>원소들의 </a:t>
             </a:r>
             <a:r>
-              <a:rPr lang="en-US" altLang="ko-KR" sz="1600" dirty="0" smtClean="0">
+              <a:rPr lang="en-US" altLang="ko-KR" sz="1600" dirty="0">
                 <a:solidFill>
                   <a:srgbClr val="00B0F0"/>
                 </a:solidFill>
@@ -11038,119 +10910,112 @@
               <a:t>I.P</a:t>
             </a:r>
             <a:r>
-              <a:rPr lang="ko-KR" altLang="en-US" sz="1600" dirty="0" smtClean="0">
+              <a:rPr lang="ko-KR" altLang="en-US" sz="1600" dirty="0">
                 <a:latin typeface="Artifakt Element" panose="020B0503050000020004" pitchFamily="34" charset="0"/>
                 <a:ea typeface="Artifakt Element" panose="020B0503050000020004" pitchFamily="34" charset="0"/>
               </a:rPr>
               <a:t>에 일치하게 배치한다 그리고 기본적으로 </a:t>
             </a:r>
             <a:r>
-              <a:rPr lang="en-US" altLang="ko-KR" sz="1600" b="1" dirty="0" smtClean="0">
+              <a:rPr lang="en-US" altLang="ko-KR" sz="1600" b="1" dirty="0">
                 <a:latin typeface="Artifakt Element" panose="020B0503050000020004" pitchFamily="34" charset="0"/>
                 <a:ea typeface="Artifakt Element" panose="020B0503050000020004" pitchFamily="34" charset="0"/>
               </a:rPr>
               <a:t>Post Placing </a:t>
             </a:r>
             <a:r>
-              <a:rPr lang="ko-KR" altLang="en-US" sz="1600" b="1" dirty="0" smtClean="0">
+              <a:rPr lang="ko-KR" altLang="en-US" sz="1600" b="1" dirty="0">
                 <a:latin typeface="Artifakt Element" panose="020B0503050000020004" pitchFamily="34" charset="0"/>
                 <a:ea typeface="Artifakt Element" panose="020B0503050000020004" pitchFamily="34" charset="0"/>
               </a:rPr>
               <a:t>원소의 </a:t>
             </a:r>
             <a:r>
-              <a:rPr lang="ko-KR" altLang="en-US" sz="1600" b="1" dirty="0" err="1" smtClean="0">
+              <a:rPr lang="ko-KR" altLang="en-US" sz="1600" b="1" dirty="0" err="1">
                 <a:latin typeface="Artifakt Element" panose="020B0503050000020004" pitchFamily="34" charset="0"/>
                 <a:ea typeface="Artifakt Element" panose="020B0503050000020004" pitchFamily="34" charset="0"/>
               </a:rPr>
               <a:t>바운딩박스</a:t>
             </a:r>
             <a:r>
-              <a:rPr lang="ko-KR" altLang="en-US" sz="1600" b="1" dirty="0" smtClean="0">
+              <a:rPr lang="ko-KR" altLang="en-US" sz="1600" b="1" dirty="0">
                 <a:latin typeface="Artifakt Element" panose="020B0503050000020004" pitchFamily="34" charset="0"/>
                 <a:ea typeface="Artifakt Element" panose="020B0503050000020004" pitchFamily="34" charset="0"/>
               </a:rPr>
               <a:t> </a:t>
             </a:r>
             <a:r>
-              <a:rPr lang="ko-KR" altLang="en-US" sz="1600" b="1" dirty="0" err="1" smtClean="0">
+              <a:rPr lang="ko-KR" altLang="en-US" sz="1600" b="1" dirty="0" err="1">
                 <a:latin typeface="Artifakt Element" panose="020B0503050000020004" pitchFamily="34" charset="0"/>
                 <a:ea typeface="Artifakt Element" panose="020B0503050000020004" pitchFamily="34" charset="0"/>
               </a:rPr>
               <a:t>좌하단</a:t>
             </a:r>
             <a:r>
-              <a:rPr lang="ko-KR" altLang="en-US" sz="1600" b="1" dirty="0" smtClean="0">
+              <a:rPr lang="ko-KR" altLang="en-US" sz="1600" b="1" dirty="0">
                 <a:latin typeface="Artifakt Element" panose="020B0503050000020004" pitchFamily="34" charset="0"/>
                 <a:ea typeface="Artifakt Element" panose="020B0503050000020004" pitchFamily="34" charset="0"/>
               </a:rPr>
               <a:t> </a:t>
             </a:r>
             <a:r>
-              <a:rPr lang="ko-KR" altLang="en-US" sz="1600" b="1" dirty="0" err="1" smtClean="0">
+              <a:rPr lang="ko-KR" altLang="en-US" sz="1600" b="1" dirty="0" err="1">
                 <a:latin typeface="Artifakt Element" panose="020B0503050000020004" pitchFamily="34" charset="0"/>
                 <a:ea typeface="Artifakt Element" panose="020B0503050000020004" pitchFamily="34" charset="0"/>
               </a:rPr>
               <a:t>우상단</a:t>
             </a:r>
             <a:r>
-              <a:rPr lang="ko-KR" altLang="en-US" sz="1600" dirty="0" err="1" smtClean="0">
+              <a:rPr lang="ko-KR" altLang="en-US" sz="1600" dirty="0" err="1">
                 <a:latin typeface="Artifakt Element" panose="020B0503050000020004" pitchFamily="34" charset="0"/>
                 <a:ea typeface="Artifakt Element" panose="020B0503050000020004" pitchFamily="34" charset="0"/>
               </a:rPr>
               <a:t>에도</a:t>
             </a:r>
             <a:r>
-              <a:rPr lang="ko-KR" altLang="en-US" sz="1600" dirty="0" smtClean="0">
-                <a:latin typeface="Artifakt Element" panose="020B0503050000020004" pitchFamily="34" charset="0"/>
-                <a:ea typeface="Artifakt Element" panose="020B0503050000020004" pitchFamily="34" charset="0"/>
-              </a:rPr>
-              <a:t> 배치한</a:t>
-            </a:r>
-            <a:r>
-              <a:rPr lang="ko-KR" altLang="en-US" sz="1600" dirty="0" smtClean="0">
-                <a:latin typeface="Artifakt Element" panose="020B0503050000020004" pitchFamily="34" charset="0"/>
-                <a:ea typeface="Artifakt Element" panose="020B0503050000020004" pitchFamily="34" charset="0"/>
-              </a:rPr>
-              <a:t>다</a:t>
-            </a:r>
-            <a:r>
-              <a:rPr lang="en-US" altLang="ko-KR" sz="1600" dirty="0" smtClean="0">
+              <a:rPr lang="ko-KR" altLang="en-US" sz="1600" dirty="0">
+                <a:latin typeface="Artifakt Element" panose="020B0503050000020004" pitchFamily="34" charset="0"/>
+                <a:ea typeface="Artifakt Element" panose="020B0503050000020004" pitchFamily="34" charset="0"/>
+              </a:rPr>
+              <a:t> 배치한다</a:t>
+            </a:r>
+            <a:r>
+              <a:rPr lang="en-US" altLang="ko-KR" sz="1600" dirty="0">
                 <a:latin typeface="Artifakt Element" panose="020B0503050000020004" pitchFamily="34" charset="0"/>
                 <a:ea typeface="Artifakt Element" panose="020B0503050000020004" pitchFamily="34" charset="0"/>
               </a:rPr>
               <a:t>(</a:t>
             </a:r>
             <a:r>
-              <a:rPr lang="ko-KR" altLang="en-US" sz="1600" dirty="0" err="1" smtClean="0">
+              <a:rPr lang="ko-KR" altLang="en-US" sz="1600" dirty="0" err="1">
                 <a:latin typeface="Artifakt Element" panose="020B0503050000020004" pitchFamily="34" charset="0"/>
                 <a:ea typeface="Artifakt Element" panose="020B0503050000020004" pitchFamily="34" charset="0"/>
               </a:rPr>
               <a:t>배치할때</a:t>
             </a:r>
             <a:r>
-              <a:rPr lang="ko-KR" altLang="en-US" sz="1600" dirty="0" smtClean="0">
+              <a:rPr lang="ko-KR" altLang="en-US" sz="1600" dirty="0">
                 <a:latin typeface="Artifakt Element" panose="020B0503050000020004" pitchFamily="34" charset="0"/>
                 <a:ea typeface="Artifakt Element" panose="020B0503050000020004" pitchFamily="34" charset="0"/>
               </a:rPr>
               <a:t> </a:t>
             </a:r>
             <a:r>
-              <a:rPr lang="en-US" altLang="ko-KR" sz="1600" dirty="0" smtClean="0">
+              <a:rPr lang="en-US" altLang="ko-KR" sz="1600" dirty="0">
                 <a:latin typeface="Artifakt Element" panose="020B0503050000020004" pitchFamily="34" charset="0"/>
                 <a:ea typeface="Artifakt Element" panose="020B0503050000020004" pitchFamily="34" charset="0"/>
               </a:rPr>
               <a:t>0,90,180,270 </a:t>
             </a:r>
             <a:r>
-              <a:rPr lang="ko-KR" altLang="en-US" sz="1600" dirty="0" smtClean="0">
+              <a:rPr lang="ko-KR" altLang="en-US" sz="1600" dirty="0">
                 <a:latin typeface="Artifakt Element" panose="020B0503050000020004" pitchFamily="34" charset="0"/>
                 <a:ea typeface="Artifakt Element" panose="020B0503050000020004" pitchFamily="34" charset="0"/>
               </a:rPr>
               <a:t>회전 고려</a:t>
             </a:r>
             <a:r>
-              <a:rPr lang="en-US" altLang="ko-KR" sz="1600" dirty="0" smtClean="0">
+              <a:rPr lang="en-US" altLang="ko-KR" sz="1600" dirty="0">
                 <a:latin typeface="Artifakt Element" panose="020B0503050000020004" pitchFamily="34" charset="0"/>
                 <a:ea typeface="Artifakt Element" panose="020B0503050000020004" pitchFamily="34" charset="0"/>
               </a:rPr>
@@ -11163,48 +11028,48 @@
               <a:buAutoNum type="romanUcPeriod"/>
             </a:pPr>
             <a:r>
-              <a:rPr lang="en-US" altLang="ko-KR" sz="1600" dirty="0" smtClean="0">
+              <a:rPr lang="en-US" altLang="ko-KR" sz="1600" dirty="0">
                 <a:latin typeface="Artifakt Element" panose="020B0503050000020004" pitchFamily="34" charset="0"/>
                 <a:ea typeface="Artifakt Element" panose="020B0503050000020004" pitchFamily="34" charset="0"/>
               </a:rPr>
               <a:t>Placing Boundary, Post Placing </a:t>
             </a:r>
             <a:r>
-              <a:rPr lang="ko-KR" altLang="en-US" sz="1600" dirty="0" smtClean="0">
+              <a:rPr lang="ko-KR" altLang="en-US" sz="1600" dirty="0">
                 <a:latin typeface="Artifakt Element" panose="020B0503050000020004" pitchFamily="34" charset="0"/>
                 <a:ea typeface="Artifakt Element" panose="020B0503050000020004" pitchFamily="34" charset="0"/>
               </a:rPr>
               <a:t>원소들의 </a:t>
             </a:r>
             <a:r>
-              <a:rPr lang="ko-KR" altLang="en-US" sz="1600" dirty="0" err="1" smtClean="0">
+              <a:rPr lang="ko-KR" altLang="en-US" sz="1600" dirty="0" err="1">
                 <a:latin typeface="Artifakt Element" panose="020B0503050000020004" pitchFamily="34" charset="0"/>
                 <a:ea typeface="Artifakt Element" panose="020B0503050000020004" pitchFamily="34" charset="0"/>
               </a:rPr>
               <a:t>서피스와</a:t>
             </a:r>
             <a:r>
-              <a:rPr lang="ko-KR" altLang="en-US" sz="1600" dirty="0" smtClean="0">
+              <a:rPr lang="ko-KR" altLang="en-US" sz="1600" dirty="0">
                 <a:latin typeface="Artifakt Element" panose="020B0503050000020004" pitchFamily="34" charset="0"/>
                 <a:ea typeface="Artifakt Element" panose="020B0503050000020004" pitchFamily="34" charset="0"/>
               </a:rPr>
               <a:t> 간섭 체크를 해서 간섭이 없는 경우만 </a:t>
             </a:r>
             <a:r>
-              <a:rPr lang="ko-KR" altLang="en-US" sz="1600" dirty="0" err="1" smtClean="0">
+              <a:rPr lang="ko-KR" altLang="en-US" sz="1600" dirty="0" err="1">
                 <a:latin typeface="Artifakt Element" panose="020B0503050000020004" pitchFamily="34" charset="0"/>
                 <a:ea typeface="Artifakt Element" panose="020B0503050000020004" pitchFamily="34" charset="0"/>
               </a:rPr>
               <a:t>리스트업</a:t>
             </a:r>
             <a:r>
-              <a:rPr lang="ko-KR" altLang="en-US" sz="1600" dirty="0" smtClean="0">
+              <a:rPr lang="ko-KR" altLang="en-US" sz="1600" dirty="0">
                 <a:latin typeface="Artifakt Element" panose="020B0503050000020004" pitchFamily="34" charset="0"/>
                 <a:ea typeface="Artifakt Element" panose="020B0503050000020004" pitchFamily="34" charset="0"/>
               </a:rPr>
               <a:t> 한다</a:t>
             </a:r>
-            <a:endParaRPr lang="en-US" altLang="ko-KR" sz="1600" dirty="0" smtClean="0">
+            <a:endParaRPr lang="en-US" altLang="ko-KR" sz="1600" dirty="0">
               <a:latin typeface="Artifakt Element" panose="020B0503050000020004" pitchFamily="34" charset="0"/>
               <a:ea typeface="Artifakt Element" panose="020B0503050000020004" pitchFamily="34" charset="0"/>
             </a:endParaRPr>
@@ -11215,54 +11080,54 @@
               <a:buAutoNum type="romanUcPeriod"/>
             </a:pPr>
             <a:r>
-              <a:rPr lang="ko-KR" altLang="en-US" sz="1600" dirty="0" err="1" smtClean="0">
+              <a:rPr lang="ko-KR" altLang="en-US" sz="1600" dirty="0" err="1">
                 <a:latin typeface="Artifakt Element" panose="020B0503050000020004" pitchFamily="34" charset="0"/>
               </a:rPr>
               <a:t>리스트업</a:t>
             </a:r>
             <a:r>
-              <a:rPr lang="ko-KR" altLang="en-US" sz="1600" dirty="0" smtClean="0">
+              <a:rPr lang="ko-KR" altLang="en-US" sz="1600" dirty="0">
                 <a:latin typeface="Artifakt Element" panose="020B0503050000020004" pitchFamily="34" charset="0"/>
               </a:rPr>
               <a:t> 결과 중</a:t>
             </a:r>
             <a:r>
-              <a:rPr lang="en-US" altLang="ko-KR" sz="1600" dirty="0" smtClean="0">
+              <a:rPr lang="en-US" altLang="ko-KR" sz="1600" dirty="0">
                 <a:latin typeface="Artifakt Element" panose="020B0503050000020004" pitchFamily="34" charset="0"/>
               </a:rPr>
               <a:t>, 2</a:t>
             </a:r>
             <a:r>
-              <a:rPr lang="ko-KR" altLang="en-US" sz="1600" dirty="0" smtClean="0">
+              <a:rPr lang="ko-KR" altLang="en-US" sz="1600" dirty="0">
                 <a:latin typeface="Artifakt Element" panose="020B0503050000020004" pitchFamily="34" charset="0"/>
               </a:rPr>
               <a:t>개 클러스터의 </a:t>
             </a:r>
             <a:r>
-              <a:rPr lang="ko-KR" altLang="en-US" sz="1600" dirty="0" err="1" smtClean="0">
+              <a:rPr lang="ko-KR" altLang="en-US" sz="1600" dirty="0" err="1">
                 <a:latin typeface="Artifakt Element" panose="020B0503050000020004" pitchFamily="34" charset="0"/>
               </a:rPr>
               <a:t>볼록껍질</a:t>
             </a:r>
             <a:r>
-              <a:rPr lang="ko-KR" altLang="en-US" sz="1600" dirty="0" smtClean="0">
+              <a:rPr lang="ko-KR" altLang="en-US" sz="1600" dirty="0">
                 <a:latin typeface="Artifakt Element" panose="020B0503050000020004" pitchFamily="34" charset="0"/>
               </a:rPr>
               <a:t> 면적이 가장 작은 결과를 </a:t>
             </a:r>
             <a:r>
-              <a:rPr lang="en-US" altLang="ko-KR" sz="1600" dirty="0" smtClean="0">
+              <a:rPr lang="en-US" altLang="ko-KR" sz="1600" dirty="0">
                 <a:latin typeface="Artifakt Element" panose="020B0503050000020004" pitchFamily="34" charset="0"/>
               </a:rPr>
               <a:t>Post Placing </a:t>
             </a:r>
             <a:r>
-              <a:rPr lang="ko-KR" altLang="en-US" sz="1600" dirty="0" smtClean="0">
+              <a:rPr lang="ko-KR" altLang="en-US" sz="1600" dirty="0">
                 <a:latin typeface="Artifakt Element" panose="020B0503050000020004" pitchFamily="34" charset="0"/>
               </a:rPr>
               <a:t>리스트에 반영한다</a:t>
             </a:r>
-            <a:endParaRPr lang="en-US" altLang="ko-KR" sz="1600" dirty="0" smtClean="0">
+            <a:endParaRPr lang="en-US" altLang="ko-KR" sz="1600" dirty="0">
               <a:latin typeface="Artifakt Element" panose="020B0503050000020004" pitchFamily="34" charset="0"/>
             </a:endParaRPr>
           </a:p>
@@ -11291,13 +11156,13 @@
           <a:lstStyle/>
           <a:p>
             <a:r>
-              <a:rPr lang="ko-KR" altLang="en-US" sz="1600" dirty="0" smtClean="0">
+              <a:rPr lang="ko-KR" altLang="en-US" sz="1600" dirty="0">
                 <a:latin typeface="Artifakt Element" panose="020B0503050000020004" pitchFamily="34" charset="0"/>
               </a:rPr>
               <a:t>반복</a:t>
             </a:r>
             <a:r>
-              <a:rPr lang="en-US" altLang="ko-KR" sz="1600" dirty="0" smtClean="0">
+              <a:rPr lang="en-US" altLang="ko-KR" sz="1600" dirty="0">
                 <a:latin typeface="Artifakt Element" panose="020B0503050000020004" pitchFamily="34" charset="0"/>
               </a:rPr>
               <a:t>…</a:t>
@@ -11455,13 +11320,6 @@
   <p:clrMapOvr>
     <a:masterClrMapping/>
   </p:clrMapOvr>
-  <p:timing>
-    <p:tnLst>
-      <p:par>
-        <p:cTn id="1" dur="indefinite" restart="never" nodeType="tmRoot"/>
-      </p:par>
-    </p:tnLst>
-  </p:timing>
 </p:sld>
 </file>
 

--- a/hecBidding/20210903_ClusterPlacing Algorithm.pptx
+++ b/hecBidding/20210903_ClusterPlacing Algorithm.pptx
@@ -6,9 +6,10 @@
   </p:sldMasterIdLst>
   <p:sldIdLst>
     <p:sldId id="259" r:id="rId2"/>
-    <p:sldId id="257" r:id="rId3"/>
-    <p:sldId id="258" r:id="rId4"/>
-    <p:sldId id="260" r:id="rId5"/>
+    <p:sldId id="261" r:id="rId3"/>
+    <p:sldId id="257" r:id="rId4"/>
+    <p:sldId id="258" r:id="rId5"/>
+    <p:sldId id="260" r:id="rId6"/>
   </p:sldIdLst>
   <p:sldSz cx="12192000" cy="6858000"/>
   <p:notesSz cx="6858000" cy="9144000"/>
@@ -244,7 +245,7 @@
           <a:p>
             <a:fld id="{B93BA07A-DDEA-49CD-A6B5-BB77772FD6B7}" type="datetimeFigureOut">
               <a:rPr lang="ko-KR" altLang="en-US" smtClean="0"/>
-              <a:t>2021-09-03</a:t>
+              <a:t>2021-09-06</a:t>
             </a:fld>
             <a:endParaRPr lang="ko-KR" altLang="en-US"/>
           </a:p>
@@ -412,7 +413,7 @@
           <a:p>
             <a:fld id="{B93BA07A-DDEA-49CD-A6B5-BB77772FD6B7}" type="datetimeFigureOut">
               <a:rPr lang="ko-KR" altLang="en-US" smtClean="0"/>
-              <a:t>2021-09-03</a:t>
+              <a:t>2021-09-06</a:t>
             </a:fld>
             <a:endParaRPr lang="ko-KR" altLang="en-US"/>
           </a:p>
@@ -590,7 +591,7 @@
           <a:p>
             <a:fld id="{B93BA07A-DDEA-49CD-A6B5-BB77772FD6B7}" type="datetimeFigureOut">
               <a:rPr lang="ko-KR" altLang="en-US" smtClean="0"/>
-              <a:t>2021-09-03</a:t>
+              <a:t>2021-09-06</a:t>
             </a:fld>
             <a:endParaRPr lang="ko-KR" altLang="en-US"/>
           </a:p>
@@ -758,7 +759,7 @@
           <a:p>
             <a:fld id="{B93BA07A-DDEA-49CD-A6B5-BB77772FD6B7}" type="datetimeFigureOut">
               <a:rPr lang="ko-KR" altLang="en-US" smtClean="0"/>
-              <a:t>2021-09-03</a:t>
+              <a:t>2021-09-06</a:t>
             </a:fld>
             <a:endParaRPr lang="ko-KR" altLang="en-US"/>
           </a:p>
@@ -1003,7 +1004,7 @@
           <a:p>
             <a:fld id="{B93BA07A-DDEA-49CD-A6B5-BB77772FD6B7}" type="datetimeFigureOut">
               <a:rPr lang="ko-KR" altLang="en-US" smtClean="0"/>
-              <a:t>2021-09-03</a:t>
+              <a:t>2021-09-06</a:t>
             </a:fld>
             <a:endParaRPr lang="ko-KR" altLang="en-US"/>
           </a:p>
@@ -1232,7 +1233,7 @@
           <a:p>
             <a:fld id="{B93BA07A-DDEA-49CD-A6B5-BB77772FD6B7}" type="datetimeFigureOut">
               <a:rPr lang="ko-KR" altLang="en-US" smtClean="0"/>
-              <a:t>2021-09-03</a:t>
+              <a:t>2021-09-06</a:t>
             </a:fld>
             <a:endParaRPr lang="ko-KR" altLang="en-US"/>
           </a:p>
@@ -1596,7 +1597,7 @@
           <a:p>
             <a:fld id="{B93BA07A-DDEA-49CD-A6B5-BB77772FD6B7}" type="datetimeFigureOut">
               <a:rPr lang="ko-KR" altLang="en-US" smtClean="0"/>
-              <a:t>2021-09-03</a:t>
+              <a:t>2021-09-06</a:t>
             </a:fld>
             <a:endParaRPr lang="ko-KR" altLang="en-US"/>
           </a:p>
@@ -1713,7 +1714,7 @@
           <a:p>
             <a:fld id="{B93BA07A-DDEA-49CD-A6B5-BB77772FD6B7}" type="datetimeFigureOut">
               <a:rPr lang="ko-KR" altLang="en-US" smtClean="0"/>
-              <a:t>2021-09-03</a:t>
+              <a:t>2021-09-06</a:t>
             </a:fld>
             <a:endParaRPr lang="ko-KR" altLang="en-US"/>
           </a:p>
@@ -1808,7 +1809,7 @@
           <a:p>
             <a:fld id="{B93BA07A-DDEA-49CD-A6B5-BB77772FD6B7}" type="datetimeFigureOut">
               <a:rPr lang="ko-KR" altLang="en-US" smtClean="0"/>
-              <a:t>2021-09-03</a:t>
+              <a:t>2021-09-06</a:t>
             </a:fld>
             <a:endParaRPr lang="ko-KR" altLang="en-US"/>
           </a:p>
@@ -2083,7 +2084,7 @@
           <a:p>
             <a:fld id="{B93BA07A-DDEA-49CD-A6B5-BB77772FD6B7}" type="datetimeFigureOut">
               <a:rPr lang="ko-KR" altLang="en-US" smtClean="0"/>
-              <a:t>2021-09-03</a:t>
+              <a:t>2021-09-06</a:t>
             </a:fld>
             <a:endParaRPr lang="ko-KR" altLang="en-US"/>
           </a:p>
@@ -2335,7 +2336,7 @@
           <a:p>
             <a:fld id="{B93BA07A-DDEA-49CD-A6B5-BB77772FD6B7}" type="datetimeFigureOut">
               <a:rPr lang="ko-KR" altLang="en-US" smtClean="0"/>
-              <a:t>2021-09-03</a:t>
+              <a:t>2021-09-06</a:t>
             </a:fld>
             <a:endParaRPr lang="ko-KR" altLang="en-US"/>
           </a:p>
@@ -2546,7 +2547,7 @@
           <a:p>
             <a:fld id="{B93BA07A-DDEA-49CD-A6B5-BB77772FD6B7}" type="datetimeFigureOut">
               <a:rPr lang="ko-KR" altLang="en-US" smtClean="0"/>
-              <a:t>2021-09-03</a:t>
+              <a:t>2021-09-06</a:t>
             </a:fld>
             <a:endParaRPr lang="ko-KR" altLang="en-US"/>
           </a:p>
@@ -2974,11 +2975,18 @@
           <a:lstStyle/>
           <a:p>
             <a:r>
+              <a:rPr lang="en-US" altLang="ko-KR" sz="2400" dirty="0" smtClean="0">
+                <a:latin typeface="Artifakt Element" panose="020B0503050000020004" pitchFamily="34" charset="0"/>
+                <a:ea typeface="Artifakt Element" panose="020B0503050000020004" pitchFamily="34" charset="0"/>
+              </a:rPr>
+              <a:t>Cluster </a:t>
+            </a:r>
+            <a:r>
               <a:rPr lang="en-US" altLang="ko-KR" sz="2400" dirty="0">
                 <a:latin typeface="Artifakt Element" panose="020B0503050000020004" pitchFamily="34" charset="0"/>
                 <a:ea typeface="Artifakt Element" panose="020B0503050000020004" pitchFamily="34" charset="0"/>
               </a:rPr>
-              <a:t>Cluster Placing Algorithm Concept</a:t>
+              <a:t>Placing Algorithm Concept</a:t>
             </a:r>
             <a:endParaRPr lang="ko-KR" altLang="en-US" sz="2400" dirty="0">
               <a:latin typeface="Artifakt Element" panose="020B0503050000020004" pitchFamily="34" charset="0"/>
@@ -3018,6 +3026,76 @@
       </p:grpSpPr>
       <p:sp>
         <p:nvSpPr>
+          <p:cNvPr id="4" name="TextBox 3"/>
+          <p:cNvSpPr txBox="1"/>
+          <p:nvPr/>
+        </p:nvSpPr>
+        <p:spPr>
+          <a:xfrm>
+            <a:off x="275970" y="609765"/>
+            <a:ext cx="2140330" cy="338554"/>
+          </a:xfrm>
+          <a:prstGeom prst="rect">
+            <a:avLst/>
+          </a:prstGeom>
+          <a:noFill/>
+        </p:spPr>
+        <p:txBody>
+          <a:bodyPr wrap="none" rtlCol="0">
+            <a:spAutoFit/>
+          </a:bodyPr>
+          <a:lstStyle/>
+          <a:p>
+            <a:r>
+              <a:rPr lang="ko-KR" altLang="en-US" sz="1600" dirty="0" err="1" smtClean="0">
+                <a:latin typeface="Artifakt Element" panose="020B0503050000020004" pitchFamily="34" charset="0"/>
+              </a:rPr>
+              <a:t>단복수</a:t>
+            </a:r>
+            <a:r>
+              <a:rPr lang="ko-KR" altLang="en-US" sz="1600" dirty="0" smtClean="0">
+                <a:latin typeface="Artifakt Element" panose="020B0503050000020004" pitchFamily="34" charset="0"/>
+              </a:rPr>
+              <a:t> 클러스터 판별</a:t>
+            </a:r>
+            <a:endParaRPr lang="ko-KR" altLang="en-US" sz="1600" dirty="0">
+              <a:latin typeface="Artifakt Element" panose="020B0503050000020004" pitchFamily="34" charset="0"/>
+            </a:endParaRPr>
+          </a:p>
+        </p:txBody>
+      </p:sp>
+    </p:spTree>
+    <p:extLst>
+      <p:ext uri="{BB962C8B-B14F-4D97-AF65-F5344CB8AC3E}">
+        <p14:creationId xmlns:p14="http://schemas.microsoft.com/office/powerpoint/2010/main" val="4118439829"/>
+      </p:ext>
+    </p:extLst>
+  </p:cSld>
+  <p:clrMapOvr>
+    <a:masterClrMapping/>
+  </p:clrMapOvr>
+</p:sld>
+</file>
+
+<file path=ppt/slides/slide3.xml><?xml version="1.0" encoding="utf-8"?>
+<p:sld xmlns:a="http://schemas.openxmlformats.org/drawingml/2006/main" xmlns:r="http://schemas.openxmlformats.org/officeDocument/2006/relationships" xmlns:p="http://schemas.openxmlformats.org/presentationml/2006/main">
+  <p:cSld>
+    <p:spTree>
+      <p:nvGrpSpPr>
+        <p:cNvPr id="1" name=""/>
+        <p:cNvGrpSpPr/>
+        <p:nvPr/>
+      </p:nvGrpSpPr>
+      <p:grpSpPr>
+        <a:xfrm>
+          <a:off x="0" y="0"/>
+          <a:ext cx="0" cy="0"/>
+          <a:chOff x="0" y="0"/>
+          <a:chExt cx="0" cy="0"/>
+        </a:xfrm>
+      </p:grpSpPr>
+      <p:sp>
+        <p:nvSpPr>
           <p:cNvPr id="2" name="TextBox 1"/>
           <p:cNvSpPr txBox="1"/>
           <p:nvPr/>
@@ -3251,11 +3329,18 @@
           <a:lstStyle/>
           <a:p>
             <a:r>
+              <a:rPr lang="en-US" altLang="ko-KR" smtClean="0">
+                <a:latin typeface="Artifakt Element" panose="020B0503050000020004" pitchFamily="34" charset="0"/>
+                <a:ea typeface="Artifakt Element" panose="020B0503050000020004" pitchFamily="34" charset="0"/>
+              </a:rPr>
+              <a:t>Cluster </a:t>
+            </a:r>
+            <a:r>
               <a:rPr lang="en-US" altLang="ko-KR" dirty="0">
                 <a:latin typeface="Artifakt Element" panose="020B0503050000020004" pitchFamily="34" charset="0"/>
                 <a:ea typeface="Artifakt Element" panose="020B0503050000020004" pitchFamily="34" charset="0"/>
               </a:rPr>
-              <a:t>Cluster List</a:t>
+              <a:t>List</a:t>
             </a:r>
             <a:endParaRPr lang="ko-KR" altLang="en-US" dirty="0">
               <a:latin typeface="Artifakt Element" panose="020B0503050000020004" pitchFamily="34" charset="0"/>
@@ -3286,20 +3371,34 @@
           <a:lstStyle/>
           <a:p>
             <a:r>
+              <a:rPr lang="en-US" altLang="ko-KR" smtClean="0">
+                <a:latin typeface="Artifakt Element" panose="020B0503050000020004" pitchFamily="34" charset="0"/>
+                <a:ea typeface="Artifakt Element" panose="020B0503050000020004" pitchFamily="34" charset="0"/>
+              </a:rPr>
+              <a:t>Cluster </a:t>
+            </a:r>
+            <a:r>
               <a:rPr lang="en-US" altLang="ko-KR" dirty="0">
                 <a:latin typeface="Artifakt Element" panose="020B0503050000020004" pitchFamily="34" charset="0"/>
                 <a:ea typeface="Artifakt Element" panose="020B0503050000020004" pitchFamily="34" charset="0"/>
               </a:rPr>
-              <a:t>Cluster 1</a:t>
-            </a:r>
-          </a:p>
-          <a:p>
+              <a:t>1</a:t>
+            </a:r>
+          </a:p>
+          <a:p>
+            <a:r>
+              <a:rPr lang="en-US" altLang="ko-KR" smtClean="0">
+                <a:latin typeface="Artifakt Element" panose="020B0503050000020004" pitchFamily="34" charset="0"/>
+                <a:ea typeface="Artifakt Element" panose="020B0503050000020004" pitchFamily="34" charset="0"/>
+              </a:rPr>
+              <a:t>Cluster </a:t>
+            </a:r>
             <a:r>
               <a:rPr lang="en-US" altLang="ko-KR" dirty="0">
                 <a:latin typeface="Artifakt Element" panose="020B0503050000020004" pitchFamily="34" charset="0"/>
                 <a:ea typeface="Artifakt Element" panose="020B0503050000020004" pitchFamily="34" charset="0"/>
               </a:rPr>
-              <a:t>Cluster 2</a:t>
+              <a:t>2</a:t>
             </a:r>
             <a:endParaRPr lang="ko-KR" altLang="en-US" dirty="0">
               <a:latin typeface="Artifakt Element" panose="020B0503050000020004" pitchFamily="34" charset="0"/>
@@ -3307,11 +3406,18 @@
           </a:p>
           <a:p>
             <a:r>
+              <a:rPr lang="en-US" altLang="ko-KR" smtClean="0">
+                <a:latin typeface="Artifakt Element" panose="020B0503050000020004" pitchFamily="34" charset="0"/>
+                <a:ea typeface="Artifakt Element" panose="020B0503050000020004" pitchFamily="34" charset="0"/>
+              </a:rPr>
+              <a:t>Cluster </a:t>
+            </a:r>
+            <a:r>
               <a:rPr lang="en-US" altLang="ko-KR" dirty="0">
                 <a:latin typeface="Artifakt Element" panose="020B0503050000020004" pitchFamily="34" charset="0"/>
                 <a:ea typeface="Artifakt Element" panose="020B0503050000020004" pitchFamily="34" charset="0"/>
               </a:rPr>
-              <a:t>Cluster 3</a:t>
+              <a:t>3</a:t>
             </a:r>
             <a:endParaRPr lang="ko-KR" altLang="en-US" dirty="0">
               <a:latin typeface="Artifakt Element" panose="020B0503050000020004" pitchFamily="34" charset="0"/>
@@ -3319,11 +3425,18 @@
           </a:p>
           <a:p>
             <a:r>
+              <a:rPr lang="en-US" altLang="ko-KR" smtClean="0">
+                <a:latin typeface="Artifakt Element" panose="020B0503050000020004" pitchFamily="34" charset="0"/>
+                <a:ea typeface="Artifakt Element" panose="020B0503050000020004" pitchFamily="34" charset="0"/>
+              </a:rPr>
+              <a:t>Cluster </a:t>
+            </a:r>
+            <a:r>
               <a:rPr lang="en-US" altLang="ko-KR" dirty="0">
                 <a:latin typeface="Artifakt Element" panose="020B0503050000020004" pitchFamily="34" charset="0"/>
                 <a:ea typeface="Artifakt Element" panose="020B0503050000020004" pitchFamily="34" charset="0"/>
               </a:rPr>
-              <a:t>Cluster 5</a:t>
+              <a:t>5</a:t>
             </a:r>
             <a:endParaRPr lang="ko-KR" altLang="en-US" dirty="0">
               <a:latin typeface="Artifakt Element" panose="020B0503050000020004" pitchFamily="34" charset="0"/>
@@ -3331,11 +3444,18 @@
           </a:p>
           <a:p>
             <a:r>
+              <a:rPr lang="en-US" altLang="ko-KR" smtClean="0">
+                <a:latin typeface="Artifakt Element" panose="020B0503050000020004" pitchFamily="34" charset="0"/>
+                <a:ea typeface="Artifakt Element" panose="020B0503050000020004" pitchFamily="34" charset="0"/>
+              </a:rPr>
+              <a:t>Cluster </a:t>
+            </a:r>
+            <a:r>
               <a:rPr lang="en-US" altLang="ko-KR" dirty="0">
                 <a:latin typeface="Artifakt Element" panose="020B0503050000020004" pitchFamily="34" charset="0"/>
                 <a:ea typeface="Artifakt Element" panose="020B0503050000020004" pitchFamily="34" charset="0"/>
               </a:rPr>
-              <a:t>Cluster 4</a:t>
+              <a:t>4</a:t>
             </a:r>
             <a:endParaRPr lang="ko-KR" altLang="en-US" dirty="0">
               <a:latin typeface="Artifakt Element" panose="020B0503050000020004" pitchFamily="34" charset="0"/>
@@ -3343,11 +3463,18 @@
           </a:p>
           <a:p>
             <a:r>
+              <a:rPr lang="en-US" altLang="ko-KR" smtClean="0">
+                <a:latin typeface="Artifakt Element" panose="020B0503050000020004" pitchFamily="34" charset="0"/>
+                <a:ea typeface="Artifakt Element" panose="020B0503050000020004" pitchFamily="34" charset="0"/>
+              </a:rPr>
+              <a:t>Cluster </a:t>
+            </a:r>
+            <a:r>
               <a:rPr lang="en-US" altLang="ko-KR" dirty="0">
                 <a:latin typeface="Artifakt Element" panose="020B0503050000020004" pitchFamily="34" charset="0"/>
                 <a:ea typeface="Artifakt Element" panose="020B0503050000020004" pitchFamily="34" charset="0"/>
               </a:rPr>
-              <a:t>Cluster 6</a:t>
+              <a:t>6</a:t>
             </a:r>
             <a:endParaRPr lang="ko-KR" altLang="en-US" dirty="0">
               <a:latin typeface="Artifakt Element" panose="020B0503050000020004" pitchFamily="34" charset="0"/>
@@ -3355,11 +3482,18 @@
           </a:p>
           <a:p>
             <a:r>
+              <a:rPr lang="en-US" altLang="ko-KR" smtClean="0">
+                <a:latin typeface="Artifakt Element" panose="020B0503050000020004" pitchFamily="34" charset="0"/>
+                <a:ea typeface="Artifakt Element" panose="020B0503050000020004" pitchFamily="34" charset="0"/>
+              </a:rPr>
+              <a:t>Cluster </a:t>
+            </a:r>
+            <a:r>
               <a:rPr lang="en-US" altLang="ko-KR" dirty="0">
                 <a:latin typeface="Artifakt Element" panose="020B0503050000020004" pitchFamily="34" charset="0"/>
                 <a:ea typeface="Artifakt Element" panose="020B0503050000020004" pitchFamily="34" charset="0"/>
               </a:rPr>
-              <a:t>Cluster 7</a:t>
+              <a:t>7</a:t>
             </a:r>
             <a:endParaRPr lang="ko-KR" altLang="en-US" dirty="0">
               <a:latin typeface="Artifakt Element" panose="020B0503050000020004" pitchFamily="34" charset="0"/>
@@ -3367,11 +3501,18 @@
           </a:p>
           <a:p>
             <a:r>
+              <a:rPr lang="en-US" altLang="ko-KR" smtClean="0">
+                <a:latin typeface="Artifakt Element" panose="020B0503050000020004" pitchFamily="34" charset="0"/>
+                <a:ea typeface="Artifakt Element" panose="020B0503050000020004" pitchFamily="34" charset="0"/>
+              </a:rPr>
+              <a:t>Cluster </a:t>
+            </a:r>
+            <a:r>
               <a:rPr lang="en-US" altLang="ko-KR" dirty="0">
                 <a:latin typeface="Artifakt Element" panose="020B0503050000020004" pitchFamily="34" charset="0"/>
                 <a:ea typeface="Artifakt Element" panose="020B0503050000020004" pitchFamily="34" charset="0"/>
               </a:rPr>
-              <a:t>Cluster 8</a:t>
+              <a:t>8</a:t>
             </a:r>
             <a:endParaRPr lang="ko-KR" altLang="en-US" dirty="0">
               <a:latin typeface="Artifakt Element" panose="020B0503050000020004" pitchFamily="34" charset="0"/>
@@ -3379,11 +3520,18 @@
           </a:p>
           <a:p>
             <a:r>
+              <a:rPr lang="en-US" altLang="ko-KR" smtClean="0">
+                <a:latin typeface="Artifakt Element" panose="020B0503050000020004" pitchFamily="34" charset="0"/>
+                <a:ea typeface="Artifakt Element" panose="020B0503050000020004" pitchFamily="34" charset="0"/>
+              </a:rPr>
+              <a:t>Cluster </a:t>
+            </a:r>
+            <a:r>
               <a:rPr lang="en-US" altLang="ko-KR" dirty="0">
                 <a:latin typeface="Artifakt Element" panose="020B0503050000020004" pitchFamily="34" charset="0"/>
                 <a:ea typeface="Artifakt Element" panose="020B0503050000020004" pitchFamily="34" charset="0"/>
               </a:rPr>
-              <a:t>Cluster 9</a:t>
+              <a:t>9</a:t>
             </a:r>
             <a:endParaRPr lang="ko-KR" altLang="en-US" dirty="0">
               <a:latin typeface="Artifakt Element" panose="020B0503050000020004" pitchFamily="34" charset="0"/>
@@ -3391,11 +3539,18 @@
           </a:p>
           <a:p>
             <a:r>
+              <a:rPr lang="en-US" altLang="ko-KR" smtClean="0">
+                <a:latin typeface="Artifakt Element" panose="020B0503050000020004" pitchFamily="34" charset="0"/>
+                <a:ea typeface="Artifakt Element" panose="020B0503050000020004" pitchFamily="34" charset="0"/>
+              </a:rPr>
+              <a:t>Cluster </a:t>
+            </a:r>
+            <a:r>
               <a:rPr lang="en-US" altLang="ko-KR" dirty="0">
                 <a:latin typeface="Artifakt Element" panose="020B0503050000020004" pitchFamily="34" charset="0"/>
                 <a:ea typeface="Artifakt Element" panose="020B0503050000020004" pitchFamily="34" charset="0"/>
               </a:rPr>
-              <a:t>Cluster 10</a:t>
+              <a:t>10</a:t>
             </a:r>
             <a:endParaRPr lang="ko-KR" altLang="en-US" dirty="0">
               <a:latin typeface="Artifakt Element" panose="020B0503050000020004" pitchFamily="34" charset="0"/>
@@ -3403,11 +3558,18 @@
           </a:p>
           <a:p>
             <a:r>
+              <a:rPr lang="en-US" altLang="ko-KR" smtClean="0">
+                <a:latin typeface="Artifakt Element" panose="020B0503050000020004" pitchFamily="34" charset="0"/>
+                <a:ea typeface="Artifakt Element" panose="020B0503050000020004" pitchFamily="34" charset="0"/>
+              </a:rPr>
+              <a:t>Cluster </a:t>
+            </a:r>
+            <a:r>
               <a:rPr lang="en-US" altLang="ko-KR" dirty="0">
                 <a:latin typeface="Artifakt Element" panose="020B0503050000020004" pitchFamily="34" charset="0"/>
                 <a:ea typeface="Artifakt Element" panose="020B0503050000020004" pitchFamily="34" charset="0"/>
               </a:rPr>
-              <a:t>Cluster 11</a:t>
+              <a:t>11</a:t>
             </a:r>
             <a:endParaRPr lang="ko-KR" altLang="en-US" dirty="0">
               <a:latin typeface="Artifakt Element" panose="020B0503050000020004" pitchFamily="34" charset="0"/>
@@ -4284,10 +4446,17 @@
                 <a:latin typeface="Artifakt Element" panose="020B0503050000020004" pitchFamily="34" charset="0"/>
                 <a:ea typeface="Artifakt Element" panose="020B0503050000020004" pitchFamily="34" charset="0"/>
               </a:rPr>
-              <a:t>이동 기준점으로 </a:t>
-            </a:r>
-            <a:r>
-              <a:rPr lang="en-US" altLang="ko-KR" sz="1600" dirty="0">
+              <a:t>이동 </a:t>
+            </a:r>
+            <a:r>
+              <a:rPr lang="ko-KR" altLang="en-US" sz="1600">
+                <a:latin typeface="Artifakt Element" panose="020B0503050000020004" pitchFamily="34" charset="0"/>
+                <a:ea typeface="Artifakt Element" panose="020B0503050000020004" pitchFamily="34" charset="0"/>
+              </a:rPr>
+              <a:t>기준점으로 </a:t>
+            </a:r>
+            <a:r>
+              <a:rPr lang="en-US" altLang="ko-KR" sz="1600" smtClean="0">
                 <a:latin typeface="Artifakt Element" panose="020B0503050000020004" pitchFamily="34" charset="0"/>
                 <a:ea typeface="Artifakt Element" panose="020B0503050000020004" pitchFamily="34" charset="0"/>
               </a:rPr>
@@ -4397,16 +4566,22 @@
               <a:rPr lang="ko-KR" altLang="en-US" sz="1600" dirty="0">
                 <a:latin typeface="Artifakt Element" panose="020B0503050000020004" pitchFamily="34" charset="0"/>
               </a:rPr>
-              <a:t>원소가 없다면 해당 </a:t>
-            </a:r>
-            <a:r>
-              <a:rPr lang="en-US" altLang="ko-KR" sz="1600" dirty="0">
+              <a:t>원소가 없다면 </a:t>
+            </a:r>
+            <a:r>
+              <a:rPr lang="ko-KR" altLang="en-US" sz="1600">
+                <a:latin typeface="Artifakt Element" panose="020B0503050000020004" pitchFamily="34" charset="0"/>
+              </a:rPr>
+              <a:t>해당 </a:t>
+            </a:r>
+            <a:r>
+              <a:rPr lang="en-US" altLang="ko-KR" sz="1600" smtClean="0">
                 <a:latin typeface="Artifakt Element" panose="020B0503050000020004" pitchFamily="34" charset="0"/>
               </a:rPr>
               <a:t>Cluster</a:t>
             </a:r>
             <a:r>
-              <a:rPr lang="ko-KR" altLang="en-US" sz="1600" dirty="0">
+              <a:rPr lang="ko-KR" altLang="en-US" sz="1600" smtClean="0">
                 <a:latin typeface="Artifakt Element" panose="020B0503050000020004" pitchFamily="34" charset="0"/>
               </a:rPr>
               <a:t>의 </a:t>
@@ -4460,28 +4635,34 @@
               <a:buAutoNum type="romanUcPeriod"/>
             </a:pPr>
             <a:r>
-              <a:rPr lang="ko-KR" altLang="en-US" sz="1600" dirty="0">
+              <a:rPr lang="ko-KR" altLang="en-US" sz="1600">
                 <a:latin typeface="Artifakt Element" panose="020B0503050000020004" pitchFamily="34" charset="0"/>
               </a:rPr>
               <a:t>해당 </a:t>
             </a:r>
             <a:r>
-              <a:rPr lang="en-US" altLang="ko-KR" sz="1600" dirty="0">
+              <a:rPr lang="en-US" altLang="ko-KR" sz="1600" smtClean="0">
                 <a:latin typeface="Artifakt Element" panose="020B0503050000020004" pitchFamily="34" charset="0"/>
               </a:rPr>
               <a:t>Cluster</a:t>
             </a:r>
             <a:r>
-              <a:rPr lang="ko-KR" altLang="en-US" sz="1600" dirty="0">
+              <a:rPr lang="ko-KR" altLang="en-US" sz="1600" smtClean="0">
                 <a:latin typeface="Artifakt Element" panose="020B0503050000020004" pitchFamily="34" charset="0"/>
               </a:rPr>
               <a:t>를 </a:t>
             </a:r>
             <a:r>
-              <a:rPr lang="en-US" altLang="ko-KR" sz="1600" dirty="0">
-                <a:latin typeface="Artifakt Element" panose="020B0503050000020004" pitchFamily="34" charset="0"/>
-              </a:rPr>
-              <a:t>Post Cluster </a:t>
+              <a:rPr lang="en-US" altLang="ko-KR" sz="1600">
+                <a:latin typeface="Artifakt Element" panose="020B0503050000020004" pitchFamily="34" charset="0"/>
+              </a:rPr>
+              <a:t>Post </a:t>
+            </a:r>
+            <a:r>
+              <a:rPr lang="en-US" altLang="ko-KR" sz="1600" smtClean="0">
+                <a:latin typeface="Artifakt Element" panose="020B0503050000020004" pitchFamily="34" charset="0"/>
+              </a:rPr>
+              <a:t>Cluster </a:t>
             </a:r>
             <a:r>
               <a:rPr lang="ko-KR" altLang="en-US" sz="1600" dirty="0">
@@ -5351,6 +5532,95 @@
           </a:p>
         </p:txBody>
       </p:sp>
+      <p:sp>
+        <p:nvSpPr>
+          <p:cNvPr id="40" name="TextBox 39"/>
+          <p:cNvSpPr txBox="1"/>
+          <p:nvPr/>
+        </p:nvSpPr>
+        <p:spPr>
+          <a:xfrm>
+            <a:off x="110086" y="1007731"/>
+            <a:ext cx="360996" cy="1200329"/>
+          </a:xfrm>
+          <a:prstGeom prst="rect">
+            <a:avLst/>
+          </a:prstGeom>
+          <a:noFill/>
+        </p:spPr>
+        <p:txBody>
+          <a:bodyPr wrap="none" rtlCol="0">
+            <a:spAutoFit/>
+          </a:bodyPr>
+          <a:lstStyle/>
+          <a:p>
+            <a:r>
+              <a:rPr lang="en-US" altLang="ko-KR" sz="1200" dirty="0" smtClean="0">
+                <a:latin typeface="Artifakt Element" panose="020B0503050000020004" pitchFamily="34" charset="0"/>
+                <a:ea typeface="Artifakt Element" panose="020B0503050000020004" pitchFamily="34" charset="0"/>
+              </a:rPr>
+              <a:t>s0</a:t>
+            </a:r>
+            <a:endParaRPr lang="en-US" altLang="ko-KR" sz="1200" dirty="0">
+              <a:latin typeface="Artifakt Element" panose="020B0503050000020004" pitchFamily="34" charset="0"/>
+              <a:ea typeface="Artifakt Element" panose="020B0503050000020004" pitchFamily="34" charset="0"/>
+            </a:endParaRPr>
+          </a:p>
+          <a:p>
+            <a:r>
+              <a:rPr lang="en-US" altLang="ko-KR" sz="1200" dirty="0" smtClean="0">
+                <a:latin typeface="Artifakt Element" panose="020B0503050000020004" pitchFamily="34" charset="0"/>
+                <a:ea typeface="Artifakt Element" panose="020B0503050000020004" pitchFamily="34" charset="0"/>
+              </a:rPr>
+              <a:t>s1</a:t>
+            </a:r>
+            <a:endParaRPr lang="en-US" altLang="ko-KR" sz="1200" dirty="0">
+              <a:latin typeface="Artifakt Element" panose="020B0503050000020004" pitchFamily="34" charset="0"/>
+              <a:ea typeface="Artifakt Element" panose="020B0503050000020004" pitchFamily="34" charset="0"/>
+            </a:endParaRPr>
+          </a:p>
+          <a:p>
+            <a:r>
+              <a:rPr lang="en-US" altLang="ko-KR" sz="1200" dirty="0">
+                <a:latin typeface="Artifakt Element" panose="020B0503050000020004" pitchFamily="34" charset="0"/>
+                <a:ea typeface="Artifakt Element" panose="020B0503050000020004" pitchFamily="34" charset="0"/>
+              </a:rPr>
+              <a:t>s2</a:t>
+            </a:r>
+          </a:p>
+          <a:p>
+            <a:r>
+              <a:rPr lang="en-US" altLang="ko-KR" sz="1200" dirty="0">
+                <a:latin typeface="Artifakt Element" panose="020B0503050000020004" pitchFamily="34" charset="0"/>
+                <a:ea typeface="Artifakt Element" panose="020B0503050000020004" pitchFamily="34" charset="0"/>
+              </a:rPr>
+              <a:t>s3</a:t>
+            </a:r>
+          </a:p>
+          <a:p>
+            <a:r>
+              <a:rPr lang="en-US" altLang="ko-KR" sz="1200" dirty="0">
+                <a:latin typeface="Artifakt Element" panose="020B0503050000020004" pitchFamily="34" charset="0"/>
+                <a:ea typeface="Artifakt Element" panose="020B0503050000020004" pitchFamily="34" charset="0"/>
+              </a:rPr>
+              <a:t>s4</a:t>
+            </a:r>
+          </a:p>
+          <a:p>
+            <a:r>
+              <a:rPr lang="en-US" altLang="ko-KR" sz="1200" dirty="0" smtClean="0">
+                <a:latin typeface="Artifakt Element" panose="020B0503050000020004" pitchFamily="34" charset="0"/>
+                <a:ea typeface="Artifakt Element" panose="020B0503050000020004" pitchFamily="34" charset="0"/>
+              </a:rPr>
+              <a:t>s5</a:t>
+            </a:r>
+            <a:endParaRPr lang="en-US" altLang="ko-KR" sz="1200" dirty="0">
+              <a:latin typeface="Artifakt Element" panose="020B0503050000020004" pitchFamily="34" charset="0"/>
+              <a:ea typeface="Artifakt Element" panose="020B0503050000020004" pitchFamily="34" charset="0"/>
+            </a:endParaRPr>
+          </a:p>
+        </p:txBody>
+      </p:sp>
     </p:spTree>
     <p:extLst>
       <p:ext uri="{BB962C8B-B14F-4D97-AF65-F5344CB8AC3E}">
@@ -5364,7 +5634,7 @@
 </p:sld>
 </file>
 
-<file path=ppt/slides/slide3.xml><?xml version="1.0" encoding="utf-8"?>
+<file path=ppt/slides/slide4.xml><?xml version="1.0" encoding="utf-8"?>
 <p:sld xmlns:a="http://schemas.openxmlformats.org/drawingml/2006/main" xmlns:r="http://schemas.openxmlformats.org/officeDocument/2006/relationships" xmlns:p="http://schemas.openxmlformats.org/presentationml/2006/main">
   <p:cSld>
     <p:spTree>
@@ -5872,11 +6142,18 @@
           <a:lstStyle/>
           <a:p>
             <a:r>
+              <a:rPr lang="en-US" altLang="ko-KR" smtClean="0">
+                <a:latin typeface="Artifakt Element" panose="020B0503050000020004" pitchFamily="34" charset="0"/>
+                <a:ea typeface="Artifakt Element" panose="020B0503050000020004" pitchFamily="34" charset="0"/>
+              </a:rPr>
+              <a:t>Cluster </a:t>
+            </a:r>
+            <a:r>
               <a:rPr lang="en-US" altLang="ko-KR" dirty="0">
                 <a:latin typeface="Artifakt Element" panose="020B0503050000020004" pitchFamily="34" charset="0"/>
                 <a:ea typeface="Artifakt Element" panose="020B0503050000020004" pitchFamily="34" charset="0"/>
               </a:rPr>
-              <a:t>Cluster List</a:t>
+              <a:t>List</a:t>
             </a:r>
             <a:endParaRPr lang="ko-KR" altLang="en-US" dirty="0">
               <a:latin typeface="Artifakt Element" panose="020B0503050000020004" pitchFamily="34" charset="0"/>
@@ -5907,20 +6184,34 @@
           <a:lstStyle/>
           <a:p>
             <a:r>
+              <a:rPr lang="en-US" altLang="ko-KR" smtClean="0">
+                <a:latin typeface="Artifakt Element" panose="020B0503050000020004" pitchFamily="34" charset="0"/>
+                <a:ea typeface="Artifakt Element" panose="020B0503050000020004" pitchFamily="34" charset="0"/>
+              </a:rPr>
+              <a:t>Cluster </a:t>
+            </a:r>
+            <a:r>
               <a:rPr lang="en-US" altLang="ko-KR" dirty="0">
                 <a:latin typeface="Artifakt Element" panose="020B0503050000020004" pitchFamily="34" charset="0"/>
                 <a:ea typeface="Artifakt Element" panose="020B0503050000020004" pitchFamily="34" charset="0"/>
               </a:rPr>
-              <a:t>Cluster 1</a:t>
-            </a:r>
-          </a:p>
-          <a:p>
+              <a:t>1</a:t>
+            </a:r>
+          </a:p>
+          <a:p>
+            <a:r>
+              <a:rPr lang="en-US" altLang="ko-KR" smtClean="0">
+                <a:latin typeface="Artifakt Element" panose="020B0503050000020004" pitchFamily="34" charset="0"/>
+                <a:ea typeface="Artifakt Element" panose="020B0503050000020004" pitchFamily="34" charset="0"/>
+              </a:rPr>
+              <a:t>Cluster </a:t>
+            </a:r>
             <a:r>
               <a:rPr lang="en-US" altLang="ko-KR" dirty="0">
                 <a:latin typeface="Artifakt Element" panose="020B0503050000020004" pitchFamily="34" charset="0"/>
                 <a:ea typeface="Artifakt Element" panose="020B0503050000020004" pitchFamily="34" charset="0"/>
               </a:rPr>
-              <a:t>Cluster 2</a:t>
+              <a:t>2</a:t>
             </a:r>
             <a:endParaRPr lang="ko-KR" altLang="en-US" dirty="0">
               <a:latin typeface="Artifakt Element" panose="020B0503050000020004" pitchFamily="34" charset="0"/>
@@ -5928,11 +6219,18 @@
           </a:p>
           <a:p>
             <a:r>
+              <a:rPr lang="en-US" altLang="ko-KR" smtClean="0">
+                <a:latin typeface="Artifakt Element" panose="020B0503050000020004" pitchFamily="34" charset="0"/>
+                <a:ea typeface="Artifakt Element" panose="020B0503050000020004" pitchFamily="34" charset="0"/>
+              </a:rPr>
+              <a:t>Cluster </a:t>
+            </a:r>
+            <a:r>
               <a:rPr lang="en-US" altLang="ko-KR" dirty="0">
                 <a:latin typeface="Artifakt Element" panose="020B0503050000020004" pitchFamily="34" charset="0"/>
                 <a:ea typeface="Artifakt Element" panose="020B0503050000020004" pitchFamily="34" charset="0"/>
               </a:rPr>
-              <a:t>Cluster 3</a:t>
+              <a:t>3</a:t>
             </a:r>
             <a:endParaRPr lang="ko-KR" altLang="en-US" dirty="0">
               <a:latin typeface="Artifakt Element" panose="020B0503050000020004" pitchFamily="34" charset="0"/>
@@ -5940,11 +6238,18 @@
           </a:p>
           <a:p>
             <a:r>
+              <a:rPr lang="en-US" altLang="ko-KR" smtClean="0">
+                <a:latin typeface="Artifakt Element" panose="020B0503050000020004" pitchFamily="34" charset="0"/>
+                <a:ea typeface="Artifakt Element" panose="020B0503050000020004" pitchFamily="34" charset="0"/>
+              </a:rPr>
+              <a:t>Cluster </a:t>
+            </a:r>
+            <a:r>
               <a:rPr lang="en-US" altLang="ko-KR" dirty="0">
                 <a:latin typeface="Artifakt Element" panose="020B0503050000020004" pitchFamily="34" charset="0"/>
                 <a:ea typeface="Artifakt Element" panose="020B0503050000020004" pitchFamily="34" charset="0"/>
               </a:rPr>
-              <a:t>Cluster 5</a:t>
+              <a:t>5</a:t>
             </a:r>
             <a:endParaRPr lang="ko-KR" altLang="en-US" dirty="0">
               <a:latin typeface="Artifakt Element" panose="020B0503050000020004" pitchFamily="34" charset="0"/>
@@ -5952,11 +6257,18 @@
           </a:p>
           <a:p>
             <a:r>
+              <a:rPr lang="en-US" altLang="ko-KR" smtClean="0">
+                <a:latin typeface="Artifakt Element" panose="020B0503050000020004" pitchFamily="34" charset="0"/>
+                <a:ea typeface="Artifakt Element" panose="020B0503050000020004" pitchFamily="34" charset="0"/>
+              </a:rPr>
+              <a:t>Cluster </a:t>
+            </a:r>
+            <a:r>
               <a:rPr lang="en-US" altLang="ko-KR" dirty="0">
                 <a:latin typeface="Artifakt Element" panose="020B0503050000020004" pitchFamily="34" charset="0"/>
                 <a:ea typeface="Artifakt Element" panose="020B0503050000020004" pitchFamily="34" charset="0"/>
               </a:rPr>
-              <a:t>Cluster 4</a:t>
+              <a:t>4</a:t>
             </a:r>
             <a:endParaRPr lang="ko-KR" altLang="en-US" dirty="0">
               <a:latin typeface="Artifakt Element" panose="020B0503050000020004" pitchFamily="34" charset="0"/>
@@ -5964,11 +6276,18 @@
           </a:p>
           <a:p>
             <a:r>
+              <a:rPr lang="en-US" altLang="ko-KR" smtClean="0">
+                <a:latin typeface="Artifakt Element" panose="020B0503050000020004" pitchFamily="34" charset="0"/>
+                <a:ea typeface="Artifakt Element" panose="020B0503050000020004" pitchFamily="34" charset="0"/>
+              </a:rPr>
+              <a:t>Cluster </a:t>
+            </a:r>
+            <a:r>
               <a:rPr lang="en-US" altLang="ko-KR" dirty="0">
                 <a:latin typeface="Artifakt Element" panose="020B0503050000020004" pitchFamily="34" charset="0"/>
                 <a:ea typeface="Artifakt Element" panose="020B0503050000020004" pitchFamily="34" charset="0"/>
               </a:rPr>
-              <a:t>Cluster 6</a:t>
+              <a:t>6</a:t>
             </a:r>
             <a:endParaRPr lang="ko-KR" altLang="en-US" dirty="0">
               <a:latin typeface="Artifakt Element" panose="020B0503050000020004" pitchFamily="34" charset="0"/>
@@ -5976,11 +6295,18 @@
           </a:p>
           <a:p>
             <a:r>
+              <a:rPr lang="en-US" altLang="ko-KR" smtClean="0">
+                <a:latin typeface="Artifakt Element" panose="020B0503050000020004" pitchFamily="34" charset="0"/>
+                <a:ea typeface="Artifakt Element" panose="020B0503050000020004" pitchFamily="34" charset="0"/>
+              </a:rPr>
+              <a:t>Cluster </a:t>
+            </a:r>
+            <a:r>
               <a:rPr lang="en-US" altLang="ko-KR" dirty="0">
                 <a:latin typeface="Artifakt Element" panose="020B0503050000020004" pitchFamily="34" charset="0"/>
                 <a:ea typeface="Artifakt Element" panose="020B0503050000020004" pitchFamily="34" charset="0"/>
               </a:rPr>
-              <a:t>Cluster 7</a:t>
+              <a:t>7</a:t>
             </a:r>
             <a:endParaRPr lang="ko-KR" altLang="en-US" dirty="0">
               <a:latin typeface="Artifakt Element" panose="020B0503050000020004" pitchFamily="34" charset="0"/>
@@ -5988,11 +6314,18 @@
           </a:p>
           <a:p>
             <a:r>
+              <a:rPr lang="en-US" altLang="ko-KR" smtClean="0">
+                <a:latin typeface="Artifakt Element" panose="020B0503050000020004" pitchFamily="34" charset="0"/>
+                <a:ea typeface="Artifakt Element" panose="020B0503050000020004" pitchFamily="34" charset="0"/>
+              </a:rPr>
+              <a:t>Cluster </a:t>
+            </a:r>
+            <a:r>
               <a:rPr lang="en-US" altLang="ko-KR" dirty="0">
                 <a:latin typeface="Artifakt Element" panose="020B0503050000020004" pitchFamily="34" charset="0"/>
                 <a:ea typeface="Artifakt Element" panose="020B0503050000020004" pitchFamily="34" charset="0"/>
               </a:rPr>
-              <a:t>Cluster 8</a:t>
+              <a:t>8</a:t>
             </a:r>
             <a:endParaRPr lang="ko-KR" altLang="en-US" dirty="0">
               <a:latin typeface="Artifakt Element" panose="020B0503050000020004" pitchFamily="34" charset="0"/>
@@ -6000,11 +6333,18 @@
           </a:p>
           <a:p>
             <a:r>
+              <a:rPr lang="en-US" altLang="ko-KR" smtClean="0">
+                <a:latin typeface="Artifakt Element" panose="020B0503050000020004" pitchFamily="34" charset="0"/>
+                <a:ea typeface="Artifakt Element" panose="020B0503050000020004" pitchFamily="34" charset="0"/>
+              </a:rPr>
+              <a:t>Cluster </a:t>
+            </a:r>
+            <a:r>
               <a:rPr lang="en-US" altLang="ko-KR" dirty="0">
                 <a:latin typeface="Artifakt Element" panose="020B0503050000020004" pitchFamily="34" charset="0"/>
                 <a:ea typeface="Artifakt Element" panose="020B0503050000020004" pitchFamily="34" charset="0"/>
               </a:rPr>
-              <a:t>Cluster 9</a:t>
+              <a:t>9</a:t>
             </a:r>
             <a:endParaRPr lang="ko-KR" altLang="en-US" dirty="0">
               <a:latin typeface="Artifakt Element" panose="020B0503050000020004" pitchFamily="34" charset="0"/>
@@ -6012,11 +6352,18 @@
           </a:p>
           <a:p>
             <a:r>
+              <a:rPr lang="en-US" altLang="ko-KR" smtClean="0">
+                <a:latin typeface="Artifakt Element" panose="020B0503050000020004" pitchFamily="34" charset="0"/>
+                <a:ea typeface="Artifakt Element" panose="020B0503050000020004" pitchFamily="34" charset="0"/>
+              </a:rPr>
+              <a:t>Cluster </a:t>
+            </a:r>
+            <a:r>
               <a:rPr lang="en-US" altLang="ko-KR" dirty="0">
                 <a:latin typeface="Artifakt Element" panose="020B0503050000020004" pitchFamily="34" charset="0"/>
                 <a:ea typeface="Artifakt Element" panose="020B0503050000020004" pitchFamily="34" charset="0"/>
               </a:rPr>
-              <a:t>Cluster 10</a:t>
+              <a:t>10</a:t>
             </a:r>
             <a:endParaRPr lang="ko-KR" altLang="en-US" dirty="0">
               <a:latin typeface="Artifakt Element" panose="020B0503050000020004" pitchFamily="34" charset="0"/>
@@ -6024,11 +6371,18 @@
           </a:p>
           <a:p>
             <a:r>
+              <a:rPr lang="en-US" altLang="ko-KR" smtClean="0">
+                <a:latin typeface="Artifakt Element" panose="020B0503050000020004" pitchFamily="34" charset="0"/>
+                <a:ea typeface="Artifakt Element" panose="020B0503050000020004" pitchFamily="34" charset="0"/>
+              </a:rPr>
+              <a:t>Cluster </a:t>
+            </a:r>
+            <a:r>
               <a:rPr lang="en-US" altLang="ko-KR" dirty="0">
                 <a:latin typeface="Artifakt Element" panose="020B0503050000020004" pitchFamily="34" charset="0"/>
                 <a:ea typeface="Artifakt Element" panose="020B0503050000020004" pitchFamily="34" charset="0"/>
               </a:rPr>
-              <a:t>Cluster 11</a:t>
+              <a:t>11</a:t>
             </a:r>
             <a:endParaRPr lang="ko-KR" altLang="en-US" dirty="0">
               <a:latin typeface="Artifakt Element" panose="020B0503050000020004" pitchFamily="34" charset="0"/>
@@ -6270,7 +6624,7 @@
               <a:buAutoNum type="romanUcPeriod"/>
             </a:pPr>
             <a:r>
-              <a:rPr lang="en-US" altLang="ko-KR" sz="1600" dirty="0">
+              <a:rPr lang="en-US" altLang="ko-KR" sz="1600" smtClean="0">
                 <a:latin typeface="Artifakt Element" panose="020B0503050000020004" pitchFamily="34" charset="0"/>
               </a:rPr>
               <a:t>Cluster </a:t>
@@ -8422,7 +8776,7 @@
 </p:sld>
 </file>
 
-<file path=ppt/slides/slide4.xml><?xml version="1.0" encoding="utf-8"?>
+<file path=ppt/slides/slide5.xml><?xml version="1.0" encoding="utf-8"?>
 <p:sld xmlns:a="http://schemas.openxmlformats.org/drawingml/2006/main" xmlns:r="http://schemas.openxmlformats.org/officeDocument/2006/relationships" xmlns:p="http://schemas.openxmlformats.org/presentationml/2006/main">
   <p:cSld>
     <p:spTree>
@@ -8823,11 +9177,18 @@
           <a:lstStyle/>
           <a:p>
             <a:r>
+              <a:rPr lang="en-US" altLang="ko-KR" smtClean="0">
+                <a:latin typeface="Artifakt Element" panose="020B0503050000020004" pitchFamily="34" charset="0"/>
+                <a:ea typeface="Artifakt Element" panose="020B0503050000020004" pitchFamily="34" charset="0"/>
+              </a:rPr>
+              <a:t>Cluster </a:t>
+            </a:r>
+            <a:r>
               <a:rPr lang="en-US" altLang="ko-KR" dirty="0">
                 <a:latin typeface="Artifakt Element" panose="020B0503050000020004" pitchFamily="34" charset="0"/>
                 <a:ea typeface="Artifakt Element" panose="020B0503050000020004" pitchFamily="34" charset="0"/>
               </a:rPr>
-              <a:t>Cluster List</a:t>
+              <a:t>List</a:t>
             </a:r>
             <a:endParaRPr lang="ko-KR" altLang="en-US" dirty="0">
               <a:latin typeface="Artifakt Element" panose="020B0503050000020004" pitchFamily="34" charset="0"/>
@@ -8858,20 +9219,34 @@
           <a:lstStyle/>
           <a:p>
             <a:r>
+              <a:rPr lang="en-US" altLang="ko-KR" smtClean="0">
+                <a:latin typeface="Artifakt Element" panose="020B0503050000020004" pitchFamily="34" charset="0"/>
+                <a:ea typeface="Artifakt Element" panose="020B0503050000020004" pitchFamily="34" charset="0"/>
+              </a:rPr>
+              <a:t>Cluster </a:t>
+            </a:r>
+            <a:r>
               <a:rPr lang="en-US" altLang="ko-KR" dirty="0">
                 <a:latin typeface="Artifakt Element" panose="020B0503050000020004" pitchFamily="34" charset="0"/>
                 <a:ea typeface="Artifakt Element" panose="020B0503050000020004" pitchFamily="34" charset="0"/>
               </a:rPr>
-              <a:t>Cluster 1</a:t>
-            </a:r>
-          </a:p>
-          <a:p>
+              <a:t>1</a:t>
+            </a:r>
+          </a:p>
+          <a:p>
+            <a:r>
+              <a:rPr lang="en-US" altLang="ko-KR" smtClean="0">
+                <a:latin typeface="Artifakt Element" panose="020B0503050000020004" pitchFamily="34" charset="0"/>
+                <a:ea typeface="Artifakt Element" panose="020B0503050000020004" pitchFamily="34" charset="0"/>
+              </a:rPr>
+              <a:t>Cluster </a:t>
+            </a:r>
             <a:r>
               <a:rPr lang="en-US" altLang="ko-KR" dirty="0">
                 <a:latin typeface="Artifakt Element" panose="020B0503050000020004" pitchFamily="34" charset="0"/>
                 <a:ea typeface="Artifakt Element" panose="020B0503050000020004" pitchFamily="34" charset="0"/>
               </a:rPr>
-              <a:t>Cluster 2</a:t>
+              <a:t>2</a:t>
             </a:r>
             <a:endParaRPr lang="ko-KR" altLang="en-US" dirty="0">
               <a:latin typeface="Artifakt Element" panose="020B0503050000020004" pitchFamily="34" charset="0"/>
@@ -8879,11 +9254,18 @@
           </a:p>
           <a:p>
             <a:r>
+              <a:rPr lang="en-US" altLang="ko-KR" smtClean="0">
+                <a:latin typeface="Artifakt Element" panose="020B0503050000020004" pitchFamily="34" charset="0"/>
+                <a:ea typeface="Artifakt Element" panose="020B0503050000020004" pitchFamily="34" charset="0"/>
+              </a:rPr>
+              <a:t>Cluster </a:t>
+            </a:r>
+            <a:r>
               <a:rPr lang="en-US" altLang="ko-KR" dirty="0">
                 <a:latin typeface="Artifakt Element" panose="020B0503050000020004" pitchFamily="34" charset="0"/>
                 <a:ea typeface="Artifakt Element" panose="020B0503050000020004" pitchFamily="34" charset="0"/>
               </a:rPr>
-              <a:t>Cluster 3</a:t>
+              <a:t>3</a:t>
             </a:r>
             <a:endParaRPr lang="ko-KR" altLang="en-US" dirty="0">
               <a:latin typeface="Artifakt Element" panose="020B0503050000020004" pitchFamily="34" charset="0"/>
@@ -8891,11 +9273,18 @@
           </a:p>
           <a:p>
             <a:r>
+              <a:rPr lang="en-US" altLang="ko-KR" smtClean="0">
+                <a:latin typeface="Artifakt Element" panose="020B0503050000020004" pitchFamily="34" charset="0"/>
+                <a:ea typeface="Artifakt Element" panose="020B0503050000020004" pitchFamily="34" charset="0"/>
+              </a:rPr>
+              <a:t>Cluster </a:t>
+            </a:r>
+            <a:r>
               <a:rPr lang="en-US" altLang="ko-KR" dirty="0">
                 <a:latin typeface="Artifakt Element" panose="020B0503050000020004" pitchFamily="34" charset="0"/>
                 <a:ea typeface="Artifakt Element" panose="020B0503050000020004" pitchFamily="34" charset="0"/>
               </a:rPr>
-              <a:t>Cluster 5</a:t>
+              <a:t>5</a:t>
             </a:r>
             <a:endParaRPr lang="ko-KR" altLang="en-US" dirty="0">
               <a:latin typeface="Artifakt Element" panose="020B0503050000020004" pitchFamily="34" charset="0"/>
@@ -8903,11 +9292,18 @@
           </a:p>
           <a:p>
             <a:r>
+              <a:rPr lang="en-US" altLang="ko-KR" smtClean="0">
+                <a:latin typeface="Artifakt Element" panose="020B0503050000020004" pitchFamily="34" charset="0"/>
+                <a:ea typeface="Artifakt Element" panose="020B0503050000020004" pitchFamily="34" charset="0"/>
+              </a:rPr>
+              <a:t>Cluster </a:t>
+            </a:r>
+            <a:r>
               <a:rPr lang="en-US" altLang="ko-KR" dirty="0">
                 <a:latin typeface="Artifakt Element" panose="020B0503050000020004" pitchFamily="34" charset="0"/>
                 <a:ea typeface="Artifakt Element" panose="020B0503050000020004" pitchFamily="34" charset="0"/>
               </a:rPr>
-              <a:t>Cluster 4</a:t>
+              <a:t>4</a:t>
             </a:r>
             <a:endParaRPr lang="ko-KR" altLang="en-US" dirty="0">
               <a:latin typeface="Artifakt Element" panose="020B0503050000020004" pitchFamily="34" charset="0"/>
@@ -8915,11 +9311,18 @@
           </a:p>
           <a:p>
             <a:r>
+              <a:rPr lang="en-US" altLang="ko-KR" smtClean="0">
+                <a:latin typeface="Artifakt Element" panose="020B0503050000020004" pitchFamily="34" charset="0"/>
+                <a:ea typeface="Artifakt Element" panose="020B0503050000020004" pitchFamily="34" charset="0"/>
+              </a:rPr>
+              <a:t>Cluster </a:t>
+            </a:r>
+            <a:r>
               <a:rPr lang="en-US" altLang="ko-KR" dirty="0">
                 <a:latin typeface="Artifakt Element" panose="020B0503050000020004" pitchFamily="34" charset="0"/>
                 <a:ea typeface="Artifakt Element" panose="020B0503050000020004" pitchFamily="34" charset="0"/>
               </a:rPr>
-              <a:t>Cluster 6</a:t>
+              <a:t>6</a:t>
             </a:r>
             <a:endParaRPr lang="ko-KR" altLang="en-US" dirty="0">
               <a:latin typeface="Artifakt Element" panose="020B0503050000020004" pitchFamily="34" charset="0"/>
@@ -8927,11 +9330,18 @@
           </a:p>
           <a:p>
             <a:r>
+              <a:rPr lang="en-US" altLang="ko-KR" smtClean="0">
+                <a:latin typeface="Artifakt Element" panose="020B0503050000020004" pitchFamily="34" charset="0"/>
+                <a:ea typeface="Artifakt Element" panose="020B0503050000020004" pitchFamily="34" charset="0"/>
+              </a:rPr>
+              <a:t>Cluster </a:t>
+            </a:r>
+            <a:r>
               <a:rPr lang="en-US" altLang="ko-KR" dirty="0">
                 <a:latin typeface="Artifakt Element" panose="020B0503050000020004" pitchFamily="34" charset="0"/>
                 <a:ea typeface="Artifakt Element" panose="020B0503050000020004" pitchFamily="34" charset="0"/>
               </a:rPr>
-              <a:t>Cluster 7</a:t>
+              <a:t>7</a:t>
             </a:r>
             <a:endParaRPr lang="ko-KR" altLang="en-US" dirty="0">
               <a:latin typeface="Artifakt Element" panose="020B0503050000020004" pitchFamily="34" charset="0"/>
@@ -8939,11 +9349,18 @@
           </a:p>
           <a:p>
             <a:r>
+              <a:rPr lang="en-US" altLang="ko-KR" smtClean="0">
+                <a:latin typeface="Artifakt Element" panose="020B0503050000020004" pitchFamily="34" charset="0"/>
+                <a:ea typeface="Artifakt Element" panose="020B0503050000020004" pitchFamily="34" charset="0"/>
+              </a:rPr>
+              <a:t>Cluster </a:t>
+            </a:r>
+            <a:r>
               <a:rPr lang="en-US" altLang="ko-KR" dirty="0">
                 <a:latin typeface="Artifakt Element" panose="020B0503050000020004" pitchFamily="34" charset="0"/>
                 <a:ea typeface="Artifakt Element" panose="020B0503050000020004" pitchFamily="34" charset="0"/>
               </a:rPr>
-              <a:t>Cluster 8</a:t>
+              <a:t>8</a:t>
             </a:r>
             <a:endParaRPr lang="ko-KR" altLang="en-US" dirty="0">
               <a:latin typeface="Artifakt Element" panose="020B0503050000020004" pitchFamily="34" charset="0"/>
@@ -8951,11 +9368,18 @@
           </a:p>
           <a:p>
             <a:r>
+              <a:rPr lang="en-US" altLang="ko-KR" smtClean="0">
+                <a:latin typeface="Artifakt Element" panose="020B0503050000020004" pitchFamily="34" charset="0"/>
+                <a:ea typeface="Artifakt Element" panose="020B0503050000020004" pitchFamily="34" charset="0"/>
+              </a:rPr>
+              <a:t>Cluster </a:t>
+            </a:r>
+            <a:r>
               <a:rPr lang="en-US" altLang="ko-KR" dirty="0">
                 <a:latin typeface="Artifakt Element" panose="020B0503050000020004" pitchFamily="34" charset="0"/>
                 <a:ea typeface="Artifakt Element" panose="020B0503050000020004" pitchFamily="34" charset="0"/>
               </a:rPr>
-              <a:t>Cluster 9</a:t>
+              <a:t>9</a:t>
             </a:r>
             <a:endParaRPr lang="ko-KR" altLang="en-US" dirty="0">
               <a:latin typeface="Artifakt Element" panose="020B0503050000020004" pitchFamily="34" charset="0"/>
@@ -8963,11 +9387,18 @@
           </a:p>
           <a:p>
             <a:r>
+              <a:rPr lang="en-US" altLang="ko-KR" smtClean="0">
+                <a:latin typeface="Artifakt Element" panose="020B0503050000020004" pitchFamily="34" charset="0"/>
+                <a:ea typeface="Artifakt Element" panose="020B0503050000020004" pitchFamily="34" charset="0"/>
+              </a:rPr>
+              <a:t>Cluster </a:t>
+            </a:r>
+            <a:r>
               <a:rPr lang="en-US" altLang="ko-KR" dirty="0">
                 <a:latin typeface="Artifakt Element" panose="020B0503050000020004" pitchFamily="34" charset="0"/>
                 <a:ea typeface="Artifakt Element" panose="020B0503050000020004" pitchFamily="34" charset="0"/>
               </a:rPr>
-              <a:t>Cluster 10</a:t>
+              <a:t>10</a:t>
             </a:r>
             <a:endParaRPr lang="ko-KR" altLang="en-US" dirty="0">
               <a:latin typeface="Artifakt Element" panose="020B0503050000020004" pitchFamily="34" charset="0"/>
@@ -8975,11 +9406,18 @@
           </a:p>
           <a:p>
             <a:r>
+              <a:rPr lang="en-US" altLang="ko-KR" smtClean="0">
+                <a:latin typeface="Artifakt Element" panose="020B0503050000020004" pitchFamily="34" charset="0"/>
+                <a:ea typeface="Artifakt Element" panose="020B0503050000020004" pitchFamily="34" charset="0"/>
+              </a:rPr>
+              <a:t>Cluster </a:t>
+            </a:r>
+            <a:r>
               <a:rPr lang="en-US" altLang="ko-KR" dirty="0">
                 <a:latin typeface="Artifakt Element" panose="020B0503050000020004" pitchFamily="34" charset="0"/>
                 <a:ea typeface="Artifakt Element" panose="020B0503050000020004" pitchFamily="34" charset="0"/>
               </a:rPr>
-              <a:t>Cluster 11</a:t>
+              <a:t>11</a:t>
             </a:r>
             <a:endParaRPr lang="ko-KR" altLang="en-US" dirty="0">
               <a:latin typeface="Artifakt Element" panose="020B0503050000020004" pitchFamily="34" charset="0"/>
@@ -10742,7 +11180,7 @@
               <a:buAutoNum type="romanUcPeriod"/>
             </a:pPr>
             <a:r>
-              <a:rPr lang="en-US" altLang="ko-KR" sz="1600" dirty="0">
+              <a:rPr lang="en-US" altLang="ko-KR" sz="1600" smtClean="0">
                 <a:latin typeface="Artifakt Element" panose="020B0503050000020004" pitchFamily="34" charset="0"/>
               </a:rPr>
               <a:t>Cluster </a:t>

--- a/hecBidding/20210903_ClusterPlacing Algorithm.pptx
+++ b/hecBidding/20210903_ClusterPlacing Algorithm.pptx
@@ -7,9 +7,10 @@
   <p:sldIdLst>
     <p:sldId id="259" r:id="rId2"/>
     <p:sldId id="261" r:id="rId3"/>
-    <p:sldId id="257" r:id="rId4"/>
-    <p:sldId id="258" r:id="rId5"/>
-    <p:sldId id="260" r:id="rId6"/>
+    <p:sldId id="262" r:id="rId4"/>
+    <p:sldId id="257" r:id="rId5"/>
+    <p:sldId id="258" r:id="rId6"/>
+    <p:sldId id="260" r:id="rId7"/>
   </p:sldIdLst>
   <p:sldSz cx="12192000" cy="6858000"/>
   <p:notesSz cx="6858000" cy="9144000"/>
@@ -245,7 +246,7 @@
           <a:p>
             <a:fld id="{B93BA07A-DDEA-49CD-A6B5-BB77772FD6B7}" type="datetimeFigureOut">
               <a:rPr lang="ko-KR" altLang="en-US" smtClean="0"/>
-              <a:t>2021-09-06</a:t>
+              <a:t>2021-09-07</a:t>
             </a:fld>
             <a:endParaRPr lang="ko-KR" altLang="en-US"/>
           </a:p>
@@ -413,7 +414,7 @@
           <a:p>
             <a:fld id="{B93BA07A-DDEA-49CD-A6B5-BB77772FD6B7}" type="datetimeFigureOut">
               <a:rPr lang="ko-KR" altLang="en-US" smtClean="0"/>
-              <a:t>2021-09-06</a:t>
+              <a:t>2021-09-07</a:t>
             </a:fld>
             <a:endParaRPr lang="ko-KR" altLang="en-US"/>
           </a:p>
@@ -591,7 +592,7 @@
           <a:p>
             <a:fld id="{B93BA07A-DDEA-49CD-A6B5-BB77772FD6B7}" type="datetimeFigureOut">
               <a:rPr lang="ko-KR" altLang="en-US" smtClean="0"/>
-              <a:t>2021-09-06</a:t>
+              <a:t>2021-09-07</a:t>
             </a:fld>
             <a:endParaRPr lang="ko-KR" altLang="en-US"/>
           </a:p>
@@ -759,7 +760,7 @@
           <a:p>
             <a:fld id="{B93BA07A-DDEA-49CD-A6B5-BB77772FD6B7}" type="datetimeFigureOut">
               <a:rPr lang="ko-KR" altLang="en-US" smtClean="0"/>
-              <a:t>2021-09-06</a:t>
+              <a:t>2021-09-07</a:t>
             </a:fld>
             <a:endParaRPr lang="ko-KR" altLang="en-US"/>
           </a:p>
@@ -1004,7 +1005,7 @@
           <a:p>
             <a:fld id="{B93BA07A-DDEA-49CD-A6B5-BB77772FD6B7}" type="datetimeFigureOut">
               <a:rPr lang="ko-KR" altLang="en-US" smtClean="0"/>
-              <a:t>2021-09-06</a:t>
+              <a:t>2021-09-07</a:t>
             </a:fld>
             <a:endParaRPr lang="ko-KR" altLang="en-US"/>
           </a:p>
@@ -1233,7 +1234,7 @@
           <a:p>
             <a:fld id="{B93BA07A-DDEA-49CD-A6B5-BB77772FD6B7}" type="datetimeFigureOut">
               <a:rPr lang="ko-KR" altLang="en-US" smtClean="0"/>
-              <a:t>2021-09-06</a:t>
+              <a:t>2021-09-07</a:t>
             </a:fld>
             <a:endParaRPr lang="ko-KR" altLang="en-US"/>
           </a:p>
@@ -1597,7 +1598,7 @@
           <a:p>
             <a:fld id="{B93BA07A-DDEA-49CD-A6B5-BB77772FD6B7}" type="datetimeFigureOut">
               <a:rPr lang="ko-KR" altLang="en-US" smtClean="0"/>
-              <a:t>2021-09-06</a:t>
+              <a:t>2021-09-07</a:t>
             </a:fld>
             <a:endParaRPr lang="ko-KR" altLang="en-US"/>
           </a:p>
@@ -1714,7 +1715,7 @@
           <a:p>
             <a:fld id="{B93BA07A-DDEA-49CD-A6B5-BB77772FD6B7}" type="datetimeFigureOut">
               <a:rPr lang="ko-KR" altLang="en-US" smtClean="0"/>
-              <a:t>2021-09-06</a:t>
+              <a:t>2021-09-07</a:t>
             </a:fld>
             <a:endParaRPr lang="ko-KR" altLang="en-US"/>
           </a:p>
@@ -1809,7 +1810,7 @@
           <a:p>
             <a:fld id="{B93BA07A-DDEA-49CD-A6B5-BB77772FD6B7}" type="datetimeFigureOut">
               <a:rPr lang="ko-KR" altLang="en-US" smtClean="0"/>
-              <a:t>2021-09-06</a:t>
+              <a:t>2021-09-07</a:t>
             </a:fld>
             <a:endParaRPr lang="ko-KR" altLang="en-US"/>
           </a:p>
@@ -2084,7 +2085,7 @@
           <a:p>
             <a:fld id="{B93BA07A-DDEA-49CD-A6B5-BB77772FD6B7}" type="datetimeFigureOut">
               <a:rPr lang="ko-KR" altLang="en-US" smtClean="0"/>
-              <a:t>2021-09-06</a:t>
+              <a:t>2021-09-07</a:t>
             </a:fld>
             <a:endParaRPr lang="ko-KR" altLang="en-US"/>
           </a:p>
@@ -2336,7 +2337,7 @@
           <a:p>
             <a:fld id="{B93BA07A-DDEA-49CD-A6B5-BB77772FD6B7}" type="datetimeFigureOut">
               <a:rPr lang="ko-KR" altLang="en-US" smtClean="0"/>
-              <a:t>2021-09-06</a:t>
+              <a:t>2021-09-07</a:t>
             </a:fld>
             <a:endParaRPr lang="ko-KR" altLang="en-US"/>
           </a:p>
@@ -2547,7 +2548,7 @@
           <a:p>
             <a:fld id="{B93BA07A-DDEA-49CD-A6B5-BB77772FD6B7}" type="datetimeFigureOut">
               <a:rPr lang="ko-KR" altLang="en-US" smtClean="0"/>
-              <a:t>2021-09-06</a:t>
+              <a:t>2021-09-07</a:t>
             </a:fld>
             <a:endParaRPr lang="ko-KR" altLang="en-US"/>
           </a:p>
@@ -2975,18 +2976,11 @@
           <a:lstStyle/>
           <a:p>
             <a:r>
-              <a:rPr lang="en-US" altLang="ko-KR" sz="2400" dirty="0" smtClean="0">
-                <a:latin typeface="Artifakt Element" panose="020B0503050000020004" pitchFamily="34" charset="0"/>
-                <a:ea typeface="Artifakt Element" panose="020B0503050000020004" pitchFamily="34" charset="0"/>
-              </a:rPr>
-              <a:t>Cluster </a:t>
-            </a:r>
-            <a:r>
               <a:rPr lang="en-US" altLang="ko-KR" sz="2400" dirty="0">
                 <a:latin typeface="Artifakt Element" panose="020B0503050000020004" pitchFamily="34" charset="0"/>
                 <a:ea typeface="Artifakt Element" panose="020B0503050000020004" pitchFamily="34" charset="0"/>
               </a:rPr>
-              <a:t>Placing Algorithm Concept</a:t>
+              <a:t>Cluster Placing Algorithm Concept</a:t>
             </a:r>
             <a:endParaRPr lang="ko-KR" altLang="en-US" sz="2400" dirty="0">
               <a:latin typeface="Artifakt Element" panose="020B0503050000020004" pitchFamily="34" charset="0"/>
@@ -3047,20 +3041,17 @@
           <a:lstStyle/>
           <a:p>
             <a:r>
-              <a:rPr lang="ko-KR" altLang="en-US" sz="1600" dirty="0" err="1" smtClean="0">
+              <a:rPr lang="ko-KR" altLang="en-US" sz="1600" dirty="0" err="1">
                 <a:latin typeface="Artifakt Element" panose="020B0503050000020004" pitchFamily="34" charset="0"/>
               </a:rPr>
               <a:t>단복수</a:t>
             </a:r>
             <a:r>
-              <a:rPr lang="ko-KR" altLang="en-US" sz="1600" dirty="0" smtClean="0">
+              <a:rPr lang="ko-KR" altLang="en-US" sz="1600" dirty="0">
                 <a:latin typeface="Artifakt Element" panose="020B0503050000020004" pitchFamily="34" charset="0"/>
               </a:rPr>
               <a:t> 클러스터 판별</a:t>
             </a:r>
-            <a:endParaRPr lang="ko-KR" altLang="en-US" sz="1600" dirty="0">
-              <a:latin typeface="Artifakt Element" panose="020B0503050000020004" pitchFamily="34" charset="0"/>
-            </a:endParaRPr>
           </a:p>
         </p:txBody>
       </p:sp>
@@ -3096,14 +3087,14 @@
       </p:grpSpPr>
       <p:sp>
         <p:nvSpPr>
-          <p:cNvPr id="2" name="TextBox 1"/>
+          <p:cNvPr id="4" name="TextBox 3"/>
           <p:cNvSpPr txBox="1"/>
           <p:nvPr/>
         </p:nvSpPr>
         <p:spPr>
           <a:xfrm>
-            <a:off x="6079171" y="301336"/>
-            <a:ext cx="1527982" cy="646331"/>
+            <a:off x="3184925" y="1190988"/>
+            <a:ext cx="6518131" cy="338554"/>
           </a:xfrm>
           <a:prstGeom prst="rect">
             <a:avLst/>
@@ -3117,46 +3108,54 @@
           <a:lstStyle/>
           <a:p>
             <a:r>
-              <a:rPr lang="en-US" altLang="ko-KR" dirty="0">
-                <a:latin typeface="Artifakt Element" panose="020B0503050000020004" pitchFamily="34" charset="0"/>
-                <a:ea typeface="Artifakt Element" panose="020B0503050000020004" pitchFamily="34" charset="0"/>
-              </a:rPr>
-              <a:t>Post </a:t>
-            </a:r>
-            <a:r>
-              <a:rPr lang="en-US" altLang="ko-KR" dirty="0">
-                <a:latin typeface="Artifakt Element" panose="020B0503050000020004" pitchFamily="34" charset="0"/>
-              </a:rPr>
-              <a:t>Placing</a:t>
-            </a:r>
-            <a:endParaRPr lang="en-US" altLang="ko-KR" dirty="0">
-              <a:latin typeface="Artifakt Element" panose="020B0503050000020004" pitchFamily="34" charset="0"/>
-              <a:ea typeface="Artifakt Element" panose="020B0503050000020004" pitchFamily="34" charset="0"/>
-            </a:endParaRPr>
-          </a:p>
-          <a:p>
-            <a:r>
-              <a:rPr lang="en-US" altLang="ko-KR" dirty="0">
-                <a:latin typeface="Artifakt Element" panose="020B0503050000020004" pitchFamily="34" charset="0"/>
-                <a:ea typeface="Artifakt Element" panose="020B0503050000020004" pitchFamily="34" charset="0"/>
+              <a:rPr lang="ko-KR" altLang="en-US" sz="1600" b="1" dirty="0">
+                <a:latin typeface="Artifakt Element" panose="020B0503050000020004" pitchFamily="34" charset="0"/>
+              </a:rPr>
+              <a:t>클러스터 처리 클래스</a:t>
+            </a:r>
+            <a:r>
+              <a:rPr lang="en-US" altLang="ko-KR" sz="1600" dirty="0">
+                <a:latin typeface="Artifakt Element" panose="020B0503050000020004" pitchFamily="34" charset="0"/>
               </a:rPr>
               <a:t>(</a:t>
             </a:r>
             <a:r>
-              <a:rPr lang="ko-KR" altLang="en-US" dirty="0">
-                <a:latin typeface="Artifakt Element" panose="020B0503050000020004" pitchFamily="34" charset="0"/>
-                <a:ea typeface="Artifakt Element" panose="020B0503050000020004" pitchFamily="34" charset="0"/>
-              </a:rPr>
-              <a:t>배치 후</a:t>
-            </a:r>
-            <a:r>
-              <a:rPr lang="en-US" altLang="ko-KR" dirty="0">
-                <a:latin typeface="Artifakt Element" panose="020B0503050000020004" pitchFamily="34" charset="0"/>
-                <a:ea typeface="Artifakt Element" panose="020B0503050000020004" pitchFamily="34" charset="0"/>
+              <a:rPr lang="ko-KR" altLang="en-US" sz="1600" dirty="0">
+                <a:latin typeface="Artifakt Element" panose="020B0503050000020004" pitchFamily="34" charset="0"/>
+              </a:rPr>
+              <a:t>인자로 </a:t>
+            </a:r>
+            <a:r>
+              <a:rPr lang="en-US" altLang="ko-KR" sz="1600" dirty="0">
+                <a:latin typeface="Artifakt Element" panose="020B0503050000020004" pitchFamily="34" charset="0"/>
+              </a:rPr>
+              <a:t>cluster List, </a:t>
+            </a:r>
+            <a:r>
+              <a:rPr lang="en-US" altLang="ko-KR" sz="1600" dirty="0" err="1">
+                <a:latin typeface="Artifakt Element" panose="020B0503050000020004" pitchFamily="34" charset="0"/>
+              </a:rPr>
+              <a:t>PlacingBoundary</a:t>
+            </a:r>
+            <a:r>
+              <a:rPr lang="en-US" altLang="ko-KR" sz="1600" dirty="0">
+                <a:latin typeface="Artifakt Element" panose="020B0503050000020004" pitchFamily="34" charset="0"/>
+              </a:rPr>
+              <a:t> </a:t>
+            </a:r>
+            <a:r>
+              <a:rPr lang="ko-KR" altLang="en-US" sz="1600" dirty="0">
+                <a:latin typeface="Artifakt Element" panose="020B0503050000020004" pitchFamily="34" charset="0"/>
+              </a:rPr>
+              <a:t>를 받음</a:t>
+            </a:r>
+            <a:r>
+              <a:rPr lang="en-US" altLang="ko-KR" sz="1600" dirty="0">
+                <a:latin typeface="Artifakt Element" panose="020B0503050000020004" pitchFamily="34" charset="0"/>
               </a:rPr>
               <a:t>)</a:t>
             </a:r>
-            <a:endParaRPr lang="ko-KR" altLang="en-US" dirty="0">
+            <a:endParaRPr lang="ko-KR" altLang="en-US" sz="1600" dirty="0">
               <a:latin typeface="Artifakt Element" panose="020B0503050000020004" pitchFamily="34" charset="0"/>
             </a:endParaRPr>
           </a:p>
@@ -3164,82 +3163,20 @@
       </p:sp>
       <p:sp>
         <p:nvSpPr>
-          <p:cNvPr id="4" name="TextBox 3"/>
-          <p:cNvSpPr txBox="1"/>
-          <p:nvPr/>
-        </p:nvSpPr>
-        <p:spPr>
-          <a:xfrm>
-            <a:off x="3151086" y="301336"/>
-            <a:ext cx="1404552" cy="646331"/>
-          </a:xfrm>
-          <a:prstGeom prst="rect">
-            <a:avLst/>
-          </a:prstGeom>
-          <a:noFill/>
-        </p:spPr>
-        <p:txBody>
-          <a:bodyPr wrap="none" rtlCol="0">
-            <a:spAutoFit/>
-          </a:bodyPr>
-          <a:lstStyle/>
-          <a:p>
-            <a:r>
-              <a:rPr lang="en-US" altLang="ko-KR" dirty="0">
-                <a:latin typeface="Artifakt Element" panose="020B0503050000020004" pitchFamily="34" charset="0"/>
-                <a:ea typeface="Artifakt Element" panose="020B0503050000020004" pitchFamily="34" charset="0"/>
-              </a:rPr>
-              <a:t>Pre </a:t>
-            </a:r>
-            <a:r>
-              <a:rPr lang="en-US" altLang="ko-KR" dirty="0">
-                <a:latin typeface="Artifakt Element" panose="020B0503050000020004" pitchFamily="34" charset="0"/>
-              </a:rPr>
-              <a:t>Placing</a:t>
-            </a:r>
-            <a:endParaRPr lang="en-US" altLang="ko-KR" dirty="0">
-              <a:latin typeface="Artifakt Element" panose="020B0503050000020004" pitchFamily="34" charset="0"/>
-              <a:ea typeface="Artifakt Element" panose="020B0503050000020004" pitchFamily="34" charset="0"/>
-            </a:endParaRPr>
-          </a:p>
-          <a:p>
-            <a:r>
-              <a:rPr lang="en-US" altLang="ko-KR" dirty="0">
-                <a:latin typeface="Artifakt Element" panose="020B0503050000020004" pitchFamily="34" charset="0"/>
-                <a:ea typeface="Artifakt Element" panose="020B0503050000020004" pitchFamily="34" charset="0"/>
-              </a:rPr>
-              <a:t>(</a:t>
-            </a:r>
-            <a:r>
-              <a:rPr lang="ko-KR" altLang="en-US" dirty="0">
-                <a:latin typeface="Artifakt Element" panose="020B0503050000020004" pitchFamily="34" charset="0"/>
-                <a:ea typeface="Artifakt Element" panose="020B0503050000020004" pitchFamily="34" charset="0"/>
-              </a:rPr>
-              <a:t>배치 전</a:t>
-            </a:r>
-            <a:r>
-              <a:rPr lang="en-US" altLang="ko-KR" dirty="0">
-                <a:latin typeface="Artifakt Element" panose="020B0503050000020004" pitchFamily="34" charset="0"/>
-                <a:ea typeface="Artifakt Element" panose="020B0503050000020004" pitchFamily="34" charset="0"/>
-              </a:rPr>
-              <a:t>)</a:t>
-            </a:r>
-            <a:endParaRPr lang="ko-KR" altLang="en-US" dirty="0">
-              <a:latin typeface="Artifakt Element" panose="020B0503050000020004" pitchFamily="34" charset="0"/>
-            </a:endParaRPr>
-          </a:p>
-        </p:txBody>
-      </p:sp>
-      <p:sp>
-        <p:nvSpPr>
-          <p:cNvPr id="3" name="직사각형 2"/>
+          <p:cNvPr id="2" name="직사각형 1">
+            <a:extLst>
+              <a:ext uri="{FF2B5EF4-FFF2-40B4-BE49-F238E27FC236}">
+                <a16:creationId xmlns:a16="http://schemas.microsoft.com/office/drawing/2014/main" id="{252D5A7C-1095-4515-ACDC-D15B0EBAF666}"/>
+              </a:ext>
+            </a:extLst>
+          </p:cNvPr>
           <p:cNvSpPr/>
           <p:nvPr/>
         </p:nvSpPr>
         <p:spPr>
           <a:xfrm>
-            <a:off x="9007256" y="1456251"/>
-            <a:ext cx="2628900" cy="4322618"/>
+            <a:off x="955964" y="1529542"/>
+            <a:ext cx="10033461" cy="4887883"/>
           </a:xfrm>
           <a:prstGeom prst="rect">
             <a:avLst/>
@@ -3273,91 +3210,114 @@
       </p:sp>
       <p:sp>
         <p:nvSpPr>
-          <p:cNvPr id="6" name="TextBox 5"/>
-          <p:cNvSpPr txBox="1"/>
+          <p:cNvPr id="5" name="직사각형 4">
+            <a:extLst>
+              <a:ext uri="{FF2B5EF4-FFF2-40B4-BE49-F238E27FC236}">
+                <a16:creationId xmlns:a16="http://schemas.microsoft.com/office/drawing/2014/main" id="{1BE06BD6-EBAA-403B-B3E0-39FD97BD0132}"/>
+              </a:ext>
+            </a:extLst>
+          </p:cNvPr>
+          <p:cNvSpPr/>
           <p:nvPr/>
         </p:nvSpPr>
         <p:spPr>
           <a:xfrm>
-            <a:off x="9007256" y="301336"/>
-            <a:ext cx="2090637" cy="369332"/>
+            <a:off x="1378066" y="4147127"/>
+            <a:ext cx="4283825" cy="1893455"/>
           </a:xfrm>
           <a:prstGeom prst="rect">
             <a:avLst/>
           </a:prstGeom>
           <a:noFill/>
         </p:spPr>
-        <p:txBody>
-          <a:bodyPr wrap="none" rtlCol="0">
-            <a:spAutoFit/>
-          </a:bodyPr>
-          <a:lstStyle/>
-          <a:p>
-            <a:r>
-              <a:rPr lang="en-US" altLang="ko-KR" dirty="0">
-                <a:latin typeface="Artifakt Element" panose="020B0503050000020004" pitchFamily="34" charset="0"/>
-                <a:ea typeface="Artifakt Element" panose="020B0503050000020004" pitchFamily="34" charset="0"/>
-              </a:rPr>
-              <a:t>Placing Boundary</a:t>
-            </a:r>
-            <a:endParaRPr lang="ko-KR" altLang="en-US" dirty="0">
-              <a:latin typeface="Artifakt Element" panose="020B0503050000020004" pitchFamily="34" charset="0"/>
-            </a:endParaRPr>
-          </a:p>
-        </p:txBody>
-      </p:sp>
-      <p:sp>
-        <p:nvSpPr>
-          <p:cNvPr id="7" name="TextBox 6"/>
-          <p:cNvSpPr txBox="1"/>
+        <p:style>
+          <a:lnRef idx="2">
+            <a:schemeClr val="accent1">
+              <a:shade val="50000"/>
+            </a:schemeClr>
+          </a:lnRef>
+          <a:fillRef idx="1">
+            <a:schemeClr val="accent1"/>
+          </a:fillRef>
+          <a:effectRef idx="0">
+            <a:schemeClr val="accent1"/>
+          </a:effectRef>
+          <a:fontRef idx="minor">
+            <a:schemeClr val="lt1"/>
+          </a:fontRef>
+        </p:style>
+        <p:txBody>
+          <a:bodyPr rtlCol="0" anchor="ctr"/>
+          <a:lstStyle/>
+          <a:p>
+            <a:pPr algn="ctr"/>
+            <a:endParaRPr lang="ko-KR" altLang="en-US"/>
+          </a:p>
+        </p:txBody>
+      </p:sp>
+      <p:sp>
+        <p:nvSpPr>
+          <p:cNvPr id="6" name="직사각형 5">
+            <a:extLst>
+              <a:ext uri="{FF2B5EF4-FFF2-40B4-BE49-F238E27FC236}">
+                <a16:creationId xmlns:a16="http://schemas.microsoft.com/office/drawing/2014/main" id="{F341B87D-0CD8-46BF-9C3B-65CA315892B4}"/>
+              </a:ext>
+            </a:extLst>
+          </p:cNvPr>
+          <p:cNvSpPr/>
           <p:nvPr/>
         </p:nvSpPr>
         <p:spPr>
           <a:xfrm>
-            <a:off x="887384" y="301336"/>
-            <a:ext cx="1409360" cy="369332"/>
+            <a:off x="6096000" y="1868096"/>
+            <a:ext cx="4283825" cy="4172486"/>
           </a:xfrm>
           <a:prstGeom prst="rect">
             <a:avLst/>
           </a:prstGeom>
           <a:noFill/>
         </p:spPr>
-        <p:txBody>
-          <a:bodyPr wrap="none" rtlCol="0">
-            <a:spAutoFit/>
-          </a:bodyPr>
-          <a:lstStyle/>
-          <a:p>
-            <a:r>
-              <a:rPr lang="en-US" altLang="ko-KR" smtClean="0">
-                <a:latin typeface="Artifakt Element" panose="020B0503050000020004" pitchFamily="34" charset="0"/>
-                <a:ea typeface="Artifakt Element" panose="020B0503050000020004" pitchFamily="34" charset="0"/>
-              </a:rPr>
-              <a:t>Cluster </a:t>
-            </a:r>
-            <a:r>
-              <a:rPr lang="en-US" altLang="ko-KR" dirty="0">
-                <a:latin typeface="Artifakt Element" panose="020B0503050000020004" pitchFamily="34" charset="0"/>
-                <a:ea typeface="Artifakt Element" panose="020B0503050000020004" pitchFamily="34" charset="0"/>
-              </a:rPr>
-              <a:t>List</a:t>
-            </a:r>
-            <a:endParaRPr lang="ko-KR" altLang="en-US" dirty="0">
-              <a:latin typeface="Artifakt Element" panose="020B0503050000020004" pitchFamily="34" charset="0"/>
-            </a:endParaRPr>
-          </a:p>
-        </p:txBody>
-      </p:sp>
-      <p:sp>
-        <p:nvSpPr>
-          <p:cNvPr id="9" name="TextBox 8"/>
+        <p:style>
+          <a:lnRef idx="2">
+            <a:schemeClr val="accent1">
+              <a:shade val="50000"/>
+            </a:schemeClr>
+          </a:lnRef>
+          <a:fillRef idx="1">
+            <a:schemeClr val="accent1"/>
+          </a:fillRef>
+          <a:effectRef idx="0">
+            <a:schemeClr val="accent1"/>
+          </a:effectRef>
+          <a:fontRef idx="minor">
+            <a:schemeClr val="lt1"/>
+          </a:fontRef>
+        </p:style>
+        <p:txBody>
+          <a:bodyPr rtlCol="0" anchor="ctr"/>
+          <a:lstStyle/>
+          <a:p>
+            <a:pPr algn="ctr"/>
+            <a:endParaRPr lang="ko-KR" altLang="en-US"/>
+          </a:p>
+        </p:txBody>
+      </p:sp>
+      <p:sp>
+        <p:nvSpPr>
+          <p:cNvPr id="7" name="TextBox 6">
+            <a:extLst>
+              <a:ext uri="{FF2B5EF4-FFF2-40B4-BE49-F238E27FC236}">
+                <a16:creationId xmlns:a16="http://schemas.microsoft.com/office/drawing/2014/main" id="{4BC8FDBD-94F2-4EB9-93F5-83458FC22C66}"/>
+              </a:ext>
+            </a:extLst>
+          </p:cNvPr>
           <p:cNvSpPr txBox="1"/>
           <p:nvPr/>
         </p:nvSpPr>
         <p:spPr>
           <a:xfrm>
-            <a:off x="960409" y="1544920"/>
-            <a:ext cx="1265090" cy="3416320"/>
+            <a:off x="2536374" y="3808573"/>
+            <a:ext cx="1495922" cy="338554"/>
           </a:xfrm>
           <a:prstGeom prst="rect">
             <a:avLst/>
@@ -3371,80 +3331,637 @@
           <a:lstStyle/>
           <a:p>
             <a:r>
-              <a:rPr lang="en-US" altLang="ko-KR" smtClean="0">
-                <a:latin typeface="Artifakt Element" panose="020B0503050000020004" pitchFamily="34" charset="0"/>
-                <a:ea typeface="Artifakt Element" panose="020B0503050000020004" pitchFamily="34" charset="0"/>
-              </a:rPr>
-              <a:t>Cluster </a:t>
-            </a:r>
+              <a:rPr lang="en-US" altLang="ko-KR" sz="1600" b="1" dirty="0">
+                <a:latin typeface="Artifakt Element" panose="020B0503050000020004" pitchFamily="34" charset="0"/>
+              </a:rPr>
+              <a:t>Instance </a:t>
+            </a:r>
+            <a:r>
+              <a:rPr lang="ko-KR" altLang="en-US" sz="1600" b="1" dirty="0">
+                <a:latin typeface="Artifakt Element" panose="020B0503050000020004" pitchFamily="34" charset="0"/>
+              </a:rPr>
+              <a:t>속성</a:t>
+            </a:r>
+          </a:p>
+        </p:txBody>
+      </p:sp>
+      <p:sp>
+        <p:nvSpPr>
+          <p:cNvPr id="8" name="TextBox 7">
+            <a:extLst>
+              <a:ext uri="{FF2B5EF4-FFF2-40B4-BE49-F238E27FC236}">
+                <a16:creationId xmlns:a16="http://schemas.microsoft.com/office/drawing/2014/main" id="{BFCF7406-456A-4665-BFBC-BEAD0B719D4D}"/>
+              </a:ext>
+            </a:extLst>
+          </p:cNvPr>
+          <p:cNvSpPr txBox="1"/>
+          <p:nvPr/>
+        </p:nvSpPr>
+        <p:spPr>
+          <a:xfrm>
+            <a:off x="7837802" y="1556748"/>
+            <a:ext cx="800219" cy="338554"/>
+          </a:xfrm>
+          <a:prstGeom prst="rect">
+            <a:avLst/>
+          </a:prstGeom>
+          <a:noFill/>
+        </p:spPr>
+        <p:txBody>
+          <a:bodyPr wrap="none" rtlCol="0">
+            <a:spAutoFit/>
+          </a:bodyPr>
+          <a:lstStyle/>
+          <a:p>
+            <a:r>
+              <a:rPr lang="ko-KR" altLang="en-US" sz="1600" b="1" dirty="0">
+                <a:latin typeface="Artifakt Element" panose="020B0503050000020004" pitchFamily="34" charset="0"/>
+              </a:rPr>
+              <a:t>메서드</a:t>
+            </a:r>
+          </a:p>
+        </p:txBody>
+      </p:sp>
+      <p:sp>
+        <p:nvSpPr>
+          <p:cNvPr id="9" name="TextBox 8">
+            <a:extLst>
+              <a:ext uri="{FF2B5EF4-FFF2-40B4-BE49-F238E27FC236}">
+                <a16:creationId xmlns:a16="http://schemas.microsoft.com/office/drawing/2014/main" id="{7BD3211F-CC9D-4AF6-B16C-15C43AF1CF2D}"/>
+              </a:ext>
+            </a:extLst>
+          </p:cNvPr>
+          <p:cNvSpPr txBox="1"/>
+          <p:nvPr/>
+        </p:nvSpPr>
+        <p:spPr>
+          <a:xfrm>
+            <a:off x="2446605" y="4324972"/>
+            <a:ext cx="1762021" cy="1569660"/>
+          </a:xfrm>
+          <a:prstGeom prst="rect">
+            <a:avLst/>
+          </a:prstGeom>
+          <a:noFill/>
+        </p:spPr>
+        <p:txBody>
+          <a:bodyPr wrap="none" rtlCol="0">
+            <a:spAutoFit/>
+          </a:bodyPr>
+          <a:lstStyle/>
+          <a:p>
+            <a:r>
+              <a:rPr lang="en-US" altLang="ko-KR" sz="1600" dirty="0" err="1">
+                <a:latin typeface="Artifakt Element" panose="020B0503050000020004" pitchFamily="34" charset="0"/>
+              </a:rPr>
+              <a:t>cluster_element</a:t>
+            </a:r>
+            <a:endParaRPr lang="ko-KR" altLang="en-US" sz="1600" dirty="0">
+              <a:latin typeface="Artifakt Element" panose="020B0503050000020004" pitchFamily="34" charset="0"/>
+            </a:endParaRPr>
+          </a:p>
+          <a:p>
+            <a:r>
+              <a:rPr lang="ko-KR" altLang="en-US" sz="1600" dirty="0">
+                <a:latin typeface="Artifakt Element" panose="020B0503050000020004" pitchFamily="34" charset="0"/>
+              </a:rPr>
+              <a:t>외곽선</a:t>
+            </a:r>
+            <a:endParaRPr lang="en-US" altLang="ko-KR" sz="1600" dirty="0">
+              <a:latin typeface="Artifakt Element" panose="020B0503050000020004" pitchFamily="34" charset="0"/>
+            </a:endParaRPr>
+          </a:p>
+          <a:p>
+            <a:r>
+              <a:rPr lang="en-US" altLang="ko-KR" sz="1600" dirty="0">
+                <a:latin typeface="Artifakt Element" panose="020B0503050000020004" pitchFamily="34" charset="0"/>
+              </a:rPr>
+              <a:t>cluster </a:t>
+            </a:r>
+            <a:r>
+              <a:rPr lang="ko-KR" altLang="en-US" sz="1600" dirty="0">
+                <a:latin typeface="Artifakt Element" panose="020B0503050000020004" pitchFamily="34" charset="0"/>
+              </a:rPr>
+              <a:t>외곽선</a:t>
+            </a:r>
+            <a:endParaRPr lang="en-US" altLang="ko-KR" sz="1600" dirty="0">
+              <a:latin typeface="Artifakt Element" panose="020B0503050000020004" pitchFamily="34" charset="0"/>
+            </a:endParaRPr>
+          </a:p>
+          <a:p>
+            <a:r>
+              <a:rPr lang="en-US" altLang="ko-KR" sz="1600" dirty="0">
+                <a:latin typeface="Artifakt Element" panose="020B0503050000020004" pitchFamily="34" charset="0"/>
+              </a:rPr>
+              <a:t>cluster </a:t>
+            </a:r>
+            <a:r>
+              <a:rPr lang="ko-KR" altLang="en-US" sz="1600" dirty="0" err="1">
+                <a:latin typeface="Artifakt Element" panose="020B0503050000020004" pitchFamily="34" charset="0"/>
+              </a:rPr>
+              <a:t>볼록껍질</a:t>
+            </a:r>
+            <a:endParaRPr lang="en-US" altLang="ko-KR" sz="1600" dirty="0">
+              <a:latin typeface="Artifakt Element" panose="020B0503050000020004" pitchFamily="34" charset="0"/>
+            </a:endParaRPr>
+          </a:p>
+          <a:p>
+            <a:r>
+              <a:rPr lang="en-US" altLang="ko-KR" sz="1600" dirty="0">
+                <a:latin typeface="Artifakt Element" panose="020B0503050000020004" pitchFamily="34" charset="0"/>
+              </a:rPr>
+              <a:t>cluster IP</a:t>
+            </a:r>
+          </a:p>
+          <a:p>
+            <a:r>
+              <a:rPr lang="en-US" altLang="ko-KR" sz="1600" dirty="0">
+                <a:latin typeface="Artifakt Element" panose="020B0503050000020004" pitchFamily="34" charset="0"/>
+              </a:rPr>
+              <a:t>cluster NIP</a:t>
+            </a:r>
+            <a:endParaRPr lang="ko-KR" altLang="en-US" sz="1600" dirty="0">
+              <a:latin typeface="Artifakt Element" panose="020B0503050000020004" pitchFamily="34" charset="0"/>
+            </a:endParaRPr>
+          </a:p>
+        </p:txBody>
+      </p:sp>
+      <p:sp>
+        <p:nvSpPr>
+          <p:cNvPr id="14" name="TextBox 13">
+            <a:extLst>
+              <a:ext uri="{FF2B5EF4-FFF2-40B4-BE49-F238E27FC236}">
+                <a16:creationId xmlns:a16="http://schemas.microsoft.com/office/drawing/2014/main" id="{8216EED4-268A-4A63-935E-55A3C9B730AF}"/>
+              </a:ext>
+            </a:extLst>
+          </p:cNvPr>
+          <p:cNvSpPr txBox="1"/>
+          <p:nvPr/>
+        </p:nvSpPr>
+        <p:spPr>
+          <a:xfrm>
+            <a:off x="284707" y="173682"/>
+            <a:ext cx="1762021" cy="584775"/>
+          </a:xfrm>
+          <a:prstGeom prst="rect">
+            <a:avLst/>
+          </a:prstGeom>
+          <a:noFill/>
+        </p:spPr>
+        <p:txBody>
+          <a:bodyPr wrap="none" rtlCol="0">
+            <a:spAutoFit/>
+          </a:bodyPr>
+          <a:lstStyle/>
+          <a:p>
+            <a:r>
+              <a:rPr lang="en-US" altLang="ko-KR" sz="1600" dirty="0">
+                <a:latin typeface="Artifakt Element" panose="020B0503050000020004" pitchFamily="34" charset="0"/>
+              </a:rPr>
+              <a:t>cluster</a:t>
+            </a:r>
+          </a:p>
+          <a:p>
+            <a:r>
+              <a:rPr lang="en-US" altLang="ko-KR" sz="1600" dirty="0" err="1">
+                <a:latin typeface="Artifakt Element" panose="020B0503050000020004" pitchFamily="34" charset="0"/>
+              </a:rPr>
+              <a:t>cluster_element</a:t>
+            </a:r>
+            <a:endParaRPr lang="ko-KR" altLang="en-US" sz="1600" dirty="0">
+              <a:latin typeface="Artifakt Element" panose="020B0503050000020004" pitchFamily="34" charset="0"/>
+            </a:endParaRPr>
+          </a:p>
+        </p:txBody>
+      </p:sp>
+      <p:sp>
+        <p:nvSpPr>
+          <p:cNvPr id="15" name="TextBox 14">
+            <a:extLst>
+              <a:ext uri="{FF2B5EF4-FFF2-40B4-BE49-F238E27FC236}">
+                <a16:creationId xmlns:a16="http://schemas.microsoft.com/office/drawing/2014/main" id="{543FE738-FED6-4932-9AA1-7C37DC65DAB9}"/>
+              </a:ext>
+            </a:extLst>
+          </p:cNvPr>
+          <p:cNvSpPr txBox="1"/>
+          <p:nvPr/>
+        </p:nvSpPr>
+        <p:spPr>
+          <a:xfrm>
+            <a:off x="6557819" y="2206650"/>
+            <a:ext cx="3519054" cy="830997"/>
+          </a:xfrm>
+          <a:prstGeom prst="rect">
+            <a:avLst/>
+          </a:prstGeom>
+          <a:noFill/>
+        </p:spPr>
+        <p:txBody>
+          <a:bodyPr wrap="square" rtlCol="0">
+            <a:spAutoFit/>
+          </a:bodyPr>
+          <a:lstStyle/>
+          <a:p>
+            <a:r>
+              <a:rPr lang="en-US" altLang="ko-KR" sz="1600" dirty="0" err="1">
+                <a:latin typeface="Artifakt Element" panose="020B0503050000020004" pitchFamily="34" charset="0"/>
+              </a:rPr>
+              <a:t>put_Cluster_PrePlacingList</a:t>
+            </a:r>
+            <a:r>
+              <a:rPr lang="en-US" altLang="ko-KR" sz="1600" dirty="0">
+                <a:latin typeface="Artifakt Element" panose="020B0503050000020004" pitchFamily="34" charset="0"/>
+              </a:rPr>
+              <a:t>()</a:t>
+            </a:r>
+          </a:p>
+          <a:p>
+            <a:r>
+              <a:rPr lang="en-US" altLang="ko-KR" sz="1600" dirty="0" err="1">
+                <a:latin typeface="Artifakt Element" panose="020B0503050000020004" pitchFamily="34" charset="0"/>
+              </a:rPr>
+              <a:t>put_Cluster_PostPlacingList</a:t>
+            </a:r>
+            <a:r>
+              <a:rPr lang="en-US" altLang="ko-KR" sz="1600" dirty="0">
+                <a:latin typeface="Artifakt Element" panose="020B0503050000020004" pitchFamily="34" charset="0"/>
+              </a:rPr>
+              <a:t>()</a:t>
+            </a:r>
+          </a:p>
+          <a:p>
+            <a:r>
+              <a:rPr lang="en-US" altLang="ko-KR" sz="1600" dirty="0" err="1">
+                <a:latin typeface="Artifakt Element" panose="020B0503050000020004" pitchFamily="34" charset="0"/>
+              </a:rPr>
+              <a:t>place_Cluster_PlacingBoundary</a:t>
+            </a:r>
+            <a:endParaRPr lang="ko-KR" altLang="en-US" sz="1600" dirty="0">
+              <a:latin typeface="Artifakt Element" panose="020B0503050000020004" pitchFamily="34" charset="0"/>
+            </a:endParaRPr>
+          </a:p>
+        </p:txBody>
+      </p:sp>
+      <p:sp>
+        <p:nvSpPr>
+          <p:cNvPr id="16" name="TextBox 15">
+            <a:extLst>
+              <a:ext uri="{FF2B5EF4-FFF2-40B4-BE49-F238E27FC236}">
+                <a16:creationId xmlns:a16="http://schemas.microsoft.com/office/drawing/2014/main" id="{2B02A889-98BB-480F-809F-ACE0828DFB4E}"/>
+              </a:ext>
+            </a:extLst>
+          </p:cNvPr>
+          <p:cNvSpPr txBox="1"/>
+          <p:nvPr/>
+        </p:nvSpPr>
+        <p:spPr>
+          <a:xfrm>
+            <a:off x="2662209" y="1734086"/>
+            <a:ext cx="1133644" cy="338554"/>
+          </a:xfrm>
+          <a:prstGeom prst="rect">
+            <a:avLst/>
+          </a:prstGeom>
+          <a:noFill/>
+        </p:spPr>
+        <p:txBody>
+          <a:bodyPr wrap="none" rtlCol="0">
+            <a:spAutoFit/>
+          </a:bodyPr>
+          <a:lstStyle/>
+          <a:p>
+            <a:r>
+              <a:rPr lang="en-US" altLang="ko-KR" sz="1600" b="1" dirty="0">
+                <a:latin typeface="Artifakt Element" panose="020B0503050000020004" pitchFamily="34" charset="0"/>
+              </a:rPr>
+              <a:t>class </a:t>
+            </a:r>
+            <a:r>
+              <a:rPr lang="ko-KR" altLang="en-US" sz="1600" b="1" dirty="0">
+                <a:latin typeface="Artifakt Element" panose="020B0503050000020004" pitchFamily="34" charset="0"/>
+              </a:rPr>
+              <a:t>속성</a:t>
+            </a:r>
+          </a:p>
+        </p:txBody>
+      </p:sp>
+      <p:sp>
+        <p:nvSpPr>
+          <p:cNvPr id="17" name="TextBox 16">
+            <a:extLst>
+              <a:ext uri="{FF2B5EF4-FFF2-40B4-BE49-F238E27FC236}">
+                <a16:creationId xmlns:a16="http://schemas.microsoft.com/office/drawing/2014/main" id="{C4F17BDC-C26B-497B-AC1E-A76DCAF2614E}"/>
+              </a:ext>
+            </a:extLst>
+          </p:cNvPr>
+          <p:cNvSpPr txBox="1"/>
+          <p:nvPr/>
+        </p:nvSpPr>
+        <p:spPr>
+          <a:xfrm>
+            <a:off x="2446605" y="2206650"/>
+            <a:ext cx="1675459" cy="584775"/>
+          </a:xfrm>
+          <a:prstGeom prst="rect">
+            <a:avLst/>
+          </a:prstGeom>
+          <a:noFill/>
+        </p:spPr>
+        <p:txBody>
+          <a:bodyPr wrap="none" rtlCol="0">
+            <a:spAutoFit/>
+          </a:bodyPr>
+          <a:lstStyle/>
+          <a:p>
+            <a:r>
+              <a:rPr lang="en-US" altLang="ko-KR" sz="1600" dirty="0" err="1">
+                <a:latin typeface="Artifakt Element" panose="020B0503050000020004" pitchFamily="34" charset="0"/>
+              </a:rPr>
+              <a:t>PrePlacingList</a:t>
+            </a:r>
+            <a:endParaRPr lang="en-US" altLang="ko-KR" sz="1600" dirty="0">
+              <a:latin typeface="Artifakt Element" panose="020B0503050000020004" pitchFamily="34" charset="0"/>
+            </a:endParaRPr>
+          </a:p>
+          <a:p>
+            <a:r>
+              <a:rPr lang="en-US" altLang="ko-KR" sz="1600" dirty="0" err="1">
+                <a:latin typeface="Artifakt Element" panose="020B0503050000020004" pitchFamily="34" charset="0"/>
+              </a:rPr>
+              <a:t>PostPlacingList</a:t>
+            </a:r>
+            <a:endParaRPr lang="ko-KR" altLang="en-US" sz="1600" dirty="0">
+              <a:latin typeface="Artifakt Element" panose="020B0503050000020004" pitchFamily="34" charset="0"/>
+            </a:endParaRPr>
+          </a:p>
+        </p:txBody>
+      </p:sp>
+    </p:spTree>
+    <p:extLst>
+      <p:ext uri="{BB962C8B-B14F-4D97-AF65-F5344CB8AC3E}">
+        <p14:creationId xmlns:p14="http://schemas.microsoft.com/office/powerpoint/2010/main" val="3839087456"/>
+      </p:ext>
+    </p:extLst>
+  </p:cSld>
+  <p:clrMapOvr>
+    <a:masterClrMapping/>
+  </p:clrMapOvr>
+</p:sld>
+</file>
+
+<file path=ppt/slides/slide4.xml><?xml version="1.0" encoding="utf-8"?>
+<p:sld xmlns:a="http://schemas.openxmlformats.org/drawingml/2006/main" xmlns:r="http://schemas.openxmlformats.org/officeDocument/2006/relationships" xmlns:p="http://schemas.openxmlformats.org/presentationml/2006/main">
+  <p:cSld>
+    <p:spTree>
+      <p:nvGrpSpPr>
+        <p:cNvPr id="1" name=""/>
+        <p:cNvGrpSpPr/>
+        <p:nvPr/>
+      </p:nvGrpSpPr>
+      <p:grpSpPr>
+        <a:xfrm>
+          <a:off x="0" y="0"/>
+          <a:ext cx="0" cy="0"/>
+          <a:chOff x="0" y="0"/>
+          <a:chExt cx="0" cy="0"/>
+        </a:xfrm>
+      </p:grpSpPr>
+      <p:sp>
+        <p:nvSpPr>
+          <p:cNvPr id="2" name="TextBox 1"/>
+          <p:cNvSpPr txBox="1"/>
+          <p:nvPr/>
+        </p:nvSpPr>
+        <p:spPr>
+          <a:xfrm>
+            <a:off x="6079171" y="301336"/>
+            <a:ext cx="1527982" cy="646331"/>
+          </a:xfrm>
+          <a:prstGeom prst="rect">
+            <a:avLst/>
+          </a:prstGeom>
+          <a:noFill/>
+        </p:spPr>
+        <p:txBody>
+          <a:bodyPr wrap="none" rtlCol="0">
+            <a:spAutoFit/>
+          </a:bodyPr>
+          <a:lstStyle/>
+          <a:p>
             <a:r>
               <a:rPr lang="en-US" altLang="ko-KR" dirty="0">
                 <a:latin typeface="Artifakt Element" panose="020B0503050000020004" pitchFamily="34" charset="0"/>
                 <a:ea typeface="Artifakt Element" panose="020B0503050000020004" pitchFamily="34" charset="0"/>
               </a:rPr>
-              <a:t>1</a:t>
-            </a:r>
-          </a:p>
-          <a:p>
-            <a:r>
-              <a:rPr lang="en-US" altLang="ko-KR" smtClean="0">
-                <a:latin typeface="Artifakt Element" panose="020B0503050000020004" pitchFamily="34" charset="0"/>
-                <a:ea typeface="Artifakt Element" panose="020B0503050000020004" pitchFamily="34" charset="0"/>
-              </a:rPr>
-              <a:t>Cluster </a:t>
+              <a:t>Post </a:t>
             </a:r>
             <a:r>
               <a:rPr lang="en-US" altLang="ko-KR" dirty="0">
                 <a:latin typeface="Artifakt Element" panose="020B0503050000020004" pitchFamily="34" charset="0"/>
-                <a:ea typeface="Artifakt Element" panose="020B0503050000020004" pitchFamily="34" charset="0"/>
-              </a:rPr>
-              <a:t>2</a:t>
+              </a:rPr>
+              <a:t>Placing</a:t>
+            </a:r>
+            <a:endParaRPr lang="en-US" altLang="ko-KR" dirty="0">
+              <a:latin typeface="Artifakt Element" panose="020B0503050000020004" pitchFamily="34" charset="0"/>
+              <a:ea typeface="Artifakt Element" panose="020B0503050000020004" pitchFamily="34" charset="0"/>
+            </a:endParaRPr>
+          </a:p>
+          <a:p>
+            <a:r>
+              <a:rPr lang="en-US" altLang="ko-KR" dirty="0">
+                <a:latin typeface="Artifakt Element" panose="020B0503050000020004" pitchFamily="34" charset="0"/>
+                <a:ea typeface="Artifakt Element" panose="020B0503050000020004" pitchFamily="34" charset="0"/>
+              </a:rPr>
+              <a:t>(</a:t>
+            </a:r>
+            <a:r>
+              <a:rPr lang="ko-KR" altLang="en-US" dirty="0">
+                <a:latin typeface="Artifakt Element" panose="020B0503050000020004" pitchFamily="34" charset="0"/>
+                <a:ea typeface="Artifakt Element" panose="020B0503050000020004" pitchFamily="34" charset="0"/>
+              </a:rPr>
+              <a:t>배치 후</a:t>
+            </a:r>
+            <a:r>
+              <a:rPr lang="en-US" altLang="ko-KR" dirty="0">
+                <a:latin typeface="Artifakt Element" panose="020B0503050000020004" pitchFamily="34" charset="0"/>
+                <a:ea typeface="Artifakt Element" panose="020B0503050000020004" pitchFamily="34" charset="0"/>
+              </a:rPr>
+              <a:t>)</a:t>
             </a:r>
             <a:endParaRPr lang="ko-KR" altLang="en-US" dirty="0">
               <a:latin typeface="Artifakt Element" panose="020B0503050000020004" pitchFamily="34" charset="0"/>
             </a:endParaRPr>
           </a:p>
-          <a:p>
-            <a:r>
-              <a:rPr lang="en-US" altLang="ko-KR" smtClean="0">
-                <a:latin typeface="Artifakt Element" panose="020B0503050000020004" pitchFamily="34" charset="0"/>
-                <a:ea typeface="Artifakt Element" panose="020B0503050000020004" pitchFamily="34" charset="0"/>
-              </a:rPr>
-              <a:t>Cluster </a:t>
-            </a:r>
+        </p:txBody>
+      </p:sp>
+      <p:sp>
+        <p:nvSpPr>
+          <p:cNvPr id="4" name="TextBox 3"/>
+          <p:cNvSpPr txBox="1"/>
+          <p:nvPr/>
+        </p:nvSpPr>
+        <p:spPr>
+          <a:xfrm>
+            <a:off x="3151086" y="301336"/>
+            <a:ext cx="1404552" cy="646331"/>
+          </a:xfrm>
+          <a:prstGeom prst="rect">
+            <a:avLst/>
+          </a:prstGeom>
+          <a:noFill/>
+        </p:spPr>
+        <p:txBody>
+          <a:bodyPr wrap="none" rtlCol="0">
+            <a:spAutoFit/>
+          </a:bodyPr>
+          <a:lstStyle/>
+          <a:p>
             <a:r>
               <a:rPr lang="en-US" altLang="ko-KR" dirty="0">
                 <a:latin typeface="Artifakt Element" panose="020B0503050000020004" pitchFamily="34" charset="0"/>
                 <a:ea typeface="Artifakt Element" panose="020B0503050000020004" pitchFamily="34" charset="0"/>
               </a:rPr>
-              <a:t>3</a:t>
+              <a:t>Pre </a:t>
+            </a:r>
+            <a:r>
+              <a:rPr lang="en-US" altLang="ko-KR" dirty="0">
+                <a:latin typeface="Artifakt Element" panose="020B0503050000020004" pitchFamily="34" charset="0"/>
+              </a:rPr>
+              <a:t>Placing</a:t>
+            </a:r>
+            <a:endParaRPr lang="en-US" altLang="ko-KR" dirty="0">
+              <a:latin typeface="Artifakt Element" panose="020B0503050000020004" pitchFamily="34" charset="0"/>
+              <a:ea typeface="Artifakt Element" panose="020B0503050000020004" pitchFamily="34" charset="0"/>
+            </a:endParaRPr>
+          </a:p>
+          <a:p>
+            <a:r>
+              <a:rPr lang="en-US" altLang="ko-KR" dirty="0">
+                <a:latin typeface="Artifakt Element" panose="020B0503050000020004" pitchFamily="34" charset="0"/>
+                <a:ea typeface="Artifakt Element" panose="020B0503050000020004" pitchFamily="34" charset="0"/>
+              </a:rPr>
+              <a:t>(</a:t>
+            </a:r>
+            <a:r>
+              <a:rPr lang="ko-KR" altLang="en-US" dirty="0">
+                <a:latin typeface="Artifakt Element" panose="020B0503050000020004" pitchFamily="34" charset="0"/>
+                <a:ea typeface="Artifakt Element" panose="020B0503050000020004" pitchFamily="34" charset="0"/>
+              </a:rPr>
+              <a:t>배치 전</a:t>
+            </a:r>
+            <a:r>
+              <a:rPr lang="en-US" altLang="ko-KR" dirty="0">
+                <a:latin typeface="Artifakt Element" panose="020B0503050000020004" pitchFamily="34" charset="0"/>
+                <a:ea typeface="Artifakt Element" panose="020B0503050000020004" pitchFamily="34" charset="0"/>
+              </a:rPr>
+              <a:t>)</a:t>
             </a:r>
             <a:endParaRPr lang="ko-KR" altLang="en-US" dirty="0">
               <a:latin typeface="Artifakt Element" panose="020B0503050000020004" pitchFamily="34" charset="0"/>
             </a:endParaRPr>
           </a:p>
-          <a:p>
-            <a:r>
-              <a:rPr lang="en-US" altLang="ko-KR" smtClean="0">
-                <a:latin typeface="Artifakt Element" panose="020B0503050000020004" pitchFamily="34" charset="0"/>
-                <a:ea typeface="Artifakt Element" panose="020B0503050000020004" pitchFamily="34" charset="0"/>
-              </a:rPr>
-              <a:t>Cluster </a:t>
-            </a:r>
+        </p:txBody>
+      </p:sp>
+      <p:sp>
+        <p:nvSpPr>
+          <p:cNvPr id="3" name="직사각형 2"/>
+          <p:cNvSpPr/>
+          <p:nvPr/>
+        </p:nvSpPr>
+        <p:spPr>
+          <a:xfrm>
+            <a:off x="9007256" y="1456251"/>
+            <a:ext cx="2628900" cy="4322618"/>
+          </a:xfrm>
+          <a:prstGeom prst="rect">
+            <a:avLst/>
+          </a:prstGeom>
+          <a:noFill/>
+        </p:spPr>
+        <p:style>
+          <a:lnRef idx="2">
+            <a:schemeClr val="accent1">
+              <a:shade val="50000"/>
+            </a:schemeClr>
+          </a:lnRef>
+          <a:fillRef idx="1">
+            <a:schemeClr val="accent1"/>
+          </a:fillRef>
+          <a:effectRef idx="0">
+            <a:schemeClr val="accent1"/>
+          </a:effectRef>
+          <a:fontRef idx="minor">
+            <a:schemeClr val="lt1"/>
+          </a:fontRef>
+        </p:style>
+        <p:txBody>
+          <a:bodyPr rtlCol="0" anchor="ctr"/>
+          <a:lstStyle/>
+          <a:p>
+            <a:pPr algn="ctr"/>
+            <a:endParaRPr lang="ko-KR" altLang="en-US"/>
+          </a:p>
+        </p:txBody>
+      </p:sp>
+      <p:sp>
+        <p:nvSpPr>
+          <p:cNvPr id="6" name="TextBox 5"/>
+          <p:cNvSpPr txBox="1"/>
+          <p:nvPr/>
+        </p:nvSpPr>
+        <p:spPr>
+          <a:xfrm>
+            <a:off x="9007256" y="301336"/>
+            <a:ext cx="2090637" cy="369332"/>
+          </a:xfrm>
+          <a:prstGeom prst="rect">
+            <a:avLst/>
+          </a:prstGeom>
+          <a:noFill/>
+        </p:spPr>
+        <p:txBody>
+          <a:bodyPr wrap="none" rtlCol="0">
+            <a:spAutoFit/>
+          </a:bodyPr>
+          <a:lstStyle/>
+          <a:p>
             <a:r>
               <a:rPr lang="en-US" altLang="ko-KR" dirty="0">
                 <a:latin typeface="Artifakt Element" panose="020B0503050000020004" pitchFamily="34" charset="0"/>
                 <a:ea typeface="Artifakt Element" panose="020B0503050000020004" pitchFamily="34" charset="0"/>
               </a:rPr>
-              <a:t>5</a:t>
+              <a:t>Placing Boundary</a:t>
             </a:r>
             <a:endParaRPr lang="ko-KR" altLang="en-US" dirty="0">
               <a:latin typeface="Artifakt Element" panose="020B0503050000020004" pitchFamily="34" charset="0"/>
             </a:endParaRPr>
           </a:p>
-          <a:p>
-            <a:r>
-              <a:rPr lang="en-US" altLang="ko-KR" smtClean="0">
+        </p:txBody>
+      </p:sp>
+      <p:sp>
+        <p:nvSpPr>
+          <p:cNvPr id="7" name="TextBox 6"/>
+          <p:cNvSpPr txBox="1"/>
+          <p:nvPr/>
+        </p:nvSpPr>
+        <p:spPr>
+          <a:xfrm>
+            <a:off x="887384" y="301336"/>
+            <a:ext cx="1409360" cy="369332"/>
+          </a:xfrm>
+          <a:prstGeom prst="rect">
+            <a:avLst/>
+          </a:prstGeom>
+          <a:noFill/>
+        </p:spPr>
+        <p:txBody>
+          <a:bodyPr wrap="none" rtlCol="0">
+            <a:spAutoFit/>
+          </a:bodyPr>
+          <a:lstStyle/>
+          <a:p>
+            <a:r>
+              <a:rPr lang="en-US" altLang="ko-KR">
                 <a:latin typeface="Artifakt Element" panose="020B0503050000020004" pitchFamily="34" charset="0"/>
                 <a:ea typeface="Artifakt Element" panose="020B0503050000020004" pitchFamily="34" charset="0"/>
               </a:rPr>
@@ -3455,15 +3972,38 @@
                 <a:latin typeface="Artifakt Element" panose="020B0503050000020004" pitchFamily="34" charset="0"/>
                 <a:ea typeface="Artifakt Element" panose="020B0503050000020004" pitchFamily="34" charset="0"/>
               </a:rPr>
-              <a:t>4</a:t>
+              <a:t>List</a:t>
             </a:r>
             <a:endParaRPr lang="ko-KR" altLang="en-US" dirty="0">
               <a:latin typeface="Artifakt Element" panose="020B0503050000020004" pitchFamily="34" charset="0"/>
             </a:endParaRPr>
           </a:p>
-          <a:p>
-            <a:r>
-              <a:rPr lang="en-US" altLang="ko-KR" smtClean="0">
+        </p:txBody>
+      </p:sp>
+      <p:sp>
+        <p:nvSpPr>
+          <p:cNvPr id="9" name="TextBox 8"/>
+          <p:cNvSpPr txBox="1"/>
+          <p:nvPr/>
+        </p:nvSpPr>
+        <p:spPr>
+          <a:xfrm>
+            <a:off x="960409" y="1544920"/>
+            <a:ext cx="1265090" cy="3416320"/>
+          </a:xfrm>
+          <a:prstGeom prst="rect">
+            <a:avLst/>
+          </a:prstGeom>
+          <a:noFill/>
+        </p:spPr>
+        <p:txBody>
+          <a:bodyPr wrap="none" rtlCol="0">
+            <a:spAutoFit/>
+          </a:bodyPr>
+          <a:lstStyle/>
+          <a:p>
+            <a:r>
+              <a:rPr lang="en-US" altLang="ko-KR">
                 <a:latin typeface="Artifakt Element" panose="020B0503050000020004" pitchFamily="34" charset="0"/>
                 <a:ea typeface="Artifakt Element" panose="020B0503050000020004" pitchFamily="34" charset="0"/>
               </a:rPr>
@@ -3474,7 +4014,23 @@
                 <a:latin typeface="Artifakt Element" panose="020B0503050000020004" pitchFamily="34" charset="0"/>
                 <a:ea typeface="Artifakt Element" panose="020B0503050000020004" pitchFamily="34" charset="0"/>
               </a:rPr>
-              <a:t>6</a:t>
+              <a:t>1</a:t>
+            </a:r>
+          </a:p>
+          <a:p>
+            <a:r>
+              <a:rPr lang="en-US" altLang="ko-KR">
+                <a:latin typeface="Artifakt Element" panose="020B0503050000020004" pitchFamily="34" charset="0"/>
+                <a:ea typeface="Artifakt Element" panose="020B0503050000020004" pitchFamily="34" charset="0"/>
+              </a:rPr>
+              <a:t>Cluster </a:t>
+            </a:r>
+            <a:r>
+              <a:rPr lang="en-US" altLang="ko-KR" dirty="0">
+                <a:latin typeface="Artifakt Element" panose="020B0503050000020004" pitchFamily="34" charset="0"/>
+                <a:ea typeface="Artifakt Element" panose="020B0503050000020004" pitchFamily="34" charset="0"/>
+              </a:rPr>
+              <a:t>2</a:t>
             </a:r>
             <a:endParaRPr lang="ko-KR" altLang="en-US" dirty="0">
               <a:latin typeface="Artifakt Element" panose="020B0503050000020004" pitchFamily="34" charset="0"/>
@@ -3482,7 +4038,7 @@
           </a:p>
           <a:p>
             <a:r>
-              <a:rPr lang="en-US" altLang="ko-KR" smtClean="0">
+              <a:rPr lang="en-US" altLang="ko-KR">
                 <a:latin typeface="Artifakt Element" panose="020B0503050000020004" pitchFamily="34" charset="0"/>
                 <a:ea typeface="Artifakt Element" panose="020B0503050000020004" pitchFamily="34" charset="0"/>
               </a:rPr>
@@ -3493,7 +4049,7 @@
                 <a:latin typeface="Artifakt Element" panose="020B0503050000020004" pitchFamily="34" charset="0"/>
                 <a:ea typeface="Artifakt Element" panose="020B0503050000020004" pitchFamily="34" charset="0"/>
               </a:rPr>
-              <a:t>7</a:t>
+              <a:t>3</a:t>
             </a:r>
             <a:endParaRPr lang="ko-KR" altLang="en-US" dirty="0">
               <a:latin typeface="Artifakt Element" panose="020B0503050000020004" pitchFamily="34" charset="0"/>
@@ -3501,7 +4057,7 @@
           </a:p>
           <a:p>
             <a:r>
-              <a:rPr lang="en-US" altLang="ko-KR" smtClean="0">
+              <a:rPr lang="en-US" altLang="ko-KR">
                 <a:latin typeface="Artifakt Element" panose="020B0503050000020004" pitchFamily="34" charset="0"/>
                 <a:ea typeface="Artifakt Element" panose="020B0503050000020004" pitchFamily="34" charset="0"/>
               </a:rPr>
@@ -3512,7 +4068,7 @@
                 <a:latin typeface="Artifakt Element" panose="020B0503050000020004" pitchFamily="34" charset="0"/>
                 <a:ea typeface="Artifakt Element" panose="020B0503050000020004" pitchFamily="34" charset="0"/>
               </a:rPr>
-              <a:t>8</a:t>
+              <a:t>5</a:t>
             </a:r>
             <a:endParaRPr lang="ko-KR" altLang="en-US" dirty="0">
               <a:latin typeface="Artifakt Element" panose="020B0503050000020004" pitchFamily="34" charset="0"/>
@@ -3520,7 +4076,7 @@
           </a:p>
           <a:p>
             <a:r>
-              <a:rPr lang="en-US" altLang="ko-KR" smtClean="0">
+              <a:rPr lang="en-US" altLang="ko-KR">
                 <a:latin typeface="Artifakt Element" panose="020B0503050000020004" pitchFamily="34" charset="0"/>
                 <a:ea typeface="Artifakt Element" panose="020B0503050000020004" pitchFamily="34" charset="0"/>
               </a:rPr>
@@ -3531,7 +4087,7 @@
                 <a:latin typeface="Artifakt Element" panose="020B0503050000020004" pitchFamily="34" charset="0"/>
                 <a:ea typeface="Artifakt Element" panose="020B0503050000020004" pitchFamily="34" charset="0"/>
               </a:rPr>
-              <a:t>9</a:t>
+              <a:t>4</a:t>
             </a:r>
             <a:endParaRPr lang="ko-KR" altLang="en-US" dirty="0">
               <a:latin typeface="Artifakt Element" panose="020B0503050000020004" pitchFamily="34" charset="0"/>
@@ -3539,7 +4095,7 @@
           </a:p>
           <a:p>
             <a:r>
-              <a:rPr lang="en-US" altLang="ko-KR" smtClean="0">
+              <a:rPr lang="en-US" altLang="ko-KR">
                 <a:latin typeface="Artifakt Element" panose="020B0503050000020004" pitchFamily="34" charset="0"/>
                 <a:ea typeface="Artifakt Element" panose="020B0503050000020004" pitchFamily="34" charset="0"/>
               </a:rPr>
@@ -3550,7 +4106,7 @@
                 <a:latin typeface="Artifakt Element" panose="020B0503050000020004" pitchFamily="34" charset="0"/>
                 <a:ea typeface="Artifakt Element" panose="020B0503050000020004" pitchFamily="34" charset="0"/>
               </a:rPr>
-              <a:t>10</a:t>
+              <a:t>6</a:t>
             </a:r>
             <a:endParaRPr lang="ko-KR" altLang="en-US" dirty="0">
               <a:latin typeface="Artifakt Element" panose="020B0503050000020004" pitchFamily="34" charset="0"/>
@@ -3558,7 +4114,83 @@
           </a:p>
           <a:p>
             <a:r>
-              <a:rPr lang="en-US" altLang="ko-KR" smtClean="0">
+              <a:rPr lang="en-US" altLang="ko-KR">
+                <a:latin typeface="Artifakt Element" panose="020B0503050000020004" pitchFamily="34" charset="0"/>
+                <a:ea typeface="Artifakt Element" panose="020B0503050000020004" pitchFamily="34" charset="0"/>
+              </a:rPr>
+              <a:t>Cluster </a:t>
+            </a:r>
+            <a:r>
+              <a:rPr lang="en-US" altLang="ko-KR" dirty="0">
+                <a:latin typeface="Artifakt Element" panose="020B0503050000020004" pitchFamily="34" charset="0"/>
+                <a:ea typeface="Artifakt Element" panose="020B0503050000020004" pitchFamily="34" charset="0"/>
+              </a:rPr>
+              <a:t>7</a:t>
+            </a:r>
+            <a:endParaRPr lang="ko-KR" altLang="en-US" dirty="0">
+              <a:latin typeface="Artifakt Element" panose="020B0503050000020004" pitchFamily="34" charset="0"/>
+            </a:endParaRPr>
+          </a:p>
+          <a:p>
+            <a:r>
+              <a:rPr lang="en-US" altLang="ko-KR">
+                <a:latin typeface="Artifakt Element" panose="020B0503050000020004" pitchFamily="34" charset="0"/>
+                <a:ea typeface="Artifakt Element" panose="020B0503050000020004" pitchFamily="34" charset="0"/>
+              </a:rPr>
+              <a:t>Cluster </a:t>
+            </a:r>
+            <a:r>
+              <a:rPr lang="en-US" altLang="ko-KR" dirty="0">
+                <a:latin typeface="Artifakt Element" panose="020B0503050000020004" pitchFamily="34" charset="0"/>
+                <a:ea typeface="Artifakt Element" panose="020B0503050000020004" pitchFamily="34" charset="0"/>
+              </a:rPr>
+              <a:t>8</a:t>
+            </a:r>
+            <a:endParaRPr lang="ko-KR" altLang="en-US" dirty="0">
+              <a:latin typeface="Artifakt Element" panose="020B0503050000020004" pitchFamily="34" charset="0"/>
+            </a:endParaRPr>
+          </a:p>
+          <a:p>
+            <a:r>
+              <a:rPr lang="en-US" altLang="ko-KR">
+                <a:latin typeface="Artifakt Element" panose="020B0503050000020004" pitchFamily="34" charset="0"/>
+                <a:ea typeface="Artifakt Element" panose="020B0503050000020004" pitchFamily="34" charset="0"/>
+              </a:rPr>
+              <a:t>Cluster </a:t>
+            </a:r>
+            <a:r>
+              <a:rPr lang="en-US" altLang="ko-KR" dirty="0">
+                <a:latin typeface="Artifakt Element" panose="020B0503050000020004" pitchFamily="34" charset="0"/>
+                <a:ea typeface="Artifakt Element" panose="020B0503050000020004" pitchFamily="34" charset="0"/>
+              </a:rPr>
+              <a:t>9</a:t>
+            </a:r>
+            <a:endParaRPr lang="ko-KR" altLang="en-US" dirty="0">
+              <a:latin typeface="Artifakt Element" panose="020B0503050000020004" pitchFamily="34" charset="0"/>
+            </a:endParaRPr>
+          </a:p>
+          <a:p>
+            <a:r>
+              <a:rPr lang="en-US" altLang="ko-KR">
+                <a:latin typeface="Artifakt Element" panose="020B0503050000020004" pitchFamily="34" charset="0"/>
+                <a:ea typeface="Artifakt Element" panose="020B0503050000020004" pitchFamily="34" charset="0"/>
+              </a:rPr>
+              <a:t>Cluster </a:t>
+            </a:r>
+            <a:r>
+              <a:rPr lang="en-US" altLang="ko-KR" dirty="0">
+                <a:latin typeface="Artifakt Element" panose="020B0503050000020004" pitchFamily="34" charset="0"/>
+                <a:ea typeface="Artifakt Element" panose="020B0503050000020004" pitchFamily="34" charset="0"/>
+              </a:rPr>
+              <a:t>10</a:t>
+            </a:r>
+            <a:endParaRPr lang="ko-KR" altLang="en-US" dirty="0">
+              <a:latin typeface="Artifakt Element" panose="020B0503050000020004" pitchFamily="34" charset="0"/>
+            </a:endParaRPr>
+          </a:p>
+          <a:p>
+            <a:r>
+              <a:rPr lang="en-US" altLang="ko-KR">
                 <a:latin typeface="Artifakt Element" panose="020B0503050000020004" pitchFamily="34" charset="0"/>
                 <a:ea typeface="Artifakt Element" panose="020B0503050000020004" pitchFamily="34" charset="0"/>
               </a:rPr>
@@ -4456,7 +5088,7 @@
               <a:t>기준점으로 </a:t>
             </a:r>
             <a:r>
-              <a:rPr lang="en-US" altLang="ko-KR" sz="1600" smtClean="0">
+              <a:rPr lang="en-US" altLang="ko-KR" sz="1600">
                 <a:latin typeface="Artifakt Element" panose="020B0503050000020004" pitchFamily="34" charset="0"/>
                 <a:ea typeface="Artifakt Element" panose="020B0503050000020004" pitchFamily="34" charset="0"/>
               </a:rPr>
@@ -4575,13 +5207,13 @@
               <a:t>해당 </a:t>
             </a:r>
             <a:r>
-              <a:rPr lang="en-US" altLang="ko-KR" sz="1600" smtClean="0">
+              <a:rPr lang="en-US" altLang="ko-KR" sz="1600">
                 <a:latin typeface="Artifakt Element" panose="020B0503050000020004" pitchFamily="34" charset="0"/>
               </a:rPr>
               <a:t>Cluster</a:t>
             </a:r>
             <a:r>
-              <a:rPr lang="ko-KR" altLang="en-US" sz="1600" smtClean="0">
+              <a:rPr lang="ko-KR" altLang="en-US" sz="1600">
                 <a:latin typeface="Artifakt Element" panose="020B0503050000020004" pitchFamily="34" charset="0"/>
               </a:rPr>
               <a:t>의 </a:t>
@@ -4641,13 +5273,13 @@
               <a:t>해당 </a:t>
             </a:r>
             <a:r>
-              <a:rPr lang="en-US" altLang="ko-KR" sz="1600" smtClean="0">
+              <a:rPr lang="en-US" altLang="ko-KR" sz="1600">
                 <a:latin typeface="Artifakt Element" panose="020B0503050000020004" pitchFamily="34" charset="0"/>
               </a:rPr>
               <a:t>Cluster</a:t>
             </a:r>
             <a:r>
-              <a:rPr lang="ko-KR" altLang="en-US" sz="1600" smtClean="0">
+              <a:rPr lang="ko-KR" altLang="en-US" sz="1600">
                 <a:latin typeface="Artifakt Element" panose="020B0503050000020004" pitchFamily="34" charset="0"/>
               </a:rPr>
               <a:t>를 </a:t>
@@ -4656,13 +5288,7 @@
               <a:rPr lang="en-US" altLang="ko-KR" sz="1600">
                 <a:latin typeface="Artifakt Element" panose="020B0503050000020004" pitchFamily="34" charset="0"/>
               </a:rPr>
-              <a:t>Post </a:t>
-            </a:r>
-            <a:r>
-              <a:rPr lang="en-US" altLang="ko-KR" sz="1600" smtClean="0">
-                <a:latin typeface="Artifakt Element" panose="020B0503050000020004" pitchFamily="34" charset="0"/>
-              </a:rPr>
-              <a:t>Cluster </a:t>
+              <a:t>Post Cluster </a:t>
             </a:r>
             <a:r>
               <a:rPr lang="ko-KR" altLang="en-US" sz="1600" dirty="0">
@@ -5555,29 +6181,21 @@
           <a:lstStyle/>
           <a:p>
             <a:r>
-              <a:rPr lang="en-US" altLang="ko-KR" sz="1200" dirty="0" smtClean="0">
+              <a:rPr lang="en-US" altLang="ko-KR" sz="1200" dirty="0">
                 <a:latin typeface="Artifakt Element" panose="020B0503050000020004" pitchFamily="34" charset="0"/>
                 <a:ea typeface="Artifakt Element" panose="020B0503050000020004" pitchFamily="34" charset="0"/>
               </a:rPr>
               <a:t>s0</a:t>
             </a:r>
-            <a:endParaRPr lang="en-US" altLang="ko-KR" sz="1200" dirty="0">
-              <a:latin typeface="Artifakt Element" panose="020B0503050000020004" pitchFamily="34" charset="0"/>
-              <a:ea typeface="Artifakt Element" panose="020B0503050000020004" pitchFamily="34" charset="0"/>
-            </a:endParaRPr>
-          </a:p>
-          <a:p>
-            <a:r>
-              <a:rPr lang="en-US" altLang="ko-KR" sz="1200" dirty="0" smtClean="0">
+          </a:p>
+          <a:p>
+            <a:r>
+              <a:rPr lang="en-US" altLang="ko-KR" sz="1200" dirty="0">
                 <a:latin typeface="Artifakt Element" panose="020B0503050000020004" pitchFamily="34" charset="0"/>
                 <a:ea typeface="Artifakt Element" panose="020B0503050000020004" pitchFamily="34" charset="0"/>
               </a:rPr>
               <a:t>s1</a:t>
             </a:r>
-            <a:endParaRPr lang="en-US" altLang="ko-KR" sz="1200" dirty="0">
-              <a:latin typeface="Artifakt Element" panose="020B0503050000020004" pitchFamily="34" charset="0"/>
-              <a:ea typeface="Artifakt Element" panose="020B0503050000020004" pitchFamily="34" charset="0"/>
-            </a:endParaRPr>
           </a:p>
           <a:p>
             <a:r>
@@ -5608,16 +6226,12 @@
           </a:p>
           <a:p>
             <a:r>
-              <a:rPr lang="en-US" altLang="ko-KR" sz="1200" dirty="0" smtClean="0">
+              <a:rPr lang="en-US" altLang="ko-KR" sz="1200" dirty="0">
                 <a:latin typeface="Artifakt Element" panose="020B0503050000020004" pitchFamily="34" charset="0"/>
                 <a:ea typeface="Artifakt Element" panose="020B0503050000020004" pitchFamily="34" charset="0"/>
               </a:rPr>
               <a:t>s5</a:t>
             </a:r>
-            <a:endParaRPr lang="en-US" altLang="ko-KR" sz="1200" dirty="0">
-              <a:latin typeface="Artifakt Element" panose="020B0503050000020004" pitchFamily="34" charset="0"/>
-              <a:ea typeface="Artifakt Element" panose="020B0503050000020004" pitchFamily="34" charset="0"/>
-            </a:endParaRPr>
           </a:p>
         </p:txBody>
       </p:sp>
@@ -5634,7 +6248,7 @@
 </p:sld>
 </file>
 
-<file path=ppt/slides/slide4.xml><?xml version="1.0" encoding="utf-8"?>
+<file path=ppt/slides/slide5.xml><?xml version="1.0" encoding="utf-8"?>
 <p:sld xmlns:a="http://schemas.openxmlformats.org/drawingml/2006/main" xmlns:r="http://schemas.openxmlformats.org/officeDocument/2006/relationships" xmlns:p="http://schemas.openxmlformats.org/presentationml/2006/main">
   <p:cSld>
     <p:spTree>
@@ -6142,7 +6756,7 @@
           <a:lstStyle/>
           <a:p>
             <a:r>
-              <a:rPr lang="en-US" altLang="ko-KR" smtClean="0">
+              <a:rPr lang="en-US" altLang="ko-KR">
                 <a:latin typeface="Artifakt Element" panose="020B0503050000020004" pitchFamily="34" charset="0"/>
                 <a:ea typeface="Artifakt Element" panose="020B0503050000020004" pitchFamily="34" charset="0"/>
               </a:rPr>
@@ -6184,7 +6798,7 @@
           <a:lstStyle/>
           <a:p>
             <a:r>
-              <a:rPr lang="en-US" altLang="ko-KR" smtClean="0">
+              <a:rPr lang="en-US" altLang="ko-KR">
                 <a:latin typeface="Artifakt Element" panose="020B0503050000020004" pitchFamily="34" charset="0"/>
                 <a:ea typeface="Artifakt Element" panose="020B0503050000020004" pitchFamily="34" charset="0"/>
               </a:rPr>
@@ -6200,7 +6814,7 @@
           </a:p>
           <a:p>
             <a:r>
-              <a:rPr lang="en-US" altLang="ko-KR" smtClean="0">
+              <a:rPr lang="en-US" altLang="ko-KR">
                 <a:latin typeface="Artifakt Element" panose="020B0503050000020004" pitchFamily="34" charset="0"/>
                 <a:ea typeface="Artifakt Element" panose="020B0503050000020004" pitchFamily="34" charset="0"/>
               </a:rPr>
@@ -6219,7 +6833,7 @@
           </a:p>
           <a:p>
             <a:r>
-              <a:rPr lang="en-US" altLang="ko-KR" smtClean="0">
+              <a:rPr lang="en-US" altLang="ko-KR">
                 <a:latin typeface="Artifakt Element" panose="020B0503050000020004" pitchFamily="34" charset="0"/>
                 <a:ea typeface="Artifakt Element" panose="020B0503050000020004" pitchFamily="34" charset="0"/>
               </a:rPr>
@@ -6238,7 +6852,7 @@
           </a:p>
           <a:p>
             <a:r>
-              <a:rPr lang="en-US" altLang="ko-KR" smtClean="0">
+              <a:rPr lang="en-US" altLang="ko-KR">
                 <a:latin typeface="Artifakt Element" panose="020B0503050000020004" pitchFamily="34" charset="0"/>
                 <a:ea typeface="Artifakt Element" panose="020B0503050000020004" pitchFamily="34" charset="0"/>
               </a:rPr>
@@ -6257,7 +6871,7 @@
           </a:p>
           <a:p>
             <a:r>
-              <a:rPr lang="en-US" altLang="ko-KR" smtClean="0">
+              <a:rPr lang="en-US" altLang="ko-KR">
                 <a:latin typeface="Artifakt Element" panose="020B0503050000020004" pitchFamily="34" charset="0"/>
                 <a:ea typeface="Artifakt Element" panose="020B0503050000020004" pitchFamily="34" charset="0"/>
               </a:rPr>
@@ -6276,7 +6890,7 @@
           </a:p>
           <a:p>
             <a:r>
-              <a:rPr lang="en-US" altLang="ko-KR" smtClean="0">
+              <a:rPr lang="en-US" altLang="ko-KR">
                 <a:latin typeface="Artifakt Element" panose="020B0503050000020004" pitchFamily="34" charset="0"/>
                 <a:ea typeface="Artifakt Element" panose="020B0503050000020004" pitchFamily="34" charset="0"/>
               </a:rPr>
@@ -6295,7 +6909,7 @@
           </a:p>
           <a:p>
             <a:r>
-              <a:rPr lang="en-US" altLang="ko-KR" smtClean="0">
+              <a:rPr lang="en-US" altLang="ko-KR">
                 <a:latin typeface="Artifakt Element" panose="020B0503050000020004" pitchFamily="34" charset="0"/>
                 <a:ea typeface="Artifakt Element" panose="020B0503050000020004" pitchFamily="34" charset="0"/>
               </a:rPr>
@@ -6314,7 +6928,7 @@
           </a:p>
           <a:p>
             <a:r>
-              <a:rPr lang="en-US" altLang="ko-KR" smtClean="0">
+              <a:rPr lang="en-US" altLang="ko-KR">
                 <a:latin typeface="Artifakt Element" panose="020B0503050000020004" pitchFamily="34" charset="0"/>
                 <a:ea typeface="Artifakt Element" panose="020B0503050000020004" pitchFamily="34" charset="0"/>
               </a:rPr>
@@ -6333,7 +6947,7 @@
           </a:p>
           <a:p>
             <a:r>
-              <a:rPr lang="en-US" altLang="ko-KR" smtClean="0">
+              <a:rPr lang="en-US" altLang="ko-KR">
                 <a:latin typeface="Artifakt Element" panose="020B0503050000020004" pitchFamily="34" charset="0"/>
                 <a:ea typeface="Artifakt Element" panose="020B0503050000020004" pitchFamily="34" charset="0"/>
               </a:rPr>
@@ -6352,7 +6966,7 @@
           </a:p>
           <a:p>
             <a:r>
-              <a:rPr lang="en-US" altLang="ko-KR" smtClean="0">
+              <a:rPr lang="en-US" altLang="ko-KR">
                 <a:latin typeface="Artifakt Element" panose="020B0503050000020004" pitchFamily="34" charset="0"/>
                 <a:ea typeface="Artifakt Element" panose="020B0503050000020004" pitchFamily="34" charset="0"/>
               </a:rPr>
@@ -6371,7 +6985,7 @@
           </a:p>
           <a:p>
             <a:r>
-              <a:rPr lang="en-US" altLang="ko-KR" smtClean="0">
+              <a:rPr lang="en-US" altLang="ko-KR">
                 <a:latin typeface="Artifakt Element" panose="020B0503050000020004" pitchFamily="34" charset="0"/>
                 <a:ea typeface="Artifakt Element" panose="020B0503050000020004" pitchFamily="34" charset="0"/>
               </a:rPr>
@@ -6624,7 +7238,7 @@
               <a:buAutoNum type="romanUcPeriod"/>
             </a:pPr>
             <a:r>
-              <a:rPr lang="en-US" altLang="ko-KR" sz="1600" smtClean="0">
+              <a:rPr lang="en-US" altLang="ko-KR" sz="1600">
                 <a:latin typeface="Artifakt Element" panose="020B0503050000020004" pitchFamily="34" charset="0"/>
               </a:rPr>
               <a:t>Cluster </a:t>
@@ -8776,7 +9390,7 @@
 </p:sld>
 </file>
 
-<file path=ppt/slides/slide5.xml><?xml version="1.0" encoding="utf-8"?>
+<file path=ppt/slides/slide6.xml><?xml version="1.0" encoding="utf-8"?>
 <p:sld xmlns:a="http://schemas.openxmlformats.org/drawingml/2006/main" xmlns:r="http://schemas.openxmlformats.org/officeDocument/2006/relationships" xmlns:p="http://schemas.openxmlformats.org/presentationml/2006/main">
   <p:cSld>
     <p:spTree>
@@ -9177,7 +9791,7 @@
           <a:lstStyle/>
           <a:p>
             <a:r>
-              <a:rPr lang="en-US" altLang="ko-KR" smtClean="0">
+              <a:rPr lang="en-US" altLang="ko-KR">
                 <a:latin typeface="Artifakt Element" panose="020B0503050000020004" pitchFamily="34" charset="0"/>
                 <a:ea typeface="Artifakt Element" panose="020B0503050000020004" pitchFamily="34" charset="0"/>
               </a:rPr>
@@ -9219,7 +9833,7 @@
           <a:lstStyle/>
           <a:p>
             <a:r>
-              <a:rPr lang="en-US" altLang="ko-KR" smtClean="0">
+              <a:rPr lang="en-US" altLang="ko-KR">
                 <a:latin typeface="Artifakt Element" panose="020B0503050000020004" pitchFamily="34" charset="0"/>
                 <a:ea typeface="Artifakt Element" panose="020B0503050000020004" pitchFamily="34" charset="0"/>
               </a:rPr>
@@ -9235,7 +9849,7 @@
           </a:p>
           <a:p>
             <a:r>
-              <a:rPr lang="en-US" altLang="ko-KR" smtClean="0">
+              <a:rPr lang="en-US" altLang="ko-KR">
                 <a:latin typeface="Artifakt Element" panose="020B0503050000020004" pitchFamily="34" charset="0"/>
                 <a:ea typeface="Artifakt Element" panose="020B0503050000020004" pitchFamily="34" charset="0"/>
               </a:rPr>
@@ -9254,7 +9868,7 @@
           </a:p>
           <a:p>
             <a:r>
-              <a:rPr lang="en-US" altLang="ko-KR" smtClean="0">
+              <a:rPr lang="en-US" altLang="ko-KR">
                 <a:latin typeface="Artifakt Element" panose="020B0503050000020004" pitchFamily="34" charset="0"/>
                 <a:ea typeface="Artifakt Element" panose="020B0503050000020004" pitchFamily="34" charset="0"/>
               </a:rPr>
@@ -9273,7 +9887,7 @@
           </a:p>
           <a:p>
             <a:r>
-              <a:rPr lang="en-US" altLang="ko-KR" smtClean="0">
+              <a:rPr lang="en-US" altLang="ko-KR">
                 <a:latin typeface="Artifakt Element" panose="020B0503050000020004" pitchFamily="34" charset="0"/>
                 <a:ea typeface="Artifakt Element" panose="020B0503050000020004" pitchFamily="34" charset="0"/>
               </a:rPr>
@@ -9292,7 +9906,7 @@
           </a:p>
           <a:p>
             <a:r>
-              <a:rPr lang="en-US" altLang="ko-KR" smtClean="0">
+              <a:rPr lang="en-US" altLang="ko-KR">
                 <a:latin typeface="Artifakt Element" panose="020B0503050000020004" pitchFamily="34" charset="0"/>
                 <a:ea typeface="Artifakt Element" panose="020B0503050000020004" pitchFamily="34" charset="0"/>
               </a:rPr>
@@ -9311,7 +9925,7 @@
           </a:p>
           <a:p>
             <a:r>
-              <a:rPr lang="en-US" altLang="ko-KR" smtClean="0">
+              <a:rPr lang="en-US" altLang="ko-KR">
                 <a:latin typeface="Artifakt Element" panose="020B0503050000020004" pitchFamily="34" charset="0"/>
                 <a:ea typeface="Artifakt Element" panose="020B0503050000020004" pitchFamily="34" charset="0"/>
               </a:rPr>
@@ -9330,7 +9944,7 @@
           </a:p>
           <a:p>
             <a:r>
-              <a:rPr lang="en-US" altLang="ko-KR" smtClean="0">
+              <a:rPr lang="en-US" altLang="ko-KR">
                 <a:latin typeface="Artifakt Element" panose="020B0503050000020004" pitchFamily="34" charset="0"/>
                 <a:ea typeface="Artifakt Element" panose="020B0503050000020004" pitchFamily="34" charset="0"/>
               </a:rPr>
@@ -9349,7 +9963,7 @@
           </a:p>
           <a:p>
             <a:r>
-              <a:rPr lang="en-US" altLang="ko-KR" smtClean="0">
+              <a:rPr lang="en-US" altLang="ko-KR">
                 <a:latin typeface="Artifakt Element" panose="020B0503050000020004" pitchFamily="34" charset="0"/>
                 <a:ea typeface="Artifakt Element" panose="020B0503050000020004" pitchFamily="34" charset="0"/>
               </a:rPr>
@@ -9368,7 +9982,7 @@
           </a:p>
           <a:p>
             <a:r>
-              <a:rPr lang="en-US" altLang="ko-KR" smtClean="0">
+              <a:rPr lang="en-US" altLang="ko-KR">
                 <a:latin typeface="Artifakt Element" panose="020B0503050000020004" pitchFamily="34" charset="0"/>
                 <a:ea typeface="Artifakt Element" panose="020B0503050000020004" pitchFamily="34" charset="0"/>
               </a:rPr>
@@ -9387,7 +10001,7 @@
           </a:p>
           <a:p>
             <a:r>
-              <a:rPr lang="en-US" altLang="ko-KR" smtClean="0">
+              <a:rPr lang="en-US" altLang="ko-KR">
                 <a:latin typeface="Artifakt Element" panose="020B0503050000020004" pitchFamily="34" charset="0"/>
                 <a:ea typeface="Artifakt Element" panose="020B0503050000020004" pitchFamily="34" charset="0"/>
               </a:rPr>
@@ -9406,7 +10020,7 @@
           </a:p>
           <a:p>
             <a:r>
-              <a:rPr lang="en-US" altLang="ko-KR" smtClean="0">
+              <a:rPr lang="en-US" altLang="ko-KR">
                 <a:latin typeface="Artifakt Element" panose="020B0503050000020004" pitchFamily="34" charset="0"/>
                 <a:ea typeface="Artifakt Element" panose="020B0503050000020004" pitchFamily="34" charset="0"/>
               </a:rPr>
@@ -11180,7 +11794,7 @@
               <a:buAutoNum type="romanUcPeriod"/>
             </a:pPr>
             <a:r>
-              <a:rPr lang="en-US" altLang="ko-KR" sz="1600" smtClean="0">
+              <a:rPr lang="en-US" altLang="ko-KR" sz="1600">
                 <a:latin typeface="Artifakt Element" panose="020B0503050000020004" pitchFamily="34" charset="0"/>
               </a:rPr>
               <a:t>Cluster </a:t>

--- a/hecBidding/20210903_ClusterPlacing Algorithm.pptx
+++ b/hecBidding/20210903_ClusterPlacing Algorithm.pptx
@@ -246,7 +246,7 @@
           <a:p>
             <a:fld id="{B93BA07A-DDEA-49CD-A6B5-BB77772FD6B7}" type="datetimeFigureOut">
               <a:rPr lang="ko-KR" altLang="en-US" smtClean="0"/>
-              <a:t>2021-09-07</a:t>
+              <a:t>2021-09-15</a:t>
             </a:fld>
             <a:endParaRPr lang="ko-KR" altLang="en-US"/>
           </a:p>
@@ -414,7 +414,7 @@
           <a:p>
             <a:fld id="{B93BA07A-DDEA-49CD-A6B5-BB77772FD6B7}" type="datetimeFigureOut">
               <a:rPr lang="ko-KR" altLang="en-US" smtClean="0"/>
-              <a:t>2021-09-07</a:t>
+              <a:t>2021-09-15</a:t>
             </a:fld>
             <a:endParaRPr lang="ko-KR" altLang="en-US"/>
           </a:p>
@@ -592,7 +592,7 @@
           <a:p>
             <a:fld id="{B93BA07A-DDEA-49CD-A6B5-BB77772FD6B7}" type="datetimeFigureOut">
               <a:rPr lang="ko-KR" altLang="en-US" smtClean="0"/>
-              <a:t>2021-09-07</a:t>
+              <a:t>2021-09-15</a:t>
             </a:fld>
             <a:endParaRPr lang="ko-KR" altLang="en-US"/>
           </a:p>
@@ -760,7 +760,7 @@
           <a:p>
             <a:fld id="{B93BA07A-DDEA-49CD-A6B5-BB77772FD6B7}" type="datetimeFigureOut">
               <a:rPr lang="ko-KR" altLang="en-US" smtClean="0"/>
-              <a:t>2021-09-07</a:t>
+              <a:t>2021-09-15</a:t>
             </a:fld>
             <a:endParaRPr lang="ko-KR" altLang="en-US"/>
           </a:p>
@@ -1005,7 +1005,7 @@
           <a:p>
             <a:fld id="{B93BA07A-DDEA-49CD-A6B5-BB77772FD6B7}" type="datetimeFigureOut">
               <a:rPr lang="ko-KR" altLang="en-US" smtClean="0"/>
-              <a:t>2021-09-07</a:t>
+              <a:t>2021-09-15</a:t>
             </a:fld>
             <a:endParaRPr lang="ko-KR" altLang="en-US"/>
           </a:p>
@@ -1234,7 +1234,7 @@
           <a:p>
             <a:fld id="{B93BA07A-DDEA-49CD-A6B5-BB77772FD6B7}" type="datetimeFigureOut">
               <a:rPr lang="ko-KR" altLang="en-US" smtClean="0"/>
-              <a:t>2021-09-07</a:t>
+              <a:t>2021-09-15</a:t>
             </a:fld>
             <a:endParaRPr lang="ko-KR" altLang="en-US"/>
           </a:p>
@@ -1598,7 +1598,7 @@
           <a:p>
             <a:fld id="{B93BA07A-DDEA-49CD-A6B5-BB77772FD6B7}" type="datetimeFigureOut">
               <a:rPr lang="ko-KR" altLang="en-US" smtClean="0"/>
-              <a:t>2021-09-07</a:t>
+              <a:t>2021-09-15</a:t>
             </a:fld>
             <a:endParaRPr lang="ko-KR" altLang="en-US"/>
           </a:p>
@@ -1715,7 +1715,7 @@
           <a:p>
             <a:fld id="{B93BA07A-DDEA-49CD-A6B5-BB77772FD6B7}" type="datetimeFigureOut">
               <a:rPr lang="ko-KR" altLang="en-US" smtClean="0"/>
-              <a:t>2021-09-07</a:t>
+              <a:t>2021-09-15</a:t>
             </a:fld>
             <a:endParaRPr lang="ko-KR" altLang="en-US"/>
           </a:p>
@@ -1810,7 +1810,7 @@
           <a:p>
             <a:fld id="{B93BA07A-DDEA-49CD-A6B5-BB77772FD6B7}" type="datetimeFigureOut">
               <a:rPr lang="ko-KR" altLang="en-US" smtClean="0"/>
-              <a:t>2021-09-07</a:t>
+              <a:t>2021-09-15</a:t>
             </a:fld>
             <a:endParaRPr lang="ko-KR" altLang="en-US"/>
           </a:p>
@@ -2085,7 +2085,7 @@
           <a:p>
             <a:fld id="{B93BA07A-DDEA-49CD-A6B5-BB77772FD6B7}" type="datetimeFigureOut">
               <a:rPr lang="ko-KR" altLang="en-US" smtClean="0"/>
-              <a:t>2021-09-07</a:t>
+              <a:t>2021-09-15</a:t>
             </a:fld>
             <a:endParaRPr lang="ko-KR" altLang="en-US"/>
           </a:p>
@@ -2337,7 +2337,7 @@
           <a:p>
             <a:fld id="{B93BA07A-DDEA-49CD-A6B5-BB77772FD6B7}" type="datetimeFigureOut">
               <a:rPr lang="ko-KR" altLang="en-US" smtClean="0"/>
-              <a:t>2021-09-07</a:t>
+              <a:t>2021-09-15</a:t>
             </a:fld>
             <a:endParaRPr lang="ko-KR" altLang="en-US"/>
           </a:p>
@@ -2548,7 +2548,7 @@
           <a:p>
             <a:fld id="{B93BA07A-DDEA-49CD-A6B5-BB77772FD6B7}" type="datetimeFigureOut">
               <a:rPr lang="ko-KR" altLang="en-US" smtClean="0"/>
-              <a:t>2021-09-07</a:t>
+              <a:t>2021-09-15</a:t>
             </a:fld>
             <a:endParaRPr lang="ko-KR" altLang="en-US"/>
           </a:p>
@@ -11794,7 +11794,7 @@
               <a:buAutoNum type="romanUcPeriod"/>
             </a:pPr>
             <a:r>
-              <a:rPr lang="en-US" altLang="ko-KR" sz="1600">
+              <a:rPr lang="en-US" altLang="ko-KR" sz="1600" dirty="0">
                 <a:latin typeface="Artifakt Element" panose="020B0503050000020004" pitchFamily="34" charset="0"/>
               </a:rPr>
               <a:t>Cluster </a:t>
@@ -11890,11 +11890,32 @@
               <a:t>좌표들을 </a:t>
             </a:r>
             <a:r>
-              <a:rPr lang="ko-KR" altLang="en-US" sz="1600" dirty="0" err="1">
+              <a:rPr lang="ko-KR" altLang="en-US" sz="1600" dirty="0" err="1" smtClean="0">
                 <a:latin typeface="Artifakt Element" panose="020B0503050000020004" pitchFamily="34" charset="0"/>
                 <a:ea typeface="Artifakt Element" panose="020B0503050000020004" pitchFamily="34" charset="0"/>
               </a:rPr>
               <a:t>리스트업</a:t>
+            </a:r>
+            <a:r>
+              <a:rPr lang="en-US" altLang="ko-KR" sz="1600" dirty="0" smtClean="0">
+                <a:latin typeface="Artifakt Element" panose="020B0503050000020004" pitchFamily="34" charset="0"/>
+                <a:ea typeface="Artifakt Element" panose="020B0503050000020004" pitchFamily="34" charset="0"/>
+              </a:rPr>
+              <a:t>(</a:t>
+            </a:r>
+            <a:r>
+              <a:rPr lang="ko-KR" altLang="en-US" sz="1600" dirty="0" smtClean="0">
+                <a:latin typeface="Artifakt Element" panose="020B0503050000020004" pitchFamily="34" charset="0"/>
+                <a:ea typeface="Artifakt Element" panose="020B0503050000020004" pitchFamily="34" charset="0"/>
+              </a:rPr>
+              <a:t>누적 </a:t>
+            </a:r>
+            <a:r>
+              <a:rPr lang="en-US" altLang="ko-KR" sz="1600" dirty="0" smtClean="0">
+                <a:latin typeface="Artifakt Element" panose="020B0503050000020004" pitchFamily="34" charset="0"/>
+                <a:ea typeface="Artifakt Element" panose="020B0503050000020004" pitchFamily="34" charset="0"/>
+              </a:rPr>
+              <a:t>IP)</a:t>
             </a:r>
             <a:endParaRPr lang="en-US" altLang="ko-KR" sz="1600" dirty="0">
               <a:latin typeface="Artifakt Element" panose="020B0503050000020004" pitchFamily="34" charset="0"/>

--- a/hecBidding/20210903_ClusterPlacing Algorithm.pptx
+++ b/hecBidding/20210903_ClusterPlacing Algorithm.pptx
@@ -11,6 +11,7 @@
     <p:sldId id="257" r:id="rId5"/>
     <p:sldId id="258" r:id="rId6"/>
     <p:sldId id="260" r:id="rId7"/>
+    <p:sldId id="263" r:id="rId8"/>
   </p:sldIdLst>
   <p:sldSz cx="12192000" cy="6858000"/>
   <p:notesSz cx="6858000" cy="9144000"/>
@@ -246,7 +247,7 @@
           <a:p>
             <a:fld id="{B93BA07A-DDEA-49CD-A6B5-BB77772FD6B7}" type="datetimeFigureOut">
               <a:rPr lang="ko-KR" altLang="en-US" smtClean="0"/>
-              <a:t>2021-09-15</a:t>
+              <a:t>2021-09-27</a:t>
             </a:fld>
             <a:endParaRPr lang="ko-KR" altLang="en-US"/>
           </a:p>
@@ -414,7 +415,7 @@
           <a:p>
             <a:fld id="{B93BA07A-DDEA-49CD-A6B5-BB77772FD6B7}" type="datetimeFigureOut">
               <a:rPr lang="ko-KR" altLang="en-US" smtClean="0"/>
-              <a:t>2021-09-15</a:t>
+              <a:t>2021-09-27</a:t>
             </a:fld>
             <a:endParaRPr lang="ko-KR" altLang="en-US"/>
           </a:p>
@@ -592,7 +593,7 @@
           <a:p>
             <a:fld id="{B93BA07A-DDEA-49CD-A6B5-BB77772FD6B7}" type="datetimeFigureOut">
               <a:rPr lang="ko-KR" altLang="en-US" smtClean="0"/>
-              <a:t>2021-09-15</a:t>
+              <a:t>2021-09-27</a:t>
             </a:fld>
             <a:endParaRPr lang="ko-KR" altLang="en-US"/>
           </a:p>
@@ -760,7 +761,7 @@
           <a:p>
             <a:fld id="{B93BA07A-DDEA-49CD-A6B5-BB77772FD6B7}" type="datetimeFigureOut">
               <a:rPr lang="ko-KR" altLang="en-US" smtClean="0"/>
-              <a:t>2021-09-15</a:t>
+              <a:t>2021-09-27</a:t>
             </a:fld>
             <a:endParaRPr lang="ko-KR" altLang="en-US"/>
           </a:p>
@@ -1005,7 +1006,7 @@
           <a:p>
             <a:fld id="{B93BA07A-DDEA-49CD-A6B5-BB77772FD6B7}" type="datetimeFigureOut">
               <a:rPr lang="ko-KR" altLang="en-US" smtClean="0"/>
-              <a:t>2021-09-15</a:t>
+              <a:t>2021-09-27</a:t>
             </a:fld>
             <a:endParaRPr lang="ko-KR" altLang="en-US"/>
           </a:p>
@@ -1234,7 +1235,7 @@
           <a:p>
             <a:fld id="{B93BA07A-DDEA-49CD-A6B5-BB77772FD6B7}" type="datetimeFigureOut">
               <a:rPr lang="ko-KR" altLang="en-US" smtClean="0"/>
-              <a:t>2021-09-15</a:t>
+              <a:t>2021-09-27</a:t>
             </a:fld>
             <a:endParaRPr lang="ko-KR" altLang="en-US"/>
           </a:p>
@@ -1598,7 +1599,7 @@
           <a:p>
             <a:fld id="{B93BA07A-DDEA-49CD-A6B5-BB77772FD6B7}" type="datetimeFigureOut">
               <a:rPr lang="ko-KR" altLang="en-US" smtClean="0"/>
-              <a:t>2021-09-15</a:t>
+              <a:t>2021-09-27</a:t>
             </a:fld>
             <a:endParaRPr lang="ko-KR" altLang="en-US"/>
           </a:p>
@@ -1715,7 +1716,7 @@
           <a:p>
             <a:fld id="{B93BA07A-DDEA-49CD-A6B5-BB77772FD6B7}" type="datetimeFigureOut">
               <a:rPr lang="ko-KR" altLang="en-US" smtClean="0"/>
-              <a:t>2021-09-15</a:t>
+              <a:t>2021-09-27</a:t>
             </a:fld>
             <a:endParaRPr lang="ko-KR" altLang="en-US"/>
           </a:p>
@@ -1810,7 +1811,7 @@
           <a:p>
             <a:fld id="{B93BA07A-DDEA-49CD-A6B5-BB77772FD6B7}" type="datetimeFigureOut">
               <a:rPr lang="ko-KR" altLang="en-US" smtClean="0"/>
-              <a:t>2021-09-15</a:t>
+              <a:t>2021-09-27</a:t>
             </a:fld>
             <a:endParaRPr lang="ko-KR" altLang="en-US"/>
           </a:p>
@@ -2085,7 +2086,7 @@
           <a:p>
             <a:fld id="{B93BA07A-DDEA-49CD-A6B5-BB77772FD6B7}" type="datetimeFigureOut">
               <a:rPr lang="ko-KR" altLang="en-US" smtClean="0"/>
-              <a:t>2021-09-15</a:t>
+              <a:t>2021-09-27</a:t>
             </a:fld>
             <a:endParaRPr lang="ko-KR" altLang="en-US"/>
           </a:p>
@@ -2337,7 +2338,7 @@
           <a:p>
             <a:fld id="{B93BA07A-DDEA-49CD-A6B5-BB77772FD6B7}" type="datetimeFigureOut">
               <a:rPr lang="ko-KR" altLang="en-US" smtClean="0"/>
-              <a:t>2021-09-15</a:t>
+              <a:t>2021-09-27</a:t>
             </a:fld>
             <a:endParaRPr lang="ko-KR" altLang="en-US"/>
           </a:p>
@@ -2548,7 +2549,7 @@
           <a:p>
             <a:fld id="{B93BA07A-DDEA-49CD-A6B5-BB77772FD6B7}" type="datetimeFigureOut">
               <a:rPr lang="ko-KR" altLang="en-US" smtClean="0"/>
-              <a:t>2021-09-15</a:t>
+              <a:t>2021-09-27</a:t>
             </a:fld>
             <a:endParaRPr lang="ko-KR" altLang="en-US"/>
           </a:p>
@@ -3961,18 +3962,11 @@
           <a:lstStyle/>
           <a:p>
             <a:r>
-              <a:rPr lang="en-US" altLang="ko-KR">
-                <a:latin typeface="Artifakt Element" panose="020B0503050000020004" pitchFamily="34" charset="0"/>
-                <a:ea typeface="Artifakt Element" panose="020B0503050000020004" pitchFamily="34" charset="0"/>
-              </a:rPr>
-              <a:t>Cluster </a:t>
-            </a:r>
-            <a:r>
               <a:rPr lang="en-US" altLang="ko-KR" dirty="0">
                 <a:latin typeface="Artifakt Element" panose="020B0503050000020004" pitchFamily="34" charset="0"/>
                 <a:ea typeface="Artifakt Element" panose="020B0503050000020004" pitchFamily="34" charset="0"/>
               </a:rPr>
-              <a:t>List</a:t>
+              <a:t>Cluster List</a:t>
             </a:r>
             <a:endParaRPr lang="ko-KR" altLang="en-US" dirty="0">
               <a:latin typeface="Artifakt Element" panose="020B0503050000020004" pitchFamily="34" charset="0"/>
@@ -12387,6 +12381,1952 @@
     <p:extLst>
       <p:ext uri="{BB962C8B-B14F-4D97-AF65-F5344CB8AC3E}">
         <p14:creationId xmlns:p14="http://schemas.microsoft.com/office/powerpoint/2010/main" val="3659143993"/>
+      </p:ext>
+    </p:extLst>
+  </p:cSld>
+  <p:clrMapOvr>
+    <a:masterClrMapping/>
+  </p:clrMapOvr>
+</p:sld>
+</file>
+
+<file path=ppt/slides/slide7.xml><?xml version="1.0" encoding="utf-8"?>
+<p:sld xmlns:a="http://schemas.openxmlformats.org/drawingml/2006/main" xmlns:r="http://schemas.openxmlformats.org/officeDocument/2006/relationships" xmlns:p="http://schemas.openxmlformats.org/presentationml/2006/main">
+  <p:cSld>
+    <p:spTree>
+      <p:nvGrpSpPr>
+        <p:cNvPr id="1" name=""/>
+        <p:cNvGrpSpPr/>
+        <p:nvPr/>
+      </p:nvGrpSpPr>
+      <p:grpSpPr>
+        <a:xfrm>
+          <a:off x="0" y="0"/>
+          <a:ext cx="0" cy="0"/>
+          <a:chOff x="0" y="0"/>
+          <a:chExt cx="0" cy="0"/>
+        </a:xfrm>
+      </p:grpSpPr>
+      <p:sp>
+        <p:nvSpPr>
+          <p:cNvPr id="2" name="직사각형 1"/>
+          <p:cNvSpPr/>
+          <p:nvPr/>
+        </p:nvSpPr>
+        <p:spPr>
+          <a:xfrm>
+            <a:off x="2786331" y="1079104"/>
+            <a:ext cx="301924" cy="284672"/>
+          </a:xfrm>
+          <a:prstGeom prst="rect">
+            <a:avLst/>
+          </a:prstGeom>
+        </p:spPr>
+        <p:style>
+          <a:lnRef idx="2">
+            <a:schemeClr val="accent1">
+              <a:shade val="50000"/>
+            </a:schemeClr>
+          </a:lnRef>
+          <a:fillRef idx="1">
+            <a:schemeClr val="accent1"/>
+          </a:fillRef>
+          <a:effectRef idx="0">
+            <a:schemeClr val="accent1"/>
+          </a:effectRef>
+          <a:fontRef idx="minor">
+            <a:schemeClr val="lt1"/>
+          </a:fontRef>
+        </p:style>
+        <p:txBody>
+          <a:bodyPr rtlCol="0" anchor="ctr"/>
+          <a:lstStyle/>
+          <a:p>
+            <a:pPr algn="ctr"/>
+            <a:endParaRPr lang="ko-KR" altLang="en-US"/>
+          </a:p>
+        </p:txBody>
+      </p:sp>
+      <p:sp>
+        <p:nvSpPr>
+          <p:cNvPr id="5" name="직사각형 4"/>
+          <p:cNvSpPr/>
+          <p:nvPr/>
+        </p:nvSpPr>
+        <p:spPr>
+          <a:xfrm>
+            <a:off x="2786331" y="1958999"/>
+            <a:ext cx="301924" cy="284672"/>
+          </a:xfrm>
+          <a:prstGeom prst="rect">
+            <a:avLst/>
+          </a:prstGeom>
+        </p:spPr>
+        <p:style>
+          <a:lnRef idx="2">
+            <a:schemeClr val="accent1">
+              <a:shade val="50000"/>
+            </a:schemeClr>
+          </a:lnRef>
+          <a:fillRef idx="1">
+            <a:schemeClr val="accent1"/>
+          </a:fillRef>
+          <a:effectRef idx="0">
+            <a:schemeClr val="accent1"/>
+          </a:effectRef>
+          <a:fontRef idx="minor">
+            <a:schemeClr val="lt1"/>
+          </a:fontRef>
+        </p:style>
+        <p:txBody>
+          <a:bodyPr rtlCol="0" anchor="ctr"/>
+          <a:lstStyle/>
+          <a:p>
+            <a:pPr algn="ctr"/>
+            <a:endParaRPr lang="ko-KR" altLang="en-US"/>
+          </a:p>
+        </p:txBody>
+      </p:sp>
+      <p:sp>
+        <p:nvSpPr>
+          <p:cNvPr id="6" name="직사각형 5"/>
+          <p:cNvSpPr/>
+          <p:nvPr/>
+        </p:nvSpPr>
+        <p:spPr>
+          <a:xfrm>
+            <a:off x="3088255" y="1958999"/>
+            <a:ext cx="301924" cy="284672"/>
+          </a:xfrm>
+          <a:prstGeom prst="rect">
+            <a:avLst/>
+          </a:prstGeom>
+        </p:spPr>
+        <p:style>
+          <a:lnRef idx="2">
+            <a:schemeClr val="accent1">
+              <a:shade val="50000"/>
+            </a:schemeClr>
+          </a:lnRef>
+          <a:fillRef idx="1">
+            <a:schemeClr val="accent1"/>
+          </a:fillRef>
+          <a:effectRef idx="0">
+            <a:schemeClr val="accent1"/>
+          </a:effectRef>
+          <a:fontRef idx="minor">
+            <a:schemeClr val="lt1"/>
+          </a:fontRef>
+        </p:style>
+        <p:txBody>
+          <a:bodyPr rtlCol="0" anchor="ctr"/>
+          <a:lstStyle/>
+          <a:p>
+            <a:pPr algn="ctr"/>
+            <a:endParaRPr lang="ko-KR" altLang="en-US"/>
+          </a:p>
+        </p:txBody>
+      </p:sp>
+      <p:sp>
+        <p:nvSpPr>
+          <p:cNvPr id="7" name="직사각형 6"/>
+          <p:cNvSpPr/>
+          <p:nvPr/>
+        </p:nvSpPr>
+        <p:spPr>
+          <a:xfrm>
+            <a:off x="2786331" y="2243671"/>
+            <a:ext cx="301924" cy="284672"/>
+          </a:xfrm>
+          <a:prstGeom prst="rect">
+            <a:avLst/>
+          </a:prstGeom>
+        </p:spPr>
+        <p:style>
+          <a:lnRef idx="2">
+            <a:schemeClr val="accent1">
+              <a:shade val="50000"/>
+            </a:schemeClr>
+          </a:lnRef>
+          <a:fillRef idx="1">
+            <a:schemeClr val="accent1"/>
+          </a:fillRef>
+          <a:effectRef idx="0">
+            <a:schemeClr val="accent1"/>
+          </a:effectRef>
+          <a:fontRef idx="minor">
+            <a:schemeClr val="lt1"/>
+          </a:fontRef>
+        </p:style>
+        <p:txBody>
+          <a:bodyPr rtlCol="0" anchor="ctr"/>
+          <a:lstStyle/>
+          <a:p>
+            <a:pPr algn="ctr"/>
+            <a:endParaRPr lang="ko-KR" altLang="en-US"/>
+          </a:p>
+        </p:txBody>
+      </p:sp>
+      <p:sp>
+        <p:nvSpPr>
+          <p:cNvPr id="15" name="TextBox 14"/>
+          <p:cNvSpPr txBox="1"/>
+          <p:nvPr/>
+        </p:nvSpPr>
+        <p:spPr>
+          <a:xfrm>
+            <a:off x="1011073" y="1054027"/>
+            <a:ext cx="813043" cy="369332"/>
+          </a:xfrm>
+          <a:prstGeom prst="rect">
+            <a:avLst/>
+          </a:prstGeom>
+          <a:noFill/>
+        </p:spPr>
+        <p:txBody>
+          <a:bodyPr wrap="none" rtlCol="0">
+            <a:spAutoFit/>
+          </a:bodyPr>
+          <a:lstStyle/>
+          <a:p>
+            <a:pPr algn="ctr"/>
+            <a:r>
+              <a:rPr lang="en-US" altLang="ko-KR" dirty="0" smtClean="0">
+                <a:latin typeface="Artifakt Element" panose="020B0503050000020004" pitchFamily="34" charset="0"/>
+              </a:rPr>
+              <a:t>Room</a:t>
+            </a:r>
+            <a:endParaRPr lang="ko-KR" altLang="en-US" dirty="0">
+              <a:latin typeface="Artifakt Element" panose="020B0503050000020004" pitchFamily="34" charset="0"/>
+            </a:endParaRPr>
+          </a:p>
+        </p:txBody>
+      </p:sp>
+      <p:sp>
+        <p:nvSpPr>
+          <p:cNvPr id="16" name="TextBox 15"/>
+          <p:cNvSpPr txBox="1"/>
+          <p:nvPr/>
+        </p:nvSpPr>
+        <p:spPr>
+          <a:xfrm>
+            <a:off x="1011073" y="1958999"/>
+            <a:ext cx="954107" cy="369332"/>
+          </a:xfrm>
+          <a:prstGeom prst="rect">
+            <a:avLst/>
+          </a:prstGeom>
+          <a:noFill/>
+        </p:spPr>
+        <p:txBody>
+          <a:bodyPr wrap="none" rtlCol="0">
+            <a:spAutoFit/>
+          </a:bodyPr>
+          <a:lstStyle/>
+          <a:p>
+            <a:pPr algn="ctr"/>
+            <a:r>
+              <a:rPr lang="en-US" altLang="ko-KR" dirty="0" smtClean="0">
+                <a:latin typeface="Artifakt Element" panose="020B0503050000020004" pitchFamily="34" charset="0"/>
+              </a:rPr>
+              <a:t>Cluster</a:t>
+            </a:r>
+            <a:endParaRPr lang="ko-KR" altLang="en-US" dirty="0">
+              <a:latin typeface="Artifakt Element" panose="020B0503050000020004" pitchFamily="34" charset="0"/>
+            </a:endParaRPr>
+          </a:p>
+        </p:txBody>
+      </p:sp>
+      <p:sp>
+        <p:nvSpPr>
+          <p:cNvPr id="17" name="TextBox 16"/>
+          <p:cNvSpPr txBox="1"/>
+          <p:nvPr/>
+        </p:nvSpPr>
+        <p:spPr>
+          <a:xfrm>
+            <a:off x="753173" y="3229322"/>
+            <a:ext cx="1311578" cy="369332"/>
+          </a:xfrm>
+          <a:prstGeom prst="rect">
+            <a:avLst/>
+          </a:prstGeom>
+          <a:noFill/>
+        </p:spPr>
+        <p:txBody>
+          <a:bodyPr wrap="none" rtlCol="0">
+            <a:spAutoFit/>
+          </a:bodyPr>
+          <a:lstStyle/>
+          <a:p>
+            <a:pPr algn="ctr"/>
+            <a:r>
+              <a:rPr lang="en-US" altLang="ko-KR" dirty="0" err="1" smtClean="0">
+                <a:latin typeface="Artifakt Element" panose="020B0503050000020004" pitchFamily="34" charset="0"/>
+              </a:rPr>
+              <a:t>ClusterSet</a:t>
+            </a:r>
+            <a:endParaRPr lang="ko-KR" altLang="en-US" dirty="0">
+              <a:latin typeface="Artifakt Element" panose="020B0503050000020004" pitchFamily="34" charset="0"/>
+            </a:endParaRPr>
+          </a:p>
+        </p:txBody>
+      </p:sp>
+      <p:sp>
+        <p:nvSpPr>
+          <p:cNvPr id="18" name="TextBox 17"/>
+          <p:cNvSpPr txBox="1"/>
+          <p:nvPr/>
+        </p:nvSpPr>
+        <p:spPr>
+          <a:xfrm>
+            <a:off x="5279332" y="3229322"/>
+            <a:ext cx="1782860" cy="369332"/>
+          </a:xfrm>
+          <a:prstGeom prst="rect">
+            <a:avLst/>
+          </a:prstGeom>
+          <a:noFill/>
+        </p:spPr>
+        <p:txBody>
+          <a:bodyPr wrap="none" rtlCol="0">
+            <a:spAutoFit/>
+          </a:bodyPr>
+          <a:lstStyle/>
+          <a:p>
+            <a:r>
+              <a:rPr lang="en-US" altLang="ko-KR" dirty="0" smtClean="0">
+                <a:latin typeface="Artifakt Element" panose="020B0503050000020004" pitchFamily="34" charset="0"/>
+              </a:rPr>
+              <a:t>(by each floor)</a:t>
+            </a:r>
+            <a:endParaRPr lang="ko-KR" altLang="en-US" dirty="0">
+              <a:latin typeface="Artifakt Element" panose="020B0503050000020004" pitchFamily="34" charset="0"/>
+            </a:endParaRPr>
+          </a:p>
+        </p:txBody>
+      </p:sp>
+      <p:grpSp>
+        <p:nvGrpSpPr>
+          <p:cNvPr id="47" name="그룹 46"/>
+          <p:cNvGrpSpPr/>
+          <p:nvPr/>
+        </p:nvGrpSpPr>
+        <p:grpSpPr>
+          <a:xfrm>
+            <a:off x="2618099" y="4804913"/>
+            <a:ext cx="1666353" cy="1121434"/>
+            <a:chOff x="2618099" y="4804913"/>
+            <a:chExt cx="1666353" cy="1121434"/>
+          </a:xfrm>
+        </p:grpSpPr>
+        <p:sp>
+          <p:nvSpPr>
+            <p:cNvPr id="46" name="직사각형 45"/>
+            <p:cNvSpPr/>
+            <p:nvPr/>
+          </p:nvSpPr>
+          <p:spPr>
+            <a:xfrm>
+              <a:off x="2618099" y="4804913"/>
+              <a:ext cx="1666353" cy="1121434"/>
+            </a:xfrm>
+            <a:prstGeom prst="rect">
+              <a:avLst/>
+            </a:prstGeom>
+            <a:solidFill>
+              <a:srgbClr val="FFFF00"/>
+            </a:solidFill>
+          </p:spPr>
+          <p:style>
+            <a:lnRef idx="2">
+              <a:schemeClr val="accent1">
+                <a:shade val="50000"/>
+              </a:schemeClr>
+            </a:lnRef>
+            <a:fillRef idx="1">
+              <a:schemeClr val="accent1"/>
+            </a:fillRef>
+            <a:effectRef idx="0">
+              <a:schemeClr val="accent1"/>
+            </a:effectRef>
+            <a:fontRef idx="minor">
+              <a:schemeClr val="lt1"/>
+            </a:fontRef>
+          </p:style>
+          <p:txBody>
+            <a:bodyPr rtlCol="0" anchor="ctr"/>
+            <a:lstStyle/>
+            <a:p>
+              <a:pPr algn="ctr"/>
+              <a:endParaRPr lang="ko-KR" altLang="en-US"/>
+            </a:p>
+          </p:txBody>
+        </p:sp>
+        <p:grpSp>
+          <p:nvGrpSpPr>
+            <p:cNvPr id="27" name="그룹 26"/>
+            <p:cNvGrpSpPr/>
+            <p:nvPr/>
+          </p:nvGrpSpPr>
+          <p:grpSpPr>
+            <a:xfrm>
+              <a:off x="2786331" y="4937987"/>
+              <a:ext cx="1308340" cy="854016"/>
+              <a:chOff x="2786331" y="4937987"/>
+              <a:chExt cx="1308340" cy="854016"/>
+            </a:xfrm>
+          </p:grpSpPr>
+          <p:grpSp>
+            <p:nvGrpSpPr>
+              <p:cNvPr id="19" name="그룹 18"/>
+              <p:cNvGrpSpPr/>
+              <p:nvPr/>
+            </p:nvGrpSpPr>
+            <p:grpSpPr>
+              <a:xfrm>
+                <a:off x="2786331" y="4937987"/>
+                <a:ext cx="603848" cy="569344"/>
+                <a:chOff x="1086927" y="3171646"/>
+                <a:chExt cx="603848" cy="569344"/>
+              </a:xfrm>
+            </p:grpSpPr>
+            <p:sp>
+              <p:nvSpPr>
+                <p:cNvPr id="20" name="직사각형 19"/>
+                <p:cNvSpPr/>
+                <p:nvPr/>
+              </p:nvSpPr>
+              <p:spPr>
+                <a:xfrm>
+                  <a:off x="1086927" y="3171646"/>
+                  <a:ext cx="301924" cy="284672"/>
+                </a:xfrm>
+                <a:prstGeom prst="rect">
+                  <a:avLst/>
+                </a:prstGeom>
+              </p:spPr>
+              <p:style>
+                <a:lnRef idx="2">
+                  <a:schemeClr val="accent1">
+                    <a:shade val="50000"/>
+                  </a:schemeClr>
+                </a:lnRef>
+                <a:fillRef idx="1">
+                  <a:schemeClr val="accent1"/>
+                </a:fillRef>
+                <a:effectRef idx="0">
+                  <a:schemeClr val="accent1"/>
+                </a:effectRef>
+                <a:fontRef idx="minor">
+                  <a:schemeClr val="lt1"/>
+                </a:fontRef>
+              </p:style>
+              <p:txBody>
+                <a:bodyPr rtlCol="0" anchor="ctr"/>
+                <a:lstStyle/>
+                <a:p>
+                  <a:pPr algn="ctr"/>
+                  <a:endParaRPr lang="ko-KR" altLang="en-US"/>
+                </a:p>
+              </p:txBody>
+            </p:sp>
+            <p:sp>
+              <p:nvSpPr>
+                <p:cNvPr id="21" name="직사각형 20"/>
+                <p:cNvSpPr/>
+                <p:nvPr/>
+              </p:nvSpPr>
+              <p:spPr>
+                <a:xfrm>
+                  <a:off x="1388851" y="3171646"/>
+                  <a:ext cx="301924" cy="284672"/>
+                </a:xfrm>
+                <a:prstGeom prst="rect">
+                  <a:avLst/>
+                </a:prstGeom>
+              </p:spPr>
+              <p:style>
+                <a:lnRef idx="2">
+                  <a:schemeClr val="accent1">
+                    <a:shade val="50000"/>
+                  </a:schemeClr>
+                </a:lnRef>
+                <a:fillRef idx="1">
+                  <a:schemeClr val="accent1"/>
+                </a:fillRef>
+                <a:effectRef idx="0">
+                  <a:schemeClr val="accent1"/>
+                </a:effectRef>
+                <a:fontRef idx="minor">
+                  <a:schemeClr val="lt1"/>
+                </a:fontRef>
+              </p:style>
+              <p:txBody>
+                <a:bodyPr rtlCol="0" anchor="ctr"/>
+                <a:lstStyle/>
+                <a:p>
+                  <a:pPr algn="ctr"/>
+                  <a:endParaRPr lang="ko-KR" altLang="en-US"/>
+                </a:p>
+              </p:txBody>
+            </p:sp>
+            <p:sp>
+              <p:nvSpPr>
+                <p:cNvPr id="22" name="직사각형 21"/>
+                <p:cNvSpPr/>
+                <p:nvPr/>
+              </p:nvSpPr>
+              <p:spPr>
+                <a:xfrm>
+                  <a:off x="1086927" y="3456318"/>
+                  <a:ext cx="301924" cy="284672"/>
+                </a:xfrm>
+                <a:prstGeom prst="rect">
+                  <a:avLst/>
+                </a:prstGeom>
+              </p:spPr>
+              <p:style>
+                <a:lnRef idx="2">
+                  <a:schemeClr val="accent1">
+                    <a:shade val="50000"/>
+                  </a:schemeClr>
+                </a:lnRef>
+                <a:fillRef idx="1">
+                  <a:schemeClr val="accent1"/>
+                </a:fillRef>
+                <a:effectRef idx="0">
+                  <a:schemeClr val="accent1"/>
+                </a:effectRef>
+                <a:fontRef idx="minor">
+                  <a:schemeClr val="lt1"/>
+                </a:fontRef>
+              </p:style>
+              <p:txBody>
+                <a:bodyPr rtlCol="0" anchor="ctr"/>
+                <a:lstStyle/>
+                <a:p>
+                  <a:pPr algn="ctr"/>
+                  <a:endParaRPr lang="ko-KR" altLang="en-US"/>
+                </a:p>
+              </p:txBody>
+            </p:sp>
+          </p:grpSp>
+          <p:grpSp>
+            <p:nvGrpSpPr>
+              <p:cNvPr id="23" name="그룹 22"/>
+              <p:cNvGrpSpPr/>
+              <p:nvPr/>
+            </p:nvGrpSpPr>
+            <p:grpSpPr>
+              <a:xfrm rot="10800000">
+                <a:off x="3490823" y="5222659"/>
+                <a:ext cx="603848" cy="569344"/>
+                <a:chOff x="3292415" y="3145768"/>
+                <a:chExt cx="603848" cy="569344"/>
+              </a:xfrm>
+            </p:grpSpPr>
+            <p:sp>
+              <p:nvSpPr>
+                <p:cNvPr id="24" name="직사각형 23"/>
+                <p:cNvSpPr/>
+                <p:nvPr/>
+              </p:nvSpPr>
+              <p:spPr>
+                <a:xfrm>
+                  <a:off x="3292415" y="3145768"/>
+                  <a:ext cx="301924" cy="284672"/>
+                </a:xfrm>
+                <a:prstGeom prst="rect">
+                  <a:avLst/>
+                </a:prstGeom>
+              </p:spPr>
+              <p:style>
+                <a:lnRef idx="2">
+                  <a:schemeClr val="accent1">
+                    <a:shade val="50000"/>
+                  </a:schemeClr>
+                </a:lnRef>
+                <a:fillRef idx="1">
+                  <a:schemeClr val="accent1"/>
+                </a:fillRef>
+                <a:effectRef idx="0">
+                  <a:schemeClr val="accent1"/>
+                </a:effectRef>
+                <a:fontRef idx="minor">
+                  <a:schemeClr val="lt1"/>
+                </a:fontRef>
+              </p:style>
+              <p:txBody>
+                <a:bodyPr rtlCol="0" anchor="ctr"/>
+                <a:lstStyle/>
+                <a:p>
+                  <a:pPr algn="ctr"/>
+                  <a:endParaRPr lang="ko-KR" altLang="en-US"/>
+                </a:p>
+              </p:txBody>
+            </p:sp>
+            <p:sp>
+              <p:nvSpPr>
+                <p:cNvPr id="25" name="직사각형 24"/>
+                <p:cNvSpPr/>
+                <p:nvPr/>
+              </p:nvSpPr>
+              <p:spPr>
+                <a:xfrm>
+                  <a:off x="3594339" y="3145768"/>
+                  <a:ext cx="301924" cy="284672"/>
+                </a:xfrm>
+                <a:prstGeom prst="rect">
+                  <a:avLst/>
+                </a:prstGeom>
+              </p:spPr>
+              <p:style>
+                <a:lnRef idx="2">
+                  <a:schemeClr val="accent1">
+                    <a:shade val="50000"/>
+                  </a:schemeClr>
+                </a:lnRef>
+                <a:fillRef idx="1">
+                  <a:schemeClr val="accent1"/>
+                </a:fillRef>
+                <a:effectRef idx="0">
+                  <a:schemeClr val="accent1"/>
+                </a:effectRef>
+                <a:fontRef idx="minor">
+                  <a:schemeClr val="lt1"/>
+                </a:fontRef>
+              </p:style>
+              <p:txBody>
+                <a:bodyPr rtlCol="0" anchor="ctr"/>
+                <a:lstStyle/>
+                <a:p>
+                  <a:pPr algn="ctr"/>
+                  <a:endParaRPr lang="ko-KR" altLang="en-US"/>
+                </a:p>
+              </p:txBody>
+            </p:sp>
+            <p:sp>
+              <p:nvSpPr>
+                <p:cNvPr id="26" name="직사각형 25"/>
+                <p:cNvSpPr/>
+                <p:nvPr/>
+              </p:nvSpPr>
+              <p:spPr>
+                <a:xfrm>
+                  <a:off x="3292415" y="3430440"/>
+                  <a:ext cx="301924" cy="284672"/>
+                </a:xfrm>
+                <a:prstGeom prst="rect">
+                  <a:avLst/>
+                </a:prstGeom>
+              </p:spPr>
+              <p:style>
+                <a:lnRef idx="2">
+                  <a:schemeClr val="accent1">
+                    <a:shade val="50000"/>
+                  </a:schemeClr>
+                </a:lnRef>
+                <a:fillRef idx="1">
+                  <a:schemeClr val="accent1"/>
+                </a:fillRef>
+                <a:effectRef idx="0">
+                  <a:schemeClr val="accent1"/>
+                </a:effectRef>
+                <a:fontRef idx="minor">
+                  <a:schemeClr val="lt1"/>
+                </a:fontRef>
+              </p:style>
+              <p:txBody>
+                <a:bodyPr rtlCol="0" anchor="ctr"/>
+                <a:lstStyle/>
+                <a:p>
+                  <a:pPr algn="ctr"/>
+                  <a:endParaRPr lang="ko-KR" altLang="en-US"/>
+                </a:p>
+              </p:txBody>
+            </p:sp>
+          </p:grpSp>
+        </p:grpSp>
+      </p:grpSp>
+      <p:grpSp>
+        <p:nvGrpSpPr>
+          <p:cNvPr id="48" name="그룹 47"/>
+          <p:cNvGrpSpPr/>
+          <p:nvPr/>
+        </p:nvGrpSpPr>
+        <p:grpSpPr>
+          <a:xfrm>
+            <a:off x="4826462" y="4804913"/>
+            <a:ext cx="1666353" cy="1121434"/>
+            <a:chOff x="2618099" y="4804913"/>
+            <a:chExt cx="1666353" cy="1121434"/>
+          </a:xfrm>
+        </p:grpSpPr>
+        <p:sp>
+          <p:nvSpPr>
+            <p:cNvPr id="49" name="직사각형 48"/>
+            <p:cNvSpPr/>
+            <p:nvPr/>
+          </p:nvSpPr>
+          <p:spPr>
+            <a:xfrm>
+              <a:off x="2618099" y="4804913"/>
+              <a:ext cx="1666353" cy="1121434"/>
+            </a:xfrm>
+            <a:prstGeom prst="rect">
+              <a:avLst/>
+            </a:prstGeom>
+            <a:solidFill>
+              <a:srgbClr val="92D050"/>
+            </a:solidFill>
+          </p:spPr>
+          <p:style>
+            <a:lnRef idx="2">
+              <a:schemeClr val="accent1">
+                <a:shade val="50000"/>
+              </a:schemeClr>
+            </a:lnRef>
+            <a:fillRef idx="1">
+              <a:schemeClr val="accent1"/>
+            </a:fillRef>
+            <a:effectRef idx="0">
+              <a:schemeClr val="accent1"/>
+            </a:effectRef>
+            <a:fontRef idx="minor">
+              <a:schemeClr val="lt1"/>
+            </a:fontRef>
+          </p:style>
+          <p:txBody>
+            <a:bodyPr rtlCol="0" anchor="ctr"/>
+            <a:lstStyle/>
+            <a:p>
+              <a:pPr algn="ctr"/>
+              <a:endParaRPr lang="ko-KR" altLang="en-US"/>
+            </a:p>
+          </p:txBody>
+        </p:sp>
+        <p:grpSp>
+          <p:nvGrpSpPr>
+            <p:cNvPr id="50" name="그룹 49"/>
+            <p:cNvGrpSpPr/>
+            <p:nvPr/>
+          </p:nvGrpSpPr>
+          <p:grpSpPr>
+            <a:xfrm>
+              <a:off x="2786331" y="4937987"/>
+              <a:ext cx="1308340" cy="854016"/>
+              <a:chOff x="2786331" y="4937987"/>
+              <a:chExt cx="1308340" cy="854016"/>
+            </a:xfrm>
+          </p:grpSpPr>
+          <p:grpSp>
+            <p:nvGrpSpPr>
+              <p:cNvPr id="51" name="그룹 50"/>
+              <p:cNvGrpSpPr/>
+              <p:nvPr/>
+            </p:nvGrpSpPr>
+            <p:grpSpPr>
+              <a:xfrm>
+                <a:off x="2786331" y="4937987"/>
+                <a:ext cx="603848" cy="569344"/>
+                <a:chOff x="1086927" y="3171646"/>
+                <a:chExt cx="603848" cy="569344"/>
+              </a:xfrm>
+            </p:grpSpPr>
+            <p:sp>
+              <p:nvSpPr>
+                <p:cNvPr id="56" name="직사각형 55"/>
+                <p:cNvSpPr/>
+                <p:nvPr/>
+              </p:nvSpPr>
+              <p:spPr>
+                <a:xfrm>
+                  <a:off x="1086927" y="3171646"/>
+                  <a:ext cx="301924" cy="284672"/>
+                </a:xfrm>
+                <a:prstGeom prst="rect">
+                  <a:avLst/>
+                </a:prstGeom>
+              </p:spPr>
+              <p:style>
+                <a:lnRef idx="2">
+                  <a:schemeClr val="accent1">
+                    <a:shade val="50000"/>
+                  </a:schemeClr>
+                </a:lnRef>
+                <a:fillRef idx="1">
+                  <a:schemeClr val="accent1"/>
+                </a:fillRef>
+                <a:effectRef idx="0">
+                  <a:schemeClr val="accent1"/>
+                </a:effectRef>
+                <a:fontRef idx="minor">
+                  <a:schemeClr val="lt1"/>
+                </a:fontRef>
+              </p:style>
+              <p:txBody>
+                <a:bodyPr rtlCol="0" anchor="ctr"/>
+                <a:lstStyle/>
+                <a:p>
+                  <a:pPr algn="ctr"/>
+                  <a:endParaRPr lang="ko-KR" altLang="en-US"/>
+                </a:p>
+              </p:txBody>
+            </p:sp>
+            <p:sp>
+              <p:nvSpPr>
+                <p:cNvPr id="57" name="직사각형 56"/>
+                <p:cNvSpPr/>
+                <p:nvPr/>
+              </p:nvSpPr>
+              <p:spPr>
+                <a:xfrm>
+                  <a:off x="1388851" y="3171646"/>
+                  <a:ext cx="301924" cy="284672"/>
+                </a:xfrm>
+                <a:prstGeom prst="rect">
+                  <a:avLst/>
+                </a:prstGeom>
+              </p:spPr>
+              <p:style>
+                <a:lnRef idx="2">
+                  <a:schemeClr val="accent1">
+                    <a:shade val="50000"/>
+                  </a:schemeClr>
+                </a:lnRef>
+                <a:fillRef idx="1">
+                  <a:schemeClr val="accent1"/>
+                </a:fillRef>
+                <a:effectRef idx="0">
+                  <a:schemeClr val="accent1"/>
+                </a:effectRef>
+                <a:fontRef idx="minor">
+                  <a:schemeClr val="lt1"/>
+                </a:fontRef>
+              </p:style>
+              <p:txBody>
+                <a:bodyPr rtlCol="0" anchor="ctr"/>
+                <a:lstStyle/>
+                <a:p>
+                  <a:pPr algn="ctr"/>
+                  <a:endParaRPr lang="ko-KR" altLang="en-US"/>
+                </a:p>
+              </p:txBody>
+            </p:sp>
+            <p:sp>
+              <p:nvSpPr>
+                <p:cNvPr id="58" name="직사각형 57"/>
+                <p:cNvSpPr/>
+                <p:nvPr/>
+              </p:nvSpPr>
+              <p:spPr>
+                <a:xfrm>
+                  <a:off x="1086927" y="3456318"/>
+                  <a:ext cx="301924" cy="284672"/>
+                </a:xfrm>
+                <a:prstGeom prst="rect">
+                  <a:avLst/>
+                </a:prstGeom>
+              </p:spPr>
+              <p:style>
+                <a:lnRef idx="2">
+                  <a:schemeClr val="accent1">
+                    <a:shade val="50000"/>
+                  </a:schemeClr>
+                </a:lnRef>
+                <a:fillRef idx="1">
+                  <a:schemeClr val="accent1"/>
+                </a:fillRef>
+                <a:effectRef idx="0">
+                  <a:schemeClr val="accent1"/>
+                </a:effectRef>
+                <a:fontRef idx="minor">
+                  <a:schemeClr val="lt1"/>
+                </a:fontRef>
+              </p:style>
+              <p:txBody>
+                <a:bodyPr rtlCol="0" anchor="ctr"/>
+                <a:lstStyle/>
+                <a:p>
+                  <a:pPr algn="ctr"/>
+                  <a:endParaRPr lang="ko-KR" altLang="en-US"/>
+                </a:p>
+              </p:txBody>
+            </p:sp>
+          </p:grpSp>
+          <p:grpSp>
+            <p:nvGrpSpPr>
+              <p:cNvPr id="52" name="그룹 51"/>
+              <p:cNvGrpSpPr/>
+              <p:nvPr/>
+            </p:nvGrpSpPr>
+            <p:grpSpPr>
+              <a:xfrm rot="10800000">
+                <a:off x="3490823" y="5222659"/>
+                <a:ext cx="603848" cy="569344"/>
+                <a:chOff x="3292415" y="3145768"/>
+                <a:chExt cx="603848" cy="569344"/>
+              </a:xfrm>
+            </p:grpSpPr>
+            <p:sp>
+              <p:nvSpPr>
+                <p:cNvPr id="53" name="직사각형 52"/>
+                <p:cNvSpPr/>
+                <p:nvPr/>
+              </p:nvSpPr>
+              <p:spPr>
+                <a:xfrm>
+                  <a:off x="3292415" y="3145768"/>
+                  <a:ext cx="301924" cy="284672"/>
+                </a:xfrm>
+                <a:prstGeom prst="rect">
+                  <a:avLst/>
+                </a:prstGeom>
+              </p:spPr>
+              <p:style>
+                <a:lnRef idx="2">
+                  <a:schemeClr val="accent1">
+                    <a:shade val="50000"/>
+                  </a:schemeClr>
+                </a:lnRef>
+                <a:fillRef idx="1">
+                  <a:schemeClr val="accent1"/>
+                </a:fillRef>
+                <a:effectRef idx="0">
+                  <a:schemeClr val="accent1"/>
+                </a:effectRef>
+                <a:fontRef idx="minor">
+                  <a:schemeClr val="lt1"/>
+                </a:fontRef>
+              </p:style>
+              <p:txBody>
+                <a:bodyPr rtlCol="0" anchor="ctr"/>
+                <a:lstStyle/>
+                <a:p>
+                  <a:pPr algn="ctr"/>
+                  <a:endParaRPr lang="ko-KR" altLang="en-US"/>
+                </a:p>
+              </p:txBody>
+            </p:sp>
+            <p:sp>
+              <p:nvSpPr>
+                <p:cNvPr id="54" name="직사각형 53"/>
+                <p:cNvSpPr/>
+                <p:nvPr/>
+              </p:nvSpPr>
+              <p:spPr>
+                <a:xfrm>
+                  <a:off x="3594339" y="3145768"/>
+                  <a:ext cx="301924" cy="284672"/>
+                </a:xfrm>
+                <a:prstGeom prst="rect">
+                  <a:avLst/>
+                </a:prstGeom>
+              </p:spPr>
+              <p:style>
+                <a:lnRef idx="2">
+                  <a:schemeClr val="accent1">
+                    <a:shade val="50000"/>
+                  </a:schemeClr>
+                </a:lnRef>
+                <a:fillRef idx="1">
+                  <a:schemeClr val="accent1"/>
+                </a:fillRef>
+                <a:effectRef idx="0">
+                  <a:schemeClr val="accent1"/>
+                </a:effectRef>
+                <a:fontRef idx="minor">
+                  <a:schemeClr val="lt1"/>
+                </a:fontRef>
+              </p:style>
+              <p:txBody>
+                <a:bodyPr rtlCol="0" anchor="ctr"/>
+                <a:lstStyle/>
+                <a:p>
+                  <a:pPr algn="ctr"/>
+                  <a:endParaRPr lang="ko-KR" altLang="en-US"/>
+                </a:p>
+              </p:txBody>
+            </p:sp>
+            <p:sp>
+              <p:nvSpPr>
+                <p:cNvPr id="55" name="직사각형 54"/>
+                <p:cNvSpPr/>
+                <p:nvPr/>
+              </p:nvSpPr>
+              <p:spPr>
+                <a:xfrm>
+                  <a:off x="3292415" y="3430440"/>
+                  <a:ext cx="301924" cy="284672"/>
+                </a:xfrm>
+                <a:prstGeom prst="rect">
+                  <a:avLst/>
+                </a:prstGeom>
+              </p:spPr>
+              <p:style>
+                <a:lnRef idx="2">
+                  <a:schemeClr val="accent1">
+                    <a:shade val="50000"/>
+                  </a:schemeClr>
+                </a:lnRef>
+                <a:fillRef idx="1">
+                  <a:schemeClr val="accent1"/>
+                </a:fillRef>
+                <a:effectRef idx="0">
+                  <a:schemeClr val="accent1"/>
+                </a:effectRef>
+                <a:fontRef idx="minor">
+                  <a:schemeClr val="lt1"/>
+                </a:fontRef>
+              </p:style>
+              <p:txBody>
+                <a:bodyPr rtlCol="0" anchor="ctr"/>
+                <a:lstStyle/>
+                <a:p>
+                  <a:pPr algn="ctr"/>
+                  <a:endParaRPr lang="ko-KR" altLang="en-US"/>
+                </a:p>
+              </p:txBody>
+            </p:sp>
+          </p:grpSp>
+        </p:grpSp>
+      </p:grpSp>
+      <p:grpSp>
+        <p:nvGrpSpPr>
+          <p:cNvPr id="59" name="그룹 58"/>
+          <p:cNvGrpSpPr/>
+          <p:nvPr/>
+        </p:nvGrpSpPr>
+        <p:grpSpPr>
+          <a:xfrm>
+            <a:off x="7062192" y="4804913"/>
+            <a:ext cx="1666353" cy="1121434"/>
+            <a:chOff x="2618099" y="4804913"/>
+            <a:chExt cx="1666353" cy="1121434"/>
+          </a:xfrm>
+        </p:grpSpPr>
+        <p:sp>
+          <p:nvSpPr>
+            <p:cNvPr id="60" name="직사각형 59"/>
+            <p:cNvSpPr/>
+            <p:nvPr/>
+          </p:nvSpPr>
+          <p:spPr>
+            <a:xfrm>
+              <a:off x="2618099" y="4804913"/>
+              <a:ext cx="1666353" cy="1121434"/>
+            </a:xfrm>
+            <a:prstGeom prst="rect">
+              <a:avLst/>
+            </a:prstGeom>
+            <a:solidFill>
+              <a:srgbClr val="00B0F0"/>
+            </a:solidFill>
+          </p:spPr>
+          <p:style>
+            <a:lnRef idx="2">
+              <a:schemeClr val="accent1">
+                <a:shade val="50000"/>
+              </a:schemeClr>
+            </a:lnRef>
+            <a:fillRef idx="1">
+              <a:schemeClr val="accent1"/>
+            </a:fillRef>
+            <a:effectRef idx="0">
+              <a:schemeClr val="accent1"/>
+            </a:effectRef>
+            <a:fontRef idx="minor">
+              <a:schemeClr val="lt1"/>
+            </a:fontRef>
+          </p:style>
+          <p:txBody>
+            <a:bodyPr rtlCol="0" anchor="ctr"/>
+            <a:lstStyle/>
+            <a:p>
+              <a:pPr algn="ctr"/>
+              <a:endParaRPr lang="ko-KR" altLang="en-US"/>
+            </a:p>
+          </p:txBody>
+        </p:sp>
+        <p:grpSp>
+          <p:nvGrpSpPr>
+            <p:cNvPr id="61" name="그룹 60"/>
+            <p:cNvGrpSpPr/>
+            <p:nvPr/>
+          </p:nvGrpSpPr>
+          <p:grpSpPr>
+            <a:xfrm>
+              <a:off x="2786331" y="4937987"/>
+              <a:ext cx="1308340" cy="854016"/>
+              <a:chOff x="2786331" y="4937987"/>
+              <a:chExt cx="1308340" cy="854016"/>
+            </a:xfrm>
+          </p:grpSpPr>
+          <p:grpSp>
+            <p:nvGrpSpPr>
+              <p:cNvPr id="62" name="그룹 61"/>
+              <p:cNvGrpSpPr/>
+              <p:nvPr/>
+            </p:nvGrpSpPr>
+            <p:grpSpPr>
+              <a:xfrm>
+                <a:off x="2786331" y="4937987"/>
+                <a:ext cx="603848" cy="569344"/>
+                <a:chOff x="1086927" y="3171646"/>
+                <a:chExt cx="603848" cy="569344"/>
+              </a:xfrm>
+            </p:grpSpPr>
+            <p:sp>
+              <p:nvSpPr>
+                <p:cNvPr id="67" name="직사각형 66"/>
+                <p:cNvSpPr/>
+                <p:nvPr/>
+              </p:nvSpPr>
+              <p:spPr>
+                <a:xfrm>
+                  <a:off x="1086927" y="3171646"/>
+                  <a:ext cx="301924" cy="284672"/>
+                </a:xfrm>
+                <a:prstGeom prst="rect">
+                  <a:avLst/>
+                </a:prstGeom>
+              </p:spPr>
+              <p:style>
+                <a:lnRef idx="2">
+                  <a:schemeClr val="accent1">
+                    <a:shade val="50000"/>
+                  </a:schemeClr>
+                </a:lnRef>
+                <a:fillRef idx="1">
+                  <a:schemeClr val="accent1"/>
+                </a:fillRef>
+                <a:effectRef idx="0">
+                  <a:schemeClr val="accent1"/>
+                </a:effectRef>
+                <a:fontRef idx="minor">
+                  <a:schemeClr val="lt1"/>
+                </a:fontRef>
+              </p:style>
+              <p:txBody>
+                <a:bodyPr rtlCol="0" anchor="ctr"/>
+                <a:lstStyle/>
+                <a:p>
+                  <a:pPr algn="ctr"/>
+                  <a:endParaRPr lang="ko-KR" altLang="en-US"/>
+                </a:p>
+              </p:txBody>
+            </p:sp>
+            <p:sp>
+              <p:nvSpPr>
+                <p:cNvPr id="68" name="직사각형 67"/>
+                <p:cNvSpPr/>
+                <p:nvPr/>
+              </p:nvSpPr>
+              <p:spPr>
+                <a:xfrm>
+                  <a:off x="1388851" y="3171646"/>
+                  <a:ext cx="301924" cy="284672"/>
+                </a:xfrm>
+                <a:prstGeom prst="rect">
+                  <a:avLst/>
+                </a:prstGeom>
+              </p:spPr>
+              <p:style>
+                <a:lnRef idx="2">
+                  <a:schemeClr val="accent1">
+                    <a:shade val="50000"/>
+                  </a:schemeClr>
+                </a:lnRef>
+                <a:fillRef idx="1">
+                  <a:schemeClr val="accent1"/>
+                </a:fillRef>
+                <a:effectRef idx="0">
+                  <a:schemeClr val="accent1"/>
+                </a:effectRef>
+                <a:fontRef idx="minor">
+                  <a:schemeClr val="lt1"/>
+                </a:fontRef>
+              </p:style>
+              <p:txBody>
+                <a:bodyPr rtlCol="0" anchor="ctr"/>
+                <a:lstStyle/>
+                <a:p>
+                  <a:pPr algn="ctr"/>
+                  <a:endParaRPr lang="ko-KR" altLang="en-US"/>
+                </a:p>
+              </p:txBody>
+            </p:sp>
+            <p:sp>
+              <p:nvSpPr>
+                <p:cNvPr id="69" name="직사각형 68"/>
+                <p:cNvSpPr/>
+                <p:nvPr/>
+              </p:nvSpPr>
+              <p:spPr>
+                <a:xfrm>
+                  <a:off x="1086927" y="3456318"/>
+                  <a:ext cx="301924" cy="284672"/>
+                </a:xfrm>
+                <a:prstGeom prst="rect">
+                  <a:avLst/>
+                </a:prstGeom>
+              </p:spPr>
+              <p:style>
+                <a:lnRef idx="2">
+                  <a:schemeClr val="accent1">
+                    <a:shade val="50000"/>
+                  </a:schemeClr>
+                </a:lnRef>
+                <a:fillRef idx="1">
+                  <a:schemeClr val="accent1"/>
+                </a:fillRef>
+                <a:effectRef idx="0">
+                  <a:schemeClr val="accent1"/>
+                </a:effectRef>
+                <a:fontRef idx="minor">
+                  <a:schemeClr val="lt1"/>
+                </a:fontRef>
+              </p:style>
+              <p:txBody>
+                <a:bodyPr rtlCol="0" anchor="ctr"/>
+                <a:lstStyle/>
+                <a:p>
+                  <a:pPr algn="ctr"/>
+                  <a:endParaRPr lang="ko-KR" altLang="en-US"/>
+                </a:p>
+              </p:txBody>
+            </p:sp>
+          </p:grpSp>
+          <p:grpSp>
+            <p:nvGrpSpPr>
+              <p:cNvPr id="63" name="그룹 62"/>
+              <p:cNvGrpSpPr/>
+              <p:nvPr/>
+            </p:nvGrpSpPr>
+            <p:grpSpPr>
+              <a:xfrm rot="10800000">
+                <a:off x="3490823" y="5222659"/>
+                <a:ext cx="603848" cy="569344"/>
+                <a:chOff x="3292415" y="3145768"/>
+                <a:chExt cx="603848" cy="569344"/>
+              </a:xfrm>
+            </p:grpSpPr>
+            <p:sp>
+              <p:nvSpPr>
+                <p:cNvPr id="64" name="직사각형 63"/>
+                <p:cNvSpPr/>
+                <p:nvPr/>
+              </p:nvSpPr>
+              <p:spPr>
+                <a:xfrm>
+                  <a:off x="3292415" y="3145768"/>
+                  <a:ext cx="301924" cy="284672"/>
+                </a:xfrm>
+                <a:prstGeom prst="rect">
+                  <a:avLst/>
+                </a:prstGeom>
+              </p:spPr>
+              <p:style>
+                <a:lnRef idx="2">
+                  <a:schemeClr val="accent1">
+                    <a:shade val="50000"/>
+                  </a:schemeClr>
+                </a:lnRef>
+                <a:fillRef idx="1">
+                  <a:schemeClr val="accent1"/>
+                </a:fillRef>
+                <a:effectRef idx="0">
+                  <a:schemeClr val="accent1"/>
+                </a:effectRef>
+                <a:fontRef idx="minor">
+                  <a:schemeClr val="lt1"/>
+                </a:fontRef>
+              </p:style>
+              <p:txBody>
+                <a:bodyPr rtlCol="0" anchor="ctr"/>
+                <a:lstStyle/>
+                <a:p>
+                  <a:pPr algn="ctr"/>
+                  <a:endParaRPr lang="ko-KR" altLang="en-US"/>
+                </a:p>
+              </p:txBody>
+            </p:sp>
+            <p:sp>
+              <p:nvSpPr>
+                <p:cNvPr id="65" name="직사각형 64"/>
+                <p:cNvSpPr/>
+                <p:nvPr/>
+              </p:nvSpPr>
+              <p:spPr>
+                <a:xfrm>
+                  <a:off x="3594339" y="3145768"/>
+                  <a:ext cx="301924" cy="284672"/>
+                </a:xfrm>
+                <a:prstGeom prst="rect">
+                  <a:avLst/>
+                </a:prstGeom>
+              </p:spPr>
+              <p:style>
+                <a:lnRef idx="2">
+                  <a:schemeClr val="accent1">
+                    <a:shade val="50000"/>
+                  </a:schemeClr>
+                </a:lnRef>
+                <a:fillRef idx="1">
+                  <a:schemeClr val="accent1"/>
+                </a:fillRef>
+                <a:effectRef idx="0">
+                  <a:schemeClr val="accent1"/>
+                </a:effectRef>
+                <a:fontRef idx="minor">
+                  <a:schemeClr val="lt1"/>
+                </a:fontRef>
+              </p:style>
+              <p:txBody>
+                <a:bodyPr rtlCol="0" anchor="ctr"/>
+                <a:lstStyle/>
+                <a:p>
+                  <a:pPr algn="ctr"/>
+                  <a:endParaRPr lang="ko-KR" altLang="en-US"/>
+                </a:p>
+              </p:txBody>
+            </p:sp>
+            <p:sp>
+              <p:nvSpPr>
+                <p:cNvPr id="66" name="직사각형 65"/>
+                <p:cNvSpPr/>
+                <p:nvPr/>
+              </p:nvSpPr>
+              <p:spPr>
+                <a:xfrm>
+                  <a:off x="3292415" y="3430440"/>
+                  <a:ext cx="301924" cy="284672"/>
+                </a:xfrm>
+                <a:prstGeom prst="rect">
+                  <a:avLst/>
+                </a:prstGeom>
+              </p:spPr>
+              <p:style>
+                <a:lnRef idx="2">
+                  <a:schemeClr val="accent1">
+                    <a:shade val="50000"/>
+                  </a:schemeClr>
+                </a:lnRef>
+                <a:fillRef idx="1">
+                  <a:schemeClr val="accent1"/>
+                </a:fillRef>
+                <a:effectRef idx="0">
+                  <a:schemeClr val="accent1"/>
+                </a:effectRef>
+                <a:fontRef idx="minor">
+                  <a:schemeClr val="lt1"/>
+                </a:fontRef>
+              </p:style>
+              <p:txBody>
+                <a:bodyPr rtlCol="0" anchor="ctr"/>
+                <a:lstStyle/>
+                <a:p>
+                  <a:pPr algn="ctr"/>
+                  <a:endParaRPr lang="ko-KR" altLang="en-US"/>
+                </a:p>
+              </p:txBody>
+            </p:sp>
+          </p:grpSp>
+        </p:grpSp>
+      </p:grpSp>
+      <p:grpSp>
+        <p:nvGrpSpPr>
+          <p:cNvPr id="70" name="그룹 69"/>
+          <p:cNvGrpSpPr/>
+          <p:nvPr/>
+        </p:nvGrpSpPr>
+        <p:grpSpPr>
+          <a:xfrm>
+            <a:off x="2618099" y="2967487"/>
+            <a:ext cx="1666353" cy="1121434"/>
+            <a:chOff x="2618099" y="4804913"/>
+            <a:chExt cx="1666353" cy="1121434"/>
+          </a:xfrm>
+        </p:grpSpPr>
+        <p:sp>
+          <p:nvSpPr>
+            <p:cNvPr id="71" name="직사각형 70"/>
+            <p:cNvSpPr/>
+            <p:nvPr/>
+          </p:nvSpPr>
+          <p:spPr>
+            <a:xfrm>
+              <a:off x="2618099" y="4804913"/>
+              <a:ext cx="1666353" cy="1121434"/>
+            </a:xfrm>
+            <a:prstGeom prst="rect">
+              <a:avLst/>
+            </a:prstGeom>
+            <a:noFill/>
+          </p:spPr>
+          <p:style>
+            <a:lnRef idx="2">
+              <a:schemeClr val="accent1">
+                <a:shade val="50000"/>
+              </a:schemeClr>
+            </a:lnRef>
+            <a:fillRef idx="1">
+              <a:schemeClr val="accent1"/>
+            </a:fillRef>
+            <a:effectRef idx="0">
+              <a:schemeClr val="accent1"/>
+            </a:effectRef>
+            <a:fontRef idx="minor">
+              <a:schemeClr val="lt1"/>
+            </a:fontRef>
+          </p:style>
+          <p:txBody>
+            <a:bodyPr rtlCol="0" anchor="ctr"/>
+            <a:lstStyle/>
+            <a:p>
+              <a:pPr algn="ctr"/>
+              <a:endParaRPr lang="ko-KR" altLang="en-US"/>
+            </a:p>
+          </p:txBody>
+        </p:sp>
+        <p:grpSp>
+          <p:nvGrpSpPr>
+            <p:cNvPr id="72" name="그룹 71"/>
+            <p:cNvGrpSpPr/>
+            <p:nvPr/>
+          </p:nvGrpSpPr>
+          <p:grpSpPr>
+            <a:xfrm>
+              <a:off x="2786331" y="4937987"/>
+              <a:ext cx="1308340" cy="854016"/>
+              <a:chOff x="2786331" y="4937987"/>
+              <a:chExt cx="1308340" cy="854016"/>
+            </a:xfrm>
+          </p:grpSpPr>
+          <p:grpSp>
+            <p:nvGrpSpPr>
+              <p:cNvPr id="73" name="그룹 72"/>
+              <p:cNvGrpSpPr/>
+              <p:nvPr/>
+            </p:nvGrpSpPr>
+            <p:grpSpPr>
+              <a:xfrm>
+                <a:off x="2786331" y="4937987"/>
+                <a:ext cx="603848" cy="569344"/>
+                <a:chOff x="1086927" y="3171646"/>
+                <a:chExt cx="603848" cy="569344"/>
+              </a:xfrm>
+            </p:grpSpPr>
+            <p:sp>
+              <p:nvSpPr>
+                <p:cNvPr id="78" name="직사각형 77"/>
+                <p:cNvSpPr/>
+                <p:nvPr/>
+              </p:nvSpPr>
+              <p:spPr>
+                <a:xfrm>
+                  <a:off x="1086927" y="3171646"/>
+                  <a:ext cx="301924" cy="284672"/>
+                </a:xfrm>
+                <a:prstGeom prst="rect">
+                  <a:avLst/>
+                </a:prstGeom>
+              </p:spPr>
+              <p:style>
+                <a:lnRef idx="2">
+                  <a:schemeClr val="accent1">
+                    <a:shade val="50000"/>
+                  </a:schemeClr>
+                </a:lnRef>
+                <a:fillRef idx="1">
+                  <a:schemeClr val="accent1"/>
+                </a:fillRef>
+                <a:effectRef idx="0">
+                  <a:schemeClr val="accent1"/>
+                </a:effectRef>
+                <a:fontRef idx="minor">
+                  <a:schemeClr val="lt1"/>
+                </a:fontRef>
+              </p:style>
+              <p:txBody>
+                <a:bodyPr rtlCol="0" anchor="ctr"/>
+                <a:lstStyle/>
+                <a:p>
+                  <a:pPr algn="ctr"/>
+                  <a:endParaRPr lang="ko-KR" altLang="en-US"/>
+                </a:p>
+              </p:txBody>
+            </p:sp>
+            <p:sp>
+              <p:nvSpPr>
+                <p:cNvPr id="79" name="직사각형 78"/>
+                <p:cNvSpPr/>
+                <p:nvPr/>
+              </p:nvSpPr>
+              <p:spPr>
+                <a:xfrm>
+                  <a:off x="1388851" y="3171646"/>
+                  <a:ext cx="301924" cy="284672"/>
+                </a:xfrm>
+                <a:prstGeom prst="rect">
+                  <a:avLst/>
+                </a:prstGeom>
+              </p:spPr>
+              <p:style>
+                <a:lnRef idx="2">
+                  <a:schemeClr val="accent1">
+                    <a:shade val="50000"/>
+                  </a:schemeClr>
+                </a:lnRef>
+                <a:fillRef idx="1">
+                  <a:schemeClr val="accent1"/>
+                </a:fillRef>
+                <a:effectRef idx="0">
+                  <a:schemeClr val="accent1"/>
+                </a:effectRef>
+                <a:fontRef idx="minor">
+                  <a:schemeClr val="lt1"/>
+                </a:fontRef>
+              </p:style>
+              <p:txBody>
+                <a:bodyPr rtlCol="0" anchor="ctr"/>
+                <a:lstStyle/>
+                <a:p>
+                  <a:pPr algn="ctr"/>
+                  <a:endParaRPr lang="ko-KR" altLang="en-US"/>
+                </a:p>
+              </p:txBody>
+            </p:sp>
+            <p:sp>
+              <p:nvSpPr>
+                <p:cNvPr id="80" name="직사각형 79"/>
+                <p:cNvSpPr/>
+                <p:nvPr/>
+              </p:nvSpPr>
+              <p:spPr>
+                <a:xfrm>
+                  <a:off x="1086927" y="3456318"/>
+                  <a:ext cx="301924" cy="284672"/>
+                </a:xfrm>
+                <a:prstGeom prst="rect">
+                  <a:avLst/>
+                </a:prstGeom>
+              </p:spPr>
+              <p:style>
+                <a:lnRef idx="2">
+                  <a:schemeClr val="accent1">
+                    <a:shade val="50000"/>
+                  </a:schemeClr>
+                </a:lnRef>
+                <a:fillRef idx="1">
+                  <a:schemeClr val="accent1"/>
+                </a:fillRef>
+                <a:effectRef idx="0">
+                  <a:schemeClr val="accent1"/>
+                </a:effectRef>
+                <a:fontRef idx="minor">
+                  <a:schemeClr val="lt1"/>
+                </a:fontRef>
+              </p:style>
+              <p:txBody>
+                <a:bodyPr rtlCol="0" anchor="ctr"/>
+                <a:lstStyle/>
+                <a:p>
+                  <a:pPr algn="ctr"/>
+                  <a:endParaRPr lang="ko-KR" altLang="en-US"/>
+                </a:p>
+              </p:txBody>
+            </p:sp>
+          </p:grpSp>
+          <p:grpSp>
+            <p:nvGrpSpPr>
+              <p:cNvPr id="74" name="그룹 73"/>
+              <p:cNvGrpSpPr/>
+              <p:nvPr/>
+            </p:nvGrpSpPr>
+            <p:grpSpPr>
+              <a:xfrm rot="10800000">
+                <a:off x="3490823" y="5222659"/>
+                <a:ext cx="603848" cy="569344"/>
+                <a:chOff x="3292415" y="3145768"/>
+                <a:chExt cx="603848" cy="569344"/>
+              </a:xfrm>
+            </p:grpSpPr>
+            <p:sp>
+              <p:nvSpPr>
+                <p:cNvPr id="75" name="직사각형 74"/>
+                <p:cNvSpPr/>
+                <p:nvPr/>
+              </p:nvSpPr>
+              <p:spPr>
+                <a:xfrm>
+                  <a:off x="3292415" y="3145768"/>
+                  <a:ext cx="301924" cy="284672"/>
+                </a:xfrm>
+                <a:prstGeom prst="rect">
+                  <a:avLst/>
+                </a:prstGeom>
+              </p:spPr>
+              <p:style>
+                <a:lnRef idx="2">
+                  <a:schemeClr val="accent1">
+                    <a:shade val="50000"/>
+                  </a:schemeClr>
+                </a:lnRef>
+                <a:fillRef idx="1">
+                  <a:schemeClr val="accent1"/>
+                </a:fillRef>
+                <a:effectRef idx="0">
+                  <a:schemeClr val="accent1"/>
+                </a:effectRef>
+                <a:fontRef idx="minor">
+                  <a:schemeClr val="lt1"/>
+                </a:fontRef>
+              </p:style>
+              <p:txBody>
+                <a:bodyPr rtlCol="0" anchor="ctr"/>
+                <a:lstStyle/>
+                <a:p>
+                  <a:pPr algn="ctr"/>
+                  <a:endParaRPr lang="ko-KR" altLang="en-US"/>
+                </a:p>
+              </p:txBody>
+            </p:sp>
+            <p:sp>
+              <p:nvSpPr>
+                <p:cNvPr id="76" name="직사각형 75"/>
+                <p:cNvSpPr/>
+                <p:nvPr/>
+              </p:nvSpPr>
+              <p:spPr>
+                <a:xfrm>
+                  <a:off x="3594339" y="3145768"/>
+                  <a:ext cx="301924" cy="284672"/>
+                </a:xfrm>
+                <a:prstGeom prst="rect">
+                  <a:avLst/>
+                </a:prstGeom>
+              </p:spPr>
+              <p:style>
+                <a:lnRef idx="2">
+                  <a:schemeClr val="accent1">
+                    <a:shade val="50000"/>
+                  </a:schemeClr>
+                </a:lnRef>
+                <a:fillRef idx="1">
+                  <a:schemeClr val="accent1"/>
+                </a:fillRef>
+                <a:effectRef idx="0">
+                  <a:schemeClr val="accent1"/>
+                </a:effectRef>
+                <a:fontRef idx="minor">
+                  <a:schemeClr val="lt1"/>
+                </a:fontRef>
+              </p:style>
+              <p:txBody>
+                <a:bodyPr rtlCol="0" anchor="ctr"/>
+                <a:lstStyle/>
+                <a:p>
+                  <a:pPr algn="ctr"/>
+                  <a:endParaRPr lang="ko-KR" altLang="en-US"/>
+                </a:p>
+              </p:txBody>
+            </p:sp>
+            <p:sp>
+              <p:nvSpPr>
+                <p:cNvPr id="77" name="직사각형 76"/>
+                <p:cNvSpPr/>
+                <p:nvPr/>
+              </p:nvSpPr>
+              <p:spPr>
+                <a:xfrm>
+                  <a:off x="3292415" y="3430440"/>
+                  <a:ext cx="301924" cy="284672"/>
+                </a:xfrm>
+                <a:prstGeom prst="rect">
+                  <a:avLst/>
+                </a:prstGeom>
+              </p:spPr>
+              <p:style>
+                <a:lnRef idx="2">
+                  <a:schemeClr val="accent1">
+                    <a:shade val="50000"/>
+                  </a:schemeClr>
+                </a:lnRef>
+                <a:fillRef idx="1">
+                  <a:schemeClr val="accent1"/>
+                </a:fillRef>
+                <a:effectRef idx="0">
+                  <a:schemeClr val="accent1"/>
+                </a:effectRef>
+                <a:fontRef idx="minor">
+                  <a:schemeClr val="lt1"/>
+                </a:fontRef>
+              </p:style>
+              <p:txBody>
+                <a:bodyPr rtlCol="0" anchor="ctr"/>
+                <a:lstStyle/>
+                <a:p>
+                  <a:pPr algn="ctr"/>
+                  <a:endParaRPr lang="ko-KR" altLang="en-US"/>
+                </a:p>
+              </p:txBody>
+            </p:sp>
+          </p:grpSp>
+        </p:grpSp>
+      </p:grpSp>
+      <p:sp>
+        <p:nvSpPr>
+          <p:cNvPr id="81" name="TextBox 80"/>
+          <p:cNvSpPr txBox="1"/>
+          <p:nvPr/>
+        </p:nvSpPr>
+        <p:spPr>
+          <a:xfrm>
+            <a:off x="479864" y="5180329"/>
+            <a:ext cx="1858201" cy="646331"/>
+          </a:xfrm>
+          <a:prstGeom prst="rect">
+            <a:avLst/>
+          </a:prstGeom>
+          <a:noFill/>
+        </p:spPr>
+        <p:txBody>
+          <a:bodyPr wrap="none" rtlCol="0">
+            <a:spAutoFit/>
+          </a:bodyPr>
+          <a:lstStyle/>
+          <a:p>
+            <a:pPr algn="ctr"/>
+            <a:r>
+              <a:rPr lang="en-US" altLang="ko-KR" dirty="0" err="1"/>
+              <a:t>srfs_totalrooms</a:t>
+            </a:r>
+            <a:endParaRPr lang="en-US" altLang="ko-KR" dirty="0" smtClean="0">
+              <a:latin typeface="Artifakt Element" panose="020B0503050000020004" pitchFamily="34" charset="0"/>
+            </a:endParaRPr>
+          </a:p>
+          <a:p>
+            <a:pPr algn="ctr"/>
+            <a:r>
+              <a:rPr lang="en-US" altLang="ko-KR" dirty="0" err="1" smtClean="0">
+                <a:latin typeface="Artifakt Element" panose="020B0503050000020004" pitchFamily="34" charset="0"/>
+              </a:rPr>
+              <a:t>TotalClusterSet</a:t>
+            </a:r>
+            <a:endParaRPr lang="ko-KR" altLang="en-US" dirty="0">
+              <a:latin typeface="Artifakt Element" panose="020B0503050000020004" pitchFamily="34" charset="0"/>
+            </a:endParaRPr>
+          </a:p>
+        </p:txBody>
+      </p:sp>
+      <p:sp>
+        <p:nvSpPr>
+          <p:cNvPr id="83" name="직사각형 82"/>
+          <p:cNvSpPr/>
+          <p:nvPr/>
+        </p:nvSpPr>
+        <p:spPr>
+          <a:xfrm>
+            <a:off x="5296618" y="1079104"/>
+            <a:ext cx="301924" cy="284672"/>
+          </a:xfrm>
+          <a:prstGeom prst="rect">
+            <a:avLst/>
+          </a:prstGeom>
+        </p:spPr>
+        <p:style>
+          <a:lnRef idx="2">
+            <a:schemeClr val="accent1">
+              <a:shade val="50000"/>
+            </a:schemeClr>
+          </a:lnRef>
+          <a:fillRef idx="1">
+            <a:schemeClr val="accent1"/>
+          </a:fillRef>
+          <a:effectRef idx="0">
+            <a:schemeClr val="accent1"/>
+          </a:effectRef>
+          <a:fontRef idx="minor">
+            <a:schemeClr val="lt1"/>
+          </a:fontRef>
+        </p:style>
+        <p:txBody>
+          <a:bodyPr rtlCol="0" anchor="ctr"/>
+          <a:lstStyle/>
+          <a:p>
+            <a:pPr algn="ctr"/>
+            <a:endParaRPr lang="ko-KR" altLang="en-US"/>
+          </a:p>
+        </p:txBody>
+      </p:sp>
+      <p:sp>
+        <p:nvSpPr>
+          <p:cNvPr id="84" name="직사각형 83"/>
+          <p:cNvSpPr/>
+          <p:nvPr/>
+        </p:nvSpPr>
+        <p:spPr>
+          <a:xfrm>
+            <a:off x="5620874" y="1079104"/>
+            <a:ext cx="301924" cy="284672"/>
+          </a:xfrm>
+          <a:prstGeom prst="rect">
+            <a:avLst/>
+          </a:prstGeom>
+        </p:spPr>
+        <p:style>
+          <a:lnRef idx="2">
+            <a:schemeClr val="accent1">
+              <a:shade val="50000"/>
+            </a:schemeClr>
+          </a:lnRef>
+          <a:fillRef idx="1">
+            <a:schemeClr val="accent1"/>
+          </a:fillRef>
+          <a:effectRef idx="0">
+            <a:schemeClr val="accent1"/>
+          </a:effectRef>
+          <a:fontRef idx="minor">
+            <a:schemeClr val="lt1"/>
+          </a:fontRef>
+        </p:style>
+        <p:txBody>
+          <a:bodyPr rtlCol="0" anchor="ctr"/>
+          <a:lstStyle/>
+          <a:p>
+            <a:pPr algn="ctr"/>
+            <a:endParaRPr lang="ko-KR" altLang="en-US"/>
+          </a:p>
+        </p:txBody>
+      </p:sp>
+      <p:sp>
+        <p:nvSpPr>
+          <p:cNvPr id="85" name="직사각형 84"/>
+          <p:cNvSpPr/>
+          <p:nvPr/>
+        </p:nvSpPr>
+        <p:spPr>
+          <a:xfrm>
+            <a:off x="5296618" y="1381028"/>
+            <a:ext cx="301924" cy="284672"/>
+          </a:xfrm>
+          <a:prstGeom prst="rect">
+            <a:avLst/>
+          </a:prstGeom>
+        </p:spPr>
+        <p:style>
+          <a:lnRef idx="2">
+            <a:schemeClr val="accent1">
+              <a:shade val="50000"/>
+            </a:schemeClr>
+          </a:lnRef>
+          <a:fillRef idx="1">
+            <a:schemeClr val="accent1"/>
+          </a:fillRef>
+          <a:effectRef idx="0">
+            <a:schemeClr val="accent1"/>
+          </a:effectRef>
+          <a:fontRef idx="minor">
+            <a:schemeClr val="lt1"/>
+          </a:fontRef>
+        </p:style>
+        <p:txBody>
+          <a:bodyPr rtlCol="0" anchor="ctr"/>
+          <a:lstStyle/>
+          <a:p>
+            <a:pPr algn="ctr"/>
+            <a:endParaRPr lang="ko-KR" altLang="en-US"/>
+          </a:p>
+        </p:txBody>
+      </p:sp>
+      <p:sp>
+        <p:nvSpPr>
+          <p:cNvPr id="86" name="TextBox 85"/>
+          <p:cNvSpPr txBox="1"/>
+          <p:nvPr/>
+        </p:nvSpPr>
+        <p:spPr>
+          <a:xfrm>
+            <a:off x="4123141" y="1054027"/>
+            <a:ext cx="930063" cy="369332"/>
+          </a:xfrm>
+          <a:prstGeom prst="rect">
+            <a:avLst/>
+          </a:prstGeom>
+          <a:noFill/>
+        </p:spPr>
+        <p:txBody>
+          <a:bodyPr wrap="none" rtlCol="0">
+            <a:spAutoFit/>
+          </a:bodyPr>
+          <a:lstStyle/>
+          <a:p>
+            <a:pPr algn="ctr"/>
+            <a:r>
+              <a:rPr lang="en-US" altLang="ko-KR" dirty="0" smtClean="0">
+                <a:latin typeface="Artifakt Element" panose="020B0503050000020004" pitchFamily="34" charset="0"/>
+              </a:rPr>
+              <a:t>Rooms</a:t>
+            </a:r>
+            <a:endParaRPr lang="ko-KR" altLang="en-US" dirty="0">
+              <a:latin typeface="Artifakt Element" panose="020B0503050000020004" pitchFamily="34" charset="0"/>
+            </a:endParaRPr>
+          </a:p>
+        </p:txBody>
+      </p:sp>
+      <p:sp>
+        <p:nvSpPr>
+          <p:cNvPr id="87" name="TextBox 86"/>
+          <p:cNvSpPr txBox="1"/>
+          <p:nvPr/>
+        </p:nvSpPr>
+        <p:spPr>
+          <a:xfrm>
+            <a:off x="4357899" y="2575318"/>
+            <a:ext cx="1877438" cy="369332"/>
+          </a:xfrm>
+          <a:prstGeom prst="rect">
+            <a:avLst/>
+          </a:prstGeom>
+          <a:noFill/>
+        </p:spPr>
+        <p:txBody>
+          <a:bodyPr wrap="none" rtlCol="0">
+            <a:spAutoFit/>
+          </a:bodyPr>
+          <a:lstStyle/>
+          <a:p>
+            <a:pPr algn="ctr"/>
+            <a:r>
+              <a:rPr lang="en-US" altLang="ko-KR" dirty="0" err="1" smtClean="0">
+                <a:latin typeface="Artifakt Element" panose="020B0503050000020004" pitchFamily="34" charset="0"/>
+              </a:rPr>
+              <a:t>QsetPlacer</a:t>
+            </a:r>
+            <a:r>
+              <a:rPr lang="en-US" altLang="ko-KR" dirty="0" smtClean="0">
+                <a:latin typeface="Artifakt Element" panose="020B0503050000020004" pitchFamily="34" charset="0"/>
+              </a:rPr>
+              <a:t> </a:t>
+            </a:r>
+            <a:r>
+              <a:rPr lang="ko-KR" altLang="en-US" dirty="0" smtClean="0">
+                <a:latin typeface="Artifakt Element" panose="020B0503050000020004" pitchFamily="34" charset="0"/>
+              </a:rPr>
+              <a:t>객체</a:t>
+            </a:r>
+            <a:endParaRPr lang="ko-KR" altLang="en-US" dirty="0">
+              <a:latin typeface="Artifakt Element" panose="020B0503050000020004" pitchFamily="34" charset="0"/>
+            </a:endParaRPr>
+          </a:p>
+        </p:txBody>
+      </p:sp>
+    </p:spTree>
+    <p:extLst>
+      <p:ext uri="{BB962C8B-B14F-4D97-AF65-F5344CB8AC3E}">
+        <p14:creationId xmlns:p14="http://schemas.microsoft.com/office/powerpoint/2010/main" val="2270370959"/>
       </p:ext>
     </p:extLst>
   </p:cSld>
